--- a/CDS presentation/Tag1_Data Modeling with Core Data Services.pptx
+++ b/CDS presentation/Tag1_Data Modeling with Core Data Services.pptx
@@ -5,7 +5,7 @@
     <p:sldMasterId id="2147483648" r:id="rId1"/>
   </p:sldMasterIdLst>
   <p:notesMasterIdLst>
-    <p:notesMasterId r:id="rId54"/>
+    <p:notesMasterId r:id="rId41"/>
   </p:notesMasterIdLst>
   <p:sldIdLst>
     <p:sldId id="282" r:id="rId2"/>
@@ -47,19 +47,6 @@
     <p:sldId id="341" r:id="rId38"/>
     <p:sldId id="342" r:id="rId39"/>
     <p:sldId id="338" r:id="rId40"/>
-    <p:sldId id="340" r:id="rId41"/>
-    <p:sldId id="302" r:id="rId42"/>
-    <p:sldId id="311" r:id="rId43"/>
-    <p:sldId id="312" r:id="rId44"/>
-    <p:sldId id="303" r:id="rId45"/>
-    <p:sldId id="313" r:id="rId46"/>
-    <p:sldId id="304" r:id="rId47"/>
-    <p:sldId id="314" r:id="rId48"/>
-    <p:sldId id="318" r:id="rId49"/>
-    <p:sldId id="305" r:id="rId50"/>
-    <p:sldId id="315" r:id="rId51"/>
-    <p:sldId id="317" r:id="rId52"/>
-    <p:sldId id="316" r:id="rId53"/>
   </p:sldIdLst>
   <p:sldSz cx="12192000" cy="6858000"/>
   <p:notesSz cx="6858000" cy="9144000"/>
@@ -2978,7 +2965,7 @@
           <a:p>
             <a:fld id="{8ED8D8E7-E4ED-C44E-8758-E77C2E550289}" type="datetimeFigureOut">
               <a:rPr lang="de-DE" smtClean="0"/>
-              <a:t>16.06.24</a:t>
+              <a:t>17.06.24</a:t>
             </a:fld>
             <a:endParaRPr lang="de-DE"/>
           </a:p>
@@ -3245,90 +3232,6 @@
 </p:notesMaster>
 </file>
 
-<file path=ppt/notesSlides/notesSlide1.xml><?xml version="1.0" encoding="utf-8"?>
-<p:notes xmlns:a="http://schemas.openxmlformats.org/drawingml/2006/main" xmlns:r="http://schemas.openxmlformats.org/officeDocument/2006/relationships" xmlns:p="http://schemas.openxmlformats.org/presentationml/2006/main">
-  <p:cSld>
-    <p:spTree>
-      <p:nvGrpSpPr>
-        <p:cNvPr id="1" name=""/>
-        <p:cNvGrpSpPr/>
-        <p:nvPr/>
-      </p:nvGrpSpPr>
-      <p:grpSpPr>
-        <a:xfrm>
-          <a:off x="0" y="0"/>
-          <a:ext cx="0" cy="0"/>
-          <a:chOff x="0" y="0"/>
-          <a:chExt cx="0" cy="0"/>
-        </a:xfrm>
-      </p:grpSpPr>
-      <p:sp>
-        <p:nvSpPr>
-          <p:cNvPr id="2" name="Folienbildplatzhalter 1"/>
-          <p:cNvSpPr>
-            <a:spLocks noGrp="1" noRot="1" noChangeAspect="1"/>
-          </p:cNvSpPr>
-          <p:nvPr>
-            <p:ph type="sldImg"/>
-          </p:nvPr>
-        </p:nvSpPr>
-        <p:spPr/>
-      </p:sp>
-      <p:sp>
-        <p:nvSpPr>
-          <p:cNvPr id="3" name="Notizenplatzhalter 2"/>
-          <p:cNvSpPr>
-            <a:spLocks noGrp="1"/>
-          </p:cNvSpPr>
-          <p:nvPr>
-            <p:ph type="body" idx="1"/>
-          </p:nvPr>
-        </p:nvSpPr>
-        <p:spPr/>
-        <p:txBody>
-          <a:bodyPr/>
-          <a:lstStyle/>
-          <a:p>
-            <a:endParaRPr lang="de-DE" dirty="0"/>
-          </a:p>
-        </p:txBody>
-      </p:sp>
-      <p:sp>
-        <p:nvSpPr>
-          <p:cNvPr id="4" name="Foliennummernplatzhalter 3"/>
-          <p:cNvSpPr>
-            <a:spLocks noGrp="1"/>
-          </p:cNvSpPr>
-          <p:nvPr>
-            <p:ph type="sldNum" sz="quarter" idx="5"/>
-          </p:nvPr>
-        </p:nvSpPr>
-        <p:spPr/>
-        <p:txBody>
-          <a:bodyPr/>
-          <a:lstStyle/>
-          <a:p>
-            <a:fld id="{DC0C8601-5E09-0E4C-A79E-D4DC8377D91B}" type="slidenum">
-              <a:rPr lang="de-DE" smtClean="0"/>
-              <a:t>51</a:t>
-            </a:fld>
-            <a:endParaRPr lang="de-DE"/>
-          </a:p>
-        </p:txBody>
-      </p:sp>
-    </p:spTree>
-    <p:extLst>
-      <p:ext uri="{BB962C8B-B14F-4D97-AF65-F5344CB8AC3E}">
-        <p14:creationId xmlns:p14="http://schemas.microsoft.com/office/powerpoint/2010/main" val="3276778942"/>
-      </p:ext>
-    </p:extLst>
-  </p:cSld>
-  <p:clrMapOvr>
-    <a:masterClrMapping/>
-  </p:clrMapOvr>
-</p:notes>
-</file>
-
 <file path=ppt/slideLayouts/slideLayout1.xml><?xml version="1.0" encoding="utf-8"?>
 <p:sldLayout xmlns:a="http://schemas.openxmlformats.org/drawingml/2006/main" xmlns:r="http://schemas.openxmlformats.org/officeDocument/2006/relationships" xmlns:p="http://schemas.openxmlformats.org/presentationml/2006/main" type="title" preserve="1">
   <p:cSld name="Titelfolie">
@@ -3476,7 +3379,7 @@
           <a:p>
             <a:fld id="{6D5CDF9B-D398-4250-A5D8-5FB8CF89A66D}" type="datetimeFigureOut">
               <a:rPr lang="de-DE" smtClean="0"/>
-              <a:t>16.06.24</a:t>
+              <a:t>17.06.24</a:t>
             </a:fld>
             <a:endParaRPr lang="de-DE"/>
           </a:p>
@@ -3674,7 +3577,7 @@
           <a:p>
             <a:fld id="{6D5CDF9B-D398-4250-A5D8-5FB8CF89A66D}" type="datetimeFigureOut">
               <a:rPr lang="de-DE" smtClean="0"/>
-              <a:t>16.06.24</a:t>
+              <a:t>17.06.24</a:t>
             </a:fld>
             <a:endParaRPr lang="de-DE"/>
           </a:p>
@@ -3882,7 +3785,7 @@
           <a:p>
             <a:fld id="{6D5CDF9B-D398-4250-A5D8-5FB8CF89A66D}" type="datetimeFigureOut">
               <a:rPr lang="de-DE" smtClean="0"/>
-              <a:t>16.06.24</a:t>
+              <a:t>17.06.24</a:t>
             </a:fld>
             <a:endParaRPr lang="de-DE"/>
           </a:p>
@@ -4080,7 +3983,7 @@
           <a:p>
             <a:fld id="{6D5CDF9B-D398-4250-A5D8-5FB8CF89A66D}" type="datetimeFigureOut">
               <a:rPr lang="de-DE" smtClean="0"/>
-              <a:t>16.06.24</a:t>
+              <a:t>17.06.24</a:t>
             </a:fld>
             <a:endParaRPr lang="de-DE"/>
           </a:p>
@@ -4355,7 +4258,7 @@
           <a:p>
             <a:fld id="{6D5CDF9B-D398-4250-A5D8-5FB8CF89A66D}" type="datetimeFigureOut">
               <a:rPr lang="de-DE" smtClean="0"/>
-              <a:t>16.06.24</a:t>
+              <a:t>17.06.24</a:t>
             </a:fld>
             <a:endParaRPr lang="de-DE"/>
           </a:p>
@@ -4620,7 +4523,7 @@
           <a:p>
             <a:fld id="{6D5CDF9B-D398-4250-A5D8-5FB8CF89A66D}" type="datetimeFigureOut">
               <a:rPr lang="de-DE" smtClean="0"/>
-              <a:t>16.06.24</a:t>
+              <a:t>17.06.24</a:t>
             </a:fld>
             <a:endParaRPr lang="de-DE"/>
           </a:p>
@@ -5032,7 +4935,7 @@
           <a:p>
             <a:fld id="{6D5CDF9B-D398-4250-A5D8-5FB8CF89A66D}" type="datetimeFigureOut">
               <a:rPr lang="de-DE" smtClean="0"/>
-              <a:t>16.06.24</a:t>
+              <a:t>17.06.24</a:t>
             </a:fld>
             <a:endParaRPr lang="de-DE"/>
           </a:p>
@@ -5173,7 +5076,7 @@
           <a:p>
             <a:fld id="{6D5CDF9B-D398-4250-A5D8-5FB8CF89A66D}" type="datetimeFigureOut">
               <a:rPr lang="de-DE" smtClean="0"/>
-              <a:t>16.06.24</a:t>
+              <a:t>17.06.24</a:t>
             </a:fld>
             <a:endParaRPr lang="de-DE"/>
           </a:p>
@@ -5286,7 +5189,7 @@
           <a:p>
             <a:fld id="{6D5CDF9B-D398-4250-A5D8-5FB8CF89A66D}" type="datetimeFigureOut">
               <a:rPr lang="de-DE" smtClean="0"/>
-              <a:t>16.06.24</a:t>
+              <a:t>17.06.24</a:t>
             </a:fld>
             <a:endParaRPr lang="de-DE"/>
           </a:p>
@@ -5597,7 +5500,7 @@
           <a:p>
             <a:fld id="{6D5CDF9B-D398-4250-A5D8-5FB8CF89A66D}" type="datetimeFigureOut">
               <a:rPr lang="de-DE" smtClean="0"/>
-              <a:t>16.06.24</a:t>
+              <a:t>17.06.24</a:t>
             </a:fld>
             <a:endParaRPr lang="de-DE"/>
           </a:p>
@@ -5885,7 +5788,7 @@
           <a:p>
             <a:fld id="{6D5CDF9B-D398-4250-A5D8-5FB8CF89A66D}" type="datetimeFigureOut">
               <a:rPr lang="de-DE" smtClean="0"/>
-              <a:t>16.06.24</a:t>
+              <a:t>17.06.24</a:t>
             </a:fld>
             <a:endParaRPr lang="de-DE"/>
           </a:p>
@@ -6126,7 +6029,7 @@
           <a:p>
             <a:fld id="{6D5CDF9B-D398-4250-A5D8-5FB8CF89A66D}" type="datetimeFigureOut">
               <a:rPr lang="de-DE" smtClean="0"/>
-              <a:t>16.06.24</a:t>
+              <a:t>17.06.24</a:t>
             </a:fld>
             <a:endParaRPr lang="de-DE"/>
           </a:p>
@@ -23765,92 +23668,6 @@
 <file path=ppt/slides/slide39.xml><?xml version="1.0" encoding="utf-8"?>
 <p:sld xmlns:a="http://schemas.openxmlformats.org/drawingml/2006/main" xmlns:r="http://schemas.openxmlformats.org/officeDocument/2006/relationships" xmlns:p="http://schemas.openxmlformats.org/presentationml/2006/main">
   <p:cSld>
-    <p:spTree>
-      <p:nvGrpSpPr>
-        <p:cNvPr id="1" name=""/>
-        <p:cNvGrpSpPr/>
-        <p:nvPr/>
-      </p:nvGrpSpPr>
-      <p:grpSpPr>
-        <a:xfrm>
-          <a:off x="0" y="0"/>
-          <a:ext cx="0" cy="0"/>
-          <a:chOff x="0" y="0"/>
-          <a:chExt cx="0" cy="0"/>
-        </a:xfrm>
-      </p:grpSpPr>
-      <p:sp>
-        <p:nvSpPr>
-          <p:cNvPr id="5" name="Titel 4">
-            <a:extLst>
-              <a:ext uri="{FF2B5EF4-FFF2-40B4-BE49-F238E27FC236}">
-                <a16:creationId xmlns:a16="http://schemas.microsoft.com/office/drawing/2014/main" id="{6466E8A7-645C-A662-E450-37E7E94225DA}"/>
-              </a:ext>
-            </a:extLst>
-          </p:cNvPr>
-          <p:cNvSpPr>
-            <a:spLocks noGrp="1"/>
-          </p:cNvSpPr>
-          <p:nvPr>
-            <p:ph type="title"/>
-          </p:nvPr>
-        </p:nvSpPr>
-        <p:spPr/>
-        <p:txBody>
-          <a:bodyPr/>
-          <a:lstStyle/>
-          <a:p>
-            <a:r>
-              <a:rPr lang="de-DE" dirty="0"/>
-              <a:t>Brainstorming</a:t>
-            </a:r>
-          </a:p>
-        </p:txBody>
-      </p:sp>
-      <p:sp>
-        <p:nvSpPr>
-          <p:cNvPr id="6" name="Inhaltsplatzhalter 5">
-            <a:extLst>
-              <a:ext uri="{FF2B5EF4-FFF2-40B4-BE49-F238E27FC236}">
-                <a16:creationId xmlns:a16="http://schemas.microsoft.com/office/drawing/2014/main" id="{0D0F2816-D60C-E665-82B7-F512C57640E4}"/>
-              </a:ext>
-            </a:extLst>
-          </p:cNvPr>
-          <p:cNvSpPr>
-            <a:spLocks noGrp="1"/>
-          </p:cNvSpPr>
-          <p:nvPr>
-            <p:ph idx="1"/>
-          </p:nvPr>
-        </p:nvSpPr>
-        <p:spPr/>
-        <p:txBody>
-          <a:bodyPr/>
-          <a:lstStyle/>
-          <a:p>
-            <a:r>
-              <a:rPr lang="de-DE" dirty="0"/>
-              <a:t>Tageszusammenfassung</a:t>
-            </a:r>
-          </a:p>
-        </p:txBody>
-      </p:sp>
-    </p:spTree>
-    <p:extLst>
-      <p:ext uri="{BB962C8B-B14F-4D97-AF65-F5344CB8AC3E}">
-        <p14:creationId xmlns:p14="http://schemas.microsoft.com/office/powerpoint/2010/main" val="3125436281"/>
-      </p:ext>
-    </p:extLst>
-  </p:cSld>
-  <p:clrMapOvr>
-    <a:masterClrMapping/>
-  </p:clrMapOvr>
-</p:sld>
-</file>
-
-<file path=ppt/slides/slide4.xml><?xml version="1.0" encoding="utf-8"?>
-<p:sld xmlns:a="http://schemas.openxmlformats.org/drawingml/2006/main" xmlns:r="http://schemas.openxmlformats.org/officeDocument/2006/relationships" xmlns:p="http://schemas.openxmlformats.org/presentationml/2006/main">
-  <p:cSld>
     <p:bg>
       <p:bgPr>
         <a:solidFill>
@@ -23875,388 +23692,7 @@
       </p:grpSpPr>
       <p:sp useBgFill="1">
         <p:nvSpPr>
-          <p:cNvPr id="19" name="Rectangle 18">
-            <a:extLst>
-              <a:ext uri="{FF2B5EF4-FFF2-40B4-BE49-F238E27FC236}">
-                <a16:creationId xmlns:a16="http://schemas.microsoft.com/office/drawing/2014/main" id="{907EF6B7-1338-4443-8C46-6A318D952DFD}"/>
-              </a:ext>
-              <a:ext uri="{C183D7F6-B498-43B3-948B-1728B52AA6E4}">
-                <adec:decorative xmlns:adec="http://schemas.microsoft.com/office/drawing/2017/decorative" val="1"/>
-              </a:ext>
-            </a:extLst>
-          </p:cNvPr>
-          <p:cNvSpPr>
-            <a:spLocks noGrp="1" noRot="1" noChangeAspect="1" noMove="1" noResize="1" noEditPoints="1" noAdjustHandles="1" noChangeArrowheads="1" noChangeShapeType="1" noTextEdit="1"/>
-          </p:cNvSpPr>
-          <p:nvPr>
-            <p:extLst>
-              <p:ext uri="{386F3935-93C4-4BCD-93E2-E3B085C9AB24}">
-                <p16:designElem xmlns:p16="http://schemas.microsoft.com/office/powerpoint/2015/main" val="1"/>
-              </p:ext>
-            </p:extLst>
-          </p:nvPr>
-        </p:nvSpPr>
-        <p:spPr>
-          <a:xfrm>
-            <a:off x="3048" y="0"/>
-            <a:ext cx="12188952" cy="6858000"/>
-          </a:xfrm>
-          <a:prstGeom prst="rect">
-            <a:avLst/>
-          </a:prstGeom>
-          <a:ln>
-            <a:noFill/>
-          </a:ln>
-        </p:spPr>
-        <p:style>
-          <a:lnRef idx="2">
-            <a:schemeClr val="accent1">
-              <a:shade val="50000"/>
-            </a:schemeClr>
-          </a:lnRef>
-          <a:fillRef idx="1">
-            <a:schemeClr val="accent1"/>
-          </a:fillRef>
-          <a:effectRef idx="0">
-            <a:schemeClr val="accent1"/>
-          </a:effectRef>
-          <a:fontRef idx="minor">
-            <a:schemeClr val="lt1"/>
-          </a:fontRef>
-        </p:style>
-        <p:txBody>
-          <a:bodyPr rtlCol="0" anchor="ctr"/>
-          <a:lstStyle/>
-          <a:p>
-            <a:pPr algn="ctr"/>
-            <a:endParaRPr lang="en-US"/>
-          </a:p>
-        </p:txBody>
-      </p:sp>
-      <p:sp>
-        <p:nvSpPr>
-          <p:cNvPr id="21" name="Freeform: Shape 20">
-            <a:extLst>
-              <a:ext uri="{FF2B5EF4-FFF2-40B4-BE49-F238E27FC236}">
-                <a16:creationId xmlns:a16="http://schemas.microsoft.com/office/drawing/2014/main" id="{DAAE4CDD-124C-4DCF-9584-B6033B545DD5}"/>
-              </a:ext>
-              <a:ext uri="{C183D7F6-B498-43B3-948B-1728B52AA6E4}">
-                <adec:decorative xmlns:adec="http://schemas.microsoft.com/office/drawing/2017/decorative" val="1"/>
-              </a:ext>
-            </a:extLst>
-          </p:cNvPr>
-          <p:cNvSpPr>
-            <a:spLocks noGrp="1" noRot="1" noChangeAspect="1" noMove="1" noResize="1" noEditPoints="1" noAdjustHandles="1" noChangeArrowheads="1" noChangeShapeType="1" noTextEdit="1"/>
-          </p:cNvSpPr>
-          <p:nvPr>
-            <p:extLst>
-              <p:ext uri="{386F3935-93C4-4BCD-93E2-E3B085C9AB24}">
-                <p16:designElem xmlns:p16="http://schemas.microsoft.com/office/powerpoint/2015/main" val="1"/>
-              </p:ext>
-            </p:extLst>
-          </p:nvPr>
-        </p:nvSpPr>
-        <p:spPr>
-          <a:xfrm>
-            <a:off x="1" y="0"/>
-            <a:ext cx="4167271" cy="6858000"/>
-          </a:xfrm>
-          <a:custGeom>
-            <a:avLst/>
-            <a:gdLst>
-              <a:gd name="connsiteX0" fmla="*/ 0 w 4167271"/>
-              <a:gd name="connsiteY0" fmla="*/ 0 h 6858000"/>
-              <a:gd name="connsiteX1" fmla="*/ 2259550 w 4167271"/>
-              <a:gd name="connsiteY1" fmla="*/ 0 h 6858000"/>
-              <a:gd name="connsiteX2" fmla="*/ 2387803 w 4167271"/>
-              <a:gd name="connsiteY2" fmla="*/ 82222 h 6858000"/>
-              <a:gd name="connsiteX3" fmla="*/ 4167271 w 4167271"/>
-              <a:gd name="connsiteY3" fmla="*/ 3429000 h 6858000"/>
-              <a:gd name="connsiteX4" fmla="*/ 2387803 w 4167271"/>
-              <a:gd name="connsiteY4" fmla="*/ 6775779 h 6858000"/>
-              <a:gd name="connsiteX5" fmla="*/ 2259550 w 4167271"/>
-              <a:gd name="connsiteY5" fmla="*/ 6858000 h 6858000"/>
-              <a:gd name="connsiteX6" fmla="*/ 0 w 4167271"/>
-              <a:gd name="connsiteY6" fmla="*/ 6858000 h 6858000"/>
-            </a:gdLst>
-            <a:ahLst/>
-            <a:cxnLst>
-              <a:cxn ang="0">
-                <a:pos x="connsiteX0" y="connsiteY0"/>
-              </a:cxn>
-              <a:cxn ang="0">
-                <a:pos x="connsiteX1" y="connsiteY1"/>
-              </a:cxn>
-              <a:cxn ang="0">
-                <a:pos x="connsiteX2" y="connsiteY2"/>
-              </a:cxn>
-              <a:cxn ang="0">
-                <a:pos x="connsiteX3" y="connsiteY3"/>
-              </a:cxn>
-              <a:cxn ang="0">
-                <a:pos x="connsiteX4" y="connsiteY4"/>
-              </a:cxn>
-              <a:cxn ang="0">
-                <a:pos x="connsiteX5" y="connsiteY5"/>
-              </a:cxn>
-              <a:cxn ang="0">
-                <a:pos x="connsiteX6" y="connsiteY6"/>
-              </a:cxn>
-            </a:cxnLst>
-            <a:rect l="l" t="t" r="r" b="b"/>
-            <a:pathLst>
-              <a:path w="4167271" h="6858000">
-                <a:moveTo>
-                  <a:pt x="0" y="0"/>
-                </a:moveTo>
-                <a:lnTo>
-                  <a:pt x="2259550" y="0"/>
-                </a:lnTo>
-                <a:lnTo>
-                  <a:pt x="2387803" y="82222"/>
-                </a:lnTo>
-                <a:cubicBezTo>
-                  <a:pt x="3461407" y="807534"/>
-                  <a:pt x="4167271" y="2035835"/>
-                  <a:pt x="4167271" y="3429000"/>
-                </a:cubicBezTo>
-                <a:cubicBezTo>
-                  <a:pt x="4167271" y="4822165"/>
-                  <a:pt x="3461407" y="6050467"/>
-                  <a:pt x="2387803" y="6775779"/>
-                </a:cubicBezTo>
-                <a:lnTo>
-                  <a:pt x="2259550" y="6858000"/>
-                </a:lnTo>
-                <a:lnTo>
-                  <a:pt x="0" y="6858000"/>
-                </a:lnTo>
-                <a:close/>
-              </a:path>
-            </a:pathLst>
-          </a:custGeom>
-          <a:solidFill>
-            <a:schemeClr val="accent2"/>
-          </a:solidFill>
-          <a:ln>
-            <a:noFill/>
-          </a:ln>
-        </p:spPr>
-        <p:style>
-          <a:lnRef idx="2">
-            <a:schemeClr val="accent1">
-              <a:shade val="50000"/>
-            </a:schemeClr>
-          </a:lnRef>
-          <a:fillRef idx="1">
-            <a:schemeClr val="accent1"/>
-          </a:fillRef>
-          <a:effectRef idx="0">
-            <a:schemeClr val="accent1"/>
-          </a:effectRef>
-          <a:fontRef idx="minor">
-            <a:schemeClr val="lt1"/>
-          </a:fontRef>
-        </p:style>
-        <p:txBody>
-          <a:bodyPr rtlCol="0" anchor="ctr"/>
-          <a:lstStyle/>
-          <a:p>
-            <a:pPr algn="ctr"/>
-            <a:endParaRPr lang="en-US"/>
-          </a:p>
-        </p:txBody>
-      </p:sp>
-      <p:sp>
-        <p:nvSpPr>
-          <p:cNvPr id="2" name="Titel 1">
-            <a:extLst>
-              <a:ext uri="{FF2B5EF4-FFF2-40B4-BE49-F238E27FC236}">
-                <a16:creationId xmlns:a16="http://schemas.microsoft.com/office/drawing/2014/main" id="{92493E2E-0D32-3F0C-9FF0-3475F04C2619}"/>
-              </a:ext>
-            </a:extLst>
-          </p:cNvPr>
-          <p:cNvSpPr>
-            <a:spLocks noGrp="1"/>
-          </p:cNvSpPr>
-          <p:nvPr>
-            <p:ph type="title"/>
-          </p:nvPr>
-        </p:nvSpPr>
-        <p:spPr>
-          <a:xfrm>
-            <a:off x="686834" y="1153572"/>
-            <a:ext cx="3200400" cy="4461163"/>
-          </a:xfrm>
-        </p:spPr>
-        <p:txBody>
-          <a:bodyPr>
-            <a:normAutofit/>
-          </a:bodyPr>
-          <a:lstStyle/>
-          <a:p>
-            <a:r>
-              <a:rPr lang="de-DE">
-                <a:solidFill>
-                  <a:srgbClr val="FFFFFF"/>
-                </a:solidFill>
-              </a:rPr>
-              <a:t>Entität</a:t>
-            </a:r>
-          </a:p>
-        </p:txBody>
-      </p:sp>
-      <p:sp>
-        <p:nvSpPr>
-          <p:cNvPr id="23" name="Arc 22">
-            <a:extLst>
-              <a:ext uri="{FF2B5EF4-FFF2-40B4-BE49-F238E27FC236}">
-                <a16:creationId xmlns:a16="http://schemas.microsoft.com/office/drawing/2014/main" id="{081E4A58-353D-44AE-B2FC-2A74E2E400F7}"/>
-              </a:ext>
-              <a:ext uri="{C183D7F6-B498-43B3-948B-1728B52AA6E4}">
-                <adec:decorative xmlns:adec="http://schemas.microsoft.com/office/drawing/2017/decorative" val="1"/>
-              </a:ext>
-            </a:extLst>
-          </p:cNvPr>
-          <p:cNvSpPr>
-            <a:spLocks noGrp="1" noRot="1" noChangeAspect="1" noMove="1" noResize="1" noEditPoints="1" noAdjustHandles="1" noChangeArrowheads="1" noChangeShapeType="1" noTextEdit="1"/>
-          </p:cNvSpPr>
-          <p:nvPr>
-            <p:extLst>
-              <p:ext uri="{386F3935-93C4-4BCD-93E2-E3B085C9AB24}">
-                <p16:designElem xmlns:p16="http://schemas.microsoft.com/office/powerpoint/2015/main" val="1"/>
-              </p:ext>
-            </p:extLst>
-          </p:nvPr>
-        </p:nvSpPr>
-        <p:spPr>
-          <a:xfrm flipV="1">
-            <a:off x="7550402" y="2455479"/>
-            <a:ext cx="4083433" cy="4083433"/>
-          </a:xfrm>
-          <a:prstGeom prst="arc">
-            <a:avLst/>
-          </a:prstGeom>
-          <a:ln w="127000" cap="rnd">
-            <a:solidFill>
-              <a:schemeClr val="accent4"/>
-            </a:solidFill>
-            <a:prstDash val="dash"/>
-          </a:ln>
-        </p:spPr>
-        <p:style>
-          <a:lnRef idx="1">
-            <a:schemeClr val="accent1"/>
-          </a:lnRef>
-          <a:fillRef idx="0">
-            <a:schemeClr val="accent1"/>
-          </a:fillRef>
-          <a:effectRef idx="0">
-            <a:schemeClr val="accent1"/>
-          </a:effectRef>
-          <a:fontRef idx="minor">
-            <a:schemeClr val="tx1"/>
-          </a:fontRef>
-        </p:style>
-        <p:txBody>
-          <a:bodyPr rtlCol="0" anchor="ctr"/>
-          <a:lstStyle/>
-          <a:p>
-            <a:pPr algn="ctr"/>
-            <a:endParaRPr lang="en-US" dirty="0"/>
-          </a:p>
-        </p:txBody>
-      </p:sp>
-      <p:sp>
-        <p:nvSpPr>
-          <p:cNvPr id="3" name="Inhaltsplatzhalter 2">
-            <a:extLst>
-              <a:ext uri="{FF2B5EF4-FFF2-40B4-BE49-F238E27FC236}">
-                <a16:creationId xmlns:a16="http://schemas.microsoft.com/office/drawing/2014/main" id="{C11C5233-96BA-B1DB-ACF2-0B9B4483FE94}"/>
-              </a:ext>
-            </a:extLst>
-          </p:cNvPr>
-          <p:cNvSpPr>
-            <a:spLocks noGrp="1"/>
-          </p:cNvSpPr>
-          <p:nvPr>
-            <p:ph idx="1"/>
-          </p:nvPr>
-        </p:nvSpPr>
-        <p:spPr>
-          <a:xfrm>
-            <a:off x="4447308" y="591344"/>
-            <a:ext cx="6906491" cy="5585619"/>
-          </a:xfrm>
-        </p:spPr>
-        <p:txBody>
-          <a:bodyPr anchor="ctr">
-            <a:normAutofit/>
-          </a:bodyPr>
-          <a:lstStyle/>
-          <a:p>
-            <a:r>
-              <a:rPr lang="de-DE" dirty="0"/>
-              <a:t>Als Entität (englisch </a:t>
-            </a:r>
-            <a:r>
-              <a:rPr lang="de-DE" dirty="0" err="1"/>
-              <a:t>entity</a:t>
-            </a:r>
-            <a:r>
-              <a:rPr lang="de-DE" dirty="0"/>
-              <a:t>) wird in der Datenmodellierung ein eindeutig zu bestimmendes Objekt bezeichnet, über das Informationen gespeichert oder verarbeitet werden sollen.</a:t>
-            </a:r>
-          </a:p>
-          <a:p>
-            <a:r>
-              <a:rPr lang="de-DE" dirty="0"/>
-              <a:t>Beispiele: Ein Fahrzeug, ein Konto, eine Person, ein Zustand.</a:t>
-            </a:r>
-          </a:p>
-        </p:txBody>
-      </p:sp>
-    </p:spTree>
-    <p:extLst>
-      <p:ext uri="{BB962C8B-B14F-4D97-AF65-F5344CB8AC3E}">
-        <p14:creationId xmlns:p14="http://schemas.microsoft.com/office/powerpoint/2010/main" val="1553540450"/>
-      </p:ext>
-    </p:extLst>
-  </p:cSld>
-  <p:clrMapOvr>
-    <a:masterClrMapping/>
-  </p:clrMapOvr>
-</p:sld>
-</file>
-
-<file path=ppt/slides/slide40.xml><?xml version="1.0" encoding="utf-8"?>
-<p:sld xmlns:a="http://schemas.openxmlformats.org/drawingml/2006/main" xmlns:r="http://schemas.openxmlformats.org/officeDocument/2006/relationships" xmlns:p="http://schemas.openxmlformats.org/presentationml/2006/main">
-  <p:cSld>
-    <p:bg>
-      <p:bgPr>
-        <a:solidFill>
-          <a:schemeClr val="bg1"/>
-        </a:solidFill>
-        <a:effectLst/>
-      </p:bgPr>
-    </p:bg>
-    <p:spTree>
-      <p:nvGrpSpPr>
-        <p:cNvPr id="1" name=""/>
-        <p:cNvGrpSpPr/>
-        <p:nvPr/>
-      </p:nvGrpSpPr>
-      <p:grpSpPr>
-        <a:xfrm>
-          <a:off x="0" y="0"/>
-          <a:ext cx="0" cy="0"/>
-          <a:chOff x="0" y="0"/>
-          <a:chExt cx="0" cy="0"/>
-        </a:xfrm>
-      </p:grpSpPr>
-      <p:sp useBgFill="1">
-        <p:nvSpPr>
-          <p:cNvPr id="9" name="Rectangle 8">
+          <p:cNvPr id="11" name="Rectangle 10">
             <a:extLst>
               <a:ext uri="{FF2B5EF4-FFF2-40B4-BE49-F238E27FC236}">
                 <a16:creationId xmlns:a16="http://schemas.microsoft.com/office/drawing/2014/main" id="{943CAA20-3569-4189-9E48-239A229A86CA}"/>
@@ -24316,10 +23752,10 @@
       </p:sp>
       <p:sp>
         <p:nvSpPr>
-          <p:cNvPr id="4" name="Titel 3">
+          <p:cNvPr id="5" name="Titel 4">
             <a:extLst>
               <a:ext uri="{FF2B5EF4-FFF2-40B4-BE49-F238E27FC236}">
-                <a16:creationId xmlns:a16="http://schemas.microsoft.com/office/drawing/2014/main" id="{46A150BD-C90B-618D-F16F-F16CFBB5DC72}"/>
+                <a16:creationId xmlns:a16="http://schemas.microsoft.com/office/drawing/2014/main" id="{6466E8A7-645C-A662-E450-37E7E94225DA}"/>
               </a:ext>
             </a:extLst>
           </p:cNvPr>
@@ -24343,7 +23779,7 @@
           <a:lstStyle/>
           <a:p>
             <a:r>
-              <a:rPr lang="en-US" sz="6600" kern="1200" dirty="0">
+              <a:rPr lang="en-US" sz="6600" kern="1200">
                 <a:solidFill>
                   <a:schemeClr val="tx1"/>
                 </a:solidFill>
@@ -24351,14 +23787,56 @@
                 <a:ea typeface="+mj-ea"/>
                 <a:cs typeface="+mj-cs"/>
               </a:rPr>
-              <a:t>Tag 2</a:t>
+              <a:t>Brainstorming</a:t>
             </a:r>
           </a:p>
         </p:txBody>
       </p:sp>
       <p:sp>
         <p:nvSpPr>
-          <p:cNvPr id="11" name="sketch line">
+          <p:cNvPr id="6" name="Inhaltsplatzhalter 5">
+            <a:extLst>
+              <a:ext uri="{FF2B5EF4-FFF2-40B4-BE49-F238E27FC236}">
+                <a16:creationId xmlns:a16="http://schemas.microsoft.com/office/drawing/2014/main" id="{0D0F2816-D60C-E665-82B7-F512C57640E4}"/>
+              </a:ext>
+            </a:extLst>
+          </p:cNvPr>
+          <p:cNvSpPr>
+            <a:spLocks noGrp="1"/>
+          </p:cNvSpPr>
+          <p:nvPr>
+            <p:ph type="body" idx="1"/>
+          </p:nvPr>
+        </p:nvSpPr>
+        <p:spPr>
+          <a:xfrm>
+            <a:off x="838199" y="4983276"/>
+            <a:ext cx="10512552" cy="1126680"/>
+          </a:xfrm>
+        </p:spPr>
+        <p:txBody>
+          <a:bodyPr vert="horz" lIns="91440" tIns="45720" rIns="91440" bIns="45720" rtlCol="0">
+            <a:normAutofit/>
+          </a:bodyPr>
+          <a:lstStyle/>
+          <a:p>
+            <a:r>
+              <a:rPr lang="en-US" kern="1200">
+                <a:solidFill>
+                  <a:schemeClr val="tx1"/>
+                </a:solidFill>
+                <a:latin typeface="+mn-lt"/>
+                <a:ea typeface="+mn-ea"/>
+                <a:cs typeface="+mn-cs"/>
+              </a:rPr>
+              <a:t>Tageszusammenfassung</a:t>
+            </a:r>
+          </a:p>
+        </p:txBody>
+      </p:sp>
+      <p:sp>
+        <p:nvSpPr>
+          <p:cNvPr id="13" name="sketch line">
             <a:extLst>
               <a:ext uri="{FF2B5EF4-FFF2-40B4-BE49-F238E27FC236}">
                 <a16:creationId xmlns:a16="http://schemas.microsoft.com/office/drawing/2014/main" id="{DA542B6D-E775-4832-91DC-2D20F857813A}"/>
@@ -24732,698 +24210,7 @@
     </p:spTree>
     <p:extLst>
       <p:ext uri="{BB962C8B-B14F-4D97-AF65-F5344CB8AC3E}">
-        <p14:creationId xmlns:p14="http://schemas.microsoft.com/office/powerpoint/2010/main" val="523430278"/>
-      </p:ext>
-    </p:extLst>
-  </p:cSld>
-  <p:clrMapOvr>
-    <a:masterClrMapping/>
-  </p:clrMapOvr>
-  <p:timing>
-    <p:tnLst>
-      <p:par>
-        <p:cTn id="1" dur="indefinite" restart="never" nodeType="tmRoot">
-          <p:childTnLst>
-            <p:seq concurrent="1" nextAc="seek">
-              <p:cTn id="2" dur="indefinite" nodeType="mainSeq">
-                <p:childTnLst>
-                  <p:par>
-                    <p:cTn id="3" fill="hold">
-                      <p:stCondLst>
-                        <p:cond delay="indefinite"/>
-                        <p:cond evt="onBegin" delay="0">
-                          <p:tn val="2"/>
-                        </p:cond>
-                      </p:stCondLst>
-                      <p:childTnLst>
-                        <p:par>
-                          <p:cTn id="4" fill="hold">
-                            <p:stCondLst>
-                              <p:cond delay="0"/>
-                            </p:stCondLst>
-                            <p:childTnLst>
-                              <p:par>
-                                <p:cTn id="5" presetID="10" presetClass="entr" presetSubtype="0" fill="hold" grpId="0" nodeType="withEffect">
-                                  <p:stCondLst>
-                                    <p:cond delay="500"/>
-                                  </p:stCondLst>
-                                  <p:iterate type="wd">
-                                    <p:tmPct val="15000"/>
-                                  </p:iterate>
-                                  <p:childTnLst>
-                                    <p:set>
-                                      <p:cBhvr>
-                                        <p:cTn id="6" dur="1" fill="hold">
-                                          <p:stCondLst>
-                                            <p:cond delay="0"/>
-                                          </p:stCondLst>
-                                        </p:cTn>
-                                        <p:tgtEl>
-                                          <p:spTgt spid="4"/>
-                                        </p:tgtEl>
-                                        <p:attrNameLst>
-                                          <p:attrName>style.visibility</p:attrName>
-                                        </p:attrNameLst>
-                                      </p:cBhvr>
-                                      <p:to>
-                                        <p:strVal val="visible"/>
-                                      </p:to>
-                                    </p:set>
-                                    <p:animEffect transition="in" filter="fade">
-                                      <p:cBhvr>
-                                        <p:cTn id="7" dur="1000"/>
-                                        <p:tgtEl>
-                                          <p:spTgt spid="4"/>
-                                        </p:tgtEl>
-                                      </p:cBhvr>
-                                    </p:animEffect>
-                                  </p:childTnLst>
-                                </p:cTn>
-                              </p:par>
-                            </p:childTnLst>
-                          </p:cTn>
-                        </p:par>
-                      </p:childTnLst>
-                    </p:cTn>
-                  </p:par>
-                </p:childTnLst>
-              </p:cTn>
-              <p:prevCondLst>
-                <p:cond evt="onPrev" delay="0">
-                  <p:tgtEl>
-                    <p:sldTgt/>
-                  </p:tgtEl>
-                </p:cond>
-              </p:prevCondLst>
-              <p:nextCondLst>
-                <p:cond evt="onNext" delay="0">
-                  <p:tgtEl>
-                    <p:sldTgt/>
-                  </p:tgtEl>
-                </p:cond>
-              </p:nextCondLst>
-            </p:seq>
-          </p:childTnLst>
-        </p:cTn>
-      </p:par>
-    </p:tnLst>
-    <p:bldLst>
-      <p:bldP spid="4" grpId="0"/>
-    </p:bldLst>
-  </p:timing>
-</p:sld>
-</file>
-
-<file path=ppt/slides/slide41.xml><?xml version="1.0" encoding="utf-8"?>
-<p:sld xmlns:a="http://schemas.openxmlformats.org/drawingml/2006/main" xmlns:r="http://schemas.openxmlformats.org/officeDocument/2006/relationships" xmlns:p="http://schemas.openxmlformats.org/presentationml/2006/main">
-  <p:cSld>
-    <p:spTree>
-      <p:nvGrpSpPr>
-        <p:cNvPr id="1" name=""/>
-        <p:cNvGrpSpPr/>
-        <p:nvPr/>
-      </p:nvGrpSpPr>
-      <p:grpSpPr>
-        <a:xfrm>
-          <a:off x="0" y="0"/>
-          <a:ext cx="0" cy="0"/>
-          <a:chOff x="0" y="0"/>
-          <a:chExt cx="0" cy="0"/>
-        </a:xfrm>
-      </p:grpSpPr>
-      <p:sp>
-        <p:nvSpPr>
-          <p:cNvPr id="2" name="Titel 1">
-            <a:extLst>
-              <a:ext uri="{FF2B5EF4-FFF2-40B4-BE49-F238E27FC236}">
-                <a16:creationId xmlns:a16="http://schemas.microsoft.com/office/drawing/2014/main" id="{3EA24867-36F9-0F61-D7FA-5D7E344549F1}"/>
-              </a:ext>
-            </a:extLst>
-          </p:cNvPr>
-          <p:cNvSpPr>
-            <a:spLocks noGrp="1"/>
-          </p:cNvSpPr>
-          <p:nvPr>
-            <p:ph type="ctrTitle"/>
-          </p:nvPr>
-        </p:nvSpPr>
-        <p:spPr>
-          <a:xfrm>
-            <a:off x="643468" y="643467"/>
-            <a:ext cx="4620584" cy="4567137"/>
-          </a:xfrm>
-        </p:spPr>
-        <p:txBody>
-          <a:bodyPr>
-            <a:normAutofit/>
-          </a:bodyPr>
-          <a:lstStyle/>
-          <a:p>
-            <a:pPr algn="l"/>
-            <a:r>
-              <a:rPr lang="de-DE" sz="4400" dirty="0" err="1"/>
-              <a:t>Consumption</a:t>
-            </a:r>
-            <a:r>
-              <a:rPr lang="de-DE" sz="4400" dirty="0"/>
-              <a:t> Views</a:t>
-            </a:r>
-          </a:p>
-        </p:txBody>
-      </p:sp>
-      <p:sp>
-        <p:nvSpPr>
-          <p:cNvPr id="3" name="Untertitel 2">
-            <a:extLst>
-              <a:ext uri="{FF2B5EF4-FFF2-40B4-BE49-F238E27FC236}">
-                <a16:creationId xmlns:a16="http://schemas.microsoft.com/office/drawing/2014/main" id="{B2AC74AD-386B-54E2-7A7C-96B10A166B3F}"/>
-              </a:ext>
-            </a:extLst>
-          </p:cNvPr>
-          <p:cNvSpPr>
-            <a:spLocks noGrp="1"/>
-          </p:cNvSpPr>
-          <p:nvPr>
-            <p:ph type="subTitle" idx="1"/>
-          </p:nvPr>
-        </p:nvSpPr>
-        <p:spPr>
-          <a:xfrm>
-            <a:off x="643467" y="5277684"/>
-            <a:ext cx="4620584" cy="775494"/>
-          </a:xfrm>
-        </p:spPr>
-        <p:txBody>
-          <a:bodyPr>
-            <a:normAutofit/>
-          </a:bodyPr>
-          <a:lstStyle/>
-          <a:p>
-            <a:pPr algn="l"/>
-            <a:r>
-              <a:rPr lang="de-DE" dirty="0"/>
-              <a:t>Praktische Übung</a:t>
-            </a:r>
-          </a:p>
-        </p:txBody>
-      </p:sp>
-      <p:pic>
-        <p:nvPicPr>
-          <p:cNvPr id="115" name="Picture 4">
-            <a:extLst>
-              <a:ext uri="{FF2B5EF4-FFF2-40B4-BE49-F238E27FC236}">
-                <a16:creationId xmlns:a16="http://schemas.microsoft.com/office/drawing/2014/main" id="{3D82A014-FE84-D8E4-DD05-A62EF20C7388}"/>
-              </a:ext>
-            </a:extLst>
-          </p:cNvPr>
-          <p:cNvPicPr>
-            <a:picLocks noChangeAspect="1"/>
-          </p:cNvPicPr>
-          <p:nvPr/>
-        </p:nvPicPr>
-        <p:blipFill rotWithShape="1">
-          <a:blip r:embed="rId2"/>
-          <a:srcRect l="34790"/>
-          <a:stretch/>
-        </p:blipFill>
-        <p:spPr>
-          <a:xfrm>
-            <a:off x="6229215" y="10"/>
-            <a:ext cx="5962785" cy="6857990"/>
-          </a:xfrm>
-          <a:custGeom>
-            <a:avLst/>
-            <a:gdLst/>
-            <a:ahLst/>
-            <a:cxnLst/>
-            <a:rect l="l" t="t" r="r" b="b"/>
-            <a:pathLst>
-              <a:path w="5962785" h="6858000">
-                <a:moveTo>
-                  <a:pt x="1044839" y="0"/>
-                </a:moveTo>
-                <a:lnTo>
-                  <a:pt x="5962785" y="0"/>
-                </a:lnTo>
-                <a:lnTo>
-                  <a:pt x="5962785" y="6858000"/>
-                </a:lnTo>
-                <a:lnTo>
-                  <a:pt x="1469886" y="6858000"/>
-                </a:lnTo>
-                <a:lnTo>
-                  <a:pt x="1416006" y="6823984"/>
-                </a:lnTo>
-                <a:cubicBezTo>
-                  <a:pt x="1356767" y="6787940"/>
-                  <a:pt x="1296437" y="6755500"/>
-                  <a:pt x="1232473" y="6733873"/>
-                </a:cubicBezTo>
-                <a:cubicBezTo>
-                  <a:pt x="1145250" y="6705037"/>
-                  <a:pt x="1060933" y="6654575"/>
-                  <a:pt x="1075471" y="6503186"/>
-                </a:cubicBezTo>
-                <a:cubicBezTo>
-                  <a:pt x="1078378" y="6459932"/>
-                  <a:pt x="1055118" y="6427493"/>
-                  <a:pt x="1020229" y="6438306"/>
-                </a:cubicBezTo>
-                <a:cubicBezTo>
-                  <a:pt x="953358" y="6459932"/>
-                  <a:pt x="921375" y="6398656"/>
-                  <a:pt x="883579" y="6351798"/>
-                </a:cubicBezTo>
-                <a:cubicBezTo>
-                  <a:pt x="816707" y="6268895"/>
-                  <a:pt x="752743" y="6182387"/>
-                  <a:pt x="645167" y="6167969"/>
-                </a:cubicBezTo>
-                <a:cubicBezTo>
-                  <a:pt x="665519" y="6103088"/>
-                  <a:pt x="700408" y="6110298"/>
-                  <a:pt x="732391" y="6124716"/>
-                </a:cubicBezTo>
-                <a:cubicBezTo>
-                  <a:pt x="816707" y="6160761"/>
-                  <a:pt x="901023" y="6200410"/>
-                  <a:pt x="985339" y="6236455"/>
-                </a:cubicBezTo>
-                <a:cubicBezTo>
-                  <a:pt x="1040581" y="6258081"/>
-                  <a:pt x="1095822" y="6290522"/>
-                  <a:pt x="1168509" y="6265291"/>
-                </a:cubicBezTo>
-                <a:cubicBezTo>
-                  <a:pt x="1104545" y="6135530"/>
-                  <a:pt x="996969" y="6110298"/>
-                  <a:pt x="909746" y="6070649"/>
-                </a:cubicBezTo>
-                <a:cubicBezTo>
-                  <a:pt x="802169" y="6020185"/>
-                  <a:pt x="738206" y="5926470"/>
-                  <a:pt x="659704" y="5818335"/>
-                </a:cubicBezTo>
-                <a:cubicBezTo>
-                  <a:pt x="738206" y="5789500"/>
-                  <a:pt x="787632" y="5868798"/>
-                  <a:pt x="851597" y="5865193"/>
-                </a:cubicBezTo>
-                <a:cubicBezTo>
-                  <a:pt x="854504" y="5854380"/>
-                  <a:pt x="860319" y="5832753"/>
-                  <a:pt x="860319" y="5832753"/>
-                </a:cubicBezTo>
-                <a:cubicBezTo>
-                  <a:pt x="755650" y="5775081"/>
-                  <a:pt x="709132" y="5666947"/>
-                  <a:pt x="691686" y="5533581"/>
-                </a:cubicBezTo>
-                <a:cubicBezTo>
-                  <a:pt x="685872" y="5465095"/>
-                  <a:pt x="648075" y="5443468"/>
-                  <a:pt x="610278" y="5411029"/>
-                </a:cubicBezTo>
-                <a:cubicBezTo>
-                  <a:pt x="482350" y="5299289"/>
-                  <a:pt x="345700" y="5198364"/>
-                  <a:pt x="238123" y="5046976"/>
-                </a:cubicBezTo>
-                <a:cubicBezTo>
-                  <a:pt x="363144" y="5064998"/>
-                  <a:pt x="461997" y="5165924"/>
-                  <a:pt x="592833" y="5209177"/>
-                </a:cubicBezTo>
-                <a:cubicBezTo>
-                  <a:pt x="488165" y="5043371"/>
-                  <a:pt x="351514" y="4956864"/>
-                  <a:pt x="226494" y="4855939"/>
-                </a:cubicBezTo>
-                <a:cubicBezTo>
-                  <a:pt x="168344" y="4809081"/>
-                  <a:pt x="116011" y="4751408"/>
-                  <a:pt x="49139" y="4726177"/>
-                </a:cubicBezTo>
-                <a:cubicBezTo>
-                  <a:pt x="25879" y="4718968"/>
-                  <a:pt x="-14825" y="4700947"/>
-                  <a:pt x="5527" y="4650483"/>
-                </a:cubicBezTo>
-                <a:cubicBezTo>
-                  <a:pt x="22972" y="4607230"/>
-                  <a:pt x="54954" y="4621648"/>
-                  <a:pt x="84029" y="4632460"/>
-                </a:cubicBezTo>
-                <a:cubicBezTo>
-                  <a:pt x="153807" y="4661296"/>
-                  <a:pt x="229401" y="4661296"/>
-                  <a:pt x="325347" y="4661296"/>
-                </a:cubicBezTo>
-                <a:cubicBezTo>
-                  <a:pt x="243939" y="4524326"/>
-                  <a:pt x="95658" y="4567580"/>
-                  <a:pt x="25879" y="4423401"/>
-                </a:cubicBezTo>
-                <a:cubicBezTo>
-                  <a:pt x="113103" y="4398170"/>
-                  <a:pt x="179975" y="4448632"/>
-                  <a:pt x="249753" y="4459446"/>
-                </a:cubicBezTo>
-                <a:cubicBezTo>
-                  <a:pt x="313718" y="4470259"/>
-                  <a:pt x="328254" y="4445028"/>
-                  <a:pt x="313718" y="4365729"/>
-                </a:cubicBezTo>
-                <a:cubicBezTo>
-                  <a:pt x="290458" y="4243177"/>
-                  <a:pt x="325347" y="4181900"/>
-                  <a:pt x="418386" y="4214341"/>
-                </a:cubicBezTo>
-                <a:cubicBezTo>
-                  <a:pt x="505609" y="4246781"/>
-                  <a:pt x="514332" y="4199922"/>
-                  <a:pt x="491072" y="4131438"/>
-                </a:cubicBezTo>
-                <a:cubicBezTo>
-                  <a:pt x="456183" y="4030512"/>
-                  <a:pt x="493979" y="3951214"/>
-                  <a:pt x="520147" y="3864706"/>
-                </a:cubicBezTo>
-                <a:cubicBezTo>
-                  <a:pt x="560851" y="3734945"/>
-                  <a:pt x="543407" y="3670064"/>
-                  <a:pt x="459090" y="3572743"/>
-                </a:cubicBezTo>
-                <a:cubicBezTo>
-                  <a:pt x="409664" y="3518676"/>
-                  <a:pt x="360236" y="3471818"/>
-                  <a:pt x="290458" y="3424959"/>
-                </a:cubicBezTo>
-                <a:cubicBezTo>
-                  <a:pt x="450368" y="3399728"/>
-                  <a:pt x="284643" y="3313221"/>
-                  <a:pt x="339884" y="3259153"/>
-                </a:cubicBezTo>
-                <a:cubicBezTo>
-                  <a:pt x="453275" y="3237527"/>
-                  <a:pt x="543407" y="3410542"/>
-                  <a:pt x="697501" y="3360078"/>
-                </a:cubicBezTo>
-                <a:cubicBezTo>
-                  <a:pt x="511425" y="3212294"/>
-                  <a:pt x="302087" y="3165436"/>
-                  <a:pt x="165437" y="2967190"/>
-                </a:cubicBezTo>
-                <a:cubicBezTo>
-                  <a:pt x="197419" y="2923937"/>
-                  <a:pt x="229401" y="2967190"/>
-                  <a:pt x="255568" y="2949167"/>
-                </a:cubicBezTo>
-                <a:cubicBezTo>
-                  <a:pt x="255568" y="2938354"/>
-                  <a:pt x="560851" y="3006840"/>
-                  <a:pt x="578296" y="2725691"/>
-                </a:cubicBezTo>
-                <a:cubicBezTo>
-                  <a:pt x="584111" y="2725691"/>
-                  <a:pt x="589926" y="2725691"/>
-                  <a:pt x="595740" y="2714876"/>
-                </a:cubicBezTo>
-                <a:cubicBezTo>
-                  <a:pt x="627722" y="2675228"/>
-                  <a:pt x="598648" y="2581510"/>
-                  <a:pt x="650982" y="2574301"/>
-                </a:cubicBezTo>
-                <a:cubicBezTo>
-                  <a:pt x="709132" y="2567092"/>
-                  <a:pt x="764373" y="2534653"/>
-                  <a:pt x="825429" y="2552674"/>
-                </a:cubicBezTo>
-                <a:cubicBezTo>
-                  <a:pt x="871949" y="2567092"/>
-                  <a:pt x="921375" y="2585115"/>
-                  <a:pt x="970802" y="2585115"/>
-                </a:cubicBezTo>
-                <a:cubicBezTo>
-                  <a:pt x="1023136" y="2585115"/>
-                  <a:pt x="1095822" y="2707668"/>
-                  <a:pt x="1127805" y="2545465"/>
-                </a:cubicBezTo>
-                <a:cubicBezTo>
-                  <a:pt x="1127805" y="2538257"/>
-                  <a:pt x="1217936" y="2556280"/>
-                  <a:pt x="1267362" y="2563488"/>
-                </a:cubicBezTo>
-                <a:cubicBezTo>
-                  <a:pt x="1308067" y="2570698"/>
-                  <a:pt x="1357494" y="2603137"/>
-                  <a:pt x="1386568" y="2538257"/>
-                </a:cubicBezTo>
-                <a:cubicBezTo>
-                  <a:pt x="1401105" y="2498607"/>
-                  <a:pt x="1331326" y="2426518"/>
-                  <a:pt x="1270270" y="2419309"/>
-                </a:cubicBezTo>
-                <a:cubicBezTo>
-                  <a:pt x="1215029" y="2412101"/>
-                  <a:pt x="1159787" y="2404892"/>
-                  <a:pt x="1107453" y="2419309"/>
-                </a:cubicBezTo>
-                <a:cubicBezTo>
-                  <a:pt x="1043489" y="2437331"/>
-                  <a:pt x="1008599" y="2408495"/>
-                  <a:pt x="991154" y="2343615"/>
-                </a:cubicBezTo>
-                <a:cubicBezTo>
-                  <a:pt x="970802" y="2275131"/>
-                  <a:pt x="933005" y="2239085"/>
-                  <a:pt x="880671" y="2206645"/>
-                </a:cubicBezTo>
-                <a:cubicBezTo>
-                  <a:pt x="752743" y="2127346"/>
-                  <a:pt x="630630" y="2033629"/>
-                  <a:pt x="491072" y="1986771"/>
-                </a:cubicBezTo>
-                <a:cubicBezTo>
-                  <a:pt x="464905" y="1979562"/>
-                  <a:pt x="432923" y="1965145"/>
-                  <a:pt x="421293" y="1903868"/>
-                </a:cubicBezTo>
-                <a:cubicBezTo>
-                  <a:pt x="799262" y="1997584"/>
-                  <a:pt x="1142342" y="2239085"/>
-                  <a:pt x="1531941" y="2224667"/>
-                </a:cubicBezTo>
-                <a:cubicBezTo>
-                  <a:pt x="1427272" y="2148974"/>
-                  <a:pt x="1302252" y="2145369"/>
-                  <a:pt x="1188861" y="2091301"/>
-                </a:cubicBezTo>
-                <a:cubicBezTo>
-                  <a:pt x="1270270" y="2051652"/>
-                  <a:pt x="1345864" y="2094906"/>
-                  <a:pt x="1421458" y="2116532"/>
-                </a:cubicBezTo>
-                <a:cubicBezTo>
-                  <a:pt x="1485422" y="2134554"/>
-                  <a:pt x="1543571" y="2138160"/>
-                  <a:pt x="1549386" y="2026420"/>
-                </a:cubicBezTo>
-                <a:cubicBezTo>
-                  <a:pt x="1549386" y="2015607"/>
-                  <a:pt x="1549386" y="2008398"/>
-                  <a:pt x="1549386" y="1997584"/>
-                </a:cubicBezTo>
-                <a:cubicBezTo>
-                  <a:pt x="1526126" y="1950727"/>
-                  <a:pt x="1494144" y="1929099"/>
-                  <a:pt x="1453440" y="1914682"/>
-                </a:cubicBezTo>
-                <a:cubicBezTo>
-                  <a:pt x="1430180" y="1907473"/>
-                  <a:pt x="1398198" y="1893056"/>
-                  <a:pt x="1398198" y="1860614"/>
-                </a:cubicBezTo>
-                <a:cubicBezTo>
-                  <a:pt x="1401105" y="1738063"/>
-                  <a:pt x="1322604" y="1702018"/>
-                  <a:pt x="1247011" y="1665972"/>
-                </a:cubicBezTo>
-                <a:cubicBezTo>
-                  <a:pt x="1287715" y="1604696"/>
-                  <a:pt x="1322604" y="1647950"/>
-                  <a:pt x="1354586" y="1644345"/>
-                </a:cubicBezTo>
-                <a:cubicBezTo>
-                  <a:pt x="1374939" y="1640741"/>
-                  <a:pt x="1395290" y="1637138"/>
-                  <a:pt x="1395290" y="1604696"/>
-                </a:cubicBezTo>
-                <a:cubicBezTo>
-                  <a:pt x="1395290" y="1579465"/>
-                  <a:pt x="1386568" y="1547025"/>
-                  <a:pt x="1366216" y="1547025"/>
-                </a:cubicBezTo>
-                <a:cubicBezTo>
-                  <a:pt x="1238288" y="1543420"/>
-                  <a:pt x="1165601" y="1370405"/>
-                  <a:pt x="1031858" y="1370405"/>
-                </a:cubicBezTo>
-                <a:cubicBezTo>
-                  <a:pt x="950450" y="1370405"/>
-                  <a:pt x="1072563" y="1273083"/>
-                  <a:pt x="1005692" y="1233435"/>
-                </a:cubicBezTo>
-                <a:cubicBezTo>
-                  <a:pt x="991154" y="1222621"/>
-                  <a:pt x="1046396" y="1208203"/>
-                  <a:pt x="1069655" y="1211808"/>
-                </a:cubicBezTo>
-                <a:cubicBezTo>
-                  <a:pt x="1092915" y="1215412"/>
-                  <a:pt x="1113268" y="1240644"/>
-                  <a:pt x="1142342" y="1222621"/>
-                </a:cubicBezTo>
-                <a:cubicBezTo>
-                  <a:pt x="1156879" y="1157741"/>
-                  <a:pt x="1119082" y="1132510"/>
-                  <a:pt x="1084193" y="1114487"/>
-                </a:cubicBezTo>
-                <a:cubicBezTo>
-                  <a:pt x="1008599" y="1071234"/>
-                  <a:pt x="933005" y="1020771"/>
-                  <a:pt x="848689" y="1006353"/>
-                </a:cubicBezTo>
-                <a:cubicBezTo>
-                  <a:pt x="819615" y="1002748"/>
-                  <a:pt x="802169" y="984726"/>
-                  <a:pt x="805077" y="948681"/>
-                </a:cubicBezTo>
-                <a:cubicBezTo>
-                  <a:pt x="810892" y="901822"/>
-                  <a:pt x="839967" y="916240"/>
-                  <a:pt x="863226" y="919844"/>
-                </a:cubicBezTo>
-                <a:cubicBezTo>
-                  <a:pt x="877764" y="923450"/>
-                  <a:pt x="892301" y="934263"/>
-                  <a:pt x="906838" y="909031"/>
-                </a:cubicBezTo>
-                <a:cubicBezTo>
-                  <a:pt x="566666" y="653113"/>
-                  <a:pt x="386404" y="667532"/>
-                  <a:pt x="5527" y="458471"/>
-                </a:cubicBezTo>
-                <a:cubicBezTo>
-                  <a:pt x="89843" y="418822"/>
-                  <a:pt x="150900" y="447658"/>
-                  <a:pt x="209049" y="454867"/>
-                </a:cubicBezTo>
-                <a:cubicBezTo>
-                  <a:pt x="354422" y="472890"/>
-                  <a:pt x="264290" y="505329"/>
-                  <a:pt x="409664" y="526956"/>
-                </a:cubicBezTo>
-                <a:cubicBezTo>
-                  <a:pt x="479443" y="537770"/>
-                  <a:pt x="543407" y="573815"/>
-                  <a:pt x="621908" y="516143"/>
-                </a:cubicBezTo>
-                <a:cubicBezTo>
-                  <a:pt x="674242" y="476494"/>
-                  <a:pt x="758558" y="519747"/>
-                  <a:pt x="822522" y="552188"/>
-                </a:cubicBezTo>
-                <a:cubicBezTo>
-                  <a:pt x="874856" y="581024"/>
-                  <a:pt x="927190" y="588232"/>
-                  <a:pt x="996969" y="552188"/>
-                </a:cubicBezTo>
-                <a:cubicBezTo>
-                  <a:pt x="933005" y="530562"/>
-                  <a:pt x="883579" y="512539"/>
-                  <a:pt x="834151" y="498120"/>
-                </a:cubicBezTo>
-                <a:cubicBezTo>
-                  <a:pt x="793447" y="487307"/>
-                  <a:pt x="770187" y="462076"/>
-                  <a:pt x="773095" y="408008"/>
-                </a:cubicBezTo>
-                <a:cubicBezTo>
-                  <a:pt x="773095" y="379172"/>
-                  <a:pt x="764373" y="339523"/>
-                  <a:pt x="793447" y="325106"/>
-                </a:cubicBezTo>
-                <a:cubicBezTo>
-                  <a:pt x="816707" y="310688"/>
-                  <a:pt x="848689" y="325106"/>
-                  <a:pt x="860319" y="350336"/>
-                </a:cubicBezTo>
-                <a:cubicBezTo>
-                  <a:pt x="874856" y="397195"/>
-                  <a:pt x="889393" y="440449"/>
-                  <a:pt x="938820" y="444054"/>
-                </a:cubicBezTo>
-                <a:cubicBezTo>
-                  <a:pt x="1005692" y="451262"/>
-                  <a:pt x="967894" y="422426"/>
-                  <a:pt x="956265" y="386381"/>
-                </a:cubicBezTo>
-                <a:cubicBezTo>
-                  <a:pt x="944635" y="346733"/>
-                  <a:pt x="979525" y="335919"/>
-                  <a:pt x="1002784" y="343127"/>
-                </a:cubicBezTo>
-                <a:cubicBezTo>
-                  <a:pt x="1090008" y="375569"/>
-                  <a:pt x="1180139" y="317897"/>
-                  <a:pt x="1270270" y="364755"/>
-                </a:cubicBezTo>
-                <a:cubicBezTo>
-                  <a:pt x="1247011" y="249411"/>
-                  <a:pt x="1197583" y="198949"/>
-                  <a:pt x="1092915" y="180926"/>
-                </a:cubicBezTo>
-                <a:cubicBezTo>
-                  <a:pt x="1055118" y="177322"/>
-                  <a:pt x="1014414" y="184530"/>
-                  <a:pt x="979525" y="152090"/>
-                </a:cubicBezTo>
-                <a:cubicBezTo>
-                  <a:pt x="959172" y="134068"/>
-                  <a:pt x="938820" y="112441"/>
-                  <a:pt x="953358" y="76396"/>
-                </a:cubicBezTo>
-                <a:cubicBezTo>
-                  <a:pt x="962080" y="51165"/>
-                  <a:pt x="985339" y="51165"/>
-                  <a:pt x="1005692" y="58373"/>
-                </a:cubicBezTo>
-                <a:cubicBezTo>
-                  <a:pt x="1090008" y="98023"/>
-                  <a:pt x="1180139" y="108837"/>
-                  <a:pt x="1267362" y="123254"/>
-                </a:cubicBezTo>
-                <a:cubicBezTo>
-                  <a:pt x="1281900" y="126859"/>
-                  <a:pt x="1296437" y="134068"/>
-                  <a:pt x="1310975" y="98023"/>
-                </a:cubicBezTo>
-                <a:cubicBezTo>
-                  <a:pt x="1260095" y="81803"/>
-                  <a:pt x="1209941" y="62879"/>
-                  <a:pt x="1159787" y="43505"/>
-                </a:cubicBezTo>
-                <a:close/>
-              </a:path>
-            </a:pathLst>
-          </a:custGeom>
-        </p:spPr>
-      </p:pic>
-    </p:spTree>
-    <p:extLst>
-      <p:ext uri="{BB962C8B-B14F-4D97-AF65-F5344CB8AC3E}">
-        <p14:creationId xmlns:p14="http://schemas.microsoft.com/office/powerpoint/2010/main" val="1219515047"/>
+        <p14:creationId xmlns:p14="http://schemas.microsoft.com/office/powerpoint/2010/main" val="3125436281"/>
       </p:ext>
     </p:extLst>
   </p:cSld>
@@ -25433,7 +24220,7 @@
 </p:sld>
 </file>
 
-<file path=ppt/slides/slide42.xml><?xml version="1.0" encoding="utf-8"?>
+<file path=ppt/slides/slide4.xml><?xml version="1.0" encoding="utf-8"?>
 <p:sld xmlns:a="http://schemas.openxmlformats.org/drawingml/2006/main" xmlns:r="http://schemas.openxmlformats.org/officeDocument/2006/relationships" xmlns:p="http://schemas.openxmlformats.org/presentationml/2006/main">
   <p:cSld>
     <p:bg>
@@ -25460,10 +24247,10 @@
       </p:grpSpPr>
       <p:sp useBgFill="1">
         <p:nvSpPr>
-          <p:cNvPr id="15" name="Rectangle 7">
+          <p:cNvPr id="19" name="Rectangle 18">
             <a:extLst>
               <a:ext uri="{FF2B5EF4-FFF2-40B4-BE49-F238E27FC236}">
-                <a16:creationId xmlns:a16="http://schemas.microsoft.com/office/drawing/2014/main" id="{777A147A-9ED8-46B4-8660-1B3C2AA880B5}"/>
+                <a16:creationId xmlns:a16="http://schemas.microsoft.com/office/drawing/2014/main" id="{907EF6B7-1338-4443-8C46-6A318D952DFD}"/>
               </a:ext>
               <a:ext uri="{C183D7F6-B498-43B3-948B-1728B52AA6E4}">
                 <adec:decorative xmlns:adec="http://schemas.microsoft.com/office/drawing/2017/decorative" val="1"/>
@@ -25483,7 +24270,7 @@
         </p:nvSpPr>
         <p:spPr>
           <a:xfrm>
-            <a:off x="0" y="0"/>
+            <a:off x="3048" y="0"/>
             <a:ext cx="12188952" cy="6858000"/>
           </a:xfrm>
           <a:prstGeom prst="rect">
@@ -25520,674 +24307,10 @@
       </p:sp>
       <p:sp>
         <p:nvSpPr>
-          <p:cNvPr id="2" name="Titel 1">
+          <p:cNvPr id="21" name="Freeform: Shape 20">
             <a:extLst>
               <a:ext uri="{FF2B5EF4-FFF2-40B4-BE49-F238E27FC236}">
-                <a16:creationId xmlns:a16="http://schemas.microsoft.com/office/drawing/2014/main" id="{2E673D1B-D5F6-9189-C92A-6B3DF726EF3A}"/>
-              </a:ext>
-            </a:extLst>
-          </p:cNvPr>
-          <p:cNvSpPr>
-            <a:spLocks noGrp="1"/>
-          </p:cNvSpPr>
-          <p:nvPr>
-            <p:ph type="title"/>
-          </p:nvPr>
-        </p:nvSpPr>
-        <p:spPr>
-          <a:xfrm>
-            <a:off x="841248" y="548640"/>
-            <a:ext cx="3600860" cy="5431536"/>
-          </a:xfrm>
-        </p:spPr>
-        <p:txBody>
-          <a:bodyPr>
-            <a:normAutofit/>
-          </a:bodyPr>
-          <a:lstStyle/>
-          <a:p>
-            <a:r>
-              <a:rPr lang="de-DE" sz="5400"/>
-              <a:t>Hands On</a:t>
-            </a:r>
-          </a:p>
-        </p:txBody>
-      </p:sp>
-      <p:sp>
-        <p:nvSpPr>
-          <p:cNvPr id="16" name="sketch line">
-            <a:extLst>
-              <a:ext uri="{FF2B5EF4-FFF2-40B4-BE49-F238E27FC236}">
-                <a16:creationId xmlns:a16="http://schemas.microsoft.com/office/drawing/2014/main" id="{5D6C15A0-C087-4593-8414-2B4EC1CDC3DE}"/>
-              </a:ext>
-              <a:ext uri="{C183D7F6-B498-43B3-948B-1728B52AA6E4}">
-                <adec:decorative xmlns:adec="http://schemas.microsoft.com/office/drawing/2017/decorative" val="1"/>
-              </a:ext>
-            </a:extLst>
-          </p:cNvPr>
-          <p:cNvSpPr>
-            <a:spLocks noGrp="1" noRot="1" noChangeAspect="1" noMove="1" noResize="1" noEditPoints="1" noAdjustHandles="1" noChangeArrowheads="1" noChangeShapeType="1" noTextEdit="1"/>
-          </p:cNvSpPr>
-          <p:nvPr>
-            <p:extLst>
-              <p:ext uri="{386F3935-93C4-4BCD-93E2-E3B085C9AB24}">
-                <p16:designElem xmlns:p16="http://schemas.microsoft.com/office/powerpoint/2015/main" val="1"/>
-              </p:ext>
-            </p:extLst>
-          </p:nvPr>
-        </p:nvSpPr>
-        <p:spPr>
-          <a:xfrm rot="5400000">
-            <a:off x="2543983" y="3258715"/>
-            <a:ext cx="4480560" cy="18288"/>
-          </a:xfrm>
-          <a:custGeom>
-            <a:avLst/>
-            <a:gdLst>
-              <a:gd name="connsiteX0" fmla="*/ 0 w 4480560"/>
-              <a:gd name="connsiteY0" fmla="*/ 0 h 18288"/>
-              <a:gd name="connsiteX1" fmla="*/ 595274 w 4480560"/>
-              <a:gd name="connsiteY1" fmla="*/ 0 h 18288"/>
-              <a:gd name="connsiteX2" fmla="*/ 1100938 w 4480560"/>
-              <a:gd name="connsiteY2" fmla="*/ 0 h 18288"/>
-              <a:gd name="connsiteX3" fmla="*/ 1651406 w 4480560"/>
-              <a:gd name="connsiteY3" fmla="*/ 0 h 18288"/>
-              <a:gd name="connsiteX4" fmla="*/ 2336292 w 4480560"/>
-              <a:gd name="connsiteY4" fmla="*/ 0 h 18288"/>
-              <a:gd name="connsiteX5" fmla="*/ 2931566 w 4480560"/>
-              <a:gd name="connsiteY5" fmla="*/ 0 h 18288"/>
-              <a:gd name="connsiteX6" fmla="*/ 3482035 w 4480560"/>
-              <a:gd name="connsiteY6" fmla="*/ 0 h 18288"/>
-              <a:gd name="connsiteX7" fmla="*/ 4480560 w 4480560"/>
-              <a:gd name="connsiteY7" fmla="*/ 0 h 18288"/>
-              <a:gd name="connsiteX8" fmla="*/ 4480560 w 4480560"/>
-              <a:gd name="connsiteY8" fmla="*/ 18288 h 18288"/>
-              <a:gd name="connsiteX9" fmla="*/ 3840480 w 4480560"/>
-              <a:gd name="connsiteY9" fmla="*/ 18288 h 18288"/>
-              <a:gd name="connsiteX10" fmla="*/ 3290011 w 4480560"/>
-              <a:gd name="connsiteY10" fmla="*/ 18288 h 18288"/>
-              <a:gd name="connsiteX11" fmla="*/ 2560320 w 4480560"/>
-              <a:gd name="connsiteY11" fmla="*/ 18288 h 18288"/>
-              <a:gd name="connsiteX12" fmla="*/ 1965046 w 4480560"/>
-              <a:gd name="connsiteY12" fmla="*/ 18288 h 18288"/>
-              <a:gd name="connsiteX13" fmla="*/ 1459382 w 4480560"/>
-              <a:gd name="connsiteY13" fmla="*/ 18288 h 18288"/>
-              <a:gd name="connsiteX14" fmla="*/ 774497 w 4480560"/>
-              <a:gd name="connsiteY14" fmla="*/ 18288 h 18288"/>
-              <a:gd name="connsiteX15" fmla="*/ 0 w 4480560"/>
-              <a:gd name="connsiteY15" fmla="*/ 18288 h 18288"/>
-              <a:gd name="connsiteX16" fmla="*/ 0 w 4480560"/>
-              <a:gd name="connsiteY16" fmla="*/ 0 h 18288"/>
-            </a:gdLst>
-            <a:ahLst/>
-            <a:cxnLst>
-              <a:cxn ang="0">
-                <a:pos x="connsiteX0" y="connsiteY0"/>
-              </a:cxn>
-              <a:cxn ang="0">
-                <a:pos x="connsiteX1" y="connsiteY1"/>
-              </a:cxn>
-              <a:cxn ang="0">
-                <a:pos x="connsiteX2" y="connsiteY2"/>
-              </a:cxn>
-              <a:cxn ang="0">
-                <a:pos x="connsiteX3" y="connsiteY3"/>
-              </a:cxn>
-              <a:cxn ang="0">
-                <a:pos x="connsiteX4" y="connsiteY4"/>
-              </a:cxn>
-              <a:cxn ang="0">
-                <a:pos x="connsiteX5" y="connsiteY5"/>
-              </a:cxn>
-              <a:cxn ang="0">
-                <a:pos x="connsiteX6" y="connsiteY6"/>
-              </a:cxn>
-              <a:cxn ang="0">
-                <a:pos x="connsiteX7" y="connsiteY7"/>
-              </a:cxn>
-              <a:cxn ang="0">
-                <a:pos x="connsiteX8" y="connsiteY8"/>
-              </a:cxn>
-              <a:cxn ang="0">
-                <a:pos x="connsiteX9" y="connsiteY9"/>
-              </a:cxn>
-              <a:cxn ang="0">
-                <a:pos x="connsiteX10" y="connsiteY10"/>
-              </a:cxn>
-              <a:cxn ang="0">
-                <a:pos x="connsiteX11" y="connsiteY11"/>
-              </a:cxn>
-              <a:cxn ang="0">
-                <a:pos x="connsiteX12" y="connsiteY12"/>
-              </a:cxn>
-              <a:cxn ang="0">
-                <a:pos x="connsiteX13" y="connsiteY13"/>
-              </a:cxn>
-              <a:cxn ang="0">
-                <a:pos x="connsiteX14" y="connsiteY14"/>
-              </a:cxn>
-              <a:cxn ang="0">
-                <a:pos x="connsiteX15" y="connsiteY15"/>
-              </a:cxn>
-              <a:cxn ang="0">
-                <a:pos x="connsiteX16" y="connsiteY16"/>
-              </a:cxn>
-            </a:cxnLst>
-            <a:rect l="l" t="t" r="r" b="b"/>
-            <a:pathLst>
-              <a:path w="4480560" h="18288" fill="none" extrusionOk="0">
-                <a:moveTo>
-                  <a:pt x="0" y="0"/>
-                </a:moveTo>
-                <a:cubicBezTo>
-                  <a:pt x="267821" y="8731"/>
-                  <a:pt x="334105" y="2629"/>
-                  <a:pt x="595274" y="0"/>
-                </a:cubicBezTo>
-                <a:cubicBezTo>
-                  <a:pt x="856443" y="-2629"/>
-                  <a:pt x="863808" y="-13353"/>
-                  <a:pt x="1100938" y="0"/>
-                </a:cubicBezTo>
-                <a:cubicBezTo>
-                  <a:pt x="1338068" y="13353"/>
-                  <a:pt x="1431663" y="-25862"/>
-                  <a:pt x="1651406" y="0"/>
-                </a:cubicBezTo>
-                <a:cubicBezTo>
-                  <a:pt x="1871149" y="25862"/>
-                  <a:pt x="2173163" y="23827"/>
-                  <a:pt x="2336292" y="0"/>
-                </a:cubicBezTo>
-                <a:cubicBezTo>
-                  <a:pt x="2499421" y="-23827"/>
-                  <a:pt x="2720589" y="28148"/>
-                  <a:pt x="2931566" y="0"/>
-                </a:cubicBezTo>
-                <a:cubicBezTo>
-                  <a:pt x="3142543" y="-28148"/>
-                  <a:pt x="3323630" y="27022"/>
-                  <a:pt x="3482035" y="0"/>
-                </a:cubicBezTo>
-                <a:cubicBezTo>
-                  <a:pt x="3640440" y="-27022"/>
-                  <a:pt x="4012110" y="-20118"/>
-                  <a:pt x="4480560" y="0"/>
-                </a:cubicBezTo>
-                <a:cubicBezTo>
-                  <a:pt x="4480958" y="7429"/>
-                  <a:pt x="4480540" y="10822"/>
-                  <a:pt x="4480560" y="18288"/>
-                </a:cubicBezTo>
-                <a:cubicBezTo>
-                  <a:pt x="4314132" y="14924"/>
-                  <a:pt x="4028383" y="36632"/>
-                  <a:pt x="3840480" y="18288"/>
-                </a:cubicBezTo>
-                <a:cubicBezTo>
-                  <a:pt x="3652577" y="-56"/>
-                  <a:pt x="3547615" y="2848"/>
-                  <a:pt x="3290011" y="18288"/>
-                </a:cubicBezTo>
-                <a:cubicBezTo>
-                  <a:pt x="3032407" y="33728"/>
-                  <a:pt x="2830268" y="8719"/>
-                  <a:pt x="2560320" y="18288"/>
-                </a:cubicBezTo>
-                <a:cubicBezTo>
-                  <a:pt x="2290372" y="27857"/>
-                  <a:pt x="2147422" y="6728"/>
-                  <a:pt x="1965046" y="18288"/>
-                </a:cubicBezTo>
-                <a:cubicBezTo>
-                  <a:pt x="1782670" y="29848"/>
-                  <a:pt x="1689791" y="40680"/>
-                  <a:pt x="1459382" y="18288"/>
-                </a:cubicBezTo>
-                <a:cubicBezTo>
-                  <a:pt x="1228973" y="-4104"/>
-                  <a:pt x="915486" y="36501"/>
-                  <a:pt x="774497" y="18288"/>
-                </a:cubicBezTo>
-                <a:cubicBezTo>
-                  <a:pt x="633508" y="75"/>
-                  <a:pt x="361442" y="-11107"/>
-                  <a:pt x="0" y="18288"/>
-                </a:cubicBezTo>
-                <a:cubicBezTo>
-                  <a:pt x="-591" y="13205"/>
-                  <a:pt x="-663" y="6329"/>
-                  <a:pt x="0" y="0"/>
-                </a:cubicBezTo>
-                <a:close/>
-              </a:path>
-              <a:path w="4480560" h="18288" stroke="0" extrusionOk="0">
-                <a:moveTo>
-                  <a:pt x="0" y="0"/>
-                </a:moveTo>
-                <a:cubicBezTo>
-                  <a:pt x="285465" y="225"/>
-                  <a:pt x="322691" y="16223"/>
-                  <a:pt x="595274" y="0"/>
-                </a:cubicBezTo>
-                <a:cubicBezTo>
-                  <a:pt x="867857" y="-16223"/>
-                  <a:pt x="989129" y="-11242"/>
-                  <a:pt x="1100938" y="0"/>
-                </a:cubicBezTo>
-                <a:cubicBezTo>
-                  <a:pt x="1212747" y="11242"/>
-                  <a:pt x="1574350" y="-36410"/>
-                  <a:pt x="1830629" y="0"/>
-                </a:cubicBezTo>
-                <a:cubicBezTo>
-                  <a:pt x="2086908" y="36410"/>
-                  <a:pt x="2180922" y="4645"/>
-                  <a:pt x="2425903" y="0"/>
-                </a:cubicBezTo>
-                <a:cubicBezTo>
-                  <a:pt x="2670884" y="-4645"/>
-                  <a:pt x="2782024" y="22929"/>
-                  <a:pt x="3021178" y="0"/>
-                </a:cubicBezTo>
-                <a:cubicBezTo>
-                  <a:pt x="3260332" y="-22929"/>
-                  <a:pt x="3456982" y="-1586"/>
-                  <a:pt x="3750869" y="0"/>
-                </a:cubicBezTo>
-                <a:cubicBezTo>
-                  <a:pt x="4044756" y="1586"/>
-                  <a:pt x="4302726" y="17043"/>
-                  <a:pt x="4480560" y="0"/>
-                </a:cubicBezTo>
-                <a:cubicBezTo>
-                  <a:pt x="4479674" y="5429"/>
-                  <a:pt x="4481381" y="14046"/>
-                  <a:pt x="4480560" y="18288"/>
-                </a:cubicBezTo>
-                <a:cubicBezTo>
-                  <a:pt x="4279652" y="-6850"/>
-                  <a:pt x="4200762" y="41566"/>
-                  <a:pt x="3930091" y="18288"/>
-                </a:cubicBezTo>
-                <a:cubicBezTo>
-                  <a:pt x="3659420" y="-4990"/>
-                  <a:pt x="3456052" y="22294"/>
-                  <a:pt x="3290011" y="18288"/>
-                </a:cubicBezTo>
-                <a:cubicBezTo>
-                  <a:pt x="3123970" y="14282"/>
-                  <a:pt x="2882392" y="32818"/>
-                  <a:pt x="2649931" y="18288"/>
-                </a:cubicBezTo>
-                <a:cubicBezTo>
-                  <a:pt x="2417470" y="3758"/>
-                  <a:pt x="2238426" y="7337"/>
-                  <a:pt x="2054657" y="18288"/>
-                </a:cubicBezTo>
-                <a:cubicBezTo>
-                  <a:pt x="1870888" y="29239"/>
-                  <a:pt x="1566368" y="45040"/>
-                  <a:pt x="1324966" y="18288"/>
-                </a:cubicBezTo>
-                <a:cubicBezTo>
-                  <a:pt x="1083564" y="-8464"/>
-                  <a:pt x="787410" y="10946"/>
-                  <a:pt x="595274" y="18288"/>
-                </a:cubicBezTo>
-                <a:cubicBezTo>
-                  <a:pt x="403138" y="25630"/>
-                  <a:pt x="169622" y="10499"/>
-                  <a:pt x="0" y="18288"/>
-                </a:cubicBezTo>
-                <a:cubicBezTo>
-                  <a:pt x="668" y="13665"/>
-                  <a:pt x="578" y="5675"/>
-                  <a:pt x="0" y="0"/>
-                </a:cubicBezTo>
-                <a:close/>
-              </a:path>
-            </a:pathLst>
-          </a:custGeom>
-          <a:solidFill>
-            <a:schemeClr val="accent2"/>
-          </a:solidFill>
-          <a:ln w="41275" cap="rnd">
-            <a:solidFill>
-              <a:schemeClr val="accent2"/>
-            </a:solidFill>
-            <a:round/>
-            <a:extLst>
-              <a:ext uri="{C807C97D-BFC1-408E-A445-0C87EB9F89A2}">
-                <ask:lineSketchStyleProps xmlns:ask="http://schemas.microsoft.com/office/drawing/2018/sketchyshapes" sd="1219033472">
-                  <a:prstGeom prst="rect">
-                    <a:avLst/>
-                  </a:prstGeom>
-                  <ask:type>
-                    <ask:lineSketchFreehand/>
-                  </ask:type>
-                </ask:lineSketchStyleProps>
-              </a:ext>
-            </a:extLst>
-          </a:ln>
-        </p:spPr>
-        <p:style>
-          <a:lnRef idx="2">
-            <a:schemeClr val="accent1">
-              <a:shade val="50000"/>
-            </a:schemeClr>
-          </a:lnRef>
-          <a:fillRef idx="1">
-            <a:schemeClr val="accent1"/>
-          </a:fillRef>
-          <a:effectRef idx="0">
-            <a:schemeClr val="accent1"/>
-          </a:effectRef>
-          <a:fontRef idx="minor">
-            <a:schemeClr val="lt1"/>
-          </a:fontRef>
-        </p:style>
-        <p:txBody>
-          <a:bodyPr rtlCol="0" anchor="ctr"/>
-          <a:lstStyle/>
-          <a:p>
-            <a:pPr algn="ctr"/>
-            <a:endParaRPr lang="en-US"/>
-          </a:p>
-        </p:txBody>
-      </p:sp>
-      <p:sp>
-        <p:nvSpPr>
-          <p:cNvPr id="17" name="Inhaltsplatzhalter 2">
-            <a:extLst>
-              <a:ext uri="{FF2B5EF4-FFF2-40B4-BE49-F238E27FC236}">
-                <a16:creationId xmlns:a16="http://schemas.microsoft.com/office/drawing/2014/main" id="{062A5E19-B639-CF3A-D495-61F20D948D3A}"/>
-              </a:ext>
-            </a:extLst>
-          </p:cNvPr>
-          <p:cNvSpPr>
-            <a:spLocks noGrp="1"/>
-          </p:cNvSpPr>
-          <p:nvPr>
-            <p:ph idx="1"/>
-          </p:nvPr>
-        </p:nvSpPr>
-        <p:spPr>
-          <a:xfrm>
-            <a:off x="5126418" y="552091"/>
-            <a:ext cx="6224335" cy="5431536"/>
-          </a:xfrm>
-        </p:spPr>
-        <p:txBody>
-          <a:bodyPr anchor="ctr">
-            <a:normAutofit/>
-          </a:bodyPr>
-          <a:lstStyle/>
-          <a:p>
-            <a:r>
-              <a:rPr lang="de-DE" sz="2200" dirty="0"/>
-              <a:t>Analytical </a:t>
-            </a:r>
-            <a:r>
-              <a:rPr lang="de-DE" sz="2200" dirty="0" err="1"/>
-              <a:t>Querries</a:t>
-            </a:r>
-            <a:endParaRPr lang="de-DE" sz="2200" dirty="0"/>
-          </a:p>
-          <a:p>
-            <a:r>
-              <a:rPr lang="de-DE" sz="2200" dirty="0" err="1"/>
-              <a:t>Conversion</a:t>
-            </a:r>
-            <a:r>
-              <a:rPr lang="de-DE" sz="2200" dirty="0"/>
-              <a:t> </a:t>
-            </a:r>
-            <a:r>
-              <a:rPr lang="de-DE" sz="2200" dirty="0" err="1"/>
-              <a:t>Functions</a:t>
-            </a:r>
-            <a:endParaRPr lang="de-DE" sz="2200" dirty="0"/>
-          </a:p>
-          <a:p>
-            <a:r>
-              <a:rPr lang="de-DE" sz="2200" dirty="0"/>
-              <a:t>Parameter</a:t>
-            </a:r>
-          </a:p>
-          <a:p>
-            <a:r>
-              <a:rPr lang="de-DE" sz="2200" dirty="0"/>
-              <a:t>Default Values</a:t>
-            </a:r>
-          </a:p>
-          <a:p>
-            <a:r>
-              <a:rPr lang="de-DE" sz="2200" dirty="0"/>
-              <a:t>Texte und Übersetzung</a:t>
-            </a:r>
-          </a:p>
-          <a:p>
-            <a:r>
-              <a:rPr lang="de-DE" sz="2200" dirty="0"/>
-              <a:t>Semantische Felder</a:t>
-            </a:r>
-          </a:p>
-          <a:p>
-            <a:pPr marL="0" indent="0">
-              <a:buNone/>
-            </a:pPr>
-            <a:endParaRPr lang="de-DE" sz="2200" dirty="0"/>
-          </a:p>
-          <a:p>
-            <a:pPr marL="0" marR="0" lvl="0" indent="0" algn="l" defTabSz="914400" rtl="0" eaLnBrk="1" fontAlgn="auto" latinLnBrk="0" hangingPunct="1">
-              <a:lnSpc>
-                <a:spcPct val="90000"/>
-              </a:lnSpc>
-              <a:spcBef>
-                <a:spcPts val="1000"/>
-              </a:spcBef>
-              <a:spcAft>
-                <a:spcPts val="0"/>
-              </a:spcAft>
-              <a:buClrTx/>
-              <a:buSzTx/>
-              <a:buFont typeface="Arial" panose="020B0604020202020204" pitchFamily="34" charset="0"/>
-              <a:buNone/>
-              <a:tabLst/>
-              <a:defRPr/>
-            </a:pPr>
-            <a:r>
-              <a:rPr kumimoji="0" lang="en-US" sz="1400" b="0" i="0" u="none" strike="noStrike" kern="1200" cap="none" spc="0" normalizeH="0" baseline="0" noProof="0" dirty="0" err="1">
-                <a:ln>
-                  <a:noFill/>
-                </a:ln>
-                <a:solidFill>
-                  <a:prstClr val="black">
-                    <a:tint val="82000"/>
-                  </a:prstClr>
-                </a:solidFill>
-                <a:effectLst/>
-                <a:uLnTx/>
-                <a:uFillTx/>
-                <a:latin typeface="Aptos" panose="02110004020202020204"/>
-                <a:ea typeface="+mn-ea"/>
-                <a:cs typeface="+mn-cs"/>
-              </a:rPr>
-              <a:t>Musterlösung</a:t>
-            </a:r>
-            <a:r>
-              <a:rPr kumimoji="0" lang="en-US" sz="1400" b="0" i="0" u="none" strike="noStrike" kern="1200" cap="none" spc="0" normalizeH="0" baseline="0" noProof="0" dirty="0">
-                <a:ln>
-                  <a:noFill/>
-                </a:ln>
-                <a:solidFill>
-                  <a:prstClr val="black">
-                    <a:tint val="82000"/>
-                  </a:prstClr>
-                </a:solidFill>
-                <a:effectLst/>
-                <a:uLnTx/>
-                <a:uFillTx/>
-                <a:latin typeface="Aptos" panose="02110004020202020204"/>
-                <a:ea typeface="+mn-ea"/>
-                <a:cs typeface="+mn-cs"/>
-              </a:rPr>
-              <a:t> </a:t>
-            </a:r>
-            <a:r>
-              <a:rPr kumimoji="0" lang="en-US" sz="1400" b="0" i="0" u="none" strike="noStrike" kern="1200" cap="none" spc="0" normalizeH="0" baseline="0" noProof="0" dirty="0" err="1">
-                <a:ln>
-                  <a:noFill/>
-                </a:ln>
-                <a:solidFill>
-                  <a:prstClr val="black">
-                    <a:tint val="82000"/>
-                  </a:prstClr>
-                </a:solidFill>
-                <a:effectLst/>
-                <a:uLnTx/>
-                <a:uFillTx/>
-                <a:latin typeface="Aptos" panose="02110004020202020204"/>
-                <a:ea typeface="+mn-ea"/>
-                <a:cs typeface="+mn-cs"/>
-              </a:rPr>
-              <a:t>im</a:t>
-            </a:r>
-            <a:r>
-              <a:rPr kumimoji="0" lang="en-US" sz="1400" b="0" i="0" u="none" strike="noStrike" kern="1200" cap="none" spc="0" normalizeH="0" baseline="0" noProof="0" dirty="0">
-                <a:ln>
-                  <a:noFill/>
-                </a:ln>
-                <a:solidFill>
-                  <a:prstClr val="black">
-                    <a:tint val="82000"/>
-                  </a:prstClr>
-                </a:solidFill>
-                <a:effectLst/>
-                <a:uLnTx/>
-                <a:uFillTx/>
-                <a:latin typeface="Aptos" panose="02110004020202020204"/>
-                <a:ea typeface="+mn-ea"/>
-                <a:cs typeface="+mn-cs"/>
-              </a:rPr>
-              <a:t> GIT </a:t>
-            </a:r>
-            <a:r>
-              <a:rPr kumimoji="0" lang="en-US" sz="1400" b="0" i="0" u="none" strike="noStrike" kern="1200" cap="none" spc="0" normalizeH="0" baseline="0" noProof="0" dirty="0" err="1">
-                <a:ln>
-                  <a:noFill/>
-                </a:ln>
-                <a:solidFill>
-                  <a:prstClr val="black">
-                    <a:tint val="82000"/>
-                  </a:prstClr>
-                </a:solidFill>
-                <a:effectLst/>
-                <a:uLnTx/>
-                <a:uFillTx/>
-                <a:latin typeface="Aptos" panose="02110004020202020204"/>
-                <a:ea typeface="+mn-ea"/>
-                <a:cs typeface="+mn-cs"/>
-              </a:rPr>
-              <a:t>unter</a:t>
-            </a:r>
-            <a:r>
-              <a:rPr kumimoji="0" lang="en-US" sz="1400" b="0" i="0" u="none" strike="noStrike" kern="1200" cap="none" spc="0" normalizeH="0" baseline="0" noProof="0" dirty="0">
-                <a:ln>
-                  <a:noFill/>
-                </a:ln>
-                <a:solidFill>
-                  <a:prstClr val="black">
-                    <a:tint val="82000"/>
-                  </a:prstClr>
-                </a:solidFill>
-                <a:effectLst/>
-                <a:uLnTx/>
-                <a:uFillTx/>
-                <a:latin typeface="Aptos" panose="02110004020202020204"/>
-                <a:ea typeface="+mn-ea"/>
-                <a:cs typeface="+mn-cs"/>
-              </a:rPr>
-              <a:t> </a:t>
-            </a:r>
-            <a:r>
-              <a:rPr kumimoji="0" lang="en-US" sz="1400" b="0" i="0" u="none" strike="noStrike" kern="1200" cap="none" spc="0" normalizeH="0" baseline="0" noProof="0" dirty="0">
-                <a:ln>
-                  <a:noFill/>
-                </a:ln>
-                <a:solidFill>
-                  <a:prstClr val="black">
-                    <a:tint val="82000"/>
-                  </a:prstClr>
-                </a:solidFill>
-                <a:effectLst/>
-                <a:uLnTx/>
-                <a:uFillTx/>
-                <a:latin typeface="Aptos" panose="02110004020202020204"/>
-                <a:ea typeface="+mn-ea"/>
-                <a:cs typeface="+mn-cs"/>
-                <a:hlinkClick r:id="rId2">
-                  <a:extLst>
-                    <a:ext uri="{A12FA001-AC4F-418D-AE19-62706E023703}">
-                      <ahyp:hlinkClr xmlns:ahyp="http://schemas.microsoft.com/office/drawing/2018/hyperlinkcolor" val="tx"/>
-                    </a:ext>
-                  </a:extLst>
-                </a:hlinkClick>
-              </a:rPr>
-              <a:t>Schulung</a:t>
-            </a:r>
-            <a:endParaRPr lang="de-DE" sz="2200" dirty="0"/>
-          </a:p>
-          <a:p>
-            <a:endParaRPr lang="de-DE" sz="2200" dirty="0"/>
-          </a:p>
-        </p:txBody>
-      </p:sp>
-    </p:spTree>
-    <p:extLst>
-      <p:ext uri="{BB962C8B-B14F-4D97-AF65-F5344CB8AC3E}">
-        <p14:creationId xmlns:p14="http://schemas.microsoft.com/office/powerpoint/2010/main" val="4009999160"/>
-      </p:ext>
-    </p:extLst>
-  </p:cSld>
-  <p:clrMapOvr>
-    <a:masterClrMapping/>
-  </p:clrMapOvr>
-</p:sld>
-</file>
-
-<file path=ppt/slides/slide43.xml><?xml version="1.0" encoding="utf-8"?>
-<p:sld xmlns:a="http://schemas.openxmlformats.org/drawingml/2006/main" xmlns:r="http://schemas.openxmlformats.org/officeDocument/2006/relationships" xmlns:p="http://schemas.openxmlformats.org/presentationml/2006/main">
-  <p:cSld>
-    <p:bg>
-      <p:bgPr>
-        <a:solidFill>
-          <a:schemeClr val="bg1"/>
-        </a:solidFill>
-        <a:effectLst/>
-      </p:bgPr>
-    </p:bg>
-    <p:spTree>
-      <p:nvGrpSpPr>
-        <p:cNvPr id="1" name=""/>
-        <p:cNvGrpSpPr/>
-        <p:nvPr/>
-      </p:nvGrpSpPr>
-      <p:grpSpPr>
-        <a:xfrm>
-          <a:off x="0" y="0"/>
-          <a:ext cx="0" cy="0"/>
-          <a:chOff x="0" y="0"/>
-          <a:chExt cx="0" cy="0"/>
-        </a:xfrm>
-      </p:grpSpPr>
-      <p:sp useBgFill="1">
-        <p:nvSpPr>
-          <p:cNvPr id="22" name="Rectangle 21">
-            <a:extLst>
-              <a:ext uri="{FF2B5EF4-FFF2-40B4-BE49-F238E27FC236}">
-                <a16:creationId xmlns:a16="http://schemas.microsoft.com/office/drawing/2014/main" id="{943CAA20-3569-4189-9E48-239A229A86CA}"/>
+                <a16:creationId xmlns:a16="http://schemas.microsoft.com/office/drawing/2014/main" id="{DAAE4CDD-124C-4DCF-9584-B6033B545DD5}"/>
               </a:ext>
               <a:ext uri="{C183D7F6-B498-43B3-948B-1728B52AA6E4}">
                 <adec:decorative xmlns:adec="http://schemas.microsoft.com/office/drawing/2017/decorative" val="1"/>
@@ -26207,12 +24330,86 @@
         </p:nvSpPr>
         <p:spPr>
           <a:xfrm>
-            <a:off x="0" y="0"/>
-            <a:ext cx="12188952" cy="6858000"/>
+            <a:off x="1" y="0"/>
+            <a:ext cx="4167271" cy="6858000"/>
           </a:xfrm>
-          <a:prstGeom prst="rect">
+          <a:custGeom>
             <a:avLst/>
-          </a:prstGeom>
+            <a:gdLst>
+              <a:gd name="connsiteX0" fmla="*/ 0 w 4167271"/>
+              <a:gd name="connsiteY0" fmla="*/ 0 h 6858000"/>
+              <a:gd name="connsiteX1" fmla="*/ 2259550 w 4167271"/>
+              <a:gd name="connsiteY1" fmla="*/ 0 h 6858000"/>
+              <a:gd name="connsiteX2" fmla="*/ 2387803 w 4167271"/>
+              <a:gd name="connsiteY2" fmla="*/ 82222 h 6858000"/>
+              <a:gd name="connsiteX3" fmla="*/ 4167271 w 4167271"/>
+              <a:gd name="connsiteY3" fmla="*/ 3429000 h 6858000"/>
+              <a:gd name="connsiteX4" fmla="*/ 2387803 w 4167271"/>
+              <a:gd name="connsiteY4" fmla="*/ 6775779 h 6858000"/>
+              <a:gd name="connsiteX5" fmla="*/ 2259550 w 4167271"/>
+              <a:gd name="connsiteY5" fmla="*/ 6858000 h 6858000"/>
+              <a:gd name="connsiteX6" fmla="*/ 0 w 4167271"/>
+              <a:gd name="connsiteY6" fmla="*/ 6858000 h 6858000"/>
+            </a:gdLst>
+            <a:ahLst/>
+            <a:cxnLst>
+              <a:cxn ang="0">
+                <a:pos x="connsiteX0" y="connsiteY0"/>
+              </a:cxn>
+              <a:cxn ang="0">
+                <a:pos x="connsiteX1" y="connsiteY1"/>
+              </a:cxn>
+              <a:cxn ang="0">
+                <a:pos x="connsiteX2" y="connsiteY2"/>
+              </a:cxn>
+              <a:cxn ang="0">
+                <a:pos x="connsiteX3" y="connsiteY3"/>
+              </a:cxn>
+              <a:cxn ang="0">
+                <a:pos x="connsiteX4" y="connsiteY4"/>
+              </a:cxn>
+              <a:cxn ang="0">
+                <a:pos x="connsiteX5" y="connsiteY5"/>
+              </a:cxn>
+              <a:cxn ang="0">
+                <a:pos x="connsiteX6" y="connsiteY6"/>
+              </a:cxn>
+            </a:cxnLst>
+            <a:rect l="l" t="t" r="r" b="b"/>
+            <a:pathLst>
+              <a:path w="4167271" h="6858000">
+                <a:moveTo>
+                  <a:pt x="0" y="0"/>
+                </a:moveTo>
+                <a:lnTo>
+                  <a:pt x="2259550" y="0"/>
+                </a:lnTo>
+                <a:lnTo>
+                  <a:pt x="2387803" y="82222"/>
+                </a:lnTo>
+                <a:cubicBezTo>
+                  <a:pt x="3461407" y="807534"/>
+                  <a:pt x="4167271" y="2035835"/>
+                  <a:pt x="4167271" y="3429000"/>
+                </a:cubicBezTo>
+                <a:cubicBezTo>
+                  <a:pt x="4167271" y="4822165"/>
+                  <a:pt x="3461407" y="6050467"/>
+                  <a:pt x="2387803" y="6775779"/>
+                </a:cubicBezTo>
+                <a:lnTo>
+                  <a:pt x="2259550" y="6858000"/>
+                </a:lnTo>
+                <a:lnTo>
+                  <a:pt x="0" y="6858000"/>
+                </a:lnTo>
+                <a:close/>
+              </a:path>
+            </a:pathLst>
+          </a:custGeom>
+          <a:solidFill>
+            <a:schemeClr val="accent2"/>
+          </a:solidFill>
           <a:ln>
             <a:noFill/>
           </a:ln>
@@ -26247,7 +24444,7 @@
           <p:cNvPr id="2" name="Titel 1">
             <a:extLst>
               <a:ext uri="{FF2B5EF4-FFF2-40B4-BE49-F238E27FC236}">
-                <a16:creationId xmlns:a16="http://schemas.microsoft.com/office/drawing/2014/main" id="{2E673D1B-D5F6-9189-C92A-6B3DF726EF3A}"/>
+                <a16:creationId xmlns:a16="http://schemas.microsoft.com/office/drawing/2014/main" id="{92493E2E-0D32-3F0C-9FF0-3475F04C2619}"/>
               </a:ext>
             </a:extLst>
           </p:cNvPr>
@@ -26260,136 +24457,33 @@
         </p:nvSpPr>
         <p:spPr>
           <a:xfrm>
-            <a:off x="838200" y="451381"/>
-            <a:ext cx="10512552" cy="4066540"/>
+            <a:off x="686834" y="1153572"/>
+            <a:ext cx="3200400" cy="4461163"/>
           </a:xfrm>
         </p:spPr>
         <p:txBody>
-          <a:bodyPr vert="horz" lIns="91440" tIns="45720" rIns="91440" bIns="45720" rtlCol="0" anchor="b">
+          <a:bodyPr>
             <a:normAutofit/>
           </a:bodyPr>
           <a:lstStyle/>
           <a:p>
             <a:r>
-              <a:rPr lang="en-US" sz="6600" kern="1200">
+              <a:rPr lang="de-DE">
                 <a:solidFill>
-                  <a:schemeClr val="tx1"/>
+                  <a:srgbClr val="FFFFFF"/>
                 </a:solidFill>
-                <a:latin typeface="+mj-lt"/>
-                <a:ea typeface="+mj-ea"/>
-                <a:cs typeface="+mj-cs"/>
               </a:rPr>
-              <a:t>Hands On</a:t>
+              <a:t>Entität</a:t>
             </a:r>
           </a:p>
         </p:txBody>
       </p:sp>
       <p:sp>
         <p:nvSpPr>
-          <p:cNvPr id="17" name="Inhaltsplatzhalter 2">
+          <p:cNvPr id="23" name="Arc 22">
             <a:extLst>
               <a:ext uri="{FF2B5EF4-FFF2-40B4-BE49-F238E27FC236}">
-                <a16:creationId xmlns:a16="http://schemas.microsoft.com/office/drawing/2014/main" id="{062A5E19-B639-CF3A-D495-61F20D948D3A}"/>
-              </a:ext>
-            </a:extLst>
-          </p:cNvPr>
-          <p:cNvSpPr>
-            <a:spLocks noGrp="1"/>
-          </p:cNvSpPr>
-          <p:nvPr>
-            <p:ph idx="1"/>
-          </p:nvPr>
-        </p:nvSpPr>
-        <p:spPr>
-          <a:xfrm>
-            <a:off x="838199" y="4983276"/>
-            <a:ext cx="10512552" cy="1126680"/>
-          </a:xfrm>
-        </p:spPr>
-        <p:txBody>
-          <a:bodyPr vert="horz" lIns="91440" tIns="45720" rIns="91440" bIns="45720" rtlCol="0">
-            <a:normAutofit/>
-          </a:bodyPr>
-          <a:lstStyle/>
-          <a:p>
-            <a:pPr marL="0" indent="0">
-              <a:buNone/>
-            </a:pPr>
-            <a:r>
-              <a:rPr lang="en-US" sz="2400" kern="1200" dirty="0" err="1">
-                <a:solidFill>
-                  <a:schemeClr val="tx1"/>
-                </a:solidFill>
-                <a:latin typeface="+mn-lt"/>
-                <a:ea typeface="+mn-ea"/>
-                <a:cs typeface="+mn-cs"/>
-              </a:rPr>
-              <a:t>Erstellen</a:t>
-            </a:r>
-            <a:r>
-              <a:rPr lang="en-US" sz="2400" kern="1200" dirty="0">
-                <a:solidFill>
-                  <a:schemeClr val="tx1"/>
-                </a:solidFill>
-                <a:latin typeface="+mn-lt"/>
-                <a:ea typeface="+mn-ea"/>
-                <a:cs typeface="+mn-cs"/>
-              </a:rPr>
-              <a:t> </a:t>
-            </a:r>
-            <a:r>
-              <a:rPr lang="en-US" sz="2400" kern="1200" dirty="0" err="1">
-                <a:solidFill>
-                  <a:schemeClr val="tx1"/>
-                </a:solidFill>
-                <a:latin typeface="+mn-lt"/>
-                <a:ea typeface="+mn-ea"/>
-                <a:cs typeface="+mn-cs"/>
-              </a:rPr>
-              <a:t>eines</a:t>
-            </a:r>
-            <a:r>
-              <a:rPr lang="en-US" sz="2400" kern="1200" dirty="0">
-                <a:solidFill>
-                  <a:schemeClr val="tx1"/>
-                </a:solidFill>
-                <a:latin typeface="+mn-lt"/>
-                <a:ea typeface="+mn-ea"/>
-                <a:cs typeface="+mn-cs"/>
-              </a:rPr>
-              <a:t> Fiori / </a:t>
-            </a:r>
-            <a:r>
-              <a:rPr lang="en-US" sz="2400" kern="1200" dirty="0" err="1">
-                <a:solidFill>
-                  <a:schemeClr val="tx1"/>
-                </a:solidFill>
-                <a:latin typeface="+mn-lt"/>
-                <a:ea typeface="+mn-ea"/>
-                <a:cs typeface="+mn-cs"/>
-              </a:rPr>
-              <a:t>Webdynpro</a:t>
-            </a:r>
-            <a:r>
-              <a:rPr lang="en-US" sz="2400" kern="1200" dirty="0">
-                <a:solidFill>
-                  <a:schemeClr val="tx1"/>
-                </a:solidFill>
-                <a:latin typeface="+mn-lt"/>
-                <a:ea typeface="+mn-ea"/>
-                <a:cs typeface="+mn-cs"/>
-              </a:rPr>
-              <a:t> Tiles für das Fiori Launchpad</a:t>
-            </a:r>
-          </a:p>
-        </p:txBody>
-      </p:sp>
-      <p:sp>
-        <p:nvSpPr>
-          <p:cNvPr id="24" name="sketch line">
-            <a:extLst>
-              <a:ext uri="{FF2B5EF4-FFF2-40B4-BE49-F238E27FC236}">
-                <a16:creationId xmlns:a16="http://schemas.microsoft.com/office/drawing/2014/main" id="{DA542B6D-E775-4832-91DC-2D20F857813A}"/>
+                <a16:creationId xmlns:a16="http://schemas.microsoft.com/office/drawing/2014/main" id="{081E4A58-353D-44AE-B2FC-2A74E2E400F7}"/>
               </a:ext>
               <a:ext uri="{C183D7F6-B498-43B3-948B-1728B52AA6E4}">
                 <adec:decorative xmlns:adec="http://schemas.microsoft.com/office/drawing/2017/decorative" val="1"/>
@@ -26408,344 +24502,32 @@
           </p:nvPr>
         </p:nvSpPr>
         <p:spPr>
-          <a:xfrm>
-            <a:off x="838200" y="4718595"/>
-            <a:ext cx="5410200" cy="18288"/>
+          <a:xfrm flipV="1">
+            <a:off x="7550402" y="2455479"/>
+            <a:ext cx="4083433" cy="4083433"/>
           </a:xfrm>
-          <a:custGeom>
+          <a:prstGeom prst="arc">
             <a:avLst/>
-            <a:gdLst>
-              <a:gd name="connsiteX0" fmla="*/ 0 w 5410200"/>
-              <a:gd name="connsiteY0" fmla="*/ 0 h 18288"/>
-              <a:gd name="connsiteX1" fmla="*/ 568071 w 5410200"/>
-              <a:gd name="connsiteY1" fmla="*/ 0 h 18288"/>
-              <a:gd name="connsiteX2" fmla="*/ 1298448 w 5410200"/>
-              <a:gd name="connsiteY2" fmla="*/ 0 h 18288"/>
-              <a:gd name="connsiteX3" fmla="*/ 1920621 w 5410200"/>
-              <a:gd name="connsiteY3" fmla="*/ 0 h 18288"/>
-              <a:gd name="connsiteX4" fmla="*/ 2488692 w 5410200"/>
-              <a:gd name="connsiteY4" fmla="*/ 0 h 18288"/>
-              <a:gd name="connsiteX5" fmla="*/ 3219069 w 5410200"/>
-              <a:gd name="connsiteY5" fmla="*/ 0 h 18288"/>
-              <a:gd name="connsiteX6" fmla="*/ 3895344 w 5410200"/>
-              <a:gd name="connsiteY6" fmla="*/ 0 h 18288"/>
-              <a:gd name="connsiteX7" fmla="*/ 4571619 w 5410200"/>
-              <a:gd name="connsiteY7" fmla="*/ 0 h 18288"/>
-              <a:gd name="connsiteX8" fmla="*/ 5410200 w 5410200"/>
-              <a:gd name="connsiteY8" fmla="*/ 0 h 18288"/>
-              <a:gd name="connsiteX9" fmla="*/ 5410200 w 5410200"/>
-              <a:gd name="connsiteY9" fmla="*/ 18288 h 18288"/>
-              <a:gd name="connsiteX10" fmla="*/ 4842129 w 5410200"/>
-              <a:gd name="connsiteY10" fmla="*/ 18288 h 18288"/>
-              <a:gd name="connsiteX11" fmla="*/ 4328160 w 5410200"/>
-              <a:gd name="connsiteY11" fmla="*/ 18288 h 18288"/>
-              <a:gd name="connsiteX12" fmla="*/ 3597783 w 5410200"/>
-              <a:gd name="connsiteY12" fmla="*/ 18288 h 18288"/>
-              <a:gd name="connsiteX13" fmla="*/ 3029712 w 5410200"/>
-              <a:gd name="connsiteY13" fmla="*/ 18288 h 18288"/>
-              <a:gd name="connsiteX14" fmla="*/ 2299335 w 5410200"/>
-              <a:gd name="connsiteY14" fmla="*/ 18288 h 18288"/>
-              <a:gd name="connsiteX15" fmla="*/ 1514856 w 5410200"/>
-              <a:gd name="connsiteY15" fmla="*/ 18288 h 18288"/>
-              <a:gd name="connsiteX16" fmla="*/ 892683 w 5410200"/>
-              <a:gd name="connsiteY16" fmla="*/ 18288 h 18288"/>
-              <a:gd name="connsiteX17" fmla="*/ 0 w 5410200"/>
-              <a:gd name="connsiteY17" fmla="*/ 18288 h 18288"/>
-              <a:gd name="connsiteX18" fmla="*/ 0 w 5410200"/>
-              <a:gd name="connsiteY18" fmla="*/ 0 h 18288"/>
-            </a:gdLst>
-            <a:ahLst/>
-            <a:cxnLst>
-              <a:cxn ang="0">
-                <a:pos x="connsiteX0" y="connsiteY0"/>
-              </a:cxn>
-              <a:cxn ang="0">
-                <a:pos x="connsiteX1" y="connsiteY1"/>
-              </a:cxn>
-              <a:cxn ang="0">
-                <a:pos x="connsiteX2" y="connsiteY2"/>
-              </a:cxn>
-              <a:cxn ang="0">
-                <a:pos x="connsiteX3" y="connsiteY3"/>
-              </a:cxn>
-              <a:cxn ang="0">
-                <a:pos x="connsiteX4" y="connsiteY4"/>
-              </a:cxn>
-              <a:cxn ang="0">
-                <a:pos x="connsiteX5" y="connsiteY5"/>
-              </a:cxn>
-              <a:cxn ang="0">
-                <a:pos x="connsiteX6" y="connsiteY6"/>
-              </a:cxn>
-              <a:cxn ang="0">
-                <a:pos x="connsiteX7" y="connsiteY7"/>
-              </a:cxn>
-              <a:cxn ang="0">
-                <a:pos x="connsiteX8" y="connsiteY8"/>
-              </a:cxn>
-              <a:cxn ang="0">
-                <a:pos x="connsiteX9" y="connsiteY9"/>
-              </a:cxn>
-              <a:cxn ang="0">
-                <a:pos x="connsiteX10" y="connsiteY10"/>
-              </a:cxn>
-              <a:cxn ang="0">
-                <a:pos x="connsiteX11" y="connsiteY11"/>
-              </a:cxn>
-              <a:cxn ang="0">
-                <a:pos x="connsiteX12" y="connsiteY12"/>
-              </a:cxn>
-              <a:cxn ang="0">
-                <a:pos x="connsiteX13" y="connsiteY13"/>
-              </a:cxn>
-              <a:cxn ang="0">
-                <a:pos x="connsiteX14" y="connsiteY14"/>
-              </a:cxn>
-              <a:cxn ang="0">
-                <a:pos x="connsiteX15" y="connsiteY15"/>
-              </a:cxn>
-              <a:cxn ang="0">
-                <a:pos x="connsiteX16" y="connsiteY16"/>
-              </a:cxn>
-              <a:cxn ang="0">
-                <a:pos x="connsiteX17" y="connsiteY17"/>
-              </a:cxn>
-              <a:cxn ang="0">
-                <a:pos x="connsiteX18" y="connsiteY18"/>
-              </a:cxn>
-            </a:cxnLst>
-            <a:rect l="l" t="t" r="r" b="b"/>
-            <a:pathLst>
-              <a:path w="5410200" h="18288" fill="none" extrusionOk="0">
-                <a:moveTo>
-                  <a:pt x="0" y="0"/>
-                </a:moveTo>
-                <a:cubicBezTo>
-                  <a:pt x="163050" y="-18707"/>
-                  <a:pt x="319321" y="-16364"/>
-                  <a:pt x="568071" y="0"/>
-                </a:cubicBezTo>
-                <a:cubicBezTo>
-                  <a:pt x="816821" y="16364"/>
-                  <a:pt x="1013224" y="-7268"/>
-                  <a:pt x="1298448" y="0"/>
-                </a:cubicBezTo>
-                <a:cubicBezTo>
-                  <a:pt x="1583672" y="7268"/>
-                  <a:pt x="1631711" y="-3367"/>
-                  <a:pt x="1920621" y="0"/>
-                </a:cubicBezTo>
-                <a:cubicBezTo>
-                  <a:pt x="2209531" y="3367"/>
-                  <a:pt x="2364420" y="-19184"/>
-                  <a:pt x="2488692" y="0"/>
-                </a:cubicBezTo>
-                <a:cubicBezTo>
-                  <a:pt x="2612964" y="19184"/>
-                  <a:pt x="3023298" y="-34627"/>
-                  <a:pt x="3219069" y="0"/>
-                </a:cubicBezTo>
-                <a:cubicBezTo>
-                  <a:pt x="3414840" y="34627"/>
-                  <a:pt x="3656810" y="24043"/>
-                  <a:pt x="3895344" y="0"/>
-                </a:cubicBezTo>
-                <a:cubicBezTo>
-                  <a:pt x="4133879" y="-24043"/>
-                  <a:pt x="4393984" y="-19577"/>
-                  <a:pt x="4571619" y="0"/>
-                </a:cubicBezTo>
-                <a:cubicBezTo>
-                  <a:pt x="4749255" y="19577"/>
-                  <a:pt x="5179928" y="-6281"/>
-                  <a:pt x="5410200" y="0"/>
-                </a:cubicBezTo>
-                <a:cubicBezTo>
-                  <a:pt x="5410730" y="6954"/>
-                  <a:pt x="5410934" y="12839"/>
-                  <a:pt x="5410200" y="18288"/>
-                </a:cubicBezTo>
-                <a:cubicBezTo>
-                  <a:pt x="5139060" y="6751"/>
-                  <a:pt x="5121593" y="31035"/>
-                  <a:pt x="4842129" y="18288"/>
-                </a:cubicBezTo>
-                <a:cubicBezTo>
-                  <a:pt x="4562665" y="5541"/>
-                  <a:pt x="4448273" y="9487"/>
-                  <a:pt x="4328160" y="18288"/>
-                </a:cubicBezTo>
-                <a:cubicBezTo>
-                  <a:pt x="4208047" y="27089"/>
-                  <a:pt x="3760936" y="22567"/>
-                  <a:pt x="3597783" y="18288"/>
-                </a:cubicBezTo>
-                <a:cubicBezTo>
-                  <a:pt x="3434630" y="14009"/>
-                  <a:pt x="3299718" y="33213"/>
-                  <a:pt x="3029712" y="18288"/>
-                </a:cubicBezTo>
-                <a:cubicBezTo>
-                  <a:pt x="2759706" y="3363"/>
-                  <a:pt x="2640159" y="27394"/>
-                  <a:pt x="2299335" y="18288"/>
-                </a:cubicBezTo>
-                <a:cubicBezTo>
-                  <a:pt x="1958511" y="9182"/>
-                  <a:pt x="1801186" y="28985"/>
-                  <a:pt x="1514856" y="18288"/>
-                </a:cubicBezTo>
-                <a:cubicBezTo>
-                  <a:pt x="1228526" y="7591"/>
-                  <a:pt x="1063509" y="-5305"/>
-                  <a:pt x="892683" y="18288"/>
-                </a:cubicBezTo>
-                <a:cubicBezTo>
-                  <a:pt x="721857" y="41881"/>
-                  <a:pt x="186945" y="-20897"/>
-                  <a:pt x="0" y="18288"/>
-                </a:cubicBezTo>
-                <a:cubicBezTo>
-                  <a:pt x="-570" y="9279"/>
-                  <a:pt x="132" y="5100"/>
-                  <a:pt x="0" y="0"/>
-                </a:cubicBezTo>
-                <a:close/>
-              </a:path>
-              <a:path w="5410200" h="18288" stroke="0" extrusionOk="0">
-                <a:moveTo>
-                  <a:pt x="0" y="0"/>
-                </a:moveTo>
-                <a:cubicBezTo>
-                  <a:pt x="285096" y="-4925"/>
-                  <a:pt x="376456" y="22268"/>
-                  <a:pt x="622173" y="0"/>
-                </a:cubicBezTo>
-                <a:cubicBezTo>
-                  <a:pt x="867890" y="-22268"/>
-                  <a:pt x="1031392" y="7228"/>
-                  <a:pt x="1136142" y="0"/>
-                </a:cubicBezTo>
-                <a:cubicBezTo>
-                  <a:pt x="1240892" y="-7228"/>
-                  <a:pt x="1561853" y="9877"/>
-                  <a:pt x="1920621" y="0"/>
-                </a:cubicBezTo>
-                <a:cubicBezTo>
-                  <a:pt x="2279389" y="-9877"/>
-                  <a:pt x="2367255" y="19546"/>
-                  <a:pt x="2542794" y="0"/>
-                </a:cubicBezTo>
-                <a:cubicBezTo>
-                  <a:pt x="2718333" y="-19546"/>
-                  <a:pt x="2866732" y="-22226"/>
-                  <a:pt x="3164967" y="0"/>
-                </a:cubicBezTo>
-                <a:cubicBezTo>
-                  <a:pt x="3463202" y="22226"/>
-                  <a:pt x="3568055" y="-2765"/>
-                  <a:pt x="3949446" y="0"/>
-                </a:cubicBezTo>
-                <a:cubicBezTo>
-                  <a:pt x="4330837" y="2765"/>
-                  <a:pt x="4287895" y="10557"/>
-                  <a:pt x="4517517" y="0"/>
-                </a:cubicBezTo>
-                <a:cubicBezTo>
-                  <a:pt x="4747139" y="-10557"/>
-                  <a:pt x="5149588" y="8716"/>
-                  <a:pt x="5410200" y="0"/>
-                </a:cubicBezTo>
-                <a:cubicBezTo>
-                  <a:pt x="5409517" y="5414"/>
-                  <a:pt x="5409480" y="12510"/>
-                  <a:pt x="5410200" y="18288"/>
-                </a:cubicBezTo>
-                <a:cubicBezTo>
-                  <a:pt x="5163327" y="41494"/>
-                  <a:pt x="5008749" y="10693"/>
-                  <a:pt x="4842129" y="18288"/>
-                </a:cubicBezTo>
-                <a:cubicBezTo>
-                  <a:pt x="4675509" y="25883"/>
-                  <a:pt x="4433401" y="-615"/>
-                  <a:pt x="4165854" y="18288"/>
-                </a:cubicBezTo>
-                <a:cubicBezTo>
-                  <a:pt x="3898308" y="37191"/>
-                  <a:pt x="3809032" y="-8710"/>
-                  <a:pt x="3543681" y="18288"/>
-                </a:cubicBezTo>
-                <a:cubicBezTo>
-                  <a:pt x="3278330" y="45286"/>
-                  <a:pt x="3073876" y="-15917"/>
-                  <a:pt x="2759202" y="18288"/>
-                </a:cubicBezTo>
-                <a:cubicBezTo>
-                  <a:pt x="2444528" y="52493"/>
-                  <a:pt x="2204144" y="3372"/>
-                  <a:pt x="1974723" y="18288"/>
-                </a:cubicBezTo>
-                <a:cubicBezTo>
-                  <a:pt x="1745302" y="33204"/>
-                  <a:pt x="1602335" y="31490"/>
-                  <a:pt x="1406652" y="18288"/>
-                </a:cubicBezTo>
-                <a:cubicBezTo>
-                  <a:pt x="1210969" y="5086"/>
-                  <a:pt x="923948" y="3161"/>
-                  <a:pt x="730377" y="18288"/>
-                </a:cubicBezTo>
-                <a:cubicBezTo>
-                  <a:pt x="536806" y="33415"/>
-                  <a:pt x="336496" y="-141"/>
-                  <a:pt x="0" y="18288"/>
-                </a:cubicBezTo>
-                <a:cubicBezTo>
-                  <a:pt x="-306" y="11061"/>
-                  <a:pt x="-655" y="7751"/>
-                  <a:pt x="0" y="0"/>
-                </a:cubicBezTo>
-                <a:close/>
-              </a:path>
-            </a:pathLst>
-          </a:custGeom>
-          <a:solidFill>
-            <a:schemeClr val="accent2"/>
-          </a:solidFill>
-          <a:ln w="41275" cap="rnd">
+          </a:prstGeom>
+          <a:ln w="127000" cap="rnd">
             <a:solidFill>
-              <a:schemeClr val="accent2"/>
+              <a:schemeClr val="accent4"/>
             </a:solidFill>
-            <a:round/>
-            <a:extLst>
-              <a:ext uri="{C807C97D-BFC1-408E-A445-0C87EB9F89A2}">
-                <ask:lineSketchStyleProps xmlns:ask="http://schemas.microsoft.com/office/drawing/2018/sketchyshapes" sd="1219033472">
-                  <a:prstGeom prst="rect">
-                    <a:avLst/>
-                  </a:prstGeom>
-                  <ask:type>
-                    <ask:lineSketchFreehand/>
-                  </ask:type>
-                </ask:lineSketchStyleProps>
-              </a:ext>
-            </a:extLst>
+            <a:prstDash val="dash"/>
           </a:ln>
         </p:spPr>
         <p:style>
-          <a:lnRef idx="2">
-            <a:schemeClr val="accent1">
-              <a:shade val="50000"/>
-            </a:schemeClr>
+          <a:lnRef idx="1">
+            <a:schemeClr val="accent1"/>
           </a:lnRef>
-          <a:fillRef idx="1">
+          <a:fillRef idx="0">
             <a:schemeClr val="accent1"/>
           </a:fillRef>
           <a:effectRef idx="0">
             <a:schemeClr val="accent1"/>
           </a:effectRef>
           <a:fontRef idx="minor">
-            <a:schemeClr val="lt1"/>
+            <a:schemeClr val="tx1"/>
           </a:fontRef>
         </p:style>
         <p:txBody>
@@ -26753,1188 +24535,16 @@
           <a:lstStyle/>
           <a:p>
             <a:pPr algn="ctr"/>
-            <a:endParaRPr lang="en-US"/>
-          </a:p>
-        </p:txBody>
-      </p:sp>
-    </p:spTree>
-    <p:extLst>
-      <p:ext uri="{BB962C8B-B14F-4D97-AF65-F5344CB8AC3E}">
-        <p14:creationId xmlns:p14="http://schemas.microsoft.com/office/powerpoint/2010/main" val="3469513367"/>
-      </p:ext>
-    </p:extLst>
-  </p:cSld>
-  <p:clrMapOvr>
-    <a:masterClrMapping/>
-  </p:clrMapOvr>
-  <p:timing>
-    <p:tnLst>
-      <p:par>
-        <p:cTn id="1" dur="indefinite" restart="never" nodeType="tmRoot">
-          <p:childTnLst>
-            <p:seq concurrent="1" nextAc="seek">
-              <p:cTn id="2" dur="indefinite" nodeType="mainSeq">
-                <p:childTnLst>
-                  <p:par>
-                    <p:cTn id="3" fill="hold">
-                      <p:stCondLst>
-                        <p:cond delay="indefinite"/>
-                        <p:cond evt="onBegin" delay="0">
-                          <p:tn val="2"/>
-                        </p:cond>
-                      </p:stCondLst>
-                      <p:childTnLst>
-                        <p:par>
-                          <p:cTn id="4" fill="hold">
-                            <p:stCondLst>
-                              <p:cond delay="0"/>
-                            </p:stCondLst>
-                            <p:childTnLst>
-                              <p:par>
-                                <p:cTn id="5" presetID="10" presetClass="entr" presetSubtype="0" fill="hold" grpId="0" nodeType="withEffect">
-                                  <p:stCondLst>
-                                    <p:cond delay="500"/>
-                                  </p:stCondLst>
-                                  <p:iterate type="wd">
-                                    <p:tmPct val="15000"/>
-                                  </p:iterate>
-                                  <p:childTnLst>
-                                    <p:set>
-                                      <p:cBhvr>
-                                        <p:cTn id="6" dur="1" fill="hold">
-                                          <p:stCondLst>
-                                            <p:cond delay="0"/>
-                                          </p:stCondLst>
-                                        </p:cTn>
-                                        <p:tgtEl>
-                                          <p:spTgt spid="2"/>
-                                        </p:tgtEl>
-                                        <p:attrNameLst>
-                                          <p:attrName>style.visibility</p:attrName>
-                                        </p:attrNameLst>
-                                      </p:cBhvr>
-                                      <p:to>
-                                        <p:strVal val="visible"/>
-                                      </p:to>
-                                    </p:set>
-                                    <p:animEffect transition="in" filter="fade">
-                                      <p:cBhvr>
-                                        <p:cTn id="7" dur="1000"/>
-                                        <p:tgtEl>
-                                          <p:spTgt spid="2"/>
-                                        </p:tgtEl>
-                                      </p:cBhvr>
-                                    </p:animEffect>
-                                  </p:childTnLst>
-                                </p:cTn>
-                              </p:par>
-                            </p:childTnLst>
-                          </p:cTn>
-                        </p:par>
-                      </p:childTnLst>
-                    </p:cTn>
-                  </p:par>
-                </p:childTnLst>
-              </p:cTn>
-              <p:prevCondLst>
-                <p:cond evt="onPrev" delay="0">
-                  <p:tgtEl>
-                    <p:sldTgt/>
-                  </p:tgtEl>
-                </p:cond>
-              </p:prevCondLst>
-              <p:nextCondLst>
-                <p:cond evt="onNext" delay="0">
-                  <p:tgtEl>
-                    <p:sldTgt/>
-                  </p:tgtEl>
-                </p:cond>
-              </p:nextCondLst>
-            </p:seq>
-          </p:childTnLst>
-        </p:cTn>
-      </p:par>
-    </p:tnLst>
-    <p:bldLst>
-      <p:bldP spid="2" grpId="0"/>
-    </p:bldLst>
-  </p:timing>
-</p:sld>
-</file>
-
-<file path=ppt/slides/slide44.xml><?xml version="1.0" encoding="utf-8"?>
-<p:sld xmlns:a="http://schemas.openxmlformats.org/drawingml/2006/main" xmlns:r="http://schemas.openxmlformats.org/officeDocument/2006/relationships" xmlns:p="http://schemas.openxmlformats.org/presentationml/2006/main">
-  <p:cSld>
-    <p:spTree>
-      <p:nvGrpSpPr>
-        <p:cNvPr id="1" name=""/>
-        <p:cNvGrpSpPr/>
-        <p:nvPr/>
-      </p:nvGrpSpPr>
-      <p:grpSpPr>
-        <a:xfrm>
-          <a:off x="0" y="0"/>
-          <a:ext cx="0" cy="0"/>
-          <a:chOff x="0" y="0"/>
-          <a:chExt cx="0" cy="0"/>
-        </a:xfrm>
-      </p:grpSpPr>
-      <p:sp>
-        <p:nvSpPr>
-          <p:cNvPr id="2" name="Titel 1">
-            <a:extLst>
-              <a:ext uri="{FF2B5EF4-FFF2-40B4-BE49-F238E27FC236}">
-                <a16:creationId xmlns:a16="http://schemas.microsoft.com/office/drawing/2014/main" id="{3EA24867-36F9-0F61-D7FA-5D7E344549F1}"/>
-              </a:ext>
-            </a:extLst>
-          </p:cNvPr>
-          <p:cNvSpPr>
-            <a:spLocks noGrp="1"/>
-          </p:cNvSpPr>
-          <p:nvPr>
-            <p:ph type="ctrTitle"/>
-          </p:nvPr>
-        </p:nvSpPr>
-        <p:spPr>
-          <a:xfrm>
-            <a:off x="643468" y="643467"/>
-            <a:ext cx="4620584" cy="4567137"/>
-          </a:xfrm>
-        </p:spPr>
-        <p:txBody>
-          <a:bodyPr>
-            <a:normAutofit/>
-          </a:bodyPr>
-          <a:lstStyle/>
-          <a:p>
-            <a:pPr algn="l"/>
-            <a:r>
-              <a:rPr lang="de-DE" sz="4400" dirty="0" err="1"/>
-              <a:t>Advanced</a:t>
-            </a:r>
-            <a:r>
-              <a:rPr lang="de-DE" sz="4400" dirty="0"/>
-              <a:t> </a:t>
-            </a:r>
-            <a:r>
-              <a:rPr lang="de-DE" sz="4400" dirty="0" err="1"/>
-              <a:t>Concepts</a:t>
-            </a:r>
-            <a:endParaRPr lang="de-DE" sz="4400" dirty="0"/>
+            <a:endParaRPr lang="en-US" dirty="0"/>
           </a:p>
         </p:txBody>
       </p:sp>
       <p:sp>
         <p:nvSpPr>
-          <p:cNvPr id="3" name="Untertitel 2">
+          <p:cNvPr id="3" name="Inhaltsplatzhalter 2">
             <a:extLst>
               <a:ext uri="{FF2B5EF4-FFF2-40B4-BE49-F238E27FC236}">
-                <a16:creationId xmlns:a16="http://schemas.microsoft.com/office/drawing/2014/main" id="{B2AC74AD-386B-54E2-7A7C-96B10A166B3F}"/>
-              </a:ext>
-            </a:extLst>
-          </p:cNvPr>
-          <p:cNvSpPr>
-            <a:spLocks noGrp="1"/>
-          </p:cNvSpPr>
-          <p:nvPr>
-            <p:ph type="subTitle" idx="1"/>
-          </p:nvPr>
-        </p:nvSpPr>
-        <p:spPr>
-          <a:xfrm>
-            <a:off x="643467" y="5277684"/>
-            <a:ext cx="4620584" cy="775494"/>
-          </a:xfrm>
-        </p:spPr>
-        <p:txBody>
-          <a:bodyPr>
-            <a:normAutofit/>
-          </a:bodyPr>
-          <a:lstStyle/>
-          <a:p>
-            <a:pPr algn="l"/>
-            <a:r>
-              <a:rPr lang="de-DE" dirty="0"/>
-              <a:t>Praktische Übung</a:t>
-            </a:r>
-          </a:p>
-        </p:txBody>
-      </p:sp>
-      <p:pic>
-        <p:nvPicPr>
-          <p:cNvPr id="115" name="Picture 4">
-            <a:extLst>
-              <a:ext uri="{FF2B5EF4-FFF2-40B4-BE49-F238E27FC236}">
-                <a16:creationId xmlns:a16="http://schemas.microsoft.com/office/drawing/2014/main" id="{3D82A014-FE84-D8E4-DD05-A62EF20C7388}"/>
-              </a:ext>
-            </a:extLst>
-          </p:cNvPr>
-          <p:cNvPicPr>
-            <a:picLocks noChangeAspect="1"/>
-          </p:cNvPicPr>
-          <p:nvPr/>
-        </p:nvPicPr>
-        <p:blipFill rotWithShape="1">
-          <a:blip r:embed="rId2"/>
-          <a:srcRect l="34790"/>
-          <a:stretch/>
-        </p:blipFill>
-        <p:spPr>
-          <a:xfrm>
-            <a:off x="6229215" y="10"/>
-            <a:ext cx="5962785" cy="6857990"/>
-          </a:xfrm>
-          <a:custGeom>
-            <a:avLst/>
-            <a:gdLst/>
-            <a:ahLst/>
-            <a:cxnLst/>
-            <a:rect l="l" t="t" r="r" b="b"/>
-            <a:pathLst>
-              <a:path w="5962785" h="6858000">
-                <a:moveTo>
-                  <a:pt x="1044839" y="0"/>
-                </a:moveTo>
-                <a:lnTo>
-                  <a:pt x="5962785" y="0"/>
-                </a:lnTo>
-                <a:lnTo>
-                  <a:pt x="5962785" y="6858000"/>
-                </a:lnTo>
-                <a:lnTo>
-                  <a:pt x="1469886" y="6858000"/>
-                </a:lnTo>
-                <a:lnTo>
-                  <a:pt x="1416006" y="6823984"/>
-                </a:lnTo>
-                <a:cubicBezTo>
-                  <a:pt x="1356767" y="6787940"/>
-                  <a:pt x="1296437" y="6755500"/>
-                  <a:pt x="1232473" y="6733873"/>
-                </a:cubicBezTo>
-                <a:cubicBezTo>
-                  <a:pt x="1145250" y="6705037"/>
-                  <a:pt x="1060933" y="6654575"/>
-                  <a:pt x="1075471" y="6503186"/>
-                </a:cubicBezTo>
-                <a:cubicBezTo>
-                  <a:pt x="1078378" y="6459932"/>
-                  <a:pt x="1055118" y="6427493"/>
-                  <a:pt x="1020229" y="6438306"/>
-                </a:cubicBezTo>
-                <a:cubicBezTo>
-                  <a:pt x="953358" y="6459932"/>
-                  <a:pt x="921375" y="6398656"/>
-                  <a:pt x="883579" y="6351798"/>
-                </a:cubicBezTo>
-                <a:cubicBezTo>
-                  <a:pt x="816707" y="6268895"/>
-                  <a:pt x="752743" y="6182387"/>
-                  <a:pt x="645167" y="6167969"/>
-                </a:cubicBezTo>
-                <a:cubicBezTo>
-                  <a:pt x="665519" y="6103088"/>
-                  <a:pt x="700408" y="6110298"/>
-                  <a:pt x="732391" y="6124716"/>
-                </a:cubicBezTo>
-                <a:cubicBezTo>
-                  <a:pt x="816707" y="6160761"/>
-                  <a:pt x="901023" y="6200410"/>
-                  <a:pt x="985339" y="6236455"/>
-                </a:cubicBezTo>
-                <a:cubicBezTo>
-                  <a:pt x="1040581" y="6258081"/>
-                  <a:pt x="1095822" y="6290522"/>
-                  <a:pt x="1168509" y="6265291"/>
-                </a:cubicBezTo>
-                <a:cubicBezTo>
-                  <a:pt x="1104545" y="6135530"/>
-                  <a:pt x="996969" y="6110298"/>
-                  <a:pt x="909746" y="6070649"/>
-                </a:cubicBezTo>
-                <a:cubicBezTo>
-                  <a:pt x="802169" y="6020185"/>
-                  <a:pt x="738206" y="5926470"/>
-                  <a:pt x="659704" y="5818335"/>
-                </a:cubicBezTo>
-                <a:cubicBezTo>
-                  <a:pt x="738206" y="5789500"/>
-                  <a:pt x="787632" y="5868798"/>
-                  <a:pt x="851597" y="5865193"/>
-                </a:cubicBezTo>
-                <a:cubicBezTo>
-                  <a:pt x="854504" y="5854380"/>
-                  <a:pt x="860319" y="5832753"/>
-                  <a:pt x="860319" y="5832753"/>
-                </a:cubicBezTo>
-                <a:cubicBezTo>
-                  <a:pt x="755650" y="5775081"/>
-                  <a:pt x="709132" y="5666947"/>
-                  <a:pt x="691686" y="5533581"/>
-                </a:cubicBezTo>
-                <a:cubicBezTo>
-                  <a:pt x="685872" y="5465095"/>
-                  <a:pt x="648075" y="5443468"/>
-                  <a:pt x="610278" y="5411029"/>
-                </a:cubicBezTo>
-                <a:cubicBezTo>
-                  <a:pt x="482350" y="5299289"/>
-                  <a:pt x="345700" y="5198364"/>
-                  <a:pt x="238123" y="5046976"/>
-                </a:cubicBezTo>
-                <a:cubicBezTo>
-                  <a:pt x="363144" y="5064998"/>
-                  <a:pt x="461997" y="5165924"/>
-                  <a:pt x="592833" y="5209177"/>
-                </a:cubicBezTo>
-                <a:cubicBezTo>
-                  <a:pt x="488165" y="5043371"/>
-                  <a:pt x="351514" y="4956864"/>
-                  <a:pt x="226494" y="4855939"/>
-                </a:cubicBezTo>
-                <a:cubicBezTo>
-                  <a:pt x="168344" y="4809081"/>
-                  <a:pt x="116011" y="4751408"/>
-                  <a:pt x="49139" y="4726177"/>
-                </a:cubicBezTo>
-                <a:cubicBezTo>
-                  <a:pt x="25879" y="4718968"/>
-                  <a:pt x="-14825" y="4700947"/>
-                  <a:pt x="5527" y="4650483"/>
-                </a:cubicBezTo>
-                <a:cubicBezTo>
-                  <a:pt x="22972" y="4607230"/>
-                  <a:pt x="54954" y="4621648"/>
-                  <a:pt x="84029" y="4632460"/>
-                </a:cubicBezTo>
-                <a:cubicBezTo>
-                  <a:pt x="153807" y="4661296"/>
-                  <a:pt x="229401" y="4661296"/>
-                  <a:pt x="325347" y="4661296"/>
-                </a:cubicBezTo>
-                <a:cubicBezTo>
-                  <a:pt x="243939" y="4524326"/>
-                  <a:pt x="95658" y="4567580"/>
-                  <a:pt x="25879" y="4423401"/>
-                </a:cubicBezTo>
-                <a:cubicBezTo>
-                  <a:pt x="113103" y="4398170"/>
-                  <a:pt x="179975" y="4448632"/>
-                  <a:pt x="249753" y="4459446"/>
-                </a:cubicBezTo>
-                <a:cubicBezTo>
-                  <a:pt x="313718" y="4470259"/>
-                  <a:pt x="328254" y="4445028"/>
-                  <a:pt x="313718" y="4365729"/>
-                </a:cubicBezTo>
-                <a:cubicBezTo>
-                  <a:pt x="290458" y="4243177"/>
-                  <a:pt x="325347" y="4181900"/>
-                  <a:pt x="418386" y="4214341"/>
-                </a:cubicBezTo>
-                <a:cubicBezTo>
-                  <a:pt x="505609" y="4246781"/>
-                  <a:pt x="514332" y="4199922"/>
-                  <a:pt x="491072" y="4131438"/>
-                </a:cubicBezTo>
-                <a:cubicBezTo>
-                  <a:pt x="456183" y="4030512"/>
-                  <a:pt x="493979" y="3951214"/>
-                  <a:pt x="520147" y="3864706"/>
-                </a:cubicBezTo>
-                <a:cubicBezTo>
-                  <a:pt x="560851" y="3734945"/>
-                  <a:pt x="543407" y="3670064"/>
-                  <a:pt x="459090" y="3572743"/>
-                </a:cubicBezTo>
-                <a:cubicBezTo>
-                  <a:pt x="409664" y="3518676"/>
-                  <a:pt x="360236" y="3471818"/>
-                  <a:pt x="290458" y="3424959"/>
-                </a:cubicBezTo>
-                <a:cubicBezTo>
-                  <a:pt x="450368" y="3399728"/>
-                  <a:pt x="284643" y="3313221"/>
-                  <a:pt x="339884" y="3259153"/>
-                </a:cubicBezTo>
-                <a:cubicBezTo>
-                  <a:pt x="453275" y="3237527"/>
-                  <a:pt x="543407" y="3410542"/>
-                  <a:pt x="697501" y="3360078"/>
-                </a:cubicBezTo>
-                <a:cubicBezTo>
-                  <a:pt x="511425" y="3212294"/>
-                  <a:pt x="302087" y="3165436"/>
-                  <a:pt x="165437" y="2967190"/>
-                </a:cubicBezTo>
-                <a:cubicBezTo>
-                  <a:pt x="197419" y="2923937"/>
-                  <a:pt x="229401" y="2967190"/>
-                  <a:pt x="255568" y="2949167"/>
-                </a:cubicBezTo>
-                <a:cubicBezTo>
-                  <a:pt x="255568" y="2938354"/>
-                  <a:pt x="560851" y="3006840"/>
-                  <a:pt x="578296" y="2725691"/>
-                </a:cubicBezTo>
-                <a:cubicBezTo>
-                  <a:pt x="584111" y="2725691"/>
-                  <a:pt x="589926" y="2725691"/>
-                  <a:pt x="595740" y="2714876"/>
-                </a:cubicBezTo>
-                <a:cubicBezTo>
-                  <a:pt x="627722" y="2675228"/>
-                  <a:pt x="598648" y="2581510"/>
-                  <a:pt x="650982" y="2574301"/>
-                </a:cubicBezTo>
-                <a:cubicBezTo>
-                  <a:pt x="709132" y="2567092"/>
-                  <a:pt x="764373" y="2534653"/>
-                  <a:pt x="825429" y="2552674"/>
-                </a:cubicBezTo>
-                <a:cubicBezTo>
-                  <a:pt x="871949" y="2567092"/>
-                  <a:pt x="921375" y="2585115"/>
-                  <a:pt x="970802" y="2585115"/>
-                </a:cubicBezTo>
-                <a:cubicBezTo>
-                  <a:pt x="1023136" y="2585115"/>
-                  <a:pt x="1095822" y="2707668"/>
-                  <a:pt x="1127805" y="2545465"/>
-                </a:cubicBezTo>
-                <a:cubicBezTo>
-                  <a:pt x="1127805" y="2538257"/>
-                  <a:pt x="1217936" y="2556280"/>
-                  <a:pt x="1267362" y="2563488"/>
-                </a:cubicBezTo>
-                <a:cubicBezTo>
-                  <a:pt x="1308067" y="2570698"/>
-                  <a:pt x="1357494" y="2603137"/>
-                  <a:pt x="1386568" y="2538257"/>
-                </a:cubicBezTo>
-                <a:cubicBezTo>
-                  <a:pt x="1401105" y="2498607"/>
-                  <a:pt x="1331326" y="2426518"/>
-                  <a:pt x="1270270" y="2419309"/>
-                </a:cubicBezTo>
-                <a:cubicBezTo>
-                  <a:pt x="1215029" y="2412101"/>
-                  <a:pt x="1159787" y="2404892"/>
-                  <a:pt x="1107453" y="2419309"/>
-                </a:cubicBezTo>
-                <a:cubicBezTo>
-                  <a:pt x="1043489" y="2437331"/>
-                  <a:pt x="1008599" y="2408495"/>
-                  <a:pt x="991154" y="2343615"/>
-                </a:cubicBezTo>
-                <a:cubicBezTo>
-                  <a:pt x="970802" y="2275131"/>
-                  <a:pt x="933005" y="2239085"/>
-                  <a:pt x="880671" y="2206645"/>
-                </a:cubicBezTo>
-                <a:cubicBezTo>
-                  <a:pt x="752743" y="2127346"/>
-                  <a:pt x="630630" y="2033629"/>
-                  <a:pt x="491072" y="1986771"/>
-                </a:cubicBezTo>
-                <a:cubicBezTo>
-                  <a:pt x="464905" y="1979562"/>
-                  <a:pt x="432923" y="1965145"/>
-                  <a:pt x="421293" y="1903868"/>
-                </a:cubicBezTo>
-                <a:cubicBezTo>
-                  <a:pt x="799262" y="1997584"/>
-                  <a:pt x="1142342" y="2239085"/>
-                  <a:pt x="1531941" y="2224667"/>
-                </a:cubicBezTo>
-                <a:cubicBezTo>
-                  <a:pt x="1427272" y="2148974"/>
-                  <a:pt x="1302252" y="2145369"/>
-                  <a:pt x="1188861" y="2091301"/>
-                </a:cubicBezTo>
-                <a:cubicBezTo>
-                  <a:pt x="1270270" y="2051652"/>
-                  <a:pt x="1345864" y="2094906"/>
-                  <a:pt x="1421458" y="2116532"/>
-                </a:cubicBezTo>
-                <a:cubicBezTo>
-                  <a:pt x="1485422" y="2134554"/>
-                  <a:pt x="1543571" y="2138160"/>
-                  <a:pt x="1549386" y="2026420"/>
-                </a:cubicBezTo>
-                <a:cubicBezTo>
-                  <a:pt x="1549386" y="2015607"/>
-                  <a:pt x="1549386" y="2008398"/>
-                  <a:pt x="1549386" y="1997584"/>
-                </a:cubicBezTo>
-                <a:cubicBezTo>
-                  <a:pt x="1526126" y="1950727"/>
-                  <a:pt x="1494144" y="1929099"/>
-                  <a:pt x="1453440" y="1914682"/>
-                </a:cubicBezTo>
-                <a:cubicBezTo>
-                  <a:pt x="1430180" y="1907473"/>
-                  <a:pt x="1398198" y="1893056"/>
-                  <a:pt x="1398198" y="1860614"/>
-                </a:cubicBezTo>
-                <a:cubicBezTo>
-                  <a:pt x="1401105" y="1738063"/>
-                  <a:pt x="1322604" y="1702018"/>
-                  <a:pt x="1247011" y="1665972"/>
-                </a:cubicBezTo>
-                <a:cubicBezTo>
-                  <a:pt x="1287715" y="1604696"/>
-                  <a:pt x="1322604" y="1647950"/>
-                  <a:pt x="1354586" y="1644345"/>
-                </a:cubicBezTo>
-                <a:cubicBezTo>
-                  <a:pt x="1374939" y="1640741"/>
-                  <a:pt x="1395290" y="1637138"/>
-                  <a:pt x="1395290" y="1604696"/>
-                </a:cubicBezTo>
-                <a:cubicBezTo>
-                  <a:pt x="1395290" y="1579465"/>
-                  <a:pt x="1386568" y="1547025"/>
-                  <a:pt x="1366216" y="1547025"/>
-                </a:cubicBezTo>
-                <a:cubicBezTo>
-                  <a:pt x="1238288" y="1543420"/>
-                  <a:pt x="1165601" y="1370405"/>
-                  <a:pt x="1031858" y="1370405"/>
-                </a:cubicBezTo>
-                <a:cubicBezTo>
-                  <a:pt x="950450" y="1370405"/>
-                  <a:pt x="1072563" y="1273083"/>
-                  <a:pt x="1005692" y="1233435"/>
-                </a:cubicBezTo>
-                <a:cubicBezTo>
-                  <a:pt x="991154" y="1222621"/>
-                  <a:pt x="1046396" y="1208203"/>
-                  <a:pt x="1069655" y="1211808"/>
-                </a:cubicBezTo>
-                <a:cubicBezTo>
-                  <a:pt x="1092915" y="1215412"/>
-                  <a:pt x="1113268" y="1240644"/>
-                  <a:pt x="1142342" y="1222621"/>
-                </a:cubicBezTo>
-                <a:cubicBezTo>
-                  <a:pt x="1156879" y="1157741"/>
-                  <a:pt x="1119082" y="1132510"/>
-                  <a:pt x="1084193" y="1114487"/>
-                </a:cubicBezTo>
-                <a:cubicBezTo>
-                  <a:pt x="1008599" y="1071234"/>
-                  <a:pt x="933005" y="1020771"/>
-                  <a:pt x="848689" y="1006353"/>
-                </a:cubicBezTo>
-                <a:cubicBezTo>
-                  <a:pt x="819615" y="1002748"/>
-                  <a:pt x="802169" y="984726"/>
-                  <a:pt x="805077" y="948681"/>
-                </a:cubicBezTo>
-                <a:cubicBezTo>
-                  <a:pt x="810892" y="901822"/>
-                  <a:pt x="839967" y="916240"/>
-                  <a:pt x="863226" y="919844"/>
-                </a:cubicBezTo>
-                <a:cubicBezTo>
-                  <a:pt x="877764" y="923450"/>
-                  <a:pt x="892301" y="934263"/>
-                  <a:pt x="906838" y="909031"/>
-                </a:cubicBezTo>
-                <a:cubicBezTo>
-                  <a:pt x="566666" y="653113"/>
-                  <a:pt x="386404" y="667532"/>
-                  <a:pt x="5527" y="458471"/>
-                </a:cubicBezTo>
-                <a:cubicBezTo>
-                  <a:pt x="89843" y="418822"/>
-                  <a:pt x="150900" y="447658"/>
-                  <a:pt x="209049" y="454867"/>
-                </a:cubicBezTo>
-                <a:cubicBezTo>
-                  <a:pt x="354422" y="472890"/>
-                  <a:pt x="264290" y="505329"/>
-                  <a:pt x="409664" y="526956"/>
-                </a:cubicBezTo>
-                <a:cubicBezTo>
-                  <a:pt x="479443" y="537770"/>
-                  <a:pt x="543407" y="573815"/>
-                  <a:pt x="621908" y="516143"/>
-                </a:cubicBezTo>
-                <a:cubicBezTo>
-                  <a:pt x="674242" y="476494"/>
-                  <a:pt x="758558" y="519747"/>
-                  <a:pt x="822522" y="552188"/>
-                </a:cubicBezTo>
-                <a:cubicBezTo>
-                  <a:pt x="874856" y="581024"/>
-                  <a:pt x="927190" y="588232"/>
-                  <a:pt x="996969" y="552188"/>
-                </a:cubicBezTo>
-                <a:cubicBezTo>
-                  <a:pt x="933005" y="530562"/>
-                  <a:pt x="883579" y="512539"/>
-                  <a:pt x="834151" y="498120"/>
-                </a:cubicBezTo>
-                <a:cubicBezTo>
-                  <a:pt x="793447" y="487307"/>
-                  <a:pt x="770187" y="462076"/>
-                  <a:pt x="773095" y="408008"/>
-                </a:cubicBezTo>
-                <a:cubicBezTo>
-                  <a:pt x="773095" y="379172"/>
-                  <a:pt x="764373" y="339523"/>
-                  <a:pt x="793447" y="325106"/>
-                </a:cubicBezTo>
-                <a:cubicBezTo>
-                  <a:pt x="816707" y="310688"/>
-                  <a:pt x="848689" y="325106"/>
-                  <a:pt x="860319" y="350336"/>
-                </a:cubicBezTo>
-                <a:cubicBezTo>
-                  <a:pt x="874856" y="397195"/>
-                  <a:pt x="889393" y="440449"/>
-                  <a:pt x="938820" y="444054"/>
-                </a:cubicBezTo>
-                <a:cubicBezTo>
-                  <a:pt x="1005692" y="451262"/>
-                  <a:pt x="967894" y="422426"/>
-                  <a:pt x="956265" y="386381"/>
-                </a:cubicBezTo>
-                <a:cubicBezTo>
-                  <a:pt x="944635" y="346733"/>
-                  <a:pt x="979525" y="335919"/>
-                  <a:pt x="1002784" y="343127"/>
-                </a:cubicBezTo>
-                <a:cubicBezTo>
-                  <a:pt x="1090008" y="375569"/>
-                  <a:pt x="1180139" y="317897"/>
-                  <a:pt x="1270270" y="364755"/>
-                </a:cubicBezTo>
-                <a:cubicBezTo>
-                  <a:pt x="1247011" y="249411"/>
-                  <a:pt x="1197583" y="198949"/>
-                  <a:pt x="1092915" y="180926"/>
-                </a:cubicBezTo>
-                <a:cubicBezTo>
-                  <a:pt x="1055118" y="177322"/>
-                  <a:pt x="1014414" y="184530"/>
-                  <a:pt x="979525" y="152090"/>
-                </a:cubicBezTo>
-                <a:cubicBezTo>
-                  <a:pt x="959172" y="134068"/>
-                  <a:pt x="938820" y="112441"/>
-                  <a:pt x="953358" y="76396"/>
-                </a:cubicBezTo>
-                <a:cubicBezTo>
-                  <a:pt x="962080" y="51165"/>
-                  <a:pt x="985339" y="51165"/>
-                  <a:pt x="1005692" y="58373"/>
-                </a:cubicBezTo>
-                <a:cubicBezTo>
-                  <a:pt x="1090008" y="98023"/>
-                  <a:pt x="1180139" y="108837"/>
-                  <a:pt x="1267362" y="123254"/>
-                </a:cubicBezTo>
-                <a:cubicBezTo>
-                  <a:pt x="1281900" y="126859"/>
-                  <a:pt x="1296437" y="134068"/>
-                  <a:pt x="1310975" y="98023"/>
-                </a:cubicBezTo>
-                <a:cubicBezTo>
-                  <a:pt x="1260095" y="81803"/>
-                  <a:pt x="1209941" y="62879"/>
-                  <a:pt x="1159787" y="43505"/>
-                </a:cubicBezTo>
-                <a:close/>
-              </a:path>
-            </a:pathLst>
-          </a:custGeom>
-        </p:spPr>
-      </p:pic>
-    </p:spTree>
-    <p:extLst>
-      <p:ext uri="{BB962C8B-B14F-4D97-AF65-F5344CB8AC3E}">
-        <p14:creationId xmlns:p14="http://schemas.microsoft.com/office/powerpoint/2010/main" val="809074997"/>
-      </p:ext>
-    </p:extLst>
-  </p:cSld>
-  <p:clrMapOvr>
-    <a:masterClrMapping/>
-  </p:clrMapOvr>
-</p:sld>
-</file>
-
-<file path=ppt/slides/slide45.xml><?xml version="1.0" encoding="utf-8"?>
-<p:sld xmlns:a="http://schemas.openxmlformats.org/drawingml/2006/main" xmlns:r="http://schemas.openxmlformats.org/officeDocument/2006/relationships" xmlns:p="http://schemas.openxmlformats.org/presentationml/2006/main">
-  <p:cSld>
-    <p:bg>
-      <p:bgPr>
-        <a:solidFill>
-          <a:schemeClr val="bg1"/>
-        </a:solidFill>
-        <a:effectLst/>
-      </p:bgPr>
-    </p:bg>
-    <p:spTree>
-      <p:nvGrpSpPr>
-        <p:cNvPr id="1" name=""/>
-        <p:cNvGrpSpPr/>
-        <p:nvPr/>
-      </p:nvGrpSpPr>
-      <p:grpSpPr>
-        <a:xfrm>
-          <a:off x="0" y="0"/>
-          <a:ext cx="0" cy="0"/>
-          <a:chOff x="0" y="0"/>
-          <a:chExt cx="0" cy="0"/>
-        </a:xfrm>
-      </p:grpSpPr>
-      <p:sp useBgFill="1">
-        <p:nvSpPr>
-          <p:cNvPr id="22" name="Rectangle 21">
-            <a:extLst>
-              <a:ext uri="{FF2B5EF4-FFF2-40B4-BE49-F238E27FC236}">
-                <a16:creationId xmlns:a16="http://schemas.microsoft.com/office/drawing/2014/main" id="{777A147A-9ED8-46B4-8660-1B3C2AA880B5}"/>
-              </a:ext>
-              <a:ext uri="{C183D7F6-B498-43B3-948B-1728B52AA6E4}">
-                <adec:decorative xmlns:adec="http://schemas.microsoft.com/office/drawing/2017/decorative" val="1"/>
-              </a:ext>
-            </a:extLst>
-          </p:cNvPr>
-          <p:cNvSpPr>
-            <a:spLocks noGrp="1" noRot="1" noChangeAspect="1" noMove="1" noResize="1" noEditPoints="1" noAdjustHandles="1" noChangeArrowheads="1" noChangeShapeType="1" noTextEdit="1"/>
-          </p:cNvSpPr>
-          <p:nvPr>
-            <p:extLst>
-              <p:ext uri="{386F3935-93C4-4BCD-93E2-E3B085C9AB24}">
-                <p16:designElem xmlns:p16="http://schemas.microsoft.com/office/powerpoint/2015/main" val="1"/>
-              </p:ext>
-            </p:extLst>
-          </p:nvPr>
-        </p:nvSpPr>
-        <p:spPr>
-          <a:xfrm>
-            <a:off x="0" y="0"/>
-            <a:ext cx="12188952" cy="6858000"/>
-          </a:xfrm>
-          <a:prstGeom prst="rect">
-            <a:avLst/>
-          </a:prstGeom>
-          <a:ln>
-            <a:noFill/>
-          </a:ln>
-        </p:spPr>
-        <p:style>
-          <a:lnRef idx="2">
-            <a:schemeClr val="accent1">
-              <a:shade val="50000"/>
-            </a:schemeClr>
-          </a:lnRef>
-          <a:fillRef idx="1">
-            <a:schemeClr val="accent1"/>
-          </a:fillRef>
-          <a:effectRef idx="0">
-            <a:schemeClr val="accent1"/>
-          </a:effectRef>
-          <a:fontRef idx="minor">
-            <a:schemeClr val="lt1"/>
-          </a:fontRef>
-        </p:style>
-        <p:txBody>
-          <a:bodyPr rtlCol="0" anchor="ctr"/>
-          <a:lstStyle/>
-          <a:p>
-            <a:pPr algn="ctr"/>
-            <a:endParaRPr lang="en-US"/>
-          </a:p>
-        </p:txBody>
-      </p:sp>
-      <p:sp>
-        <p:nvSpPr>
-          <p:cNvPr id="2" name="Titel 1">
-            <a:extLst>
-              <a:ext uri="{FF2B5EF4-FFF2-40B4-BE49-F238E27FC236}">
-                <a16:creationId xmlns:a16="http://schemas.microsoft.com/office/drawing/2014/main" id="{2E673D1B-D5F6-9189-C92A-6B3DF726EF3A}"/>
-              </a:ext>
-            </a:extLst>
-          </p:cNvPr>
-          <p:cNvSpPr>
-            <a:spLocks noGrp="1"/>
-          </p:cNvSpPr>
-          <p:nvPr>
-            <p:ph type="title"/>
-          </p:nvPr>
-        </p:nvSpPr>
-        <p:spPr>
-          <a:xfrm>
-            <a:off x="841248" y="548640"/>
-            <a:ext cx="3600860" cy="5431536"/>
-          </a:xfrm>
-        </p:spPr>
-        <p:txBody>
-          <a:bodyPr>
-            <a:normAutofit/>
-          </a:bodyPr>
-          <a:lstStyle/>
-          <a:p>
-            <a:r>
-              <a:rPr lang="de-DE" sz="5400"/>
-              <a:t>Hands On</a:t>
-            </a:r>
-          </a:p>
-        </p:txBody>
-      </p:sp>
-      <p:sp>
-        <p:nvSpPr>
-          <p:cNvPr id="24" name="sketch line">
-            <a:extLst>
-              <a:ext uri="{FF2B5EF4-FFF2-40B4-BE49-F238E27FC236}">
-                <a16:creationId xmlns:a16="http://schemas.microsoft.com/office/drawing/2014/main" id="{5D6C15A0-C087-4593-8414-2B4EC1CDC3DE}"/>
-              </a:ext>
-              <a:ext uri="{C183D7F6-B498-43B3-948B-1728B52AA6E4}">
-                <adec:decorative xmlns:adec="http://schemas.microsoft.com/office/drawing/2017/decorative" val="1"/>
-              </a:ext>
-            </a:extLst>
-          </p:cNvPr>
-          <p:cNvSpPr>
-            <a:spLocks noGrp="1" noRot="1" noChangeAspect="1" noMove="1" noResize="1" noEditPoints="1" noAdjustHandles="1" noChangeArrowheads="1" noChangeShapeType="1" noTextEdit="1"/>
-          </p:cNvSpPr>
-          <p:nvPr>
-            <p:extLst>
-              <p:ext uri="{386F3935-93C4-4BCD-93E2-E3B085C9AB24}">
-                <p16:designElem xmlns:p16="http://schemas.microsoft.com/office/powerpoint/2015/main" val="1"/>
-              </p:ext>
-            </p:extLst>
-          </p:nvPr>
-        </p:nvSpPr>
-        <p:spPr>
-          <a:xfrm rot="5400000">
-            <a:off x="2543983" y="3258715"/>
-            <a:ext cx="4480560" cy="18288"/>
-          </a:xfrm>
-          <a:custGeom>
-            <a:avLst/>
-            <a:gdLst>
-              <a:gd name="connsiteX0" fmla="*/ 0 w 4480560"/>
-              <a:gd name="connsiteY0" fmla="*/ 0 h 18288"/>
-              <a:gd name="connsiteX1" fmla="*/ 595274 w 4480560"/>
-              <a:gd name="connsiteY1" fmla="*/ 0 h 18288"/>
-              <a:gd name="connsiteX2" fmla="*/ 1100938 w 4480560"/>
-              <a:gd name="connsiteY2" fmla="*/ 0 h 18288"/>
-              <a:gd name="connsiteX3" fmla="*/ 1651406 w 4480560"/>
-              <a:gd name="connsiteY3" fmla="*/ 0 h 18288"/>
-              <a:gd name="connsiteX4" fmla="*/ 2336292 w 4480560"/>
-              <a:gd name="connsiteY4" fmla="*/ 0 h 18288"/>
-              <a:gd name="connsiteX5" fmla="*/ 2931566 w 4480560"/>
-              <a:gd name="connsiteY5" fmla="*/ 0 h 18288"/>
-              <a:gd name="connsiteX6" fmla="*/ 3482035 w 4480560"/>
-              <a:gd name="connsiteY6" fmla="*/ 0 h 18288"/>
-              <a:gd name="connsiteX7" fmla="*/ 4480560 w 4480560"/>
-              <a:gd name="connsiteY7" fmla="*/ 0 h 18288"/>
-              <a:gd name="connsiteX8" fmla="*/ 4480560 w 4480560"/>
-              <a:gd name="connsiteY8" fmla="*/ 18288 h 18288"/>
-              <a:gd name="connsiteX9" fmla="*/ 3840480 w 4480560"/>
-              <a:gd name="connsiteY9" fmla="*/ 18288 h 18288"/>
-              <a:gd name="connsiteX10" fmla="*/ 3290011 w 4480560"/>
-              <a:gd name="connsiteY10" fmla="*/ 18288 h 18288"/>
-              <a:gd name="connsiteX11" fmla="*/ 2560320 w 4480560"/>
-              <a:gd name="connsiteY11" fmla="*/ 18288 h 18288"/>
-              <a:gd name="connsiteX12" fmla="*/ 1965046 w 4480560"/>
-              <a:gd name="connsiteY12" fmla="*/ 18288 h 18288"/>
-              <a:gd name="connsiteX13" fmla="*/ 1459382 w 4480560"/>
-              <a:gd name="connsiteY13" fmla="*/ 18288 h 18288"/>
-              <a:gd name="connsiteX14" fmla="*/ 774497 w 4480560"/>
-              <a:gd name="connsiteY14" fmla="*/ 18288 h 18288"/>
-              <a:gd name="connsiteX15" fmla="*/ 0 w 4480560"/>
-              <a:gd name="connsiteY15" fmla="*/ 18288 h 18288"/>
-              <a:gd name="connsiteX16" fmla="*/ 0 w 4480560"/>
-              <a:gd name="connsiteY16" fmla="*/ 0 h 18288"/>
-            </a:gdLst>
-            <a:ahLst/>
-            <a:cxnLst>
-              <a:cxn ang="0">
-                <a:pos x="connsiteX0" y="connsiteY0"/>
-              </a:cxn>
-              <a:cxn ang="0">
-                <a:pos x="connsiteX1" y="connsiteY1"/>
-              </a:cxn>
-              <a:cxn ang="0">
-                <a:pos x="connsiteX2" y="connsiteY2"/>
-              </a:cxn>
-              <a:cxn ang="0">
-                <a:pos x="connsiteX3" y="connsiteY3"/>
-              </a:cxn>
-              <a:cxn ang="0">
-                <a:pos x="connsiteX4" y="connsiteY4"/>
-              </a:cxn>
-              <a:cxn ang="0">
-                <a:pos x="connsiteX5" y="connsiteY5"/>
-              </a:cxn>
-              <a:cxn ang="0">
-                <a:pos x="connsiteX6" y="connsiteY6"/>
-              </a:cxn>
-              <a:cxn ang="0">
-                <a:pos x="connsiteX7" y="connsiteY7"/>
-              </a:cxn>
-              <a:cxn ang="0">
-                <a:pos x="connsiteX8" y="connsiteY8"/>
-              </a:cxn>
-              <a:cxn ang="0">
-                <a:pos x="connsiteX9" y="connsiteY9"/>
-              </a:cxn>
-              <a:cxn ang="0">
-                <a:pos x="connsiteX10" y="connsiteY10"/>
-              </a:cxn>
-              <a:cxn ang="0">
-                <a:pos x="connsiteX11" y="connsiteY11"/>
-              </a:cxn>
-              <a:cxn ang="0">
-                <a:pos x="connsiteX12" y="connsiteY12"/>
-              </a:cxn>
-              <a:cxn ang="0">
-                <a:pos x="connsiteX13" y="connsiteY13"/>
-              </a:cxn>
-              <a:cxn ang="0">
-                <a:pos x="connsiteX14" y="connsiteY14"/>
-              </a:cxn>
-              <a:cxn ang="0">
-                <a:pos x="connsiteX15" y="connsiteY15"/>
-              </a:cxn>
-              <a:cxn ang="0">
-                <a:pos x="connsiteX16" y="connsiteY16"/>
-              </a:cxn>
-            </a:cxnLst>
-            <a:rect l="l" t="t" r="r" b="b"/>
-            <a:pathLst>
-              <a:path w="4480560" h="18288" fill="none" extrusionOk="0">
-                <a:moveTo>
-                  <a:pt x="0" y="0"/>
-                </a:moveTo>
-                <a:cubicBezTo>
-                  <a:pt x="267821" y="8731"/>
-                  <a:pt x="334105" y="2629"/>
-                  <a:pt x="595274" y="0"/>
-                </a:cubicBezTo>
-                <a:cubicBezTo>
-                  <a:pt x="856443" y="-2629"/>
-                  <a:pt x="863808" y="-13353"/>
-                  <a:pt x="1100938" y="0"/>
-                </a:cubicBezTo>
-                <a:cubicBezTo>
-                  <a:pt x="1338068" y="13353"/>
-                  <a:pt x="1431663" y="-25862"/>
-                  <a:pt x="1651406" y="0"/>
-                </a:cubicBezTo>
-                <a:cubicBezTo>
-                  <a:pt x="1871149" y="25862"/>
-                  <a:pt x="2173163" y="23827"/>
-                  <a:pt x="2336292" y="0"/>
-                </a:cubicBezTo>
-                <a:cubicBezTo>
-                  <a:pt x="2499421" y="-23827"/>
-                  <a:pt x="2720589" y="28148"/>
-                  <a:pt x="2931566" y="0"/>
-                </a:cubicBezTo>
-                <a:cubicBezTo>
-                  <a:pt x="3142543" y="-28148"/>
-                  <a:pt x="3323630" y="27022"/>
-                  <a:pt x="3482035" y="0"/>
-                </a:cubicBezTo>
-                <a:cubicBezTo>
-                  <a:pt x="3640440" y="-27022"/>
-                  <a:pt x="4012110" y="-20118"/>
-                  <a:pt x="4480560" y="0"/>
-                </a:cubicBezTo>
-                <a:cubicBezTo>
-                  <a:pt x="4480958" y="7429"/>
-                  <a:pt x="4480540" y="10822"/>
-                  <a:pt x="4480560" y="18288"/>
-                </a:cubicBezTo>
-                <a:cubicBezTo>
-                  <a:pt x="4314132" y="14924"/>
-                  <a:pt x="4028383" y="36632"/>
-                  <a:pt x="3840480" y="18288"/>
-                </a:cubicBezTo>
-                <a:cubicBezTo>
-                  <a:pt x="3652577" y="-56"/>
-                  <a:pt x="3547615" y="2848"/>
-                  <a:pt x="3290011" y="18288"/>
-                </a:cubicBezTo>
-                <a:cubicBezTo>
-                  <a:pt x="3032407" y="33728"/>
-                  <a:pt x="2830268" y="8719"/>
-                  <a:pt x="2560320" y="18288"/>
-                </a:cubicBezTo>
-                <a:cubicBezTo>
-                  <a:pt x="2290372" y="27857"/>
-                  <a:pt x="2147422" y="6728"/>
-                  <a:pt x="1965046" y="18288"/>
-                </a:cubicBezTo>
-                <a:cubicBezTo>
-                  <a:pt x="1782670" y="29848"/>
-                  <a:pt x="1689791" y="40680"/>
-                  <a:pt x="1459382" y="18288"/>
-                </a:cubicBezTo>
-                <a:cubicBezTo>
-                  <a:pt x="1228973" y="-4104"/>
-                  <a:pt x="915486" y="36501"/>
-                  <a:pt x="774497" y="18288"/>
-                </a:cubicBezTo>
-                <a:cubicBezTo>
-                  <a:pt x="633508" y="75"/>
-                  <a:pt x="361442" y="-11107"/>
-                  <a:pt x="0" y="18288"/>
-                </a:cubicBezTo>
-                <a:cubicBezTo>
-                  <a:pt x="-591" y="13205"/>
-                  <a:pt x="-663" y="6329"/>
-                  <a:pt x="0" y="0"/>
-                </a:cubicBezTo>
-                <a:close/>
-              </a:path>
-              <a:path w="4480560" h="18288" stroke="0" extrusionOk="0">
-                <a:moveTo>
-                  <a:pt x="0" y="0"/>
-                </a:moveTo>
-                <a:cubicBezTo>
-                  <a:pt x="285465" y="225"/>
-                  <a:pt x="322691" y="16223"/>
-                  <a:pt x="595274" y="0"/>
-                </a:cubicBezTo>
-                <a:cubicBezTo>
-                  <a:pt x="867857" y="-16223"/>
-                  <a:pt x="989129" y="-11242"/>
-                  <a:pt x="1100938" y="0"/>
-                </a:cubicBezTo>
-                <a:cubicBezTo>
-                  <a:pt x="1212747" y="11242"/>
-                  <a:pt x="1574350" y="-36410"/>
-                  <a:pt x="1830629" y="0"/>
-                </a:cubicBezTo>
-                <a:cubicBezTo>
-                  <a:pt x="2086908" y="36410"/>
-                  <a:pt x="2180922" y="4645"/>
-                  <a:pt x="2425903" y="0"/>
-                </a:cubicBezTo>
-                <a:cubicBezTo>
-                  <a:pt x="2670884" y="-4645"/>
-                  <a:pt x="2782024" y="22929"/>
-                  <a:pt x="3021178" y="0"/>
-                </a:cubicBezTo>
-                <a:cubicBezTo>
-                  <a:pt x="3260332" y="-22929"/>
-                  <a:pt x="3456982" y="-1586"/>
-                  <a:pt x="3750869" y="0"/>
-                </a:cubicBezTo>
-                <a:cubicBezTo>
-                  <a:pt x="4044756" y="1586"/>
-                  <a:pt x="4302726" y="17043"/>
-                  <a:pt x="4480560" y="0"/>
-                </a:cubicBezTo>
-                <a:cubicBezTo>
-                  <a:pt x="4479674" y="5429"/>
-                  <a:pt x="4481381" y="14046"/>
-                  <a:pt x="4480560" y="18288"/>
-                </a:cubicBezTo>
-                <a:cubicBezTo>
-                  <a:pt x="4279652" y="-6850"/>
-                  <a:pt x="4200762" y="41566"/>
-                  <a:pt x="3930091" y="18288"/>
-                </a:cubicBezTo>
-                <a:cubicBezTo>
-                  <a:pt x="3659420" y="-4990"/>
-                  <a:pt x="3456052" y="22294"/>
-                  <a:pt x="3290011" y="18288"/>
-                </a:cubicBezTo>
-                <a:cubicBezTo>
-                  <a:pt x="3123970" y="14282"/>
-                  <a:pt x="2882392" y="32818"/>
-                  <a:pt x="2649931" y="18288"/>
-                </a:cubicBezTo>
-                <a:cubicBezTo>
-                  <a:pt x="2417470" y="3758"/>
-                  <a:pt x="2238426" y="7337"/>
-                  <a:pt x="2054657" y="18288"/>
-                </a:cubicBezTo>
-                <a:cubicBezTo>
-                  <a:pt x="1870888" y="29239"/>
-                  <a:pt x="1566368" y="45040"/>
-                  <a:pt x="1324966" y="18288"/>
-                </a:cubicBezTo>
-                <a:cubicBezTo>
-                  <a:pt x="1083564" y="-8464"/>
-                  <a:pt x="787410" y="10946"/>
-                  <a:pt x="595274" y="18288"/>
-                </a:cubicBezTo>
-                <a:cubicBezTo>
-                  <a:pt x="403138" y="25630"/>
-                  <a:pt x="169622" y="10499"/>
-                  <a:pt x="0" y="18288"/>
-                </a:cubicBezTo>
-                <a:cubicBezTo>
-                  <a:pt x="668" y="13665"/>
-                  <a:pt x="578" y="5675"/>
-                  <a:pt x="0" y="0"/>
-                </a:cubicBezTo>
-                <a:close/>
-              </a:path>
-            </a:pathLst>
-          </a:custGeom>
-          <a:solidFill>
-            <a:schemeClr val="accent2"/>
-          </a:solidFill>
-          <a:ln w="41275" cap="rnd">
-            <a:solidFill>
-              <a:schemeClr val="accent2"/>
-            </a:solidFill>
-            <a:round/>
-            <a:extLst>
-              <a:ext uri="{C807C97D-BFC1-408E-A445-0C87EB9F89A2}">
-                <ask:lineSketchStyleProps xmlns:ask="http://schemas.microsoft.com/office/drawing/2018/sketchyshapes" sd="1219033472">
-                  <a:prstGeom prst="rect">
-                    <a:avLst/>
-                  </a:prstGeom>
-                  <ask:type>
-                    <ask:lineSketchFreehand/>
-                  </ask:type>
-                </ask:lineSketchStyleProps>
-              </a:ext>
-            </a:extLst>
-          </a:ln>
-        </p:spPr>
-        <p:style>
-          <a:lnRef idx="2">
-            <a:schemeClr val="accent1">
-              <a:shade val="50000"/>
-            </a:schemeClr>
-          </a:lnRef>
-          <a:fillRef idx="1">
-            <a:schemeClr val="accent1"/>
-          </a:fillRef>
-          <a:effectRef idx="0">
-            <a:schemeClr val="accent1"/>
-          </a:effectRef>
-          <a:fontRef idx="minor">
-            <a:schemeClr val="lt1"/>
-          </a:fontRef>
-        </p:style>
-        <p:txBody>
-          <a:bodyPr rtlCol="0" anchor="ctr"/>
-          <a:lstStyle/>
-          <a:p>
-            <a:pPr algn="ctr"/>
-            <a:endParaRPr lang="en-US"/>
-          </a:p>
-        </p:txBody>
-      </p:sp>
-      <p:sp>
-        <p:nvSpPr>
-          <p:cNvPr id="17" name="Inhaltsplatzhalter 2">
-            <a:extLst>
-              <a:ext uri="{FF2B5EF4-FFF2-40B4-BE49-F238E27FC236}">
-                <a16:creationId xmlns:a16="http://schemas.microsoft.com/office/drawing/2014/main" id="{062A5E19-B639-CF3A-D495-61F20D948D3A}"/>
+                <a16:creationId xmlns:a16="http://schemas.microsoft.com/office/drawing/2014/main" id="{C11C5233-96BA-B1DB-ACF2-0B9B4483FE94}"/>
               </a:ext>
             </a:extLst>
           </p:cNvPr>
@@ -27947,8 +24557,8 @@
         </p:nvSpPr>
         <p:spPr>
           <a:xfrm>
-            <a:off x="5126418" y="552091"/>
-            <a:ext cx="6224335" cy="5431536"/>
+            <a:off x="4447308" y="591344"/>
+            <a:ext cx="6906491" cy="5585619"/>
           </a:xfrm>
         </p:spPr>
         <p:txBody>
@@ -27958,3060 +24568,30 @@
           <a:lstStyle/>
           <a:p>
             <a:r>
-              <a:rPr lang="en-GB" sz="2200" dirty="0" err="1"/>
-              <a:t>Suchhilfen</a:t>
-            </a:r>
-            <a:endParaRPr lang="en-GB" sz="2200" dirty="0"/>
-          </a:p>
-          <a:p>
-            <a:r>
-              <a:rPr lang="en-GB" sz="2200" dirty="0"/>
-              <a:t>SAP Standard CDS Views </a:t>
-            </a:r>
-            <a:r>
-              <a:rPr lang="en-GB" sz="2200" dirty="0" err="1"/>
-              <a:t>erweitern</a:t>
-            </a:r>
-            <a:endParaRPr lang="en-GB" sz="2200" dirty="0"/>
-          </a:p>
-          <a:p>
-            <a:r>
-              <a:rPr lang="en-GB" sz="2200" dirty="0" err="1"/>
-              <a:t>Autorisierungskonzept</a:t>
-            </a:r>
-            <a:endParaRPr lang="en-GB" sz="2200" dirty="0"/>
-          </a:p>
-          <a:p>
-            <a:r>
-              <a:rPr lang="en-GB" sz="2200" dirty="0" err="1"/>
-              <a:t>Hierachien</a:t>
-            </a:r>
-            <a:endParaRPr lang="en-GB" sz="2200" dirty="0"/>
-          </a:p>
-          <a:p>
-            <a:endParaRPr lang="en-GB" sz="2200" dirty="0"/>
-          </a:p>
-          <a:p>
-            <a:pPr marL="0" marR="0" lvl="0" indent="0" algn="l" defTabSz="914400" rtl="0" eaLnBrk="1" fontAlgn="auto" latinLnBrk="0" hangingPunct="1">
-              <a:lnSpc>
-                <a:spcPct val="90000"/>
-              </a:lnSpc>
-              <a:spcBef>
-                <a:spcPts val="1000"/>
-              </a:spcBef>
-              <a:spcAft>
-                <a:spcPts val="0"/>
-              </a:spcAft>
-              <a:buClrTx/>
-              <a:buSzTx/>
-              <a:buFont typeface="Arial" panose="020B0604020202020204" pitchFamily="34" charset="0"/>
-              <a:buNone/>
-              <a:tabLst/>
-              <a:defRPr/>
-            </a:pPr>
-            <a:r>
-              <a:rPr kumimoji="0" lang="en-US" sz="1400" b="0" i="0" u="none" strike="noStrike" kern="1200" cap="none" spc="0" normalizeH="0" baseline="0" noProof="0" dirty="0" err="1">
-                <a:ln>
-                  <a:noFill/>
-                </a:ln>
-                <a:solidFill>
-                  <a:prstClr val="black">
-                    <a:tint val="82000"/>
-                  </a:prstClr>
-                </a:solidFill>
-                <a:effectLst/>
-                <a:uLnTx/>
-                <a:uFillTx/>
-                <a:latin typeface="Aptos" panose="02110004020202020204"/>
-                <a:ea typeface="+mn-ea"/>
-                <a:cs typeface="+mn-cs"/>
-              </a:rPr>
-              <a:t>Musterlösung</a:t>
-            </a:r>
-            <a:r>
-              <a:rPr kumimoji="0" lang="en-US" sz="1400" b="0" i="0" u="none" strike="noStrike" kern="1200" cap="none" spc="0" normalizeH="0" baseline="0" noProof="0" dirty="0">
-                <a:ln>
-                  <a:noFill/>
-                </a:ln>
-                <a:solidFill>
-                  <a:prstClr val="black">
-                    <a:tint val="82000"/>
-                  </a:prstClr>
-                </a:solidFill>
-                <a:effectLst/>
-                <a:uLnTx/>
-                <a:uFillTx/>
-                <a:latin typeface="Aptos" panose="02110004020202020204"/>
-                <a:ea typeface="+mn-ea"/>
-                <a:cs typeface="+mn-cs"/>
-              </a:rPr>
-              <a:t> </a:t>
-            </a:r>
-            <a:r>
-              <a:rPr kumimoji="0" lang="en-US" sz="1400" b="0" i="0" u="none" strike="noStrike" kern="1200" cap="none" spc="0" normalizeH="0" baseline="0" noProof="0" dirty="0" err="1">
-                <a:ln>
-                  <a:noFill/>
-                </a:ln>
-                <a:solidFill>
-                  <a:prstClr val="black">
-                    <a:tint val="82000"/>
-                  </a:prstClr>
-                </a:solidFill>
-                <a:effectLst/>
-                <a:uLnTx/>
-                <a:uFillTx/>
-                <a:latin typeface="Aptos" panose="02110004020202020204"/>
-                <a:ea typeface="+mn-ea"/>
-                <a:cs typeface="+mn-cs"/>
-              </a:rPr>
-              <a:t>im</a:t>
-            </a:r>
-            <a:r>
-              <a:rPr kumimoji="0" lang="en-US" sz="1400" b="0" i="0" u="none" strike="noStrike" kern="1200" cap="none" spc="0" normalizeH="0" baseline="0" noProof="0" dirty="0">
-                <a:ln>
-                  <a:noFill/>
-                </a:ln>
-                <a:solidFill>
-                  <a:prstClr val="black">
-                    <a:tint val="82000"/>
-                  </a:prstClr>
-                </a:solidFill>
-                <a:effectLst/>
-                <a:uLnTx/>
-                <a:uFillTx/>
-                <a:latin typeface="Aptos" panose="02110004020202020204"/>
-                <a:ea typeface="+mn-ea"/>
-                <a:cs typeface="+mn-cs"/>
-              </a:rPr>
-              <a:t> GIT </a:t>
-            </a:r>
-            <a:r>
-              <a:rPr kumimoji="0" lang="en-US" sz="1400" b="0" i="0" u="none" strike="noStrike" kern="1200" cap="none" spc="0" normalizeH="0" baseline="0" noProof="0" dirty="0" err="1">
-                <a:ln>
-                  <a:noFill/>
-                </a:ln>
-                <a:solidFill>
-                  <a:prstClr val="black">
-                    <a:tint val="82000"/>
-                  </a:prstClr>
-                </a:solidFill>
-                <a:effectLst/>
-                <a:uLnTx/>
-                <a:uFillTx/>
-                <a:latin typeface="Aptos" panose="02110004020202020204"/>
-                <a:ea typeface="+mn-ea"/>
-                <a:cs typeface="+mn-cs"/>
-              </a:rPr>
-              <a:t>unter</a:t>
-            </a:r>
-            <a:r>
-              <a:rPr kumimoji="0" lang="en-US" sz="1400" b="0" i="0" u="none" strike="noStrike" kern="1200" cap="none" spc="0" normalizeH="0" baseline="0" noProof="0" dirty="0">
-                <a:ln>
-                  <a:noFill/>
-                </a:ln>
-                <a:solidFill>
-                  <a:prstClr val="black">
-                    <a:tint val="82000"/>
-                  </a:prstClr>
-                </a:solidFill>
-                <a:effectLst/>
-                <a:uLnTx/>
-                <a:uFillTx/>
-                <a:latin typeface="Aptos" panose="02110004020202020204"/>
-                <a:ea typeface="+mn-ea"/>
-                <a:cs typeface="+mn-cs"/>
-              </a:rPr>
-              <a:t> </a:t>
-            </a:r>
-            <a:r>
-              <a:rPr kumimoji="0" lang="en-US" sz="1400" b="0" i="0" u="none" strike="noStrike" kern="1200" cap="none" spc="0" normalizeH="0" baseline="0" noProof="0" dirty="0">
-                <a:ln>
-                  <a:noFill/>
-                </a:ln>
-                <a:solidFill>
-                  <a:prstClr val="black">
-                    <a:tint val="82000"/>
-                  </a:prstClr>
-                </a:solidFill>
-                <a:effectLst/>
-                <a:uLnTx/>
-                <a:uFillTx/>
-                <a:latin typeface="Aptos" panose="02110004020202020204"/>
-                <a:ea typeface="+mn-ea"/>
-                <a:cs typeface="+mn-cs"/>
-                <a:hlinkClick r:id="rId2">
-                  <a:extLst>
-                    <a:ext uri="{A12FA001-AC4F-418D-AE19-62706E023703}">
-                      <ahyp:hlinkClr xmlns:ahyp="http://schemas.microsoft.com/office/drawing/2018/hyperlinkcolor" val="tx"/>
-                    </a:ext>
-                  </a:extLst>
-                </a:hlinkClick>
-              </a:rPr>
-              <a:t>Schulung</a:t>
-            </a:r>
-            <a:endParaRPr lang="de-DE" sz="2200" dirty="0"/>
-          </a:p>
-          <a:p>
-            <a:endParaRPr lang="de-DE" sz="2200" dirty="0"/>
+              <a:rPr lang="de-DE" dirty="0"/>
+              <a:t>Als Entität (englisch </a:t>
+            </a:r>
+            <a:r>
+              <a:rPr lang="de-DE" dirty="0" err="1"/>
+              <a:t>entity</a:t>
+            </a:r>
+            <a:r>
+              <a:rPr lang="de-DE" dirty="0"/>
+              <a:t>) wird in der Datenmodellierung ein eindeutig zu bestimmendes Objekt bezeichnet, über das Informationen gespeichert oder verarbeitet werden sollen.</a:t>
+            </a:r>
+          </a:p>
+          <a:p>
+            <a:r>
+              <a:rPr lang="de-DE" dirty="0"/>
+              <a:t>Beispiele: Ein Fahrzeug, ein Konto, eine Person, ein Zustand.</a:t>
+            </a:r>
           </a:p>
         </p:txBody>
       </p:sp>
     </p:spTree>
     <p:extLst>
       <p:ext uri="{BB962C8B-B14F-4D97-AF65-F5344CB8AC3E}">
-        <p14:creationId xmlns:p14="http://schemas.microsoft.com/office/powerpoint/2010/main" val="632272763"/>
-      </p:ext>
-    </p:extLst>
-  </p:cSld>
-  <p:clrMapOvr>
-    <a:masterClrMapping/>
-  </p:clrMapOvr>
-</p:sld>
-</file>
-
-<file path=ppt/slides/slide46.xml><?xml version="1.0" encoding="utf-8"?>
-<p:sld xmlns:a="http://schemas.openxmlformats.org/drawingml/2006/main" xmlns:r="http://schemas.openxmlformats.org/officeDocument/2006/relationships" xmlns:p="http://schemas.openxmlformats.org/presentationml/2006/main">
-  <p:cSld>
-    <p:spTree>
-      <p:nvGrpSpPr>
-        <p:cNvPr id="1" name=""/>
-        <p:cNvGrpSpPr/>
-        <p:nvPr/>
-      </p:nvGrpSpPr>
-      <p:grpSpPr>
-        <a:xfrm>
-          <a:off x="0" y="0"/>
-          <a:ext cx="0" cy="0"/>
-          <a:chOff x="0" y="0"/>
-          <a:chExt cx="0" cy="0"/>
-        </a:xfrm>
-      </p:grpSpPr>
-      <p:sp>
-        <p:nvSpPr>
-          <p:cNvPr id="2" name="Titel 1">
-            <a:extLst>
-              <a:ext uri="{FF2B5EF4-FFF2-40B4-BE49-F238E27FC236}">
-                <a16:creationId xmlns:a16="http://schemas.microsoft.com/office/drawing/2014/main" id="{3EA24867-36F9-0F61-D7FA-5D7E344549F1}"/>
-              </a:ext>
-            </a:extLst>
-          </p:cNvPr>
-          <p:cNvSpPr>
-            <a:spLocks noGrp="1"/>
-          </p:cNvSpPr>
-          <p:nvPr>
-            <p:ph type="ctrTitle"/>
-          </p:nvPr>
-        </p:nvSpPr>
-        <p:spPr>
-          <a:xfrm>
-            <a:off x="643468" y="643467"/>
-            <a:ext cx="4620584" cy="4567137"/>
-          </a:xfrm>
-        </p:spPr>
-        <p:txBody>
-          <a:bodyPr>
-            <a:normAutofit/>
-          </a:bodyPr>
-          <a:lstStyle/>
-          <a:p>
-            <a:pPr algn="l"/>
-            <a:r>
-              <a:rPr lang="de-DE" sz="4400" dirty="0"/>
-              <a:t>Database </a:t>
-            </a:r>
-            <a:r>
-              <a:rPr lang="de-DE" sz="4400" dirty="0" err="1"/>
-              <a:t>Specific</a:t>
-            </a:r>
-            <a:r>
-              <a:rPr lang="de-DE" sz="4400" dirty="0"/>
-              <a:t> Features</a:t>
-            </a:r>
-          </a:p>
-        </p:txBody>
-      </p:sp>
-      <p:sp>
-        <p:nvSpPr>
-          <p:cNvPr id="3" name="Untertitel 2">
-            <a:extLst>
-              <a:ext uri="{FF2B5EF4-FFF2-40B4-BE49-F238E27FC236}">
-                <a16:creationId xmlns:a16="http://schemas.microsoft.com/office/drawing/2014/main" id="{B2AC74AD-386B-54E2-7A7C-96B10A166B3F}"/>
-              </a:ext>
-            </a:extLst>
-          </p:cNvPr>
-          <p:cNvSpPr>
-            <a:spLocks noGrp="1"/>
-          </p:cNvSpPr>
-          <p:nvPr>
-            <p:ph type="subTitle" idx="1"/>
-          </p:nvPr>
-        </p:nvSpPr>
-        <p:spPr>
-          <a:xfrm>
-            <a:off x="643467" y="5277684"/>
-            <a:ext cx="4620584" cy="775494"/>
-          </a:xfrm>
-        </p:spPr>
-        <p:txBody>
-          <a:bodyPr>
-            <a:normAutofit/>
-          </a:bodyPr>
-          <a:lstStyle/>
-          <a:p>
-            <a:pPr algn="l"/>
-            <a:r>
-              <a:rPr lang="de-DE" dirty="0"/>
-              <a:t>AMDP (Table </a:t>
-            </a:r>
-            <a:r>
-              <a:rPr lang="de-DE" dirty="0" err="1"/>
-              <a:t>Functions</a:t>
-            </a:r>
-            <a:r>
-              <a:rPr lang="de-DE" dirty="0"/>
-              <a:t>)</a:t>
-            </a:r>
-          </a:p>
-        </p:txBody>
-      </p:sp>
-      <p:pic>
-        <p:nvPicPr>
-          <p:cNvPr id="115" name="Picture 4">
-            <a:extLst>
-              <a:ext uri="{FF2B5EF4-FFF2-40B4-BE49-F238E27FC236}">
-                <a16:creationId xmlns:a16="http://schemas.microsoft.com/office/drawing/2014/main" id="{3D82A014-FE84-D8E4-DD05-A62EF20C7388}"/>
-              </a:ext>
-            </a:extLst>
-          </p:cNvPr>
-          <p:cNvPicPr>
-            <a:picLocks noChangeAspect="1"/>
-          </p:cNvPicPr>
-          <p:nvPr/>
-        </p:nvPicPr>
-        <p:blipFill rotWithShape="1">
-          <a:blip r:embed="rId2"/>
-          <a:srcRect l="34790"/>
-          <a:stretch/>
-        </p:blipFill>
-        <p:spPr>
-          <a:xfrm>
-            <a:off x="6229215" y="10"/>
-            <a:ext cx="5962785" cy="6857990"/>
-          </a:xfrm>
-          <a:custGeom>
-            <a:avLst/>
-            <a:gdLst/>
-            <a:ahLst/>
-            <a:cxnLst/>
-            <a:rect l="l" t="t" r="r" b="b"/>
-            <a:pathLst>
-              <a:path w="5962785" h="6858000">
-                <a:moveTo>
-                  <a:pt x="1044839" y="0"/>
-                </a:moveTo>
-                <a:lnTo>
-                  <a:pt x="5962785" y="0"/>
-                </a:lnTo>
-                <a:lnTo>
-                  <a:pt x="5962785" y="6858000"/>
-                </a:lnTo>
-                <a:lnTo>
-                  <a:pt x="1469886" y="6858000"/>
-                </a:lnTo>
-                <a:lnTo>
-                  <a:pt x="1416006" y="6823984"/>
-                </a:lnTo>
-                <a:cubicBezTo>
-                  <a:pt x="1356767" y="6787940"/>
-                  <a:pt x="1296437" y="6755500"/>
-                  <a:pt x="1232473" y="6733873"/>
-                </a:cubicBezTo>
-                <a:cubicBezTo>
-                  <a:pt x="1145250" y="6705037"/>
-                  <a:pt x="1060933" y="6654575"/>
-                  <a:pt x="1075471" y="6503186"/>
-                </a:cubicBezTo>
-                <a:cubicBezTo>
-                  <a:pt x="1078378" y="6459932"/>
-                  <a:pt x="1055118" y="6427493"/>
-                  <a:pt x="1020229" y="6438306"/>
-                </a:cubicBezTo>
-                <a:cubicBezTo>
-                  <a:pt x="953358" y="6459932"/>
-                  <a:pt x="921375" y="6398656"/>
-                  <a:pt x="883579" y="6351798"/>
-                </a:cubicBezTo>
-                <a:cubicBezTo>
-                  <a:pt x="816707" y="6268895"/>
-                  <a:pt x="752743" y="6182387"/>
-                  <a:pt x="645167" y="6167969"/>
-                </a:cubicBezTo>
-                <a:cubicBezTo>
-                  <a:pt x="665519" y="6103088"/>
-                  <a:pt x="700408" y="6110298"/>
-                  <a:pt x="732391" y="6124716"/>
-                </a:cubicBezTo>
-                <a:cubicBezTo>
-                  <a:pt x="816707" y="6160761"/>
-                  <a:pt x="901023" y="6200410"/>
-                  <a:pt x="985339" y="6236455"/>
-                </a:cubicBezTo>
-                <a:cubicBezTo>
-                  <a:pt x="1040581" y="6258081"/>
-                  <a:pt x="1095822" y="6290522"/>
-                  <a:pt x="1168509" y="6265291"/>
-                </a:cubicBezTo>
-                <a:cubicBezTo>
-                  <a:pt x="1104545" y="6135530"/>
-                  <a:pt x="996969" y="6110298"/>
-                  <a:pt x="909746" y="6070649"/>
-                </a:cubicBezTo>
-                <a:cubicBezTo>
-                  <a:pt x="802169" y="6020185"/>
-                  <a:pt x="738206" y="5926470"/>
-                  <a:pt x="659704" y="5818335"/>
-                </a:cubicBezTo>
-                <a:cubicBezTo>
-                  <a:pt x="738206" y="5789500"/>
-                  <a:pt x="787632" y="5868798"/>
-                  <a:pt x="851597" y="5865193"/>
-                </a:cubicBezTo>
-                <a:cubicBezTo>
-                  <a:pt x="854504" y="5854380"/>
-                  <a:pt x="860319" y="5832753"/>
-                  <a:pt x="860319" y="5832753"/>
-                </a:cubicBezTo>
-                <a:cubicBezTo>
-                  <a:pt x="755650" y="5775081"/>
-                  <a:pt x="709132" y="5666947"/>
-                  <a:pt x="691686" y="5533581"/>
-                </a:cubicBezTo>
-                <a:cubicBezTo>
-                  <a:pt x="685872" y="5465095"/>
-                  <a:pt x="648075" y="5443468"/>
-                  <a:pt x="610278" y="5411029"/>
-                </a:cubicBezTo>
-                <a:cubicBezTo>
-                  <a:pt x="482350" y="5299289"/>
-                  <a:pt x="345700" y="5198364"/>
-                  <a:pt x="238123" y="5046976"/>
-                </a:cubicBezTo>
-                <a:cubicBezTo>
-                  <a:pt x="363144" y="5064998"/>
-                  <a:pt x="461997" y="5165924"/>
-                  <a:pt x="592833" y="5209177"/>
-                </a:cubicBezTo>
-                <a:cubicBezTo>
-                  <a:pt x="488165" y="5043371"/>
-                  <a:pt x="351514" y="4956864"/>
-                  <a:pt x="226494" y="4855939"/>
-                </a:cubicBezTo>
-                <a:cubicBezTo>
-                  <a:pt x="168344" y="4809081"/>
-                  <a:pt x="116011" y="4751408"/>
-                  <a:pt x="49139" y="4726177"/>
-                </a:cubicBezTo>
-                <a:cubicBezTo>
-                  <a:pt x="25879" y="4718968"/>
-                  <a:pt x="-14825" y="4700947"/>
-                  <a:pt x="5527" y="4650483"/>
-                </a:cubicBezTo>
-                <a:cubicBezTo>
-                  <a:pt x="22972" y="4607230"/>
-                  <a:pt x="54954" y="4621648"/>
-                  <a:pt x="84029" y="4632460"/>
-                </a:cubicBezTo>
-                <a:cubicBezTo>
-                  <a:pt x="153807" y="4661296"/>
-                  <a:pt x="229401" y="4661296"/>
-                  <a:pt x="325347" y="4661296"/>
-                </a:cubicBezTo>
-                <a:cubicBezTo>
-                  <a:pt x="243939" y="4524326"/>
-                  <a:pt x="95658" y="4567580"/>
-                  <a:pt x="25879" y="4423401"/>
-                </a:cubicBezTo>
-                <a:cubicBezTo>
-                  <a:pt x="113103" y="4398170"/>
-                  <a:pt x="179975" y="4448632"/>
-                  <a:pt x="249753" y="4459446"/>
-                </a:cubicBezTo>
-                <a:cubicBezTo>
-                  <a:pt x="313718" y="4470259"/>
-                  <a:pt x="328254" y="4445028"/>
-                  <a:pt x="313718" y="4365729"/>
-                </a:cubicBezTo>
-                <a:cubicBezTo>
-                  <a:pt x="290458" y="4243177"/>
-                  <a:pt x="325347" y="4181900"/>
-                  <a:pt x="418386" y="4214341"/>
-                </a:cubicBezTo>
-                <a:cubicBezTo>
-                  <a:pt x="505609" y="4246781"/>
-                  <a:pt x="514332" y="4199922"/>
-                  <a:pt x="491072" y="4131438"/>
-                </a:cubicBezTo>
-                <a:cubicBezTo>
-                  <a:pt x="456183" y="4030512"/>
-                  <a:pt x="493979" y="3951214"/>
-                  <a:pt x="520147" y="3864706"/>
-                </a:cubicBezTo>
-                <a:cubicBezTo>
-                  <a:pt x="560851" y="3734945"/>
-                  <a:pt x="543407" y="3670064"/>
-                  <a:pt x="459090" y="3572743"/>
-                </a:cubicBezTo>
-                <a:cubicBezTo>
-                  <a:pt x="409664" y="3518676"/>
-                  <a:pt x="360236" y="3471818"/>
-                  <a:pt x="290458" y="3424959"/>
-                </a:cubicBezTo>
-                <a:cubicBezTo>
-                  <a:pt x="450368" y="3399728"/>
-                  <a:pt x="284643" y="3313221"/>
-                  <a:pt x="339884" y="3259153"/>
-                </a:cubicBezTo>
-                <a:cubicBezTo>
-                  <a:pt x="453275" y="3237527"/>
-                  <a:pt x="543407" y="3410542"/>
-                  <a:pt x="697501" y="3360078"/>
-                </a:cubicBezTo>
-                <a:cubicBezTo>
-                  <a:pt x="511425" y="3212294"/>
-                  <a:pt x="302087" y="3165436"/>
-                  <a:pt x="165437" y="2967190"/>
-                </a:cubicBezTo>
-                <a:cubicBezTo>
-                  <a:pt x="197419" y="2923937"/>
-                  <a:pt x="229401" y="2967190"/>
-                  <a:pt x="255568" y="2949167"/>
-                </a:cubicBezTo>
-                <a:cubicBezTo>
-                  <a:pt x="255568" y="2938354"/>
-                  <a:pt x="560851" y="3006840"/>
-                  <a:pt x="578296" y="2725691"/>
-                </a:cubicBezTo>
-                <a:cubicBezTo>
-                  <a:pt x="584111" y="2725691"/>
-                  <a:pt x="589926" y="2725691"/>
-                  <a:pt x="595740" y="2714876"/>
-                </a:cubicBezTo>
-                <a:cubicBezTo>
-                  <a:pt x="627722" y="2675228"/>
-                  <a:pt x="598648" y="2581510"/>
-                  <a:pt x="650982" y="2574301"/>
-                </a:cubicBezTo>
-                <a:cubicBezTo>
-                  <a:pt x="709132" y="2567092"/>
-                  <a:pt x="764373" y="2534653"/>
-                  <a:pt x="825429" y="2552674"/>
-                </a:cubicBezTo>
-                <a:cubicBezTo>
-                  <a:pt x="871949" y="2567092"/>
-                  <a:pt x="921375" y="2585115"/>
-                  <a:pt x="970802" y="2585115"/>
-                </a:cubicBezTo>
-                <a:cubicBezTo>
-                  <a:pt x="1023136" y="2585115"/>
-                  <a:pt x="1095822" y="2707668"/>
-                  <a:pt x="1127805" y="2545465"/>
-                </a:cubicBezTo>
-                <a:cubicBezTo>
-                  <a:pt x="1127805" y="2538257"/>
-                  <a:pt x="1217936" y="2556280"/>
-                  <a:pt x="1267362" y="2563488"/>
-                </a:cubicBezTo>
-                <a:cubicBezTo>
-                  <a:pt x="1308067" y="2570698"/>
-                  <a:pt x="1357494" y="2603137"/>
-                  <a:pt x="1386568" y="2538257"/>
-                </a:cubicBezTo>
-                <a:cubicBezTo>
-                  <a:pt x="1401105" y="2498607"/>
-                  <a:pt x="1331326" y="2426518"/>
-                  <a:pt x="1270270" y="2419309"/>
-                </a:cubicBezTo>
-                <a:cubicBezTo>
-                  <a:pt x="1215029" y="2412101"/>
-                  <a:pt x="1159787" y="2404892"/>
-                  <a:pt x="1107453" y="2419309"/>
-                </a:cubicBezTo>
-                <a:cubicBezTo>
-                  <a:pt x="1043489" y="2437331"/>
-                  <a:pt x="1008599" y="2408495"/>
-                  <a:pt x="991154" y="2343615"/>
-                </a:cubicBezTo>
-                <a:cubicBezTo>
-                  <a:pt x="970802" y="2275131"/>
-                  <a:pt x="933005" y="2239085"/>
-                  <a:pt x="880671" y="2206645"/>
-                </a:cubicBezTo>
-                <a:cubicBezTo>
-                  <a:pt x="752743" y="2127346"/>
-                  <a:pt x="630630" y="2033629"/>
-                  <a:pt x="491072" y="1986771"/>
-                </a:cubicBezTo>
-                <a:cubicBezTo>
-                  <a:pt x="464905" y="1979562"/>
-                  <a:pt x="432923" y="1965145"/>
-                  <a:pt x="421293" y="1903868"/>
-                </a:cubicBezTo>
-                <a:cubicBezTo>
-                  <a:pt x="799262" y="1997584"/>
-                  <a:pt x="1142342" y="2239085"/>
-                  <a:pt x="1531941" y="2224667"/>
-                </a:cubicBezTo>
-                <a:cubicBezTo>
-                  <a:pt x="1427272" y="2148974"/>
-                  <a:pt x="1302252" y="2145369"/>
-                  <a:pt x="1188861" y="2091301"/>
-                </a:cubicBezTo>
-                <a:cubicBezTo>
-                  <a:pt x="1270270" y="2051652"/>
-                  <a:pt x="1345864" y="2094906"/>
-                  <a:pt x="1421458" y="2116532"/>
-                </a:cubicBezTo>
-                <a:cubicBezTo>
-                  <a:pt x="1485422" y="2134554"/>
-                  <a:pt x="1543571" y="2138160"/>
-                  <a:pt x="1549386" y="2026420"/>
-                </a:cubicBezTo>
-                <a:cubicBezTo>
-                  <a:pt x="1549386" y="2015607"/>
-                  <a:pt x="1549386" y="2008398"/>
-                  <a:pt x="1549386" y="1997584"/>
-                </a:cubicBezTo>
-                <a:cubicBezTo>
-                  <a:pt x="1526126" y="1950727"/>
-                  <a:pt x="1494144" y="1929099"/>
-                  <a:pt x="1453440" y="1914682"/>
-                </a:cubicBezTo>
-                <a:cubicBezTo>
-                  <a:pt x="1430180" y="1907473"/>
-                  <a:pt x="1398198" y="1893056"/>
-                  <a:pt x="1398198" y="1860614"/>
-                </a:cubicBezTo>
-                <a:cubicBezTo>
-                  <a:pt x="1401105" y="1738063"/>
-                  <a:pt x="1322604" y="1702018"/>
-                  <a:pt x="1247011" y="1665972"/>
-                </a:cubicBezTo>
-                <a:cubicBezTo>
-                  <a:pt x="1287715" y="1604696"/>
-                  <a:pt x="1322604" y="1647950"/>
-                  <a:pt x="1354586" y="1644345"/>
-                </a:cubicBezTo>
-                <a:cubicBezTo>
-                  <a:pt x="1374939" y="1640741"/>
-                  <a:pt x="1395290" y="1637138"/>
-                  <a:pt x="1395290" y="1604696"/>
-                </a:cubicBezTo>
-                <a:cubicBezTo>
-                  <a:pt x="1395290" y="1579465"/>
-                  <a:pt x="1386568" y="1547025"/>
-                  <a:pt x="1366216" y="1547025"/>
-                </a:cubicBezTo>
-                <a:cubicBezTo>
-                  <a:pt x="1238288" y="1543420"/>
-                  <a:pt x="1165601" y="1370405"/>
-                  <a:pt x="1031858" y="1370405"/>
-                </a:cubicBezTo>
-                <a:cubicBezTo>
-                  <a:pt x="950450" y="1370405"/>
-                  <a:pt x="1072563" y="1273083"/>
-                  <a:pt x="1005692" y="1233435"/>
-                </a:cubicBezTo>
-                <a:cubicBezTo>
-                  <a:pt x="991154" y="1222621"/>
-                  <a:pt x="1046396" y="1208203"/>
-                  <a:pt x="1069655" y="1211808"/>
-                </a:cubicBezTo>
-                <a:cubicBezTo>
-                  <a:pt x="1092915" y="1215412"/>
-                  <a:pt x="1113268" y="1240644"/>
-                  <a:pt x="1142342" y="1222621"/>
-                </a:cubicBezTo>
-                <a:cubicBezTo>
-                  <a:pt x="1156879" y="1157741"/>
-                  <a:pt x="1119082" y="1132510"/>
-                  <a:pt x="1084193" y="1114487"/>
-                </a:cubicBezTo>
-                <a:cubicBezTo>
-                  <a:pt x="1008599" y="1071234"/>
-                  <a:pt x="933005" y="1020771"/>
-                  <a:pt x="848689" y="1006353"/>
-                </a:cubicBezTo>
-                <a:cubicBezTo>
-                  <a:pt x="819615" y="1002748"/>
-                  <a:pt x="802169" y="984726"/>
-                  <a:pt x="805077" y="948681"/>
-                </a:cubicBezTo>
-                <a:cubicBezTo>
-                  <a:pt x="810892" y="901822"/>
-                  <a:pt x="839967" y="916240"/>
-                  <a:pt x="863226" y="919844"/>
-                </a:cubicBezTo>
-                <a:cubicBezTo>
-                  <a:pt x="877764" y="923450"/>
-                  <a:pt x="892301" y="934263"/>
-                  <a:pt x="906838" y="909031"/>
-                </a:cubicBezTo>
-                <a:cubicBezTo>
-                  <a:pt x="566666" y="653113"/>
-                  <a:pt x="386404" y="667532"/>
-                  <a:pt x="5527" y="458471"/>
-                </a:cubicBezTo>
-                <a:cubicBezTo>
-                  <a:pt x="89843" y="418822"/>
-                  <a:pt x="150900" y="447658"/>
-                  <a:pt x="209049" y="454867"/>
-                </a:cubicBezTo>
-                <a:cubicBezTo>
-                  <a:pt x="354422" y="472890"/>
-                  <a:pt x="264290" y="505329"/>
-                  <a:pt x="409664" y="526956"/>
-                </a:cubicBezTo>
-                <a:cubicBezTo>
-                  <a:pt x="479443" y="537770"/>
-                  <a:pt x="543407" y="573815"/>
-                  <a:pt x="621908" y="516143"/>
-                </a:cubicBezTo>
-                <a:cubicBezTo>
-                  <a:pt x="674242" y="476494"/>
-                  <a:pt x="758558" y="519747"/>
-                  <a:pt x="822522" y="552188"/>
-                </a:cubicBezTo>
-                <a:cubicBezTo>
-                  <a:pt x="874856" y="581024"/>
-                  <a:pt x="927190" y="588232"/>
-                  <a:pt x="996969" y="552188"/>
-                </a:cubicBezTo>
-                <a:cubicBezTo>
-                  <a:pt x="933005" y="530562"/>
-                  <a:pt x="883579" y="512539"/>
-                  <a:pt x="834151" y="498120"/>
-                </a:cubicBezTo>
-                <a:cubicBezTo>
-                  <a:pt x="793447" y="487307"/>
-                  <a:pt x="770187" y="462076"/>
-                  <a:pt x="773095" y="408008"/>
-                </a:cubicBezTo>
-                <a:cubicBezTo>
-                  <a:pt x="773095" y="379172"/>
-                  <a:pt x="764373" y="339523"/>
-                  <a:pt x="793447" y="325106"/>
-                </a:cubicBezTo>
-                <a:cubicBezTo>
-                  <a:pt x="816707" y="310688"/>
-                  <a:pt x="848689" y="325106"/>
-                  <a:pt x="860319" y="350336"/>
-                </a:cubicBezTo>
-                <a:cubicBezTo>
-                  <a:pt x="874856" y="397195"/>
-                  <a:pt x="889393" y="440449"/>
-                  <a:pt x="938820" y="444054"/>
-                </a:cubicBezTo>
-                <a:cubicBezTo>
-                  <a:pt x="1005692" y="451262"/>
-                  <a:pt x="967894" y="422426"/>
-                  <a:pt x="956265" y="386381"/>
-                </a:cubicBezTo>
-                <a:cubicBezTo>
-                  <a:pt x="944635" y="346733"/>
-                  <a:pt x="979525" y="335919"/>
-                  <a:pt x="1002784" y="343127"/>
-                </a:cubicBezTo>
-                <a:cubicBezTo>
-                  <a:pt x="1090008" y="375569"/>
-                  <a:pt x="1180139" y="317897"/>
-                  <a:pt x="1270270" y="364755"/>
-                </a:cubicBezTo>
-                <a:cubicBezTo>
-                  <a:pt x="1247011" y="249411"/>
-                  <a:pt x="1197583" y="198949"/>
-                  <a:pt x="1092915" y="180926"/>
-                </a:cubicBezTo>
-                <a:cubicBezTo>
-                  <a:pt x="1055118" y="177322"/>
-                  <a:pt x="1014414" y="184530"/>
-                  <a:pt x="979525" y="152090"/>
-                </a:cubicBezTo>
-                <a:cubicBezTo>
-                  <a:pt x="959172" y="134068"/>
-                  <a:pt x="938820" y="112441"/>
-                  <a:pt x="953358" y="76396"/>
-                </a:cubicBezTo>
-                <a:cubicBezTo>
-                  <a:pt x="962080" y="51165"/>
-                  <a:pt x="985339" y="51165"/>
-                  <a:pt x="1005692" y="58373"/>
-                </a:cubicBezTo>
-                <a:cubicBezTo>
-                  <a:pt x="1090008" y="98023"/>
-                  <a:pt x="1180139" y="108837"/>
-                  <a:pt x="1267362" y="123254"/>
-                </a:cubicBezTo>
-                <a:cubicBezTo>
-                  <a:pt x="1281900" y="126859"/>
-                  <a:pt x="1296437" y="134068"/>
-                  <a:pt x="1310975" y="98023"/>
-                </a:cubicBezTo>
-                <a:cubicBezTo>
-                  <a:pt x="1260095" y="81803"/>
-                  <a:pt x="1209941" y="62879"/>
-                  <a:pt x="1159787" y="43505"/>
-                </a:cubicBezTo>
-                <a:close/>
-              </a:path>
-            </a:pathLst>
-          </a:custGeom>
-        </p:spPr>
-      </p:pic>
-    </p:spTree>
-    <p:extLst>
-      <p:ext uri="{BB962C8B-B14F-4D97-AF65-F5344CB8AC3E}">
-        <p14:creationId xmlns:p14="http://schemas.microsoft.com/office/powerpoint/2010/main" val="971770305"/>
-      </p:ext>
-    </p:extLst>
-  </p:cSld>
-  <p:clrMapOvr>
-    <a:masterClrMapping/>
-  </p:clrMapOvr>
-</p:sld>
-</file>
-
-<file path=ppt/slides/slide47.xml><?xml version="1.0" encoding="utf-8"?>
-<p:sld xmlns:a="http://schemas.openxmlformats.org/drawingml/2006/main" xmlns:r="http://schemas.openxmlformats.org/officeDocument/2006/relationships" xmlns:p="http://schemas.openxmlformats.org/presentationml/2006/main">
-  <p:cSld>
-    <p:bg>
-      <p:bgPr>
-        <a:solidFill>
-          <a:schemeClr val="bg1"/>
-        </a:solidFill>
-        <a:effectLst/>
-      </p:bgPr>
-    </p:bg>
-    <p:spTree>
-      <p:nvGrpSpPr>
-        <p:cNvPr id="1" name=""/>
-        <p:cNvGrpSpPr/>
-        <p:nvPr/>
-      </p:nvGrpSpPr>
-      <p:grpSpPr>
-        <a:xfrm>
-          <a:off x="0" y="0"/>
-          <a:ext cx="0" cy="0"/>
-          <a:chOff x="0" y="0"/>
-          <a:chExt cx="0" cy="0"/>
-        </a:xfrm>
-      </p:grpSpPr>
-      <p:sp useBgFill="1">
-        <p:nvSpPr>
-          <p:cNvPr id="22" name="Rectangle 21">
-            <a:extLst>
-              <a:ext uri="{FF2B5EF4-FFF2-40B4-BE49-F238E27FC236}">
-                <a16:creationId xmlns:a16="http://schemas.microsoft.com/office/drawing/2014/main" id="{943CAA20-3569-4189-9E48-239A229A86CA}"/>
-              </a:ext>
-              <a:ext uri="{C183D7F6-B498-43B3-948B-1728B52AA6E4}">
-                <adec:decorative xmlns:adec="http://schemas.microsoft.com/office/drawing/2017/decorative" val="1"/>
-              </a:ext>
-            </a:extLst>
-          </p:cNvPr>
-          <p:cNvSpPr>
-            <a:spLocks noGrp="1" noRot="1" noChangeAspect="1" noMove="1" noResize="1" noEditPoints="1" noAdjustHandles="1" noChangeArrowheads="1" noChangeShapeType="1" noTextEdit="1"/>
-          </p:cNvSpPr>
-          <p:nvPr>
-            <p:extLst>
-              <p:ext uri="{386F3935-93C4-4BCD-93E2-E3B085C9AB24}">
-                <p16:designElem xmlns:p16="http://schemas.microsoft.com/office/powerpoint/2015/main" val="1"/>
-              </p:ext>
-            </p:extLst>
-          </p:nvPr>
-        </p:nvSpPr>
-        <p:spPr>
-          <a:xfrm>
-            <a:off x="0" y="0"/>
-            <a:ext cx="12188952" cy="6858000"/>
-          </a:xfrm>
-          <a:prstGeom prst="rect">
-            <a:avLst/>
-          </a:prstGeom>
-          <a:ln>
-            <a:noFill/>
-          </a:ln>
-        </p:spPr>
-        <p:style>
-          <a:lnRef idx="2">
-            <a:schemeClr val="accent1">
-              <a:shade val="50000"/>
-            </a:schemeClr>
-          </a:lnRef>
-          <a:fillRef idx="1">
-            <a:schemeClr val="accent1"/>
-          </a:fillRef>
-          <a:effectRef idx="0">
-            <a:schemeClr val="accent1"/>
-          </a:effectRef>
-          <a:fontRef idx="minor">
-            <a:schemeClr val="lt1"/>
-          </a:fontRef>
-        </p:style>
-        <p:txBody>
-          <a:bodyPr rtlCol="0" anchor="ctr"/>
-          <a:lstStyle/>
-          <a:p>
-            <a:pPr algn="ctr"/>
-            <a:endParaRPr lang="en-US"/>
-          </a:p>
-        </p:txBody>
-      </p:sp>
-      <p:sp>
-        <p:nvSpPr>
-          <p:cNvPr id="2" name="Titel 1">
-            <a:extLst>
-              <a:ext uri="{FF2B5EF4-FFF2-40B4-BE49-F238E27FC236}">
-                <a16:creationId xmlns:a16="http://schemas.microsoft.com/office/drawing/2014/main" id="{2E673D1B-D5F6-9189-C92A-6B3DF726EF3A}"/>
-              </a:ext>
-            </a:extLst>
-          </p:cNvPr>
-          <p:cNvSpPr>
-            <a:spLocks noGrp="1"/>
-          </p:cNvSpPr>
-          <p:nvPr>
-            <p:ph type="title"/>
-          </p:nvPr>
-        </p:nvSpPr>
-        <p:spPr>
-          <a:xfrm>
-            <a:off x="838200" y="451381"/>
-            <a:ext cx="10512552" cy="4066540"/>
-          </a:xfrm>
-        </p:spPr>
-        <p:txBody>
-          <a:bodyPr vert="horz" lIns="91440" tIns="45720" rIns="91440" bIns="45720" rtlCol="0" anchor="b">
-            <a:normAutofit/>
-          </a:bodyPr>
-          <a:lstStyle/>
-          <a:p>
-            <a:r>
-              <a:rPr lang="en-US" sz="6600" kern="1200">
-                <a:solidFill>
-                  <a:schemeClr val="tx1"/>
-                </a:solidFill>
-                <a:latin typeface="+mj-lt"/>
-                <a:ea typeface="+mj-ea"/>
-                <a:cs typeface="+mj-cs"/>
-              </a:rPr>
-              <a:t>Hands On</a:t>
-            </a:r>
-          </a:p>
-        </p:txBody>
-      </p:sp>
-      <p:sp>
-        <p:nvSpPr>
-          <p:cNvPr id="17" name="Inhaltsplatzhalter 2">
-            <a:extLst>
-              <a:ext uri="{FF2B5EF4-FFF2-40B4-BE49-F238E27FC236}">
-                <a16:creationId xmlns:a16="http://schemas.microsoft.com/office/drawing/2014/main" id="{062A5E19-B639-CF3A-D495-61F20D948D3A}"/>
-              </a:ext>
-            </a:extLst>
-          </p:cNvPr>
-          <p:cNvSpPr>
-            <a:spLocks noGrp="1"/>
-          </p:cNvSpPr>
-          <p:nvPr>
-            <p:ph idx="1"/>
-          </p:nvPr>
-        </p:nvSpPr>
-        <p:spPr>
-          <a:xfrm>
-            <a:off x="838199" y="4983276"/>
-            <a:ext cx="10512552" cy="1126680"/>
-          </a:xfrm>
-        </p:spPr>
-        <p:txBody>
-          <a:bodyPr vert="horz" lIns="91440" tIns="45720" rIns="91440" bIns="45720" rtlCol="0">
-            <a:normAutofit/>
-          </a:bodyPr>
-          <a:lstStyle/>
-          <a:p>
-            <a:pPr marL="0" indent="0">
-              <a:buNone/>
-            </a:pPr>
-            <a:r>
-              <a:rPr lang="en-US" sz="2400" kern="1200" dirty="0">
-                <a:solidFill>
-                  <a:schemeClr val="tx1"/>
-                </a:solidFill>
-                <a:latin typeface="+mn-lt"/>
-                <a:ea typeface="+mn-ea"/>
-                <a:cs typeface="+mn-cs"/>
-              </a:rPr>
-              <a:t>AMDP</a:t>
-            </a:r>
-          </a:p>
-          <a:p>
-            <a:pPr marL="0" indent="0">
-              <a:buNone/>
-            </a:pPr>
-            <a:r>
-              <a:rPr kumimoji="0" lang="en-US" sz="1400" b="0" i="0" u="none" strike="noStrike" kern="1200" cap="none" spc="0" normalizeH="0" baseline="0" noProof="0" dirty="0" err="1">
-                <a:ln>
-                  <a:noFill/>
-                </a:ln>
-                <a:solidFill>
-                  <a:prstClr val="black">
-                    <a:tint val="82000"/>
-                  </a:prstClr>
-                </a:solidFill>
-                <a:effectLst/>
-                <a:uLnTx/>
-                <a:uFillTx/>
-                <a:latin typeface="Aptos" panose="02110004020202020204"/>
-                <a:ea typeface="+mn-ea"/>
-                <a:cs typeface="+mn-cs"/>
-              </a:rPr>
-              <a:t>Musterlösung</a:t>
-            </a:r>
-            <a:r>
-              <a:rPr kumimoji="0" lang="en-US" sz="1400" b="0" i="0" u="none" strike="noStrike" kern="1200" cap="none" spc="0" normalizeH="0" baseline="0" noProof="0" dirty="0">
-                <a:ln>
-                  <a:noFill/>
-                </a:ln>
-                <a:solidFill>
-                  <a:prstClr val="black">
-                    <a:tint val="82000"/>
-                  </a:prstClr>
-                </a:solidFill>
-                <a:effectLst/>
-                <a:uLnTx/>
-                <a:uFillTx/>
-                <a:latin typeface="Aptos" panose="02110004020202020204"/>
-                <a:ea typeface="+mn-ea"/>
-                <a:cs typeface="+mn-cs"/>
-              </a:rPr>
-              <a:t> </a:t>
-            </a:r>
-            <a:r>
-              <a:rPr kumimoji="0" lang="en-US" sz="1400" b="0" i="0" u="none" strike="noStrike" kern="1200" cap="none" spc="0" normalizeH="0" baseline="0" noProof="0" dirty="0" err="1">
-                <a:ln>
-                  <a:noFill/>
-                </a:ln>
-                <a:solidFill>
-                  <a:prstClr val="black">
-                    <a:tint val="82000"/>
-                  </a:prstClr>
-                </a:solidFill>
-                <a:effectLst/>
-                <a:uLnTx/>
-                <a:uFillTx/>
-                <a:latin typeface="Aptos" panose="02110004020202020204"/>
-                <a:ea typeface="+mn-ea"/>
-                <a:cs typeface="+mn-cs"/>
-              </a:rPr>
-              <a:t>im</a:t>
-            </a:r>
-            <a:r>
-              <a:rPr kumimoji="0" lang="en-US" sz="1400" b="0" i="0" u="none" strike="noStrike" kern="1200" cap="none" spc="0" normalizeH="0" baseline="0" noProof="0" dirty="0">
-                <a:ln>
-                  <a:noFill/>
-                </a:ln>
-                <a:solidFill>
-                  <a:prstClr val="black">
-                    <a:tint val="82000"/>
-                  </a:prstClr>
-                </a:solidFill>
-                <a:effectLst/>
-                <a:uLnTx/>
-                <a:uFillTx/>
-                <a:latin typeface="Aptos" panose="02110004020202020204"/>
-                <a:ea typeface="+mn-ea"/>
-                <a:cs typeface="+mn-cs"/>
-              </a:rPr>
-              <a:t> GIT </a:t>
-            </a:r>
-            <a:r>
-              <a:rPr kumimoji="0" lang="en-US" sz="1400" b="0" i="0" u="none" strike="noStrike" kern="1200" cap="none" spc="0" normalizeH="0" baseline="0" noProof="0" dirty="0" err="1">
-                <a:ln>
-                  <a:noFill/>
-                </a:ln>
-                <a:solidFill>
-                  <a:prstClr val="black">
-                    <a:tint val="82000"/>
-                  </a:prstClr>
-                </a:solidFill>
-                <a:effectLst/>
-                <a:uLnTx/>
-                <a:uFillTx/>
-                <a:latin typeface="Aptos" panose="02110004020202020204"/>
-                <a:ea typeface="+mn-ea"/>
-                <a:cs typeface="+mn-cs"/>
-              </a:rPr>
-              <a:t>unter</a:t>
-            </a:r>
-            <a:r>
-              <a:rPr kumimoji="0" lang="en-US" sz="1400" b="0" i="0" u="none" strike="noStrike" kern="1200" cap="none" spc="0" normalizeH="0" baseline="0" noProof="0" dirty="0">
-                <a:ln>
-                  <a:noFill/>
-                </a:ln>
-                <a:solidFill>
-                  <a:prstClr val="black">
-                    <a:tint val="82000"/>
-                  </a:prstClr>
-                </a:solidFill>
-                <a:effectLst/>
-                <a:uLnTx/>
-                <a:uFillTx/>
-                <a:latin typeface="Aptos" panose="02110004020202020204"/>
-                <a:ea typeface="+mn-ea"/>
-                <a:cs typeface="+mn-cs"/>
-              </a:rPr>
-              <a:t> </a:t>
-            </a:r>
-            <a:r>
-              <a:rPr kumimoji="0" lang="en-US" sz="1400" b="0" i="0" u="none" strike="noStrike" kern="1200" cap="none" spc="0" normalizeH="0" baseline="0" noProof="0" dirty="0">
-                <a:ln>
-                  <a:noFill/>
-                </a:ln>
-                <a:solidFill>
-                  <a:prstClr val="black">
-                    <a:tint val="82000"/>
-                  </a:prstClr>
-                </a:solidFill>
-                <a:effectLst/>
-                <a:uLnTx/>
-                <a:uFillTx/>
-                <a:latin typeface="Aptos" panose="02110004020202020204"/>
-                <a:ea typeface="+mn-ea"/>
-                <a:cs typeface="+mn-cs"/>
-                <a:hlinkClick r:id="rId2">
-                  <a:extLst>
-                    <a:ext uri="{A12FA001-AC4F-418D-AE19-62706E023703}">
-                      <ahyp:hlinkClr xmlns:ahyp="http://schemas.microsoft.com/office/drawing/2018/hyperlinkcolor" val="tx"/>
-                    </a:ext>
-                  </a:extLst>
-                </a:hlinkClick>
-              </a:rPr>
-              <a:t>Schulung</a:t>
-            </a:r>
-            <a:endParaRPr lang="en-US" sz="2400" kern="1200" dirty="0">
-              <a:solidFill>
-                <a:schemeClr val="tx1"/>
-              </a:solidFill>
-              <a:latin typeface="+mn-lt"/>
-              <a:ea typeface="+mn-ea"/>
-              <a:cs typeface="+mn-cs"/>
-            </a:endParaRPr>
-          </a:p>
-        </p:txBody>
-      </p:sp>
-      <p:sp>
-        <p:nvSpPr>
-          <p:cNvPr id="24" name="sketch line">
-            <a:extLst>
-              <a:ext uri="{FF2B5EF4-FFF2-40B4-BE49-F238E27FC236}">
-                <a16:creationId xmlns:a16="http://schemas.microsoft.com/office/drawing/2014/main" id="{DA542B6D-E775-4832-91DC-2D20F857813A}"/>
-              </a:ext>
-              <a:ext uri="{C183D7F6-B498-43B3-948B-1728B52AA6E4}">
-                <adec:decorative xmlns:adec="http://schemas.microsoft.com/office/drawing/2017/decorative" val="1"/>
-              </a:ext>
-            </a:extLst>
-          </p:cNvPr>
-          <p:cNvSpPr>
-            <a:spLocks noGrp="1" noRot="1" noChangeAspect="1" noMove="1" noResize="1" noEditPoints="1" noAdjustHandles="1" noChangeArrowheads="1" noChangeShapeType="1" noTextEdit="1"/>
-          </p:cNvSpPr>
-          <p:nvPr>
-            <p:extLst>
-              <p:ext uri="{386F3935-93C4-4BCD-93E2-E3B085C9AB24}">
-                <p16:designElem xmlns:p16="http://schemas.microsoft.com/office/powerpoint/2015/main" val="1"/>
-              </p:ext>
-            </p:extLst>
-          </p:nvPr>
-        </p:nvSpPr>
-        <p:spPr>
-          <a:xfrm>
-            <a:off x="838200" y="4718595"/>
-            <a:ext cx="5410200" cy="18288"/>
-          </a:xfrm>
-          <a:custGeom>
-            <a:avLst/>
-            <a:gdLst>
-              <a:gd name="connsiteX0" fmla="*/ 0 w 5410200"/>
-              <a:gd name="connsiteY0" fmla="*/ 0 h 18288"/>
-              <a:gd name="connsiteX1" fmla="*/ 568071 w 5410200"/>
-              <a:gd name="connsiteY1" fmla="*/ 0 h 18288"/>
-              <a:gd name="connsiteX2" fmla="*/ 1298448 w 5410200"/>
-              <a:gd name="connsiteY2" fmla="*/ 0 h 18288"/>
-              <a:gd name="connsiteX3" fmla="*/ 1920621 w 5410200"/>
-              <a:gd name="connsiteY3" fmla="*/ 0 h 18288"/>
-              <a:gd name="connsiteX4" fmla="*/ 2488692 w 5410200"/>
-              <a:gd name="connsiteY4" fmla="*/ 0 h 18288"/>
-              <a:gd name="connsiteX5" fmla="*/ 3219069 w 5410200"/>
-              <a:gd name="connsiteY5" fmla="*/ 0 h 18288"/>
-              <a:gd name="connsiteX6" fmla="*/ 3895344 w 5410200"/>
-              <a:gd name="connsiteY6" fmla="*/ 0 h 18288"/>
-              <a:gd name="connsiteX7" fmla="*/ 4571619 w 5410200"/>
-              <a:gd name="connsiteY7" fmla="*/ 0 h 18288"/>
-              <a:gd name="connsiteX8" fmla="*/ 5410200 w 5410200"/>
-              <a:gd name="connsiteY8" fmla="*/ 0 h 18288"/>
-              <a:gd name="connsiteX9" fmla="*/ 5410200 w 5410200"/>
-              <a:gd name="connsiteY9" fmla="*/ 18288 h 18288"/>
-              <a:gd name="connsiteX10" fmla="*/ 4842129 w 5410200"/>
-              <a:gd name="connsiteY10" fmla="*/ 18288 h 18288"/>
-              <a:gd name="connsiteX11" fmla="*/ 4328160 w 5410200"/>
-              <a:gd name="connsiteY11" fmla="*/ 18288 h 18288"/>
-              <a:gd name="connsiteX12" fmla="*/ 3597783 w 5410200"/>
-              <a:gd name="connsiteY12" fmla="*/ 18288 h 18288"/>
-              <a:gd name="connsiteX13" fmla="*/ 3029712 w 5410200"/>
-              <a:gd name="connsiteY13" fmla="*/ 18288 h 18288"/>
-              <a:gd name="connsiteX14" fmla="*/ 2299335 w 5410200"/>
-              <a:gd name="connsiteY14" fmla="*/ 18288 h 18288"/>
-              <a:gd name="connsiteX15" fmla="*/ 1514856 w 5410200"/>
-              <a:gd name="connsiteY15" fmla="*/ 18288 h 18288"/>
-              <a:gd name="connsiteX16" fmla="*/ 892683 w 5410200"/>
-              <a:gd name="connsiteY16" fmla="*/ 18288 h 18288"/>
-              <a:gd name="connsiteX17" fmla="*/ 0 w 5410200"/>
-              <a:gd name="connsiteY17" fmla="*/ 18288 h 18288"/>
-              <a:gd name="connsiteX18" fmla="*/ 0 w 5410200"/>
-              <a:gd name="connsiteY18" fmla="*/ 0 h 18288"/>
-            </a:gdLst>
-            <a:ahLst/>
-            <a:cxnLst>
-              <a:cxn ang="0">
-                <a:pos x="connsiteX0" y="connsiteY0"/>
-              </a:cxn>
-              <a:cxn ang="0">
-                <a:pos x="connsiteX1" y="connsiteY1"/>
-              </a:cxn>
-              <a:cxn ang="0">
-                <a:pos x="connsiteX2" y="connsiteY2"/>
-              </a:cxn>
-              <a:cxn ang="0">
-                <a:pos x="connsiteX3" y="connsiteY3"/>
-              </a:cxn>
-              <a:cxn ang="0">
-                <a:pos x="connsiteX4" y="connsiteY4"/>
-              </a:cxn>
-              <a:cxn ang="0">
-                <a:pos x="connsiteX5" y="connsiteY5"/>
-              </a:cxn>
-              <a:cxn ang="0">
-                <a:pos x="connsiteX6" y="connsiteY6"/>
-              </a:cxn>
-              <a:cxn ang="0">
-                <a:pos x="connsiteX7" y="connsiteY7"/>
-              </a:cxn>
-              <a:cxn ang="0">
-                <a:pos x="connsiteX8" y="connsiteY8"/>
-              </a:cxn>
-              <a:cxn ang="0">
-                <a:pos x="connsiteX9" y="connsiteY9"/>
-              </a:cxn>
-              <a:cxn ang="0">
-                <a:pos x="connsiteX10" y="connsiteY10"/>
-              </a:cxn>
-              <a:cxn ang="0">
-                <a:pos x="connsiteX11" y="connsiteY11"/>
-              </a:cxn>
-              <a:cxn ang="0">
-                <a:pos x="connsiteX12" y="connsiteY12"/>
-              </a:cxn>
-              <a:cxn ang="0">
-                <a:pos x="connsiteX13" y="connsiteY13"/>
-              </a:cxn>
-              <a:cxn ang="0">
-                <a:pos x="connsiteX14" y="connsiteY14"/>
-              </a:cxn>
-              <a:cxn ang="0">
-                <a:pos x="connsiteX15" y="connsiteY15"/>
-              </a:cxn>
-              <a:cxn ang="0">
-                <a:pos x="connsiteX16" y="connsiteY16"/>
-              </a:cxn>
-              <a:cxn ang="0">
-                <a:pos x="connsiteX17" y="connsiteY17"/>
-              </a:cxn>
-              <a:cxn ang="0">
-                <a:pos x="connsiteX18" y="connsiteY18"/>
-              </a:cxn>
-            </a:cxnLst>
-            <a:rect l="l" t="t" r="r" b="b"/>
-            <a:pathLst>
-              <a:path w="5410200" h="18288" fill="none" extrusionOk="0">
-                <a:moveTo>
-                  <a:pt x="0" y="0"/>
-                </a:moveTo>
-                <a:cubicBezTo>
-                  <a:pt x="163050" y="-18707"/>
-                  <a:pt x="319321" y="-16364"/>
-                  <a:pt x="568071" y="0"/>
-                </a:cubicBezTo>
-                <a:cubicBezTo>
-                  <a:pt x="816821" y="16364"/>
-                  <a:pt x="1013224" y="-7268"/>
-                  <a:pt x="1298448" y="0"/>
-                </a:cubicBezTo>
-                <a:cubicBezTo>
-                  <a:pt x="1583672" y="7268"/>
-                  <a:pt x="1631711" y="-3367"/>
-                  <a:pt x="1920621" y="0"/>
-                </a:cubicBezTo>
-                <a:cubicBezTo>
-                  <a:pt x="2209531" y="3367"/>
-                  <a:pt x="2364420" y="-19184"/>
-                  <a:pt x="2488692" y="0"/>
-                </a:cubicBezTo>
-                <a:cubicBezTo>
-                  <a:pt x="2612964" y="19184"/>
-                  <a:pt x="3023298" y="-34627"/>
-                  <a:pt x="3219069" y="0"/>
-                </a:cubicBezTo>
-                <a:cubicBezTo>
-                  <a:pt x="3414840" y="34627"/>
-                  <a:pt x="3656810" y="24043"/>
-                  <a:pt x="3895344" y="0"/>
-                </a:cubicBezTo>
-                <a:cubicBezTo>
-                  <a:pt x="4133879" y="-24043"/>
-                  <a:pt x="4393984" y="-19577"/>
-                  <a:pt x="4571619" y="0"/>
-                </a:cubicBezTo>
-                <a:cubicBezTo>
-                  <a:pt x="4749255" y="19577"/>
-                  <a:pt x="5179928" y="-6281"/>
-                  <a:pt x="5410200" y="0"/>
-                </a:cubicBezTo>
-                <a:cubicBezTo>
-                  <a:pt x="5410730" y="6954"/>
-                  <a:pt x="5410934" y="12839"/>
-                  <a:pt x="5410200" y="18288"/>
-                </a:cubicBezTo>
-                <a:cubicBezTo>
-                  <a:pt x="5139060" y="6751"/>
-                  <a:pt x="5121593" y="31035"/>
-                  <a:pt x="4842129" y="18288"/>
-                </a:cubicBezTo>
-                <a:cubicBezTo>
-                  <a:pt x="4562665" y="5541"/>
-                  <a:pt x="4448273" y="9487"/>
-                  <a:pt x="4328160" y="18288"/>
-                </a:cubicBezTo>
-                <a:cubicBezTo>
-                  <a:pt x="4208047" y="27089"/>
-                  <a:pt x="3760936" y="22567"/>
-                  <a:pt x="3597783" y="18288"/>
-                </a:cubicBezTo>
-                <a:cubicBezTo>
-                  <a:pt x="3434630" y="14009"/>
-                  <a:pt x="3299718" y="33213"/>
-                  <a:pt x="3029712" y="18288"/>
-                </a:cubicBezTo>
-                <a:cubicBezTo>
-                  <a:pt x="2759706" y="3363"/>
-                  <a:pt x="2640159" y="27394"/>
-                  <a:pt x="2299335" y="18288"/>
-                </a:cubicBezTo>
-                <a:cubicBezTo>
-                  <a:pt x="1958511" y="9182"/>
-                  <a:pt x="1801186" y="28985"/>
-                  <a:pt x="1514856" y="18288"/>
-                </a:cubicBezTo>
-                <a:cubicBezTo>
-                  <a:pt x="1228526" y="7591"/>
-                  <a:pt x="1063509" y="-5305"/>
-                  <a:pt x="892683" y="18288"/>
-                </a:cubicBezTo>
-                <a:cubicBezTo>
-                  <a:pt x="721857" y="41881"/>
-                  <a:pt x="186945" y="-20897"/>
-                  <a:pt x="0" y="18288"/>
-                </a:cubicBezTo>
-                <a:cubicBezTo>
-                  <a:pt x="-570" y="9279"/>
-                  <a:pt x="132" y="5100"/>
-                  <a:pt x="0" y="0"/>
-                </a:cubicBezTo>
-                <a:close/>
-              </a:path>
-              <a:path w="5410200" h="18288" stroke="0" extrusionOk="0">
-                <a:moveTo>
-                  <a:pt x="0" y="0"/>
-                </a:moveTo>
-                <a:cubicBezTo>
-                  <a:pt x="285096" y="-4925"/>
-                  <a:pt x="376456" y="22268"/>
-                  <a:pt x="622173" y="0"/>
-                </a:cubicBezTo>
-                <a:cubicBezTo>
-                  <a:pt x="867890" y="-22268"/>
-                  <a:pt x="1031392" y="7228"/>
-                  <a:pt x="1136142" y="0"/>
-                </a:cubicBezTo>
-                <a:cubicBezTo>
-                  <a:pt x="1240892" y="-7228"/>
-                  <a:pt x="1561853" y="9877"/>
-                  <a:pt x="1920621" y="0"/>
-                </a:cubicBezTo>
-                <a:cubicBezTo>
-                  <a:pt x="2279389" y="-9877"/>
-                  <a:pt x="2367255" y="19546"/>
-                  <a:pt x="2542794" y="0"/>
-                </a:cubicBezTo>
-                <a:cubicBezTo>
-                  <a:pt x="2718333" y="-19546"/>
-                  <a:pt x="2866732" y="-22226"/>
-                  <a:pt x="3164967" y="0"/>
-                </a:cubicBezTo>
-                <a:cubicBezTo>
-                  <a:pt x="3463202" y="22226"/>
-                  <a:pt x="3568055" y="-2765"/>
-                  <a:pt x="3949446" y="0"/>
-                </a:cubicBezTo>
-                <a:cubicBezTo>
-                  <a:pt x="4330837" y="2765"/>
-                  <a:pt x="4287895" y="10557"/>
-                  <a:pt x="4517517" y="0"/>
-                </a:cubicBezTo>
-                <a:cubicBezTo>
-                  <a:pt x="4747139" y="-10557"/>
-                  <a:pt x="5149588" y="8716"/>
-                  <a:pt x="5410200" y="0"/>
-                </a:cubicBezTo>
-                <a:cubicBezTo>
-                  <a:pt x="5409517" y="5414"/>
-                  <a:pt x="5409480" y="12510"/>
-                  <a:pt x="5410200" y="18288"/>
-                </a:cubicBezTo>
-                <a:cubicBezTo>
-                  <a:pt x="5163327" y="41494"/>
-                  <a:pt x="5008749" y="10693"/>
-                  <a:pt x="4842129" y="18288"/>
-                </a:cubicBezTo>
-                <a:cubicBezTo>
-                  <a:pt x="4675509" y="25883"/>
-                  <a:pt x="4433401" y="-615"/>
-                  <a:pt x="4165854" y="18288"/>
-                </a:cubicBezTo>
-                <a:cubicBezTo>
-                  <a:pt x="3898308" y="37191"/>
-                  <a:pt x="3809032" y="-8710"/>
-                  <a:pt x="3543681" y="18288"/>
-                </a:cubicBezTo>
-                <a:cubicBezTo>
-                  <a:pt x="3278330" y="45286"/>
-                  <a:pt x="3073876" y="-15917"/>
-                  <a:pt x="2759202" y="18288"/>
-                </a:cubicBezTo>
-                <a:cubicBezTo>
-                  <a:pt x="2444528" y="52493"/>
-                  <a:pt x="2204144" y="3372"/>
-                  <a:pt x="1974723" y="18288"/>
-                </a:cubicBezTo>
-                <a:cubicBezTo>
-                  <a:pt x="1745302" y="33204"/>
-                  <a:pt x="1602335" y="31490"/>
-                  <a:pt x="1406652" y="18288"/>
-                </a:cubicBezTo>
-                <a:cubicBezTo>
-                  <a:pt x="1210969" y="5086"/>
-                  <a:pt x="923948" y="3161"/>
-                  <a:pt x="730377" y="18288"/>
-                </a:cubicBezTo>
-                <a:cubicBezTo>
-                  <a:pt x="536806" y="33415"/>
-                  <a:pt x="336496" y="-141"/>
-                  <a:pt x="0" y="18288"/>
-                </a:cubicBezTo>
-                <a:cubicBezTo>
-                  <a:pt x="-306" y="11061"/>
-                  <a:pt x="-655" y="7751"/>
-                  <a:pt x="0" y="0"/>
-                </a:cubicBezTo>
-                <a:close/>
-              </a:path>
-            </a:pathLst>
-          </a:custGeom>
-          <a:solidFill>
-            <a:schemeClr val="accent2"/>
-          </a:solidFill>
-          <a:ln w="41275" cap="rnd">
-            <a:solidFill>
-              <a:schemeClr val="accent2"/>
-            </a:solidFill>
-            <a:round/>
-            <a:extLst>
-              <a:ext uri="{C807C97D-BFC1-408E-A445-0C87EB9F89A2}">
-                <ask:lineSketchStyleProps xmlns:ask="http://schemas.microsoft.com/office/drawing/2018/sketchyshapes" sd="1219033472">
-                  <a:prstGeom prst="rect">
-                    <a:avLst/>
-                  </a:prstGeom>
-                  <ask:type>
-                    <ask:lineSketchFreehand/>
-                  </ask:type>
-                </ask:lineSketchStyleProps>
-              </a:ext>
-            </a:extLst>
-          </a:ln>
-        </p:spPr>
-        <p:style>
-          <a:lnRef idx="2">
-            <a:schemeClr val="accent1">
-              <a:shade val="50000"/>
-            </a:schemeClr>
-          </a:lnRef>
-          <a:fillRef idx="1">
-            <a:schemeClr val="accent1"/>
-          </a:fillRef>
-          <a:effectRef idx="0">
-            <a:schemeClr val="accent1"/>
-          </a:effectRef>
-          <a:fontRef idx="minor">
-            <a:schemeClr val="lt1"/>
-          </a:fontRef>
-        </p:style>
-        <p:txBody>
-          <a:bodyPr rtlCol="0" anchor="ctr"/>
-          <a:lstStyle/>
-          <a:p>
-            <a:pPr algn="ctr"/>
-            <a:endParaRPr lang="en-US"/>
-          </a:p>
-        </p:txBody>
-      </p:sp>
-    </p:spTree>
-    <p:extLst>
-      <p:ext uri="{BB962C8B-B14F-4D97-AF65-F5344CB8AC3E}">
-        <p14:creationId xmlns:p14="http://schemas.microsoft.com/office/powerpoint/2010/main" val="1527993820"/>
-      </p:ext>
-    </p:extLst>
-  </p:cSld>
-  <p:clrMapOvr>
-    <a:masterClrMapping/>
-  </p:clrMapOvr>
-  <p:timing>
-    <p:tnLst>
-      <p:par>
-        <p:cTn id="1" dur="indefinite" restart="never" nodeType="tmRoot">
-          <p:childTnLst>
-            <p:seq concurrent="1" nextAc="seek">
-              <p:cTn id="2" dur="indefinite" nodeType="mainSeq">
-                <p:childTnLst>
-                  <p:par>
-                    <p:cTn id="3" fill="hold">
-                      <p:stCondLst>
-                        <p:cond delay="indefinite"/>
-                        <p:cond evt="onBegin" delay="0">
-                          <p:tn val="2"/>
-                        </p:cond>
-                      </p:stCondLst>
-                      <p:childTnLst>
-                        <p:par>
-                          <p:cTn id="4" fill="hold">
-                            <p:stCondLst>
-                              <p:cond delay="0"/>
-                            </p:stCondLst>
-                            <p:childTnLst>
-                              <p:par>
-                                <p:cTn id="5" presetID="10" presetClass="entr" presetSubtype="0" fill="hold" grpId="0" nodeType="withEffect">
-                                  <p:stCondLst>
-                                    <p:cond delay="500"/>
-                                  </p:stCondLst>
-                                  <p:iterate type="wd">
-                                    <p:tmPct val="15000"/>
-                                  </p:iterate>
-                                  <p:childTnLst>
-                                    <p:set>
-                                      <p:cBhvr>
-                                        <p:cTn id="6" dur="1" fill="hold">
-                                          <p:stCondLst>
-                                            <p:cond delay="0"/>
-                                          </p:stCondLst>
-                                        </p:cTn>
-                                        <p:tgtEl>
-                                          <p:spTgt spid="2"/>
-                                        </p:tgtEl>
-                                        <p:attrNameLst>
-                                          <p:attrName>style.visibility</p:attrName>
-                                        </p:attrNameLst>
-                                      </p:cBhvr>
-                                      <p:to>
-                                        <p:strVal val="visible"/>
-                                      </p:to>
-                                    </p:set>
-                                    <p:animEffect transition="in" filter="fade">
-                                      <p:cBhvr>
-                                        <p:cTn id="7" dur="1000"/>
-                                        <p:tgtEl>
-                                          <p:spTgt spid="2"/>
-                                        </p:tgtEl>
-                                      </p:cBhvr>
-                                    </p:animEffect>
-                                  </p:childTnLst>
-                                </p:cTn>
-                              </p:par>
-                            </p:childTnLst>
-                          </p:cTn>
-                        </p:par>
-                      </p:childTnLst>
-                    </p:cTn>
-                  </p:par>
-                </p:childTnLst>
-              </p:cTn>
-              <p:prevCondLst>
-                <p:cond evt="onPrev" delay="0">
-                  <p:tgtEl>
-                    <p:sldTgt/>
-                  </p:tgtEl>
-                </p:cond>
-              </p:prevCondLst>
-              <p:nextCondLst>
-                <p:cond evt="onNext" delay="0">
-                  <p:tgtEl>
-                    <p:sldTgt/>
-                  </p:tgtEl>
-                </p:cond>
-              </p:nextCondLst>
-            </p:seq>
-          </p:childTnLst>
-        </p:cTn>
-      </p:par>
-    </p:tnLst>
-    <p:bldLst>
-      <p:bldP spid="2" grpId="0"/>
-    </p:bldLst>
-  </p:timing>
-</p:sld>
-</file>
-
-<file path=ppt/slides/slide48.xml><?xml version="1.0" encoding="utf-8"?>
-<p:sld xmlns:a="http://schemas.openxmlformats.org/drawingml/2006/main" xmlns:r="http://schemas.openxmlformats.org/officeDocument/2006/relationships" xmlns:p="http://schemas.openxmlformats.org/presentationml/2006/main">
-  <p:cSld>
-    <p:bg>
-      <p:bgPr>
-        <a:solidFill>
-          <a:schemeClr val="bg1"/>
-        </a:solidFill>
-        <a:effectLst/>
-      </p:bgPr>
-    </p:bg>
-    <p:spTree>
-      <p:nvGrpSpPr>
-        <p:cNvPr id="1" name=""/>
-        <p:cNvGrpSpPr/>
-        <p:nvPr/>
-      </p:nvGrpSpPr>
-      <p:grpSpPr>
-        <a:xfrm>
-          <a:off x="0" y="0"/>
-          <a:ext cx="0" cy="0"/>
-          <a:chOff x="0" y="0"/>
-          <a:chExt cx="0" cy="0"/>
-        </a:xfrm>
-      </p:grpSpPr>
-      <p:sp useBgFill="1">
-        <p:nvSpPr>
-          <p:cNvPr id="32" name="Rectangle 31">
-            <a:extLst>
-              <a:ext uri="{FF2B5EF4-FFF2-40B4-BE49-F238E27FC236}">
-                <a16:creationId xmlns:a16="http://schemas.microsoft.com/office/drawing/2014/main" id="{F13C74B1-5B17-4795-BED0-7140497B445A}"/>
-              </a:ext>
-              <a:ext uri="{C183D7F6-B498-43B3-948B-1728B52AA6E4}">
-                <adec:decorative xmlns:adec="http://schemas.microsoft.com/office/drawing/2017/decorative" val="1"/>
-              </a:ext>
-            </a:extLst>
-          </p:cNvPr>
-          <p:cNvSpPr>
-            <a:spLocks noGrp="1" noRot="1" noChangeAspect="1" noMove="1" noResize="1" noEditPoints="1" noAdjustHandles="1" noChangeArrowheads="1" noChangeShapeType="1" noTextEdit="1"/>
-          </p:cNvSpPr>
-          <p:nvPr>
-            <p:extLst>
-              <p:ext uri="{386F3935-93C4-4BCD-93E2-E3B085C9AB24}">
-                <p16:designElem xmlns:p16="http://schemas.microsoft.com/office/powerpoint/2015/main" val="1"/>
-              </p:ext>
-            </p:extLst>
-          </p:nvPr>
-        </p:nvSpPr>
-        <p:spPr>
-          <a:xfrm>
-            <a:off x="0" y="0"/>
-            <a:ext cx="12188952" cy="6858000"/>
-          </a:xfrm>
-          <a:prstGeom prst="rect">
-            <a:avLst/>
-          </a:prstGeom>
-          <a:ln>
-            <a:noFill/>
-          </a:ln>
-        </p:spPr>
-        <p:style>
-          <a:lnRef idx="2">
-            <a:schemeClr val="accent1">
-              <a:shade val="50000"/>
-            </a:schemeClr>
-          </a:lnRef>
-          <a:fillRef idx="1">
-            <a:schemeClr val="accent1"/>
-          </a:fillRef>
-          <a:effectRef idx="0">
-            <a:schemeClr val="accent1"/>
-          </a:effectRef>
-          <a:fontRef idx="minor">
-            <a:schemeClr val="lt1"/>
-          </a:fontRef>
-        </p:style>
-        <p:txBody>
-          <a:bodyPr rtlCol="0" anchor="ctr"/>
-          <a:lstStyle/>
-          <a:p>
-            <a:pPr algn="ctr"/>
-            <a:endParaRPr lang="en-US"/>
-          </a:p>
-        </p:txBody>
-      </p:sp>
-      <p:sp>
-        <p:nvSpPr>
-          <p:cNvPr id="2" name="Titel 1">
-            <a:extLst>
-              <a:ext uri="{FF2B5EF4-FFF2-40B4-BE49-F238E27FC236}">
-                <a16:creationId xmlns:a16="http://schemas.microsoft.com/office/drawing/2014/main" id="{FF6D1127-8AB4-BF73-4E92-17D234478ABA}"/>
-              </a:ext>
-            </a:extLst>
-          </p:cNvPr>
-          <p:cNvSpPr>
-            <a:spLocks noGrp="1"/>
-          </p:cNvSpPr>
-          <p:nvPr>
-            <p:ph type="title"/>
-          </p:nvPr>
-        </p:nvSpPr>
-        <p:spPr>
-          <a:xfrm>
-            <a:off x="640080" y="325369"/>
-            <a:ext cx="4368602" cy="1956841"/>
-          </a:xfrm>
-        </p:spPr>
-        <p:txBody>
-          <a:bodyPr anchor="b">
-            <a:normAutofit/>
-          </a:bodyPr>
-          <a:lstStyle/>
-          <a:p>
-            <a:r>
-              <a:rPr lang="de-DE" sz="5400"/>
-              <a:t>AMDP</a:t>
-            </a:r>
-          </a:p>
-        </p:txBody>
-      </p:sp>
-      <p:sp>
-        <p:nvSpPr>
-          <p:cNvPr id="34" name="sketchy line">
-            <a:extLst>
-              <a:ext uri="{FF2B5EF4-FFF2-40B4-BE49-F238E27FC236}">
-                <a16:creationId xmlns:a16="http://schemas.microsoft.com/office/drawing/2014/main" id="{D4974D33-8DC5-464E-8C6D-BE58F0669C17}"/>
-              </a:ext>
-              <a:ext uri="{C183D7F6-B498-43B3-948B-1728B52AA6E4}">
-                <adec:decorative xmlns:adec="http://schemas.microsoft.com/office/drawing/2017/decorative" val="1"/>
-              </a:ext>
-            </a:extLst>
-          </p:cNvPr>
-          <p:cNvSpPr>
-            <a:spLocks noGrp="1" noRot="1" noChangeAspect="1" noMove="1" noResize="1" noEditPoints="1" noAdjustHandles="1" noChangeArrowheads="1" noChangeShapeType="1" noTextEdit="1"/>
-          </p:cNvSpPr>
-          <p:nvPr>
-            <p:extLst>
-              <p:ext uri="{386F3935-93C4-4BCD-93E2-E3B085C9AB24}">
-                <p16:designElem xmlns:p16="http://schemas.microsoft.com/office/powerpoint/2015/main" val="1"/>
-              </p:ext>
-            </p:extLst>
-          </p:nvPr>
-        </p:nvSpPr>
-        <p:spPr>
-          <a:xfrm>
-            <a:off x="640080" y="2586994"/>
-            <a:ext cx="3474720" cy="18288"/>
-          </a:xfrm>
-          <a:custGeom>
-            <a:avLst/>
-            <a:gdLst>
-              <a:gd name="connsiteX0" fmla="*/ 0 w 3474720"/>
-              <a:gd name="connsiteY0" fmla="*/ 0 h 18288"/>
-              <a:gd name="connsiteX1" fmla="*/ 694944 w 3474720"/>
-              <a:gd name="connsiteY1" fmla="*/ 0 h 18288"/>
-              <a:gd name="connsiteX2" fmla="*/ 1355141 w 3474720"/>
-              <a:gd name="connsiteY2" fmla="*/ 0 h 18288"/>
-              <a:gd name="connsiteX3" fmla="*/ 2015338 w 3474720"/>
-              <a:gd name="connsiteY3" fmla="*/ 0 h 18288"/>
-              <a:gd name="connsiteX4" fmla="*/ 2779776 w 3474720"/>
-              <a:gd name="connsiteY4" fmla="*/ 0 h 18288"/>
-              <a:gd name="connsiteX5" fmla="*/ 3474720 w 3474720"/>
-              <a:gd name="connsiteY5" fmla="*/ 0 h 18288"/>
-              <a:gd name="connsiteX6" fmla="*/ 3474720 w 3474720"/>
-              <a:gd name="connsiteY6" fmla="*/ 18288 h 18288"/>
-              <a:gd name="connsiteX7" fmla="*/ 2779776 w 3474720"/>
-              <a:gd name="connsiteY7" fmla="*/ 18288 h 18288"/>
-              <a:gd name="connsiteX8" fmla="*/ 2189074 w 3474720"/>
-              <a:gd name="connsiteY8" fmla="*/ 18288 h 18288"/>
-              <a:gd name="connsiteX9" fmla="*/ 1528877 w 3474720"/>
-              <a:gd name="connsiteY9" fmla="*/ 18288 h 18288"/>
-              <a:gd name="connsiteX10" fmla="*/ 868680 w 3474720"/>
-              <a:gd name="connsiteY10" fmla="*/ 18288 h 18288"/>
-              <a:gd name="connsiteX11" fmla="*/ 0 w 3474720"/>
-              <a:gd name="connsiteY11" fmla="*/ 18288 h 18288"/>
-              <a:gd name="connsiteX12" fmla="*/ 0 w 3474720"/>
-              <a:gd name="connsiteY12" fmla="*/ 0 h 18288"/>
-            </a:gdLst>
-            <a:ahLst/>
-            <a:cxnLst>
-              <a:cxn ang="0">
-                <a:pos x="connsiteX0" y="connsiteY0"/>
-              </a:cxn>
-              <a:cxn ang="0">
-                <a:pos x="connsiteX1" y="connsiteY1"/>
-              </a:cxn>
-              <a:cxn ang="0">
-                <a:pos x="connsiteX2" y="connsiteY2"/>
-              </a:cxn>
-              <a:cxn ang="0">
-                <a:pos x="connsiteX3" y="connsiteY3"/>
-              </a:cxn>
-              <a:cxn ang="0">
-                <a:pos x="connsiteX4" y="connsiteY4"/>
-              </a:cxn>
-              <a:cxn ang="0">
-                <a:pos x="connsiteX5" y="connsiteY5"/>
-              </a:cxn>
-              <a:cxn ang="0">
-                <a:pos x="connsiteX6" y="connsiteY6"/>
-              </a:cxn>
-              <a:cxn ang="0">
-                <a:pos x="connsiteX7" y="connsiteY7"/>
-              </a:cxn>
-              <a:cxn ang="0">
-                <a:pos x="connsiteX8" y="connsiteY8"/>
-              </a:cxn>
-              <a:cxn ang="0">
-                <a:pos x="connsiteX9" y="connsiteY9"/>
-              </a:cxn>
-              <a:cxn ang="0">
-                <a:pos x="connsiteX10" y="connsiteY10"/>
-              </a:cxn>
-              <a:cxn ang="0">
-                <a:pos x="connsiteX11" y="connsiteY11"/>
-              </a:cxn>
-              <a:cxn ang="0">
-                <a:pos x="connsiteX12" y="connsiteY12"/>
-              </a:cxn>
-            </a:cxnLst>
-            <a:rect l="l" t="t" r="r" b="b"/>
-            <a:pathLst>
-              <a:path w="3474720" h="18288" fill="none" extrusionOk="0">
-                <a:moveTo>
-                  <a:pt x="0" y="0"/>
-                </a:moveTo>
-                <a:cubicBezTo>
-                  <a:pt x="224454" y="-14544"/>
-                  <a:pt x="495407" y="26540"/>
-                  <a:pt x="694944" y="0"/>
-                </a:cubicBezTo>
-                <a:cubicBezTo>
-                  <a:pt x="894481" y="-26540"/>
-                  <a:pt x="1130063" y="24713"/>
-                  <a:pt x="1355141" y="0"/>
-                </a:cubicBezTo>
-                <a:cubicBezTo>
-                  <a:pt x="1580219" y="-24713"/>
-                  <a:pt x="1820099" y="26695"/>
-                  <a:pt x="2015338" y="0"/>
-                </a:cubicBezTo>
-                <a:cubicBezTo>
-                  <a:pt x="2210577" y="-26695"/>
-                  <a:pt x="2402045" y="165"/>
-                  <a:pt x="2779776" y="0"/>
-                </a:cubicBezTo>
-                <a:cubicBezTo>
-                  <a:pt x="3157507" y="-165"/>
-                  <a:pt x="3286859" y="-15571"/>
-                  <a:pt x="3474720" y="0"/>
-                </a:cubicBezTo>
-                <a:cubicBezTo>
-                  <a:pt x="3474286" y="7551"/>
-                  <a:pt x="3474253" y="9822"/>
-                  <a:pt x="3474720" y="18288"/>
-                </a:cubicBezTo>
-                <a:cubicBezTo>
-                  <a:pt x="3233904" y="29845"/>
-                  <a:pt x="2945134" y="-5256"/>
-                  <a:pt x="2779776" y="18288"/>
-                </a:cubicBezTo>
-                <a:cubicBezTo>
-                  <a:pt x="2614418" y="41832"/>
-                  <a:pt x="2339768" y="22709"/>
-                  <a:pt x="2189074" y="18288"/>
-                </a:cubicBezTo>
-                <a:cubicBezTo>
-                  <a:pt x="2038380" y="13867"/>
-                  <a:pt x="1817434" y="-4947"/>
-                  <a:pt x="1528877" y="18288"/>
-                </a:cubicBezTo>
-                <a:cubicBezTo>
-                  <a:pt x="1240320" y="41523"/>
-                  <a:pt x="1042447" y="37198"/>
-                  <a:pt x="868680" y="18288"/>
-                </a:cubicBezTo>
-                <a:cubicBezTo>
-                  <a:pt x="694913" y="-622"/>
-                  <a:pt x="233232" y="44909"/>
-                  <a:pt x="0" y="18288"/>
-                </a:cubicBezTo>
-                <a:cubicBezTo>
-                  <a:pt x="60" y="11696"/>
-                  <a:pt x="66" y="3758"/>
-                  <a:pt x="0" y="0"/>
-                </a:cubicBezTo>
-                <a:close/>
-              </a:path>
-              <a:path w="3474720" h="18288" stroke="0" extrusionOk="0">
-                <a:moveTo>
-                  <a:pt x="0" y="0"/>
-                </a:moveTo>
-                <a:cubicBezTo>
-                  <a:pt x="202328" y="-14716"/>
-                  <a:pt x="332722" y="-11499"/>
-                  <a:pt x="625450" y="0"/>
-                </a:cubicBezTo>
-                <a:cubicBezTo>
-                  <a:pt x="918178" y="11499"/>
-                  <a:pt x="1096688" y="5123"/>
-                  <a:pt x="1389888" y="0"/>
-                </a:cubicBezTo>
-                <a:cubicBezTo>
-                  <a:pt x="1683088" y="-5123"/>
-                  <a:pt x="1835981" y="-14038"/>
-                  <a:pt x="1980590" y="0"/>
-                </a:cubicBezTo>
-                <a:cubicBezTo>
-                  <a:pt x="2125199" y="14038"/>
-                  <a:pt x="2396099" y="-7203"/>
-                  <a:pt x="2571293" y="0"/>
-                </a:cubicBezTo>
-                <a:cubicBezTo>
-                  <a:pt x="2746487" y="7203"/>
-                  <a:pt x="3041609" y="-12036"/>
-                  <a:pt x="3474720" y="0"/>
-                </a:cubicBezTo>
-                <a:cubicBezTo>
-                  <a:pt x="3474638" y="4406"/>
-                  <a:pt x="3474631" y="9982"/>
-                  <a:pt x="3474720" y="18288"/>
-                </a:cubicBezTo>
-                <a:cubicBezTo>
-                  <a:pt x="3324873" y="21876"/>
-                  <a:pt x="3136771" y="12587"/>
-                  <a:pt x="2814523" y="18288"/>
-                </a:cubicBezTo>
-                <a:cubicBezTo>
-                  <a:pt x="2492275" y="23989"/>
-                  <a:pt x="2294402" y="47111"/>
-                  <a:pt x="2154326" y="18288"/>
-                </a:cubicBezTo>
-                <a:cubicBezTo>
-                  <a:pt x="2014250" y="-10535"/>
-                  <a:pt x="1820317" y="33903"/>
-                  <a:pt x="1494130" y="18288"/>
-                </a:cubicBezTo>
-                <a:cubicBezTo>
-                  <a:pt x="1167943" y="2673"/>
-                  <a:pt x="948432" y="14868"/>
-                  <a:pt x="729691" y="18288"/>
-                </a:cubicBezTo>
-                <a:cubicBezTo>
-                  <a:pt x="510950" y="21708"/>
-                  <a:pt x="264032" y="24354"/>
-                  <a:pt x="0" y="18288"/>
-                </a:cubicBezTo>
-                <a:cubicBezTo>
-                  <a:pt x="189" y="14288"/>
-                  <a:pt x="-703" y="3747"/>
-                  <a:pt x="0" y="0"/>
-                </a:cubicBezTo>
-                <a:close/>
-              </a:path>
-            </a:pathLst>
-          </a:custGeom>
-          <a:solidFill>
-            <a:schemeClr val="accent2"/>
-          </a:solidFill>
-          <a:ln w="44450" cap="rnd">
-            <a:solidFill>
-              <a:schemeClr val="accent2"/>
-            </a:solidFill>
-            <a:round/>
-            <a:extLst>
-              <a:ext uri="{C807C97D-BFC1-408E-A445-0C87EB9F89A2}">
-                <ask:lineSketchStyleProps xmlns:ask="http://schemas.microsoft.com/office/drawing/2018/sketchyshapes" sd="2863741219">
-                  <a:prstGeom prst="rect">
-                    <a:avLst/>
-                  </a:prstGeom>
-                  <ask:type>
-                    <ask:lineSketchFreehand/>
-                  </ask:type>
-                </ask:lineSketchStyleProps>
-              </a:ext>
-            </a:extLst>
-          </a:ln>
-        </p:spPr>
-        <p:style>
-          <a:lnRef idx="2">
-            <a:schemeClr val="accent1">
-              <a:shade val="50000"/>
-            </a:schemeClr>
-          </a:lnRef>
-          <a:fillRef idx="1">
-            <a:schemeClr val="accent1"/>
-          </a:fillRef>
-          <a:effectRef idx="0">
-            <a:schemeClr val="accent1"/>
-          </a:effectRef>
-          <a:fontRef idx="minor">
-            <a:schemeClr val="lt1"/>
-          </a:fontRef>
-        </p:style>
-        <p:txBody>
-          <a:bodyPr rtlCol="0" anchor="ctr"/>
-          <a:lstStyle/>
-          <a:p>
-            <a:pPr algn="ctr"/>
-            <a:endParaRPr lang="en-US"/>
-          </a:p>
-        </p:txBody>
-      </p:sp>
-      <p:sp>
-        <p:nvSpPr>
-          <p:cNvPr id="3" name="Inhaltsplatzhalter 2">
-            <a:extLst>
-              <a:ext uri="{FF2B5EF4-FFF2-40B4-BE49-F238E27FC236}">
-                <a16:creationId xmlns:a16="http://schemas.microsoft.com/office/drawing/2014/main" id="{8AABB2FD-F522-7AA4-9987-A96ACCDD8D2E}"/>
-              </a:ext>
-            </a:extLst>
-          </p:cNvPr>
-          <p:cNvSpPr>
-            <a:spLocks noGrp="1"/>
-          </p:cNvSpPr>
-          <p:nvPr>
-            <p:ph idx="1"/>
-          </p:nvPr>
-        </p:nvSpPr>
-        <p:spPr>
-          <a:xfrm>
-            <a:off x="640080" y="2872899"/>
-            <a:ext cx="4243589" cy="3320668"/>
-          </a:xfrm>
-        </p:spPr>
-        <p:txBody>
-          <a:bodyPr>
-            <a:normAutofit/>
-          </a:bodyPr>
-          <a:lstStyle/>
-          <a:p>
-            <a:pPr marL="0" indent="0">
-              <a:buNone/>
-            </a:pPr>
-            <a:r>
-              <a:rPr lang="de-DE" sz="1500" b="1" i="0" u="none" strike="noStrike">
-                <a:effectLst/>
-                <a:latin typeface="Arial" panose="020B0604020202020204" pitchFamily="34" charset="0"/>
-              </a:rPr>
-              <a:t>AMDP</a:t>
-            </a:r>
-            <a:r>
-              <a:rPr lang="de-DE" sz="1500" b="0" i="0" u="none" strike="noStrike">
-                <a:effectLst/>
-                <a:highlight>
-                  <a:srgbClr val="FFFFFF"/>
-                </a:highlight>
-                <a:latin typeface="Arial" panose="020B0604020202020204" pitchFamily="34" charset="0"/>
-              </a:rPr>
-              <a:t> (Akronym von </a:t>
-            </a:r>
-            <a:r>
-              <a:rPr lang="de-DE" sz="1500" b="1" i="0" u="none" strike="noStrike">
-                <a:effectLst/>
-                <a:latin typeface="Arial" panose="020B0604020202020204" pitchFamily="34" charset="0"/>
-                <a:hlinkClick r:id="rId2" tooltip="ABAP"/>
-              </a:rPr>
-              <a:t>A</a:t>
-            </a:r>
-            <a:r>
-              <a:rPr lang="de-DE" sz="1500" b="0" i="0" u="none" strike="noStrike">
-                <a:effectLst/>
-                <a:latin typeface="Arial" panose="020B0604020202020204" pitchFamily="34" charset="0"/>
-                <a:hlinkClick r:id="rId2" tooltip="ABAP"/>
-              </a:rPr>
-              <a:t>BAP</a:t>
-            </a:r>
-            <a:r>
-              <a:rPr lang="de-DE" sz="1500" b="0" i="0" u="none" strike="noStrike">
-                <a:effectLst/>
-                <a:highlight>
-                  <a:srgbClr val="FFFFFF"/>
-                </a:highlight>
-                <a:latin typeface="Arial" panose="020B0604020202020204" pitchFamily="34" charset="0"/>
-              </a:rPr>
-              <a:t> </a:t>
-            </a:r>
-            <a:r>
-              <a:rPr lang="de-DE" sz="1500" b="1" i="0" u="none" strike="noStrike">
-                <a:effectLst/>
-                <a:latin typeface="Arial" panose="020B0604020202020204" pitchFamily="34" charset="0"/>
-              </a:rPr>
-              <a:t>M</a:t>
-            </a:r>
-            <a:r>
-              <a:rPr lang="de-DE" sz="1500" b="0" i="0" u="none" strike="noStrike">
-                <a:effectLst/>
-                <a:highlight>
-                  <a:srgbClr val="FFFFFF"/>
-                </a:highlight>
-                <a:latin typeface="Arial" panose="020B0604020202020204" pitchFamily="34" charset="0"/>
-              </a:rPr>
-              <a:t>anaged </a:t>
-            </a:r>
-            <a:r>
-              <a:rPr lang="de-DE" sz="1500" b="1" i="0" u="none" strike="noStrike">
-                <a:effectLst/>
-                <a:latin typeface="Arial" panose="020B0604020202020204" pitchFamily="34" charset="0"/>
-              </a:rPr>
-              <a:t>D</a:t>
-            </a:r>
-            <a:r>
-              <a:rPr lang="de-DE" sz="1500" b="0" i="0" u="none" strike="noStrike">
-                <a:effectLst/>
-                <a:highlight>
-                  <a:srgbClr val="FFFFFF"/>
-                </a:highlight>
-                <a:latin typeface="Arial" panose="020B0604020202020204" pitchFamily="34" charset="0"/>
-              </a:rPr>
-              <a:t>atabase </a:t>
-            </a:r>
-            <a:r>
-              <a:rPr lang="de-DE" sz="1500" b="1" i="0" u="none" strike="noStrike">
-                <a:effectLst/>
-                <a:latin typeface="Arial" panose="020B0604020202020204" pitchFamily="34" charset="0"/>
-              </a:rPr>
-              <a:t>P</a:t>
-            </a:r>
-            <a:r>
-              <a:rPr lang="de-DE" sz="1500" b="0" i="0" u="none" strike="noStrike">
-                <a:effectLst/>
-                <a:highlight>
-                  <a:srgbClr val="FFFFFF"/>
-                </a:highlight>
-                <a:latin typeface="Arial" panose="020B0604020202020204" pitchFamily="34" charset="0"/>
-              </a:rPr>
-              <a:t>rocedures) bezeichnete ursprünglich ein „</a:t>
-            </a:r>
-            <a:r>
-              <a:rPr lang="de-DE" sz="1500" b="0" i="0" u="none" strike="noStrike">
-                <a:effectLst/>
-                <a:latin typeface="Arial" panose="020B0604020202020204" pitchFamily="34" charset="0"/>
-                <a:hlinkClick r:id="rId3" tooltip="Framework"/>
-              </a:rPr>
-              <a:t>Framework</a:t>
-            </a:r>
-            <a:r>
-              <a:rPr lang="de-DE" sz="1500" b="0" i="0" u="none" strike="noStrike">
-                <a:effectLst/>
-                <a:highlight>
-                  <a:srgbClr val="FFFFFF"/>
-                </a:highlight>
-                <a:latin typeface="Arial" panose="020B0604020202020204" pitchFamily="34" charset="0"/>
-              </a:rPr>
-              <a:t>“ der </a:t>
-            </a:r>
-            <a:r>
-              <a:rPr lang="de-DE" sz="1500" b="0" i="0" u="none" strike="noStrike">
-                <a:effectLst/>
-                <a:latin typeface="Arial" panose="020B0604020202020204" pitchFamily="34" charset="0"/>
-                <a:hlinkClick r:id="rId4" tooltip="SAP"/>
-              </a:rPr>
-              <a:t>SAP</a:t>
-            </a:r>
-            <a:r>
-              <a:rPr lang="de-DE" sz="1500" b="0" i="0" u="none" strike="noStrike">
-                <a:effectLst/>
-                <a:highlight>
-                  <a:srgbClr val="FFFFFF"/>
-                </a:highlight>
-                <a:latin typeface="Arial" panose="020B0604020202020204" pitchFamily="34" charset="0"/>
-              </a:rPr>
-              <a:t> zum Definieren, Implementieren, Verwalten und Aufrufen von </a:t>
-            </a:r>
-            <a:r>
-              <a:rPr lang="de-DE" sz="1500" b="0" i="0" u="none" strike="noStrike">
-                <a:effectLst/>
-                <a:latin typeface="Arial" panose="020B0604020202020204" pitchFamily="34" charset="0"/>
-                <a:hlinkClick r:id="rId5" tooltip="Gespeicherte Prozedur"/>
-              </a:rPr>
-              <a:t>Datenbankprozeduren</a:t>
-            </a:r>
-            <a:r>
-              <a:rPr lang="de-DE" sz="1500" b="0" i="0" u="none" strike="noStrike">
-                <a:effectLst/>
-                <a:highlight>
-                  <a:srgbClr val="FFFFFF"/>
-                </a:highlight>
-                <a:latin typeface="Arial" panose="020B0604020202020204" pitchFamily="34" charset="0"/>
-              </a:rPr>
-              <a:t> in der </a:t>
-            </a:r>
-            <a:r>
-              <a:rPr lang="de-DE" sz="1500" b="0" i="0" u="none" strike="noStrike">
-                <a:effectLst/>
-                <a:latin typeface="Arial" panose="020B0604020202020204" pitchFamily="34" charset="0"/>
-                <a:hlinkClick r:id="rId6" tooltip="SAP HANA"/>
-              </a:rPr>
-              <a:t>SAP-HANA</a:t>
-            </a:r>
-            <a:r>
-              <a:rPr lang="de-DE" sz="1500" b="0" i="0" u="none" strike="noStrike">
-                <a:effectLst/>
-                <a:highlight>
-                  <a:srgbClr val="FFFFFF"/>
-                </a:highlight>
-                <a:latin typeface="Arial" panose="020B0604020202020204" pitchFamily="34" charset="0"/>
-              </a:rPr>
-              <a:t>-Datenbank aus dem </a:t>
-            </a:r>
-            <a:r>
-              <a:rPr lang="de-DE" sz="1500" b="0" i="0" u="none" strike="noStrike">
-                <a:effectLst/>
-                <a:latin typeface="Arial" panose="020B0604020202020204" pitchFamily="34" charset="0"/>
-                <a:hlinkClick r:id="rId7" tooltip="SAP NetWeaver Application Server"/>
-              </a:rPr>
-              <a:t>ABAP-Applikationsserver</a:t>
-            </a:r>
-            <a:r>
-              <a:rPr lang="de-DE" sz="1500" b="0" i="0" u="none" strike="noStrike">
-                <a:effectLst/>
-                <a:highlight>
-                  <a:srgbClr val="FFFFFF"/>
-                </a:highlight>
-                <a:latin typeface="Arial" panose="020B0604020202020204" pitchFamily="34" charset="0"/>
-              </a:rPr>
-              <a:t> heraus. Mittlerweile ist auch eine Unterstützung für </a:t>
-            </a:r>
-            <a:r>
-              <a:rPr lang="de-DE" sz="1500" b="0" i="0" u="none" strike="noStrike">
-                <a:effectLst/>
-                <a:latin typeface="Arial" panose="020B0604020202020204" pitchFamily="34" charset="0"/>
-                <a:hlinkClick r:id="rId8" tooltip="Funktion (Programmierung)"/>
-              </a:rPr>
-              <a:t>Datenbankfunktionen</a:t>
-            </a:r>
-            <a:r>
-              <a:rPr lang="de-DE" sz="1500" b="0" i="0" u="none" strike="noStrike">
-                <a:effectLst/>
-                <a:highlight>
-                  <a:srgbClr val="FFFFFF"/>
-                </a:highlight>
-                <a:latin typeface="Arial" panose="020B0604020202020204" pitchFamily="34" charset="0"/>
-              </a:rPr>
-              <a:t> hinzugekommen. Die Implementierung erfolgt in </a:t>
-            </a:r>
-            <a:r>
-              <a:rPr lang="de-DE" sz="1500" b="0" i="0" u="none" strike="noStrike">
-                <a:effectLst/>
-                <a:latin typeface="Arial" panose="020B0604020202020204" pitchFamily="34" charset="0"/>
-                <a:hlinkClick r:id="rId9" tooltip="SQLScript (Seite nicht vorhanden)"/>
-              </a:rPr>
-              <a:t>SQLScript</a:t>
-            </a:r>
-            <a:r>
-              <a:rPr lang="de-DE" sz="1500" b="0" i="0" u="none" strike="noStrike">
-                <a:effectLst/>
-                <a:highlight>
-                  <a:srgbClr val="FFFFFF"/>
-                </a:highlight>
-                <a:latin typeface="Arial" panose="020B0604020202020204" pitchFamily="34" charset="0"/>
-              </a:rPr>
-              <a:t>, der Abfragesprache für die SAP-HANA-Datenbank.</a:t>
-            </a:r>
-            <a:endParaRPr lang="de-DE" sz="1500" baseline="30000">
-              <a:highlight>
-                <a:srgbClr val="FFFFFF"/>
-              </a:highlight>
-              <a:latin typeface="Arial" panose="020B0604020202020204" pitchFamily="34" charset="0"/>
-            </a:endParaRPr>
-          </a:p>
-          <a:p>
-            <a:pPr marL="0" indent="0">
-              <a:buNone/>
-            </a:pPr>
-            <a:endParaRPr lang="de-DE" sz="1500" baseline="30000">
-              <a:highlight>
-                <a:srgbClr val="FFFFFF"/>
-              </a:highlight>
-              <a:latin typeface="Arial" panose="020B0604020202020204" pitchFamily="34" charset="0"/>
-            </a:endParaRPr>
-          </a:p>
-          <a:p>
-            <a:pPr marL="0" indent="0">
-              <a:buNone/>
-            </a:pPr>
-            <a:r>
-              <a:rPr lang="de-DE" sz="1500" baseline="30000">
-                <a:highlight>
-                  <a:srgbClr val="FFFFFF"/>
-                </a:highlight>
-                <a:latin typeface="Arial" panose="020B0604020202020204" pitchFamily="34" charset="0"/>
-              </a:rPr>
-              <a:t>Quelle Wikipedia</a:t>
-            </a:r>
-            <a:endParaRPr lang="de-DE" sz="1500"/>
-          </a:p>
-        </p:txBody>
-      </p:sp>
-      <p:pic>
-        <p:nvPicPr>
-          <p:cNvPr id="5" name="Picture 4" descr="Ausrufezeichen vor gelbem Hintergrund">
-            <a:extLst>
-              <a:ext uri="{FF2B5EF4-FFF2-40B4-BE49-F238E27FC236}">
-                <a16:creationId xmlns:a16="http://schemas.microsoft.com/office/drawing/2014/main" id="{ECD252CF-9DDD-ACF9-28BD-71924D6AE04F}"/>
-              </a:ext>
-            </a:extLst>
-          </p:cNvPr>
-          <p:cNvPicPr>
-            <a:picLocks noChangeAspect="1"/>
-          </p:cNvPicPr>
-          <p:nvPr/>
-        </p:nvPicPr>
-        <p:blipFill rotWithShape="1">
-          <a:blip r:embed="rId10"/>
-          <a:srcRect l="18386" r="6386"/>
-          <a:stretch/>
-        </p:blipFill>
-        <p:spPr>
-          <a:xfrm>
-            <a:off x="5311702" y="10"/>
-            <a:ext cx="6878775" cy="6857990"/>
-          </a:xfrm>
-          <a:custGeom>
-            <a:avLst/>
-            <a:gdLst/>
-            <a:ahLst/>
-            <a:cxnLst/>
-            <a:rect l="l" t="t" r="r" b="b"/>
-            <a:pathLst>
-              <a:path w="6878775" h="6858000">
-                <a:moveTo>
-                  <a:pt x="1102973" y="0"/>
-                </a:moveTo>
-                <a:lnTo>
-                  <a:pt x="1160688" y="0"/>
-                </a:lnTo>
-                <a:lnTo>
-                  <a:pt x="983189" y="331786"/>
-                </a:lnTo>
-                <a:cubicBezTo>
-                  <a:pt x="914866" y="469145"/>
-                  <a:pt x="850355" y="608712"/>
-                  <a:pt x="789261" y="750263"/>
-                </a:cubicBezTo>
-                <a:cubicBezTo>
-                  <a:pt x="774307" y="784928"/>
-                  <a:pt x="759992" y="819849"/>
-                  <a:pt x="745295" y="854514"/>
-                </a:cubicBezTo>
-                <a:cubicBezTo>
-                  <a:pt x="756682" y="845393"/>
-                  <a:pt x="765489" y="833492"/>
-                  <a:pt x="770857" y="819975"/>
-                </a:cubicBezTo>
-                <a:cubicBezTo>
-                  <a:pt x="879943" y="589569"/>
-                  <a:pt x="999605" y="365513"/>
-                  <a:pt x="1131329" y="148742"/>
-                </a:cubicBezTo>
-                <a:lnTo>
-                  <a:pt x="1227589" y="0"/>
-                </a:lnTo>
-                <a:lnTo>
-                  <a:pt x="6878775" y="0"/>
-                </a:lnTo>
-                <a:lnTo>
-                  <a:pt x="6878775" y="6858000"/>
-                </a:lnTo>
-                <a:lnTo>
-                  <a:pt x="713521" y="6858000"/>
-                </a:lnTo>
-                <a:lnTo>
-                  <a:pt x="625642" y="6670527"/>
-                </a:lnTo>
-                <a:cubicBezTo>
-                  <a:pt x="507232" y="6398531"/>
-                  <a:pt x="403083" y="6118381"/>
-                  <a:pt x="312785" y="5830359"/>
-                </a:cubicBezTo>
-                <a:cubicBezTo>
-                  <a:pt x="278149" y="5719759"/>
-                  <a:pt x="248879" y="5607635"/>
-                  <a:pt x="212198" y="5480401"/>
-                </a:cubicBezTo>
-                <a:cubicBezTo>
-                  <a:pt x="212208" y="5491601"/>
-                  <a:pt x="212803" y="5502788"/>
-                  <a:pt x="213988" y="5513923"/>
-                </a:cubicBezTo>
-                <a:cubicBezTo>
-                  <a:pt x="264089" y="5723695"/>
-                  <a:pt x="307290" y="5935370"/>
-                  <a:pt x="365826" y="6142729"/>
-                </a:cubicBezTo>
-                <a:cubicBezTo>
-                  <a:pt x="433152" y="6380817"/>
-                  <a:pt x="510068" y="6614016"/>
-                  <a:pt x="597975" y="6841549"/>
-                </a:cubicBezTo>
-                <a:lnTo>
-                  <a:pt x="604824" y="6858000"/>
-                </a:lnTo>
-                <a:lnTo>
-                  <a:pt x="552056" y="6858000"/>
-                </a:lnTo>
-                <a:lnTo>
-                  <a:pt x="539576" y="6828295"/>
-                </a:lnTo>
-                <a:cubicBezTo>
-                  <a:pt x="380597" y="6414594"/>
-                  <a:pt x="260223" y="5988893"/>
-                  <a:pt x="171555" y="5552906"/>
-                </a:cubicBezTo>
-                <a:cubicBezTo>
-                  <a:pt x="91163" y="5157998"/>
-                  <a:pt x="43746" y="4758899"/>
-                  <a:pt x="12305" y="4357388"/>
-                </a:cubicBezTo>
-                <a:cubicBezTo>
-                  <a:pt x="-14281" y="4013908"/>
-                  <a:pt x="4507" y="3672965"/>
-                  <a:pt x="46684" y="3331516"/>
-                </a:cubicBezTo>
-                <a:cubicBezTo>
-                  <a:pt x="127203" y="2664286"/>
-                  <a:pt x="277819" y="2007265"/>
-                  <a:pt x="496065" y="1371196"/>
-                </a:cubicBezTo>
-                <a:cubicBezTo>
-                  <a:pt x="636273" y="966066"/>
-                  <a:pt x="800445" y="573253"/>
-                  <a:pt x="995723" y="196614"/>
-                </a:cubicBezTo>
-                <a:close/>
-              </a:path>
-            </a:pathLst>
-          </a:custGeom>
-        </p:spPr>
-      </p:pic>
-    </p:spTree>
-    <p:extLst>
-      <p:ext uri="{BB962C8B-B14F-4D97-AF65-F5344CB8AC3E}">
-        <p14:creationId xmlns:p14="http://schemas.microsoft.com/office/powerpoint/2010/main" val="2898168297"/>
-      </p:ext>
-    </p:extLst>
-  </p:cSld>
-  <p:clrMapOvr>
-    <a:masterClrMapping/>
-  </p:clrMapOvr>
-</p:sld>
-</file>
-
-<file path=ppt/slides/slide49.xml><?xml version="1.0" encoding="utf-8"?>
-<p:sld xmlns:a="http://schemas.openxmlformats.org/drawingml/2006/main" xmlns:r="http://schemas.openxmlformats.org/officeDocument/2006/relationships" xmlns:p="http://schemas.openxmlformats.org/presentationml/2006/main">
-  <p:cSld>
-    <p:spTree>
-      <p:nvGrpSpPr>
-        <p:cNvPr id="1" name=""/>
-        <p:cNvGrpSpPr/>
-        <p:nvPr/>
-      </p:nvGrpSpPr>
-      <p:grpSpPr>
-        <a:xfrm>
-          <a:off x="0" y="0"/>
-          <a:ext cx="0" cy="0"/>
-          <a:chOff x="0" y="0"/>
-          <a:chExt cx="0" cy="0"/>
-        </a:xfrm>
-      </p:grpSpPr>
-      <p:sp>
-        <p:nvSpPr>
-          <p:cNvPr id="2" name="Titel 1">
-            <a:extLst>
-              <a:ext uri="{FF2B5EF4-FFF2-40B4-BE49-F238E27FC236}">
-                <a16:creationId xmlns:a16="http://schemas.microsoft.com/office/drawing/2014/main" id="{3EA24867-36F9-0F61-D7FA-5D7E344549F1}"/>
-              </a:ext>
-            </a:extLst>
-          </p:cNvPr>
-          <p:cNvSpPr>
-            <a:spLocks noGrp="1"/>
-          </p:cNvSpPr>
-          <p:nvPr>
-            <p:ph type="ctrTitle"/>
-          </p:nvPr>
-        </p:nvSpPr>
-        <p:spPr>
-          <a:xfrm>
-            <a:off x="643468" y="643467"/>
-            <a:ext cx="4620584" cy="4567137"/>
-          </a:xfrm>
-        </p:spPr>
-        <p:txBody>
-          <a:bodyPr>
-            <a:normAutofit/>
-          </a:bodyPr>
-          <a:lstStyle/>
-          <a:p>
-            <a:pPr algn="l"/>
-            <a:r>
-              <a:rPr lang="de-DE" sz="4400" dirty="0"/>
-              <a:t>Konsumieren von CDS Views</a:t>
-            </a:r>
-          </a:p>
-        </p:txBody>
-      </p:sp>
-      <p:sp>
-        <p:nvSpPr>
-          <p:cNvPr id="3" name="Untertitel 2">
-            <a:extLst>
-              <a:ext uri="{FF2B5EF4-FFF2-40B4-BE49-F238E27FC236}">
-                <a16:creationId xmlns:a16="http://schemas.microsoft.com/office/drawing/2014/main" id="{B2AC74AD-386B-54E2-7A7C-96B10A166B3F}"/>
-              </a:ext>
-            </a:extLst>
-          </p:cNvPr>
-          <p:cNvSpPr>
-            <a:spLocks noGrp="1"/>
-          </p:cNvSpPr>
-          <p:nvPr>
-            <p:ph type="subTitle" idx="1"/>
-          </p:nvPr>
-        </p:nvSpPr>
-        <p:spPr>
-          <a:xfrm>
-            <a:off x="643467" y="5277684"/>
-            <a:ext cx="4620584" cy="775494"/>
-          </a:xfrm>
-        </p:spPr>
-        <p:txBody>
-          <a:bodyPr>
-            <a:normAutofit/>
-          </a:bodyPr>
-          <a:lstStyle/>
-          <a:p>
-            <a:pPr algn="l"/>
-            <a:r>
-              <a:rPr lang="de-DE" dirty="0"/>
-              <a:t>ALV IDA und OData</a:t>
-            </a:r>
-          </a:p>
-        </p:txBody>
-      </p:sp>
-      <p:pic>
-        <p:nvPicPr>
-          <p:cNvPr id="115" name="Picture 4">
-            <a:extLst>
-              <a:ext uri="{FF2B5EF4-FFF2-40B4-BE49-F238E27FC236}">
-                <a16:creationId xmlns:a16="http://schemas.microsoft.com/office/drawing/2014/main" id="{3D82A014-FE84-D8E4-DD05-A62EF20C7388}"/>
-              </a:ext>
-            </a:extLst>
-          </p:cNvPr>
-          <p:cNvPicPr>
-            <a:picLocks noChangeAspect="1"/>
-          </p:cNvPicPr>
-          <p:nvPr/>
-        </p:nvPicPr>
-        <p:blipFill rotWithShape="1">
-          <a:blip r:embed="rId2"/>
-          <a:srcRect l="34790"/>
-          <a:stretch/>
-        </p:blipFill>
-        <p:spPr>
-          <a:xfrm>
-            <a:off x="6229215" y="10"/>
-            <a:ext cx="5962785" cy="6857990"/>
-          </a:xfrm>
-          <a:custGeom>
-            <a:avLst/>
-            <a:gdLst/>
-            <a:ahLst/>
-            <a:cxnLst/>
-            <a:rect l="l" t="t" r="r" b="b"/>
-            <a:pathLst>
-              <a:path w="5962785" h="6858000">
-                <a:moveTo>
-                  <a:pt x="1044839" y="0"/>
-                </a:moveTo>
-                <a:lnTo>
-                  <a:pt x="5962785" y="0"/>
-                </a:lnTo>
-                <a:lnTo>
-                  <a:pt x="5962785" y="6858000"/>
-                </a:lnTo>
-                <a:lnTo>
-                  <a:pt x="1469886" y="6858000"/>
-                </a:lnTo>
-                <a:lnTo>
-                  <a:pt x="1416006" y="6823984"/>
-                </a:lnTo>
-                <a:cubicBezTo>
-                  <a:pt x="1356767" y="6787940"/>
-                  <a:pt x="1296437" y="6755500"/>
-                  <a:pt x="1232473" y="6733873"/>
-                </a:cubicBezTo>
-                <a:cubicBezTo>
-                  <a:pt x="1145250" y="6705037"/>
-                  <a:pt x="1060933" y="6654575"/>
-                  <a:pt x="1075471" y="6503186"/>
-                </a:cubicBezTo>
-                <a:cubicBezTo>
-                  <a:pt x="1078378" y="6459932"/>
-                  <a:pt x="1055118" y="6427493"/>
-                  <a:pt x="1020229" y="6438306"/>
-                </a:cubicBezTo>
-                <a:cubicBezTo>
-                  <a:pt x="953358" y="6459932"/>
-                  <a:pt x="921375" y="6398656"/>
-                  <a:pt x="883579" y="6351798"/>
-                </a:cubicBezTo>
-                <a:cubicBezTo>
-                  <a:pt x="816707" y="6268895"/>
-                  <a:pt x="752743" y="6182387"/>
-                  <a:pt x="645167" y="6167969"/>
-                </a:cubicBezTo>
-                <a:cubicBezTo>
-                  <a:pt x="665519" y="6103088"/>
-                  <a:pt x="700408" y="6110298"/>
-                  <a:pt x="732391" y="6124716"/>
-                </a:cubicBezTo>
-                <a:cubicBezTo>
-                  <a:pt x="816707" y="6160761"/>
-                  <a:pt x="901023" y="6200410"/>
-                  <a:pt x="985339" y="6236455"/>
-                </a:cubicBezTo>
-                <a:cubicBezTo>
-                  <a:pt x="1040581" y="6258081"/>
-                  <a:pt x="1095822" y="6290522"/>
-                  <a:pt x="1168509" y="6265291"/>
-                </a:cubicBezTo>
-                <a:cubicBezTo>
-                  <a:pt x="1104545" y="6135530"/>
-                  <a:pt x="996969" y="6110298"/>
-                  <a:pt x="909746" y="6070649"/>
-                </a:cubicBezTo>
-                <a:cubicBezTo>
-                  <a:pt x="802169" y="6020185"/>
-                  <a:pt x="738206" y="5926470"/>
-                  <a:pt x="659704" y="5818335"/>
-                </a:cubicBezTo>
-                <a:cubicBezTo>
-                  <a:pt x="738206" y="5789500"/>
-                  <a:pt x="787632" y="5868798"/>
-                  <a:pt x="851597" y="5865193"/>
-                </a:cubicBezTo>
-                <a:cubicBezTo>
-                  <a:pt x="854504" y="5854380"/>
-                  <a:pt x="860319" y="5832753"/>
-                  <a:pt x="860319" y="5832753"/>
-                </a:cubicBezTo>
-                <a:cubicBezTo>
-                  <a:pt x="755650" y="5775081"/>
-                  <a:pt x="709132" y="5666947"/>
-                  <a:pt x="691686" y="5533581"/>
-                </a:cubicBezTo>
-                <a:cubicBezTo>
-                  <a:pt x="685872" y="5465095"/>
-                  <a:pt x="648075" y="5443468"/>
-                  <a:pt x="610278" y="5411029"/>
-                </a:cubicBezTo>
-                <a:cubicBezTo>
-                  <a:pt x="482350" y="5299289"/>
-                  <a:pt x="345700" y="5198364"/>
-                  <a:pt x="238123" y="5046976"/>
-                </a:cubicBezTo>
-                <a:cubicBezTo>
-                  <a:pt x="363144" y="5064998"/>
-                  <a:pt x="461997" y="5165924"/>
-                  <a:pt x="592833" y="5209177"/>
-                </a:cubicBezTo>
-                <a:cubicBezTo>
-                  <a:pt x="488165" y="5043371"/>
-                  <a:pt x="351514" y="4956864"/>
-                  <a:pt x="226494" y="4855939"/>
-                </a:cubicBezTo>
-                <a:cubicBezTo>
-                  <a:pt x="168344" y="4809081"/>
-                  <a:pt x="116011" y="4751408"/>
-                  <a:pt x="49139" y="4726177"/>
-                </a:cubicBezTo>
-                <a:cubicBezTo>
-                  <a:pt x="25879" y="4718968"/>
-                  <a:pt x="-14825" y="4700947"/>
-                  <a:pt x="5527" y="4650483"/>
-                </a:cubicBezTo>
-                <a:cubicBezTo>
-                  <a:pt x="22972" y="4607230"/>
-                  <a:pt x="54954" y="4621648"/>
-                  <a:pt x="84029" y="4632460"/>
-                </a:cubicBezTo>
-                <a:cubicBezTo>
-                  <a:pt x="153807" y="4661296"/>
-                  <a:pt x="229401" y="4661296"/>
-                  <a:pt x="325347" y="4661296"/>
-                </a:cubicBezTo>
-                <a:cubicBezTo>
-                  <a:pt x="243939" y="4524326"/>
-                  <a:pt x="95658" y="4567580"/>
-                  <a:pt x="25879" y="4423401"/>
-                </a:cubicBezTo>
-                <a:cubicBezTo>
-                  <a:pt x="113103" y="4398170"/>
-                  <a:pt x="179975" y="4448632"/>
-                  <a:pt x="249753" y="4459446"/>
-                </a:cubicBezTo>
-                <a:cubicBezTo>
-                  <a:pt x="313718" y="4470259"/>
-                  <a:pt x="328254" y="4445028"/>
-                  <a:pt x="313718" y="4365729"/>
-                </a:cubicBezTo>
-                <a:cubicBezTo>
-                  <a:pt x="290458" y="4243177"/>
-                  <a:pt x="325347" y="4181900"/>
-                  <a:pt x="418386" y="4214341"/>
-                </a:cubicBezTo>
-                <a:cubicBezTo>
-                  <a:pt x="505609" y="4246781"/>
-                  <a:pt x="514332" y="4199922"/>
-                  <a:pt x="491072" y="4131438"/>
-                </a:cubicBezTo>
-                <a:cubicBezTo>
-                  <a:pt x="456183" y="4030512"/>
-                  <a:pt x="493979" y="3951214"/>
-                  <a:pt x="520147" y="3864706"/>
-                </a:cubicBezTo>
-                <a:cubicBezTo>
-                  <a:pt x="560851" y="3734945"/>
-                  <a:pt x="543407" y="3670064"/>
-                  <a:pt x="459090" y="3572743"/>
-                </a:cubicBezTo>
-                <a:cubicBezTo>
-                  <a:pt x="409664" y="3518676"/>
-                  <a:pt x="360236" y="3471818"/>
-                  <a:pt x="290458" y="3424959"/>
-                </a:cubicBezTo>
-                <a:cubicBezTo>
-                  <a:pt x="450368" y="3399728"/>
-                  <a:pt x="284643" y="3313221"/>
-                  <a:pt x="339884" y="3259153"/>
-                </a:cubicBezTo>
-                <a:cubicBezTo>
-                  <a:pt x="453275" y="3237527"/>
-                  <a:pt x="543407" y="3410542"/>
-                  <a:pt x="697501" y="3360078"/>
-                </a:cubicBezTo>
-                <a:cubicBezTo>
-                  <a:pt x="511425" y="3212294"/>
-                  <a:pt x="302087" y="3165436"/>
-                  <a:pt x="165437" y="2967190"/>
-                </a:cubicBezTo>
-                <a:cubicBezTo>
-                  <a:pt x="197419" y="2923937"/>
-                  <a:pt x="229401" y="2967190"/>
-                  <a:pt x="255568" y="2949167"/>
-                </a:cubicBezTo>
-                <a:cubicBezTo>
-                  <a:pt x="255568" y="2938354"/>
-                  <a:pt x="560851" y="3006840"/>
-                  <a:pt x="578296" y="2725691"/>
-                </a:cubicBezTo>
-                <a:cubicBezTo>
-                  <a:pt x="584111" y="2725691"/>
-                  <a:pt x="589926" y="2725691"/>
-                  <a:pt x="595740" y="2714876"/>
-                </a:cubicBezTo>
-                <a:cubicBezTo>
-                  <a:pt x="627722" y="2675228"/>
-                  <a:pt x="598648" y="2581510"/>
-                  <a:pt x="650982" y="2574301"/>
-                </a:cubicBezTo>
-                <a:cubicBezTo>
-                  <a:pt x="709132" y="2567092"/>
-                  <a:pt x="764373" y="2534653"/>
-                  <a:pt x="825429" y="2552674"/>
-                </a:cubicBezTo>
-                <a:cubicBezTo>
-                  <a:pt x="871949" y="2567092"/>
-                  <a:pt x="921375" y="2585115"/>
-                  <a:pt x="970802" y="2585115"/>
-                </a:cubicBezTo>
-                <a:cubicBezTo>
-                  <a:pt x="1023136" y="2585115"/>
-                  <a:pt x="1095822" y="2707668"/>
-                  <a:pt x="1127805" y="2545465"/>
-                </a:cubicBezTo>
-                <a:cubicBezTo>
-                  <a:pt x="1127805" y="2538257"/>
-                  <a:pt x="1217936" y="2556280"/>
-                  <a:pt x="1267362" y="2563488"/>
-                </a:cubicBezTo>
-                <a:cubicBezTo>
-                  <a:pt x="1308067" y="2570698"/>
-                  <a:pt x="1357494" y="2603137"/>
-                  <a:pt x="1386568" y="2538257"/>
-                </a:cubicBezTo>
-                <a:cubicBezTo>
-                  <a:pt x="1401105" y="2498607"/>
-                  <a:pt x="1331326" y="2426518"/>
-                  <a:pt x="1270270" y="2419309"/>
-                </a:cubicBezTo>
-                <a:cubicBezTo>
-                  <a:pt x="1215029" y="2412101"/>
-                  <a:pt x="1159787" y="2404892"/>
-                  <a:pt x="1107453" y="2419309"/>
-                </a:cubicBezTo>
-                <a:cubicBezTo>
-                  <a:pt x="1043489" y="2437331"/>
-                  <a:pt x="1008599" y="2408495"/>
-                  <a:pt x="991154" y="2343615"/>
-                </a:cubicBezTo>
-                <a:cubicBezTo>
-                  <a:pt x="970802" y="2275131"/>
-                  <a:pt x="933005" y="2239085"/>
-                  <a:pt x="880671" y="2206645"/>
-                </a:cubicBezTo>
-                <a:cubicBezTo>
-                  <a:pt x="752743" y="2127346"/>
-                  <a:pt x="630630" y="2033629"/>
-                  <a:pt x="491072" y="1986771"/>
-                </a:cubicBezTo>
-                <a:cubicBezTo>
-                  <a:pt x="464905" y="1979562"/>
-                  <a:pt x="432923" y="1965145"/>
-                  <a:pt x="421293" y="1903868"/>
-                </a:cubicBezTo>
-                <a:cubicBezTo>
-                  <a:pt x="799262" y="1997584"/>
-                  <a:pt x="1142342" y="2239085"/>
-                  <a:pt x="1531941" y="2224667"/>
-                </a:cubicBezTo>
-                <a:cubicBezTo>
-                  <a:pt x="1427272" y="2148974"/>
-                  <a:pt x="1302252" y="2145369"/>
-                  <a:pt x="1188861" y="2091301"/>
-                </a:cubicBezTo>
-                <a:cubicBezTo>
-                  <a:pt x="1270270" y="2051652"/>
-                  <a:pt x="1345864" y="2094906"/>
-                  <a:pt x="1421458" y="2116532"/>
-                </a:cubicBezTo>
-                <a:cubicBezTo>
-                  <a:pt x="1485422" y="2134554"/>
-                  <a:pt x="1543571" y="2138160"/>
-                  <a:pt x="1549386" y="2026420"/>
-                </a:cubicBezTo>
-                <a:cubicBezTo>
-                  <a:pt x="1549386" y="2015607"/>
-                  <a:pt x="1549386" y="2008398"/>
-                  <a:pt x="1549386" y="1997584"/>
-                </a:cubicBezTo>
-                <a:cubicBezTo>
-                  <a:pt x="1526126" y="1950727"/>
-                  <a:pt x="1494144" y="1929099"/>
-                  <a:pt x="1453440" y="1914682"/>
-                </a:cubicBezTo>
-                <a:cubicBezTo>
-                  <a:pt x="1430180" y="1907473"/>
-                  <a:pt x="1398198" y="1893056"/>
-                  <a:pt x="1398198" y="1860614"/>
-                </a:cubicBezTo>
-                <a:cubicBezTo>
-                  <a:pt x="1401105" y="1738063"/>
-                  <a:pt x="1322604" y="1702018"/>
-                  <a:pt x="1247011" y="1665972"/>
-                </a:cubicBezTo>
-                <a:cubicBezTo>
-                  <a:pt x="1287715" y="1604696"/>
-                  <a:pt x="1322604" y="1647950"/>
-                  <a:pt x="1354586" y="1644345"/>
-                </a:cubicBezTo>
-                <a:cubicBezTo>
-                  <a:pt x="1374939" y="1640741"/>
-                  <a:pt x="1395290" y="1637138"/>
-                  <a:pt x="1395290" y="1604696"/>
-                </a:cubicBezTo>
-                <a:cubicBezTo>
-                  <a:pt x="1395290" y="1579465"/>
-                  <a:pt x="1386568" y="1547025"/>
-                  <a:pt x="1366216" y="1547025"/>
-                </a:cubicBezTo>
-                <a:cubicBezTo>
-                  <a:pt x="1238288" y="1543420"/>
-                  <a:pt x="1165601" y="1370405"/>
-                  <a:pt x="1031858" y="1370405"/>
-                </a:cubicBezTo>
-                <a:cubicBezTo>
-                  <a:pt x="950450" y="1370405"/>
-                  <a:pt x="1072563" y="1273083"/>
-                  <a:pt x="1005692" y="1233435"/>
-                </a:cubicBezTo>
-                <a:cubicBezTo>
-                  <a:pt x="991154" y="1222621"/>
-                  <a:pt x="1046396" y="1208203"/>
-                  <a:pt x="1069655" y="1211808"/>
-                </a:cubicBezTo>
-                <a:cubicBezTo>
-                  <a:pt x="1092915" y="1215412"/>
-                  <a:pt x="1113268" y="1240644"/>
-                  <a:pt x="1142342" y="1222621"/>
-                </a:cubicBezTo>
-                <a:cubicBezTo>
-                  <a:pt x="1156879" y="1157741"/>
-                  <a:pt x="1119082" y="1132510"/>
-                  <a:pt x="1084193" y="1114487"/>
-                </a:cubicBezTo>
-                <a:cubicBezTo>
-                  <a:pt x="1008599" y="1071234"/>
-                  <a:pt x="933005" y="1020771"/>
-                  <a:pt x="848689" y="1006353"/>
-                </a:cubicBezTo>
-                <a:cubicBezTo>
-                  <a:pt x="819615" y="1002748"/>
-                  <a:pt x="802169" y="984726"/>
-                  <a:pt x="805077" y="948681"/>
-                </a:cubicBezTo>
-                <a:cubicBezTo>
-                  <a:pt x="810892" y="901822"/>
-                  <a:pt x="839967" y="916240"/>
-                  <a:pt x="863226" y="919844"/>
-                </a:cubicBezTo>
-                <a:cubicBezTo>
-                  <a:pt x="877764" y="923450"/>
-                  <a:pt x="892301" y="934263"/>
-                  <a:pt x="906838" y="909031"/>
-                </a:cubicBezTo>
-                <a:cubicBezTo>
-                  <a:pt x="566666" y="653113"/>
-                  <a:pt x="386404" y="667532"/>
-                  <a:pt x="5527" y="458471"/>
-                </a:cubicBezTo>
-                <a:cubicBezTo>
-                  <a:pt x="89843" y="418822"/>
-                  <a:pt x="150900" y="447658"/>
-                  <a:pt x="209049" y="454867"/>
-                </a:cubicBezTo>
-                <a:cubicBezTo>
-                  <a:pt x="354422" y="472890"/>
-                  <a:pt x="264290" y="505329"/>
-                  <a:pt x="409664" y="526956"/>
-                </a:cubicBezTo>
-                <a:cubicBezTo>
-                  <a:pt x="479443" y="537770"/>
-                  <a:pt x="543407" y="573815"/>
-                  <a:pt x="621908" y="516143"/>
-                </a:cubicBezTo>
-                <a:cubicBezTo>
-                  <a:pt x="674242" y="476494"/>
-                  <a:pt x="758558" y="519747"/>
-                  <a:pt x="822522" y="552188"/>
-                </a:cubicBezTo>
-                <a:cubicBezTo>
-                  <a:pt x="874856" y="581024"/>
-                  <a:pt x="927190" y="588232"/>
-                  <a:pt x="996969" y="552188"/>
-                </a:cubicBezTo>
-                <a:cubicBezTo>
-                  <a:pt x="933005" y="530562"/>
-                  <a:pt x="883579" y="512539"/>
-                  <a:pt x="834151" y="498120"/>
-                </a:cubicBezTo>
-                <a:cubicBezTo>
-                  <a:pt x="793447" y="487307"/>
-                  <a:pt x="770187" y="462076"/>
-                  <a:pt x="773095" y="408008"/>
-                </a:cubicBezTo>
-                <a:cubicBezTo>
-                  <a:pt x="773095" y="379172"/>
-                  <a:pt x="764373" y="339523"/>
-                  <a:pt x="793447" y="325106"/>
-                </a:cubicBezTo>
-                <a:cubicBezTo>
-                  <a:pt x="816707" y="310688"/>
-                  <a:pt x="848689" y="325106"/>
-                  <a:pt x="860319" y="350336"/>
-                </a:cubicBezTo>
-                <a:cubicBezTo>
-                  <a:pt x="874856" y="397195"/>
-                  <a:pt x="889393" y="440449"/>
-                  <a:pt x="938820" y="444054"/>
-                </a:cubicBezTo>
-                <a:cubicBezTo>
-                  <a:pt x="1005692" y="451262"/>
-                  <a:pt x="967894" y="422426"/>
-                  <a:pt x="956265" y="386381"/>
-                </a:cubicBezTo>
-                <a:cubicBezTo>
-                  <a:pt x="944635" y="346733"/>
-                  <a:pt x="979525" y="335919"/>
-                  <a:pt x="1002784" y="343127"/>
-                </a:cubicBezTo>
-                <a:cubicBezTo>
-                  <a:pt x="1090008" y="375569"/>
-                  <a:pt x="1180139" y="317897"/>
-                  <a:pt x="1270270" y="364755"/>
-                </a:cubicBezTo>
-                <a:cubicBezTo>
-                  <a:pt x="1247011" y="249411"/>
-                  <a:pt x="1197583" y="198949"/>
-                  <a:pt x="1092915" y="180926"/>
-                </a:cubicBezTo>
-                <a:cubicBezTo>
-                  <a:pt x="1055118" y="177322"/>
-                  <a:pt x="1014414" y="184530"/>
-                  <a:pt x="979525" y="152090"/>
-                </a:cubicBezTo>
-                <a:cubicBezTo>
-                  <a:pt x="959172" y="134068"/>
-                  <a:pt x="938820" y="112441"/>
-                  <a:pt x="953358" y="76396"/>
-                </a:cubicBezTo>
-                <a:cubicBezTo>
-                  <a:pt x="962080" y="51165"/>
-                  <a:pt x="985339" y="51165"/>
-                  <a:pt x="1005692" y="58373"/>
-                </a:cubicBezTo>
-                <a:cubicBezTo>
-                  <a:pt x="1090008" y="98023"/>
-                  <a:pt x="1180139" y="108837"/>
-                  <a:pt x="1267362" y="123254"/>
-                </a:cubicBezTo>
-                <a:cubicBezTo>
-                  <a:pt x="1281900" y="126859"/>
-                  <a:pt x="1296437" y="134068"/>
-                  <a:pt x="1310975" y="98023"/>
-                </a:cubicBezTo>
-                <a:cubicBezTo>
-                  <a:pt x="1260095" y="81803"/>
-                  <a:pt x="1209941" y="62879"/>
-                  <a:pt x="1159787" y="43505"/>
-                </a:cubicBezTo>
-                <a:close/>
-              </a:path>
-            </a:pathLst>
-          </a:custGeom>
-        </p:spPr>
-      </p:pic>
-    </p:spTree>
-    <p:extLst>
-      <p:ext uri="{BB962C8B-B14F-4D97-AF65-F5344CB8AC3E}">
-        <p14:creationId xmlns:p14="http://schemas.microsoft.com/office/powerpoint/2010/main" val="3017558102"/>
+        <p14:creationId xmlns:p14="http://schemas.microsoft.com/office/powerpoint/2010/main" val="1553540450"/>
       </p:ext>
     </p:extLst>
   </p:cSld>
@@ -31542,2449 +25122,6 @@
   <p:clrMapOvr>
     <a:masterClrMapping/>
   </p:clrMapOvr>
-</p:sld>
-</file>
-
-<file path=ppt/slides/slide50.xml><?xml version="1.0" encoding="utf-8"?>
-<p:sld xmlns:a="http://schemas.openxmlformats.org/drawingml/2006/main" xmlns:r="http://schemas.openxmlformats.org/officeDocument/2006/relationships" xmlns:p="http://schemas.openxmlformats.org/presentationml/2006/main">
-  <p:cSld>
-    <p:bg>
-      <p:bgPr>
-        <a:solidFill>
-          <a:schemeClr val="bg1"/>
-        </a:solidFill>
-        <a:effectLst/>
-      </p:bgPr>
-    </p:bg>
-    <p:spTree>
-      <p:nvGrpSpPr>
-        <p:cNvPr id="1" name=""/>
-        <p:cNvGrpSpPr/>
-        <p:nvPr/>
-      </p:nvGrpSpPr>
-      <p:grpSpPr>
-        <a:xfrm>
-          <a:off x="0" y="0"/>
-          <a:ext cx="0" cy="0"/>
-          <a:chOff x="0" y="0"/>
-          <a:chExt cx="0" cy="0"/>
-        </a:xfrm>
-      </p:grpSpPr>
-      <p:sp useBgFill="1">
-        <p:nvSpPr>
-          <p:cNvPr id="22" name="Rectangle 21">
-            <a:extLst>
-              <a:ext uri="{FF2B5EF4-FFF2-40B4-BE49-F238E27FC236}">
-                <a16:creationId xmlns:a16="http://schemas.microsoft.com/office/drawing/2014/main" id="{943CAA20-3569-4189-9E48-239A229A86CA}"/>
-              </a:ext>
-              <a:ext uri="{C183D7F6-B498-43B3-948B-1728B52AA6E4}">
-                <adec:decorative xmlns:adec="http://schemas.microsoft.com/office/drawing/2017/decorative" val="1"/>
-              </a:ext>
-            </a:extLst>
-          </p:cNvPr>
-          <p:cNvSpPr>
-            <a:spLocks noGrp="1" noRot="1" noChangeAspect="1" noMove="1" noResize="1" noEditPoints="1" noAdjustHandles="1" noChangeArrowheads="1" noChangeShapeType="1" noTextEdit="1"/>
-          </p:cNvSpPr>
-          <p:nvPr>
-            <p:extLst>
-              <p:ext uri="{386F3935-93C4-4BCD-93E2-E3B085C9AB24}">
-                <p16:designElem xmlns:p16="http://schemas.microsoft.com/office/powerpoint/2015/main" val="1"/>
-              </p:ext>
-            </p:extLst>
-          </p:nvPr>
-        </p:nvSpPr>
-        <p:spPr>
-          <a:xfrm>
-            <a:off x="0" y="0"/>
-            <a:ext cx="12188952" cy="6858000"/>
-          </a:xfrm>
-          <a:prstGeom prst="rect">
-            <a:avLst/>
-          </a:prstGeom>
-          <a:ln>
-            <a:noFill/>
-          </a:ln>
-        </p:spPr>
-        <p:style>
-          <a:lnRef idx="2">
-            <a:schemeClr val="accent1">
-              <a:shade val="50000"/>
-            </a:schemeClr>
-          </a:lnRef>
-          <a:fillRef idx="1">
-            <a:schemeClr val="accent1"/>
-          </a:fillRef>
-          <a:effectRef idx="0">
-            <a:schemeClr val="accent1"/>
-          </a:effectRef>
-          <a:fontRef idx="minor">
-            <a:schemeClr val="lt1"/>
-          </a:fontRef>
-        </p:style>
-        <p:txBody>
-          <a:bodyPr rtlCol="0" anchor="ctr"/>
-          <a:lstStyle/>
-          <a:p>
-            <a:pPr algn="ctr"/>
-            <a:endParaRPr lang="en-US"/>
-          </a:p>
-        </p:txBody>
-      </p:sp>
-      <p:sp>
-        <p:nvSpPr>
-          <p:cNvPr id="2" name="Titel 1">
-            <a:extLst>
-              <a:ext uri="{FF2B5EF4-FFF2-40B4-BE49-F238E27FC236}">
-                <a16:creationId xmlns:a16="http://schemas.microsoft.com/office/drawing/2014/main" id="{2E673D1B-D5F6-9189-C92A-6B3DF726EF3A}"/>
-              </a:ext>
-            </a:extLst>
-          </p:cNvPr>
-          <p:cNvSpPr>
-            <a:spLocks noGrp="1"/>
-          </p:cNvSpPr>
-          <p:nvPr>
-            <p:ph type="title"/>
-          </p:nvPr>
-        </p:nvSpPr>
-        <p:spPr>
-          <a:xfrm>
-            <a:off x="838200" y="451381"/>
-            <a:ext cx="10512552" cy="4066540"/>
-          </a:xfrm>
-        </p:spPr>
-        <p:txBody>
-          <a:bodyPr vert="horz" lIns="91440" tIns="45720" rIns="91440" bIns="45720" rtlCol="0" anchor="b">
-            <a:normAutofit/>
-          </a:bodyPr>
-          <a:lstStyle/>
-          <a:p>
-            <a:r>
-              <a:rPr lang="en-US" sz="6600" kern="1200">
-                <a:solidFill>
-                  <a:schemeClr val="tx1"/>
-                </a:solidFill>
-                <a:latin typeface="+mj-lt"/>
-                <a:ea typeface="+mj-ea"/>
-                <a:cs typeface="+mj-cs"/>
-              </a:rPr>
-              <a:t>Hands On</a:t>
-            </a:r>
-          </a:p>
-        </p:txBody>
-      </p:sp>
-      <p:sp>
-        <p:nvSpPr>
-          <p:cNvPr id="17" name="Inhaltsplatzhalter 2">
-            <a:extLst>
-              <a:ext uri="{FF2B5EF4-FFF2-40B4-BE49-F238E27FC236}">
-                <a16:creationId xmlns:a16="http://schemas.microsoft.com/office/drawing/2014/main" id="{062A5E19-B639-CF3A-D495-61F20D948D3A}"/>
-              </a:ext>
-            </a:extLst>
-          </p:cNvPr>
-          <p:cNvSpPr>
-            <a:spLocks noGrp="1"/>
-          </p:cNvSpPr>
-          <p:nvPr>
-            <p:ph idx="1"/>
-          </p:nvPr>
-        </p:nvSpPr>
-        <p:spPr>
-          <a:xfrm>
-            <a:off x="838199" y="4983276"/>
-            <a:ext cx="10512552" cy="1126680"/>
-          </a:xfrm>
-        </p:spPr>
-        <p:txBody>
-          <a:bodyPr vert="horz" lIns="91440" tIns="45720" rIns="91440" bIns="45720" rtlCol="0">
-            <a:normAutofit/>
-          </a:bodyPr>
-          <a:lstStyle/>
-          <a:p>
-            <a:pPr marL="0" indent="0">
-              <a:buNone/>
-            </a:pPr>
-            <a:r>
-              <a:rPr lang="en-US" sz="2400" kern="1200" dirty="0">
-                <a:solidFill>
-                  <a:schemeClr val="tx1"/>
-                </a:solidFill>
-                <a:latin typeface="+mn-lt"/>
-                <a:ea typeface="+mn-ea"/>
-                <a:cs typeface="+mn-cs"/>
-              </a:rPr>
-              <a:t>ALV IDA</a:t>
-            </a:r>
-          </a:p>
-          <a:p>
-            <a:pPr marL="0" marR="0" lvl="0" indent="0" algn="l" defTabSz="914400" rtl="0" eaLnBrk="1" fontAlgn="auto" latinLnBrk="0" hangingPunct="1">
-              <a:lnSpc>
-                <a:spcPct val="90000"/>
-              </a:lnSpc>
-              <a:spcBef>
-                <a:spcPts val="1000"/>
-              </a:spcBef>
-              <a:spcAft>
-                <a:spcPts val="0"/>
-              </a:spcAft>
-              <a:buClrTx/>
-              <a:buSzTx/>
-              <a:buFont typeface="Arial" panose="020B0604020202020204" pitchFamily="34" charset="0"/>
-              <a:buNone/>
-              <a:tabLst/>
-              <a:defRPr/>
-            </a:pPr>
-            <a:r>
-              <a:rPr kumimoji="0" lang="en-US" sz="1400" b="0" i="0" u="none" strike="noStrike" kern="1200" cap="none" spc="0" normalizeH="0" baseline="0" noProof="0" dirty="0" err="1">
-                <a:ln>
-                  <a:noFill/>
-                </a:ln>
-                <a:solidFill>
-                  <a:prstClr val="black">
-                    <a:tint val="82000"/>
-                  </a:prstClr>
-                </a:solidFill>
-                <a:effectLst/>
-                <a:uLnTx/>
-                <a:uFillTx/>
-                <a:latin typeface="Aptos" panose="02110004020202020204"/>
-                <a:ea typeface="+mn-ea"/>
-                <a:cs typeface="+mn-cs"/>
-              </a:rPr>
-              <a:t>Musterlösung</a:t>
-            </a:r>
-            <a:r>
-              <a:rPr kumimoji="0" lang="en-US" sz="1400" b="0" i="0" u="none" strike="noStrike" kern="1200" cap="none" spc="0" normalizeH="0" baseline="0" noProof="0" dirty="0">
-                <a:ln>
-                  <a:noFill/>
-                </a:ln>
-                <a:solidFill>
-                  <a:prstClr val="black">
-                    <a:tint val="82000"/>
-                  </a:prstClr>
-                </a:solidFill>
-                <a:effectLst/>
-                <a:uLnTx/>
-                <a:uFillTx/>
-                <a:latin typeface="Aptos" panose="02110004020202020204"/>
-                <a:ea typeface="+mn-ea"/>
-                <a:cs typeface="+mn-cs"/>
-              </a:rPr>
-              <a:t> </a:t>
-            </a:r>
-            <a:r>
-              <a:rPr kumimoji="0" lang="en-US" sz="1400" b="0" i="0" u="none" strike="noStrike" kern="1200" cap="none" spc="0" normalizeH="0" baseline="0" noProof="0" dirty="0" err="1">
-                <a:ln>
-                  <a:noFill/>
-                </a:ln>
-                <a:solidFill>
-                  <a:prstClr val="black">
-                    <a:tint val="82000"/>
-                  </a:prstClr>
-                </a:solidFill>
-                <a:effectLst/>
-                <a:uLnTx/>
-                <a:uFillTx/>
-                <a:latin typeface="Aptos" panose="02110004020202020204"/>
-                <a:ea typeface="+mn-ea"/>
-                <a:cs typeface="+mn-cs"/>
-              </a:rPr>
-              <a:t>im</a:t>
-            </a:r>
-            <a:r>
-              <a:rPr kumimoji="0" lang="en-US" sz="1400" b="0" i="0" u="none" strike="noStrike" kern="1200" cap="none" spc="0" normalizeH="0" baseline="0" noProof="0" dirty="0">
-                <a:ln>
-                  <a:noFill/>
-                </a:ln>
-                <a:solidFill>
-                  <a:prstClr val="black">
-                    <a:tint val="82000"/>
-                  </a:prstClr>
-                </a:solidFill>
-                <a:effectLst/>
-                <a:uLnTx/>
-                <a:uFillTx/>
-                <a:latin typeface="Aptos" panose="02110004020202020204"/>
-                <a:ea typeface="+mn-ea"/>
-                <a:cs typeface="+mn-cs"/>
-              </a:rPr>
-              <a:t> GIT </a:t>
-            </a:r>
-            <a:r>
-              <a:rPr kumimoji="0" lang="en-US" sz="1400" b="0" i="0" u="none" strike="noStrike" kern="1200" cap="none" spc="0" normalizeH="0" baseline="0" noProof="0" dirty="0" err="1">
-                <a:ln>
-                  <a:noFill/>
-                </a:ln>
-                <a:solidFill>
-                  <a:prstClr val="black">
-                    <a:tint val="82000"/>
-                  </a:prstClr>
-                </a:solidFill>
-                <a:effectLst/>
-                <a:uLnTx/>
-                <a:uFillTx/>
-                <a:latin typeface="Aptos" panose="02110004020202020204"/>
-                <a:ea typeface="+mn-ea"/>
-                <a:cs typeface="+mn-cs"/>
-              </a:rPr>
-              <a:t>unter</a:t>
-            </a:r>
-            <a:r>
-              <a:rPr kumimoji="0" lang="en-US" sz="1400" b="0" i="0" u="none" strike="noStrike" kern="1200" cap="none" spc="0" normalizeH="0" baseline="0" noProof="0" dirty="0">
-                <a:ln>
-                  <a:noFill/>
-                </a:ln>
-                <a:solidFill>
-                  <a:prstClr val="black">
-                    <a:tint val="82000"/>
-                  </a:prstClr>
-                </a:solidFill>
-                <a:effectLst/>
-                <a:uLnTx/>
-                <a:uFillTx/>
-                <a:latin typeface="Aptos" panose="02110004020202020204"/>
-                <a:ea typeface="+mn-ea"/>
-                <a:cs typeface="+mn-cs"/>
-              </a:rPr>
-              <a:t> </a:t>
-            </a:r>
-            <a:r>
-              <a:rPr kumimoji="0" lang="en-US" sz="1400" b="0" i="0" u="none" strike="noStrike" kern="1200" cap="none" spc="0" normalizeH="0" baseline="0" noProof="0" dirty="0">
-                <a:ln>
-                  <a:noFill/>
-                </a:ln>
-                <a:solidFill>
-                  <a:prstClr val="black">
-                    <a:tint val="82000"/>
-                  </a:prstClr>
-                </a:solidFill>
-                <a:effectLst/>
-                <a:uLnTx/>
-                <a:uFillTx/>
-                <a:latin typeface="Aptos" panose="02110004020202020204"/>
-                <a:ea typeface="+mn-ea"/>
-                <a:cs typeface="+mn-cs"/>
-                <a:hlinkClick r:id="rId2">
-                  <a:extLst>
-                    <a:ext uri="{A12FA001-AC4F-418D-AE19-62706E023703}">
-                      <ahyp:hlinkClr xmlns:ahyp="http://schemas.microsoft.com/office/drawing/2018/hyperlinkcolor" val="tx"/>
-                    </a:ext>
-                  </a:extLst>
-                </a:hlinkClick>
-              </a:rPr>
-              <a:t>Schulung</a:t>
-            </a:r>
-            <a:endParaRPr kumimoji="0" lang="en-US" sz="2400" b="0" i="0" u="none" strike="noStrike" kern="1200" cap="none" spc="0" normalizeH="0" baseline="0" noProof="0" dirty="0">
-              <a:ln>
-                <a:noFill/>
-              </a:ln>
-              <a:solidFill>
-                <a:prstClr val="black"/>
-              </a:solidFill>
-              <a:effectLst/>
-              <a:uLnTx/>
-              <a:uFillTx/>
-              <a:latin typeface="Aptos" panose="02110004020202020204"/>
-              <a:ea typeface="+mn-ea"/>
-              <a:cs typeface="+mn-cs"/>
-            </a:endParaRPr>
-          </a:p>
-          <a:p>
-            <a:pPr marL="0" indent="0">
-              <a:buNone/>
-            </a:pPr>
-            <a:endParaRPr lang="en-US" sz="2400" kern="1200" dirty="0">
-              <a:solidFill>
-                <a:schemeClr val="tx1"/>
-              </a:solidFill>
-              <a:latin typeface="+mn-lt"/>
-              <a:ea typeface="+mn-ea"/>
-              <a:cs typeface="+mn-cs"/>
-            </a:endParaRPr>
-          </a:p>
-        </p:txBody>
-      </p:sp>
-      <p:sp>
-        <p:nvSpPr>
-          <p:cNvPr id="24" name="sketch line">
-            <a:extLst>
-              <a:ext uri="{FF2B5EF4-FFF2-40B4-BE49-F238E27FC236}">
-                <a16:creationId xmlns:a16="http://schemas.microsoft.com/office/drawing/2014/main" id="{DA542B6D-E775-4832-91DC-2D20F857813A}"/>
-              </a:ext>
-              <a:ext uri="{C183D7F6-B498-43B3-948B-1728B52AA6E4}">
-                <adec:decorative xmlns:adec="http://schemas.microsoft.com/office/drawing/2017/decorative" val="1"/>
-              </a:ext>
-            </a:extLst>
-          </p:cNvPr>
-          <p:cNvSpPr>
-            <a:spLocks noGrp="1" noRot="1" noChangeAspect="1" noMove="1" noResize="1" noEditPoints="1" noAdjustHandles="1" noChangeArrowheads="1" noChangeShapeType="1" noTextEdit="1"/>
-          </p:cNvSpPr>
-          <p:nvPr>
-            <p:extLst>
-              <p:ext uri="{386F3935-93C4-4BCD-93E2-E3B085C9AB24}">
-                <p16:designElem xmlns:p16="http://schemas.microsoft.com/office/powerpoint/2015/main" val="1"/>
-              </p:ext>
-            </p:extLst>
-          </p:nvPr>
-        </p:nvSpPr>
-        <p:spPr>
-          <a:xfrm>
-            <a:off x="838200" y="4718595"/>
-            <a:ext cx="5410200" cy="18288"/>
-          </a:xfrm>
-          <a:custGeom>
-            <a:avLst/>
-            <a:gdLst>
-              <a:gd name="connsiteX0" fmla="*/ 0 w 5410200"/>
-              <a:gd name="connsiteY0" fmla="*/ 0 h 18288"/>
-              <a:gd name="connsiteX1" fmla="*/ 568071 w 5410200"/>
-              <a:gd name="connsiteY1" fmla="*/ 0 h 18288"/>
-              <a:gd name="connsiteX2" fmla="*/ 1298448 w 5410200"/>
-              <a:gd name="connsiteY2" fmla="*/ 0 h 18288"/>
-              <a:gd name="connsiteX3" fmla="*/ 1920621 w 5410200"/>
-              <a:gd name="connsiteY3" fmla="*/ 0 h 18288"/>
-              <a:gd name="connsiteX4" fmla="*/ 2488692 w 5410200"/>
-              <a:gd name="connsiteY4" fmla="*/ 0 h 18288"/>
-              <a:gd name="connsiteX5" fmla="*/ 3219069 w 5410200"/>
-              <a:gd name="connsiteY5" fmla="*/ 0 h 18288"/>
-              <a:gd name="connsiteX6" fmla="*/ 3895344 w 5410200"/>
-              <a:gd name="connsiteY6" fmla="*/ 0 h 18288"/>
-              <a:gd name="connsiteX7" fmla="*/ 4571619 w 5410200"/>
-              <a:gd name="connsiteY7" fmla="*/ 0 h 18288"/>
-              <a:gd name="connsiteX8" fmla="*/ 5410200 w 5410200"/>
-              <a:gd name="connsiteY8" fmla="*/ 0 h 18288"/>
-              <a:gd name="connsiteX9" fmla="*/ 5410200 w 5410200"/>
-              <a:gd name="connsiteY9" fmla="*/ 18288 h 18288"/>
-              <a:gd name="connsiteX10" fmla="*/ 4842129 w 5410200"/>
-              <a:gd name="connsiteY10" fmla="*/ 18288 h 18288"/>
-              <a:gd name="connsiteX11" fmla="*/ 4328160 w 5410200"/>
-              <a:gd name="connsiteY11" fmla="*/ 18288 h 18288"/>
-              <a:gd name="connsiteX12" fmla="*/ 3597783 w 5410200"/>
-              <a:gd name="connsiteY12" fmla="*/ 18288 h 18288"/>
-              <a:gd name="connsiteX13" fmla="*/ 3029712 w 5410200"/>
-              <a:gd name="connsiteY13" fmla="*/ 18288 h 18288"/>
-              <a:gd name="connsiteX14" fmla="*/ 2299335 w 5410200"/>
-              <a:gd name="connsiteY14" fmla="*/ 18288 h 18288"/>
-              <a:gd name="connsiteX15" fmla="*/ 1514856 w 5410200"/>
-              <a:gd name="connsiteY15" fmla="*/ 18288 h 18288"/>
-              <a:gd name="connsiteX16" fmla="*/ 892683 w 5410200"/>
-              <a:gd name="connsiteY16" fmla="*/ 18288 h 18288"/>
-              <a:gd name="connsiteX17" fmla="*/ 0 w 5410200"/>
-              <a:gd name="connsiteY17" fmla="*/ 18288 h 18288"/>
-              <a:gd name="connsiteX18" fmla="*/ 0 w 5410200"/>
-              <a:gd name="connsiteY18" fmla="*/ 0 h 18288"/>
-            </a:gdLst>
-            <a:ahLst/>
-            <a:cxnLst>
-              <a:cxn ang="0">
-                <a:pos x="connsiteX0" y="connsiteY0"/>
-              </a:cxn>
-              <a:cxn ang="0">
-                <a:pos x="connsiteX1" y="connsiteY1"/>
-              </a:cxn>
-              <a:cxn ang="0">
-                <a:pos x="connsiteX2" y="connsiteY2"/>
-              </a:cxn>
-              <a:cxn ang="0">
-                <a:pos x="connsiteX3" y="connsiteY3"/>
-              </a:cxn>
-              <a:cxn ang="0">
-                <a:pos x="connsiteX4" y="connsiteY4"/>
-              </a:cxn>
-              <a:cxn ang="0">
-                <a:pos x="connsiteX5" y="connsiteY5"/>
-              </a:cxn>
-              <a:cxn ang="0">
-                <a:pos x="connsiteX6" y="connsiteY6"/>
-              </a:cxn>
-              <a:cxn ang="0">
-                <a:pos x="connsiteX7" y="connsiteY7"/>
-              </a:cxn>
-              <a:cxn ang="0">
-                <a:pos x="connsiteX8" y="connsiteY8"/>
-              </a:cxn>
-              <a:cxn ang="0">
-                <a:pos x="connsiteX9" y="connsiteY9"/>
-              </a:cxn>
-              <a:cxn ang="0">
-                <a:pos x="connsiteX10" y="connsiteY10"/>
-              </a:cxn>
-              <a:cxn ang="0">
-                <a:pos x="connsiteX11" y="connsiteY11"/>
-              </a:cxn>
-              <a:cxn ang="0">
-                <a:pos x="connsiteX12" y="connsiteY12"/>
-              </a:cxn>
-              <a:cxn ang="0">
-                <a:pos x="connsiteX13" y="connsiteY13"/>
-              </a:cxn>
-              <a:cxn ang="0">
-                <a:pos x="connsiteX14" y="connsiteY14"/>
-              </a:cxn>
-              <a:cxn ang="0">
-                <a:pos x="connsiteX15" y="connsiteY15"/>
-              </a:cxn>
-              <a:cxn ang="0">
-                <a:pos x="connsiteX16" y="connsiteY16"/>
-              </a:cxn>
-              <a:cxn ang="0">
-                <a:pos x="connsiteX17" y="connsiteY17"/>
-              </a:cxn>
-              <a:cxn ang="0">
-                <a:pos x="connsiteX18" y="connsiteY18"/>
-              </a:cxn>
-            </a:cxnLst>
-            <a:rect l="l" t="t" r="r" b="b"/>
-            <a:pathLst>
-              <a:path w="5410200" h="18288" fill="none" extrusionOk="0">
-                <a:moveTo>
-                  <a:pt x="0" y="0"/>
-                </a:moveTo>
-                <a:cubicBezTo>
-                  <a:pt x="163050" y="-18707"/>
-                  <a:pt x="319321" y="-16364"/>
-                  <a:pt x="568071" y="0"/>
-                </a:cubicBezTo>
-                <a:cubicBezTo>
-                  <a:pt x="816821" y="16364"/>
-                  <a:pt x="1013224" y="-7268"/>
-                  <a:pt x="1298448" y="0"/>
-                </a:cubicBezTo>
-                <a:cubicBezTo>
-                  <a:pt x="1583672" y="7268"/>
-                  <a:pt x="1631711" y="-3367"/>
-                  <a:pt x="1920621" y="0"/>
-                </a:cubicBezTo>
-                <a:cubicBezTo>
-                  <a:pt x="2209531" y="3367"/>
-                  <a:pt x="2364420" y="-19184"/>
-                  <a:pt x="2488692" y="0"/>
-                </a:cubicBezTo>
-                <a:cubicBezTo>
-                  <a:pt x="2612964" y="19184"/>
-                  <a:pt x="3023298" y="-34627"/>
-                  <a:pt x="3219069" y="0"/>
-                </a:cubicBezTo>
-                <a:cubicBezTo>
-                  <a:pt x="3414840" y="34627"/>
-                  <a:pt x="3656810" y="24043"/>
-                  <a:pt x="3895344" y="0"/>
-                </a:cubicBezTo>
-                <a:cubicBezTo>
-                  <a:pt x="4133879" y="-24043"/>
-                  <a:pt x="4393984" y="-19577"/>
-                  <a:pt x="4571619" y="0"/>
-                </a:cubicBezTo>
-                <a:cubicBezTo>
-                  <a:pt x="4749255" y="19577"/>
-                  <a:pt x="5179928" y="-6281"/>
-                  <a:pt x="5410200" y="0"/>
-                </a:cubicBezTo>
-                <a:cubicBezTo>
-                  <a:pt x="5410730" y="6954"/>
-                  <a:pt x="5410934" y="12839"/>
-                  <a:pt x="5410200" y="18288"/>
-                </a:cubicBezTo>
-                <a:cubicBezTo>
-                  <a:pt x="5139060" y="6751"/>
-                  <a:pt x="5121593" y="31035"/>
-                  <a:pt x="4842129" y="18288"/>
-                </a:cubicBezTo>
-                <a:cubicBezTo>
-                  <a:pt x="4562665" y="5541"/>
-                  <a:pt x="4448273" y="9487"/>
-                  <a:pt x="4328160" y="18288"/>
-                </a:cubicBezTo>
-                <a:cubicBezTo>
-                  <a:pt x="4208047" y="27089"/>
-                  <a:pt x="3760936" y="22567"/>
-                  <a:pt x="3597783" y="18288"/>
-                </a:cubicBezTo>
-                <a:cubicBezTo>
-                  <a:pt x="3434630" y="14009"/>
-                  <a:pt x="3299718" y="33213"/>
-                  <a:pt x="3029712" y="18288"/>
-                </a:cubicBezTo>
-                <a:cubicBezTo>
-                  <a:pt x="2759706" y="3363"/>
-                  <a:pt x="2640159" y="27394"/>
-                  <a:pt x="2299335" y="18288"/>
-                </a:cubicBezTo>
-                <a:cubicBezTo>
-                  <a:pt x="1958511" y="9182"/>
-                  <a:pt x="1801186" y="28985"/>
-                  <a:pt x="1514856" y="18288"/>
-                </a:cubicBezTo>
-                <a:cubicBezTo>
-                  <a:pt x="1228526" y="7591"/>
-                  <a:pt x="1063509" y="-5305"/>
-                  <a:pt x="892683" y="18288"/>
-                </a:cubicBezTo>
-                <a:cubicBezTo>
-                  <a:pt x="721857" y="41881"/>
-                  <a:pt x="186945" y="-20897"/>
-                  <a:pt x="0" y="18288"/>
-                </a:cubicBezTo>
-                <a:cubicBezTo>
-                  <a:pt x="-570" y="9279"/>
-                  <a:pt x="132" y="5100"/>
-                  <a:pt x="0" y="0"/>
-                </a:cubicBezTo>
-                <a:close/>
-              </a:path>
-              <a:path w="5410200" h="18288" stroke="0" extrusionOk="0">
-                <a:moveTo>
-                  <a:pt x="0" y="0"/>
-                </a:moveTo>
-                <a:cubicBezTo>
-                  <a:pt x="285096" y="-4925"/>
-                  <a:pt x="376456" y="22268"/>
-                  <a:pt x="622173" y="0"/>
-                </a:cubicBezTo>
-                <a:cubicBezTo>
-                  <a:pt x="867890" y="-22268"/>
-                  <a:pt x="1031392" y="7228"/>
-                  <a:pt x="1136142" y="0"/>
-                </a:cubicBezTo>
-                <a:cubicBezTo>
-                  <a:pt x="1240892" y="-7228"/>
-                  <a:pt x="1561853" y="9877"/>
-                  <a:pt x="1920621" y="0"/>
-                </a:cubicBezTo>
-                <a:cubicBezTo>
-                  <a:pt x="2279389" y="-9877"/>
-                  <a:pt x="2367255" y="19546"/>
-                  <a:pt x="2542794" y="0"/>
-                </a:cubicBezTo>
-                <a:cubicBezTo>
-                  <a:pt x="2718333" y="-19546"/>
-                  <a:pt x="2866732" y="-22226"/>
-                  <a:pt x="3164967" y="0"/>
-                </a:cubicBezTo>
-                <a:cubicBezTo>
-                  <a:pt x="3463202" y="22226"/>
-                  <a:pt x="3568055" y="-2765"/>
-                  <a:pt x="3949446" y="0"/>
-                </a:cubicBezTo>
-                <a:cubicBezTo>
-                  <a:pt x="4330837" y="2765"/>
-                  <a:pt x="4287895" y="10557"/>
-                  <a:pt x="4517517" y="0"/>
-                </a:cubicBezTo>
-                <a:cubicBezTo>
-                  <a:pt x="4747139" y="-10557"/>
-                  <a:pt x="5149588" y="8716"/>
-                  <a:pt x="5410200" y="0"/>
-                </a:cubicBezTo>
-                <a:cubicBezTo>
-                  <a:pt x="5409517" y="5414"/>
-                  <a:pt x="5409480" y="12510"/>
-                  <a:pt x="5410200" y="18288"/>
-                </a:cubicBezTo>
-                <a:cubicBezTo>
-                  <a:pt x="5163327" y="41494"/>
-                  <a:pt x="5008749" y="10693"/>
-                  <a:pt x="4842129" y="18288"/>
-                </a:cubicBezTo>
-                <a:cubicBezTo>
-                  <a:pt x="4675509" y="25883"/>
-                  <a:pt x="4433401" y="-615"/>
-                  <a:pt x="4165854" y="18288"/>
-                </a:cubicBezTo>
-                <a:cubicBezTo>
-                  <a:pt x="3898308" y="37191"/>
-                  <a:pt x="3809032" y="-8710"/>
-                  <a:pt x="3543681" y="18288"/>
-                </a:cubicBezTo>
-                <a:cubicBezTo>
-                  <a:pt x="3278330" y="45286"/>
-                  <a:pt x="3073876" y="-15917"/>
-                  <a:pt x="2759202" y="18288"/>
-                </a:cubicBezTo>
-                <a:cubicBezTo>
-                  <a:pt x="2444528" y="52493"/>
-                  <a:pt x="2204144" y="3372"/>
-                  <a:pt x="1974723" y="18288"/>
-                </a:cubicBezTo>
-                <a:cubicBezTo>
-                  <a:pt x="1745302" y="33204"/>
-                  <a:pt x="1602335" y="31490"/>
-                  <a:pt x="1406652" y="18288"/>
-                </a:cubicBezTo>
-                <a:cubicBezTo>
-                  <a:pt x="1210969" y="5086"/>
-                  <a:pt x="923948" y="3161"/>
-                  <a:pt x="730377" y="18288"/>
-                </a:cubicBezTo>
-                <a:cubicBezTo>
-                  <a:pt x="536806" y="33415"/>
-                  <a:pt x="336496" y="-141"/>
-                  <a:pt x="0" y="18288"/>
-                </a:cubicBezTo>
-                <a:cubicBezTo>
-                  <a:pt x="-306" y="11061"/>
-                  <a:pt x="-655" y="7751"/>
-                  <a:pt x="0" y="0"/>
-                </a:cubicBezTo>
-                <a:close/>
-              </a:path>
-            </a:pathLst>
-          </a:custGeom>
-          <a:solidFill>
-            <a:schemeClr val="accent2"/>
-          </a:solidFill>
-          <a:ln w="41275" cap="rnd">
-            <a:solidFill>
-              <a:schemeClr val="accent2"/>
-            </a:solidFill>
-            <a:round/>
-            <a:extLst>
-              <a:ext uri="{C807C97D-BFC1-408E-A445-0C87EB9F89A2}">
-                <ask:lineSketchStyleProps xmlns:ask="http://schemas.microsoft.com/office/drawing/2018/sketchyshapes" sd="1219033472">
-                  <a:prstGeom prst="rect">
-                    <a:avLst/>
-                  </a:prstGeom>
-                  <ask:type>
-                    <ask:lineSketchFreehand/>
-                  </ask:type>
-                </ask:lineSketchStyleProps>
-              </a:ext>
-            </a:extLst>
-          </a:ln>
-        </p:spPr>
-        <p:style>
-          <a:lnRef idx="2">
-            <a:schemeClr val="accent1">
-              <a:shade val="50000"/>
-            </a:schemeClr>
-          </a:lnRef>
-          <a:fillRef idx="1">
-            <a:schemeClr val="accent1"/>
-          </a:fillRef>
-          <a:effectRef idx="0">
-            <a:schemeClr val="accent1"/>
-          </a:effectRef>
-          <a:fontRef idx="minor">
-            <a:schemeClr val="lt1"/>
-          </a:fontRef>
-        </p:style>
-        <p:txBody>
-          <a:bodyPr rtlCol="0" anchor="ctr"/>
-          <a:lstStyle/>
-          <a:p>
-            <a:pPr algn="ctr"/>
-            <a:endParaRPr lang="en-US"/>
-          </a:p>
-        </p:txBody>
-      </p:sp>
-    </p:spTree>
-    <p:extLst>
-      <p:ext uri="{BB962C8B-B14F-4D97-AF65-F5344CB8AC3E}">
-        <p14:creationId xmlns:p14="http://schemas.microsoft.com/office/powerpoint/2010/main" val="3480655812"/>
-      </p:ext>
-    </p:extLst>
-  </p:cSld>
-  <p:clrMapOvr>
-    <a:masterClrMapping/>
-  </p:clrMapOvr>
-  <p:timing>
-    <p:tnLst>
-      <p:par>
-        <p:cTn id="1" dur="indefinite" restart="never" nodeType="tmRoot">
-          <p:childTnLst>
-            <p:seq concurrent="1" nextAc="seek">
-              <p:cTn id="2" dur="indefinite" nodeType="mainSeq">
-                <p:childTnLst>
-                  <p:par>
-                    <p:cTn id="3" fill="hold">
-                      <p:stCondLst>
-                        <p:cond delay="indefinite"/>
-                        <p:cond evt="onBegin" delay="0">
-                          <p:tn val="2"/>
-                        </p:cond>
-                      </p:stCondLst>
-                      <p:childTnLst>
-                        <p:par>
-                          <p:cTn id="4" fill="hold">
-                            <p:stCondLst>
-                              <p:cond delay="0"/>
-                            </p:stCondLst>
-                            <p:childTnLst>
-                              <p:par>
-                                <p:cTn id="5" presetID="10" presetClass="entr" presetSubtype="0" fill="hold" grpId="0" nodeType="withEffect">
-                                  <p:stCondLst>
-                                    <p:cond delay="500"/>
-                                  </p:stCondLst>
-                                  <p:iterate type="wd">
-                                    <p:tmPct val="15000"/>
-                                  </p:iterate>
-                                  <p:childTnLst>
-                                    <p:set>
-                                      <p:cBhvr>
-                                        <p:cTn id="6" dur="1" fill="hold">
-                                          <p:stCondLst>
-                                            <p:cond delay="0"/>
-                                          </p:stCondLst>
-                                        </p:cTn>
-                                        <p:tgtEl>
-                                          <p:spTgt spid="2"/>
-                                        </p:tgtEl>
-                                        <p:attrNameLst>
-                                          <p:attrName>style.visibility</p:attrName>
-                                        </p:attrNameLst>
-                                      </p:cBhvr>
-                                      <p:to>
-                                        <p:strVal val="visible"/>
-                                      </p:to>
-                                    </p:set>
-                                    <p:animEffect transition="in" filter="fade">
-                                      <p:cBhvr>
-                                        <p:cTn id="7" dur="1000"/>
-                                        <p:tgtEl>
-                                          <p:spTgt spid="2"/>
-                                        </p:tgtEl>
-                                      </p:cBhvr>
-                                    </p:animEffect>
-                                  </p:childTnLst>
-                                </p:cTn>
-                              </p:par>
-                            </p:childTnLst>
-                          </p:cTn>
-                        </p:par>
-                      </p:childTnLst>
-                    </p:cTn>
-                  </p:par>
-                </p:childTnLst>
-              </p:cTn>
-              <p:prevCondLst>
-                <p:cond evt="onPrev" delay="0">
-                  <p:tgtEl>
-                    <p:sldTgt/>
-                  </p:tgtEl>
-                </p:cond>
-              </p:prevCondLst>
-              <p:nextCondLst>
-                <p:cond evt="onNext" delay="0">
-                  <p:tgtEl>
-                    <p:sldTgt/>
-                  </p:tgtEl>
-                </p:cond>
-              </p:nextCondLst>
-            </p:seq>
-          </p:childTnLst>
-        </p:cTn>
-      </p:par>
-    </p:tnLst>
-    <p:bldLst>
-      <p:bldP spid="2" grpId="0"/>
-    </p:bldLst>
-  </p:timing>
-</p:sld>
-</file>
-
-<file path=ppt/slides/slide51.xml><?xml version="1.0" encoding="utf-8"?>
-<p:sld xmlns:a="http://schemas.openxmlformats.org/drawingml/2006/main" xmlns:r="http://schemas.openxmlformats.org/officeDocument/2006/relationships" xmlns:p="http://schemas.openxmlformats.org/presentationml/2006/main">
-  <p:cSld>
-    <p:bg>
-      <p:bgPr>
-        <a:solidFill>
-          <a:schemeClr val="bg1"/>
-        </a:solidFill>
-        <a:effectLst/>
-      </p:bgPr>
-    </p:bg>
-    <p:spTree>
-      <p:nvGrpSpPr>
-        <p:cNvPr id="1" name=""/>
-        <p:cNvGrpSpPr/>
-        <p:nvPr/>
-      </p:nvGrpSpPr>
-      <p:grpSpPr>
-        <a:xfrm>
-          <a:off x="0" y="0"/>
-          <a:ext cx="0" cy="0"/>
-          <a:chOff x="0" y="0"/>
-          <a:chExt cx="0" cy="0"/>
-        </a:xfrm>
-      </p:grpSpPr>
-      <p:sp useBgFill="1">
-        <p:nvSpPr>
-          <p:cNvPr id="28" name="Rectangle 8">
-            <a:extLst>
-              <a:ext uri="{FF2B5EF4-FFF2-40B4-BE49-F238E27FC236}">
-                <a16:creationId xmlns:a16="http://schemas.microsoft.com/office/drawing/2014/main" id="{2C61293E-6EBE-43EF-A52C-9BEBFD7679D4}"/>
-              </a:ext>
-              <a:ext uri="{C183D7F6-B498-43B3-948B-1728B52AA6E4}">
-                <adec:decorative xmlns:adec="http://schemas.microsoft.com/office/drawing/2017/decorative" val="1"/>
-              </a:ext>
-            </a:extLst>
-          </p:cNvPr>
-          <p:cNvSpPr>
-            <a:spLocks noGrp="1" noRot="1" noChangeAspect="1" noMove="1" noResize="1" noEditPoints="1" noAdjustHandles="1" noChangeArrowheads="1" noChangeShapeType="1" noTextEdit="1"/>
-          </p:cNvSpPr>
-          <p:nvPr>
-            <p:extLst>
-              <p:ext uri="{386F3935-93C4-4BCD-93E2-E3B085C9AB24}">
-                <p16:designElem xmlns:p16="http://schemas.microsoft.com/office/powerpoint/2015/main" val="1"/>
-              </p:ext>
-            </p:extLst>
-          </p:nvPr>
-        </p:nvSpPr>
-        <p:spPr>
-          <a:xfrm>
-            <a:off x="0" y="0"/>
-            <a:ext cx="12188952" cy="6858000"/>
-          </a:xfrm>
-          <a:prstGeom prst="rect">
-            <a:avLst/>
-          </a:prstGeom>
-          <a:ln>
-            <a:noFill/>
-          </a:ln>
-        </p:spPr>
-        <p:style>
-          <a:lnRef idx="2">
-            <a:schemeClr val="accent1">
-              <a:shade val="50000"/>
-            </a:schemeClr>
-          </a:lnRef>
-          <a:fillRef idx="1">
-            <a:schemeClr val="accent1"/>
-          </a:fillRef>
-          <a:effectRef idx="0">
-            <a:schemeClr val="accent1"/>
-          </a:effectRef>
-          <a:fontRef idx="minor">
-            <a:schemeClr val="lt1"/>
-          </a:fontRef>
-        </p:style>
-        <p:txBody>
-          <a:bodyPr rtlCol="0" anchor="ctr"/>
-          <a:lstStyle/>
-          <a:p>
-            <a:pPr algn="ctr"/>
-            <a:endParaRPr lang="en-US"/>
-          </a:p>
-        </p:txBody>
-      </p:sp>
-      <p:sp>
-        <p:nvSpPr>
-          <p:cNvPr id="2" name="Titel 1">
-            <a:extLst>
-              <a:ext uri="{FF2B5EF4-FFF2-40B4-BE49-F238E27FC236}">
-                <a16:creationId xmlns:a16="http://schemas.microsoft.com/office/drawing/2014/main" id="{C03F4134-20AE-1F72-11CF-0FD87982583D}"/>
-              </a:ext>
-            </a:extLst>
-          </p:cNvPr>
-          <p:cNvSpPr>
-            <a:spLocks noGrp="1"/>
-          </p:cNvSpPr>
-          <p:nvPr>
-            <p:ph type="title"/>
-          </p:nvPr>
-        </p:nvSpPr>
-        <p:spPr>
-          <a:xfrm>
-            <a:off x="5297762" y="329184"/>
-            <a:ext cx="6251110" cy="1783080"/>
-          </a:xfrm>
-        </p:spPr>
-        <p:txBody>
-          <a:bodyPr anchor="b">
-            <a:normAutofit/>
-          </a:bodyPr>
-          <a:lstStyle/>
-          <a:p>
-            <a:r>
-              <a:rPr lang="de-DE" sz="5400"/>
-              <a:t>OData</a:t>
-            </a:r>
-          </a:p>
-        </p:txBody>
-      </p:sp>
-      <p:pic>
-        <p:nvPicPr>
-          <p:cNvPr id="29" name="Picture 4" descr="Ausrufezeichen vor gelbem Hintergrund">
-            <a:extLst>
-              <a:ext uri="{FF2B5EF4-FFF2-40B4-BE49-F238E27FC236}">
-                <a16:creationId xmlns:a16="http://schemas.microsoft.com/office/drawing/2014/main" id="{420FE617-BA4F-B1E5-0F3C-39441865D264}"/>
-              </a:ext>
-            </a:extLst>
-          </p:cNvPr>
-          <p:cNvPicPr>
-            <a:picLocks noChangeAspect="1"/>
-          </p:cNvPicPr>
-          <p:nvPr/>
-        </p:nvPicPr>
-        <p:blipFill rotWithShape="1">
-          <a:blip r:embed="rId3"/>
-          <a:srcRect l="30992" r="18075"/>
-          <a:stretch/>
-        </p:blipFill>
-        <p:spPr>
-          <a:xfrm>
-            <a:off x="1" y="10"/>
-            <a:ext cx="4657344" cy="6857990"/>
-          </a:xfrm>
-          <a:custGeom>
-            <a:avLst/>
-            <a:gdLst/>
-            <a:ahLst/>
-            <a:cxnLst/>
-            <a:rect l="l" t="t" r="r" b="b"/>
-            <a:pathLst>
-              <a:path w="4657344" h="6858000">
-                <a:moveTo>
-                  <a:pt x="0" y="0"/>
-                </a:moveTo>
-                <a:lnTo>
-                  <a:pt x="3429755" y="0"/>
-                </a:lnTo>
-                <a:lnTo>
-                  <a:pt x="3526016" y="148742"/>
-                </a:lnTo>
-                <a:cubicBezTo>
-                  <a:pt x="3657740" y="365513"/>
-                  <a:pt x="3777402" y="589569"/>
-                  <a:pt x="3886489" y="819975"/>
-                </a:cubicBezTo>
-                <a:cubicBezTo>
-                  <a:pt x="3891856" y="833492"/>
-                  <a:pt x="3900663" y="845393"/>
-                  <a:pt x="3912049" y="854514"/>
-                </a:cubicBezTo>
-                <a:cubicBezTo>
-                  <a:pt x="3897352" y="819849"/>
-                  <a:pt x="3883037" y="784928"/>
-                  <a:pt x="3868083" y="750263"/>
-                </a:cubicBezTo>
-                <a:cubicBezTo>
-                  <a:pt x="3806989" y="608712"/>
-                  <a:pt x="3742478" y="469145"/>
-                  <a:pt x="3674155" y="331786"/>
-                </a:cubicBezTo>
-                <a:lnTo>
-                  <a:pt x="3496656" y="0"/>
-                </a:lnTo>
-                <a:lnTo>
-                  <a:pt x="3554371" y="0"/>
-                </a:lnTo>
-                <a:lnTo>
-                  <a:pt x="3661621" y="196614"/>
-                </a:lnTo>
-                <a:cubicBezTo>
-                  <a:pt x="3856899" y="573253"/>
-                  <a:pt x="4021071" y="966066"/>
-                  <a:pt x="4161279" y="1371196"/>
-                </a:cubicBezTo>
-                <a:cubicBezTo>
-                  <a:pt x="4379525" y="2007265"/>
-                  <a:pt x="4530141" y="2664286"/>
-                  <a:pt x="4610660" y="3331516"/>
-                </a:cubicBezTo>
-                <a:cubicBezTo>
-                  <a:pt x="4652837" y="3672965"/>
-                  <a:pt x="4671625" y="4013908"/>
-                  <a:pt x="4645040" y="4357388"/>
-                </a:cubicBezTo>
-                <a:cubicBezTo>
-                  <a:pt x="4613599" y="4758899"/>
-                  <a:pt x="4566181" y="5157998"/>
-                  <a:pt x="4485789" y="5552906"/>
-                </a:cubicBezTo>
-                <a:cubicBezTo>
-                  <a:pt x="4397121" y="5988893"/>
-                  <a:pt x="4276748" y="6414594"/>
-                  <a:pt x="4117769" y="6828295"/>
-                </a:cubicBezTo>
-                <a:lnTo>
-                  <a:pt x="4105288" y="6858000"/>
-                </a:lnTo>
-                <a:lnTo>
-                  <a:pt x="4052520" y="6858000"/>
-                </a:lnTo>
-                <a:lnTo>
-                  <a:pt x="4059369" y="6841549"/>
-                </a:lnTo>
-                <a:cubicBezTo>
-                  <a:pt x="4147276" y="6614016"/>
-                  <a:pt x="4224193" y="6380817"/>
-                  <a:pt x="4291518" y="6142729"/>
-                </a:cubicBezTo>
-                <a:cubicBezTo>
-                  <a:pt x="4350055" y="5935370"/>
-                  <a:pt x="4393256" y="5723695"/>
-                  <a:pt x="4443357" y="5513923"/>
-                </a:cubicBezTo>
-                <a:cubicBezTo>
-                  <a:pt x="4444541" y="5502788"/>
-                  <a:pt x="4445137" y="5491601"/>
-                  <a:pt x="4445146" y="5480401"/>
-                </a:cubicBezTo>
-                <a:cubicBezTo>
-                  <a:pt x="4408465" y="5607635"/>
-                  <a:pt x="4379196" y="5719759"/>
-                  <a:pt x="4344559" y="5830359"/>
-                </a:cubicBezTo>
-                <a:cubicBezTo>
-                  <a:pt x="4254261" y="6118381"/>
-                  <a:pt x="4150112" y="6398531"/>
-                  <a:pt x="4031702" y="6670527"/>
-                </a:cubicBezTo>
-                <a:lnTo>
-                  <a:pt x="3943824" y="6858000"/>
-                </a:lnTo>
-                <a:lnTo>
-                  <a:pt x="0" y="6858000"/>
-                </a:lnTo>
-                <a:close/>
-              </a:path>
-            </a:pathLst>
-          </a:custGeom>
-        </p:spPr>
-      </p:pic>
-      <p:sp>
-        <p:nvSpPr>
-          <p:cNvPr id="30" name="sketchy line">
-            <a:extLst>
-              <a:ext uri="{FF2B5EF4-FFF2-40B4-BE49-F238E27FC236}">
-                <a16:creationId xmlns:a16="http://schemas.microsoft.com/office/drawing/2014/main" id="{21540236-BFD5-4A9D-8840-4703E7F76825}"/>
-              </a:ext>
-              <a:ext uri="{C183D7F6-B498-43B3-948B-1728B52AA6E4}">
-                <adec:decorative xmlns:adec="http://schemas.microsoft.com/office/drawing/2017/decorative" val="1"/>
-              </a:ext>
-            </a:extLst>
-          </p:cNvPr>
-          <p:cNvSpPr>
-            <a:spLocks noGrp="1" noRot="1" noChangeAspect="1" noMove="1" noResize="1" noEditPoints="1" noAdjustHandles="1" noChangeArrowheads="1" noChangeShapeType="1" noTextEdit="1"/>
-          </p:cNvSpPr>
-          <p:nvPr>
-            <p:extLst>
-              <p:ext uri="{386F3935-93C4-4BCD-93E2-E3B085C9AB24}">
-                <p16:designElem xmlns:p16="http://schemas.microsoft.com/office/powerpoint/2015/main" val="1"/>
-              </p:ext>
-            </p:extLst>
-          </p:nvPr>
-        </p:nvSpPr>
-        <p:spPr>
-          <a:xfrm>
-            <a:off x="5297762" y="2374947"/>
-            <a:ext cx="4243589" cy="18288"/>
-          </a:xfrm>
-          <a:custGeom>
-            <a:avLst/>
-            <a:gdLst>
-              <a:gd name="connsiteX0" fmla="*/ 0 w 4243589"/>
-              <a:gd name="connsiteY0" fmla="*/ 0 h 18288"/>
-              <a:gd name="connsiteX1" fmla="*/ 478919 w 4243589"/>
-              <a:gd name="connsiteY1" fmla="*/ 0 h 18288"/>
-              <a:gd name="connsiteX2" fmla="*/ 957839 w 4243589"/>
-              <a:gd name="connsiteY2" fmla="*/ 0 h 18288"/>
-              <a:gd name="connsiteX3" fmla="*/ 1521630 w 4243589"/>
-              <a:gd name="connsiteY3" fmla="*/ 0 h 18288"/>
-              <a:gd name="connsiteX4" fmla="*/ 2212729 w 4243589"/>
-              <a:gd name="connsiteY4" fmla="*/ 0 h 18288"/>
-              <a:gd name="connsiteX5" fmla="*/ 2734084 w 4243589"/>
-              <a:gd name="connsiteY5" fmla="*/ 0 h 18288"/>
-              <a:gd name="connsiteX6" fmla="*/ 3255439 w 4243589"/>
-              <a:gd name="connsiteY6" fmla="*/ 0 h 18288"/>
-              <a:gd name="connsiteX7" fmla="*/ 4243589 w 4243589"/>
-              <a:gd name="connsiteY7" fmla="*/ 0 h 18288"/>
-              <a:gd name="connsiteX8" fmla="*/ 4243589 w 4243589"/>
-              <a:gd name="connsiteY8" fmla="*/ 18288 h 18288"/>
-              <a:gd name="connsiteX9" fmla="*/ 3594926 w 4243589"/>
-              <a:gd name="connsiteY9" fmla="*/ 18288 h 18288"/>
-              <a:gd name="connsiteX10" fmla="*/ 3073571 w 4243589"/>
-              <a:gd name="connsiteY10" fmla="*/ 18288 h 18288"/>
-              <a:gd name="connsiteX11" fmla="*/ 2552216 w 4243589"/>
-              <a:gd name="connsiteY11" fmla="*/ 18288 h 18288"/>
-              <a:gd name="connsiteX12" fmla="*/ 1903553 w 4243589"/>
-              <a:gd name="connsiteY12" fmla="*/ 18288 h 18288"/>
-              <a:gd name="connsiteX13" fmla="*/ 1212454 w 4243589"/>
-              <a:gd name="connsiteY13" fmla="*/ 18288 h 18288"/>
-              <a:gd name="connsiteX14" fmla="*/ 733535 w 4243589"/>
-              <a:gd name="connsiteY14" fmla="*/ 18288 h 18288"/>
-              <a:gd name="connsiteX15" fmla="*/ 0 w 4243589"/>
-              <a:gd name="connsiteY15" fmla="*/ 18288 h 18288"/>
-              <a:gd name="connsiteX16" fmla="*/ 0 w 4243589"/>
-              <a:gd name="connsiteY16" fmla="*/ 0 h 18288"/>
-            </a:gdLst>
-            <a:ahLst/>
-            <a:cxnLst>
-              <a:cxn ang="0">
-                <a:pos x="connsiteX0" y="connsiteY0"/>
-              </a:cxn>
-              <a:cxn ang="0">
-                <a:pos x="connsiteX1" y="connsiteY1"/>
-              </a:cxn>
-              <a:cxn ang="0">
-                <a:pos x="connsiteX2" y="connsiteY2"/>
-              </a:cxn>
-              <a:cxn ang="0">
-                <a:pos x="connsiteX3" y="connsiteY3"/>
-              </a:cxn>
-              <a:cxn ang="0">
-                <a:pos x="connsiteX4" y="connsiteY4"/>
-              </a:cxn>
-              <a:cxn ang="0">
-                <a:pos x="connsiteX5" y="connsiteY5"/>
-              </a:cxn>
-              <a:cxn ang="0">
-                <a:pos x="connsiteX6" y="connsiteY6"/>
-              </a:cxn>
-              <a:cxn ang="0">
-                <a:pos x="connsiteX7" y="connsiteY7"/>
-              </a:cxn>
-              <a:cxn ang="0">
-                <a:pos x="connsiteX8" y="connsiteY8"/>
-              </a:cxn>
-              <a:cxn ang="0">
-                <a:pos x="connsiteX9" y="connsiteY9"/>
-              </a:cxn>
-              <a:cxn ang="0">
-                <a:pos x="connsiteX10" y="connsiteY10"/>
-              </a:cxn>
-              <a:cxn ang="0">
-                <a:pos x="connsiteX11" y="connsiteY11"/>
-              </a:cxn>
-              <a:cxn ang="0">
-                <a:pos x="connsiteX12" y="connsiteY12"/>
-              </a:cxn>
-              <a:cxn ang="0">
-                <a:pos x="connsiteX13" y="connsiteY13"/>
-              </a:cxn>
-              <a:cxn ang="0">
-                <a:pos x="connsiteX14" y="connsiteY14"/>
-              </a:cxn>
-              <a:cxn ang="0">
-                <a:pos x="connsiteX15" y="connsiteY15"/>
-              </a:cxn>
-              <a:cxn ang="0">
-                <a:pos x="connsiteX16" y="connsiteY16"/>
-              </a:cxn>
-            </a:cxnLst>
-            <a:rect l="l" t="t" r="r" b="b"/>
-            <a:pathLst>
-              <a:path w="4243589" h="18288" fill="none" extrusionOk="0">
-                <a:moveTo>
-                  <a:pt x="0" y="0"/>
-                </a:moveTo>
-                <a:cubicBezTo>
-                  <a:pt x="213395" y="-21006"/>
-                  <a:pt x="307421" y="-18116"/>
-                  <a:pt x="478919" y="0"/>
-                </a:cubicBezTo>
-                <a:cubicBezTo>
-                  <a:pt x="650417" y="18116"/>
-                  <a:pt x="831092" y="-21237"/>
-                  <a:pt x="957839" y="0"/>
-                </a:cubicBezTo>
-                <a:cubicBezTo>
-                  <a:pt x="1084586" y="21237"/>
-                  <a:pt x="1301682" y="25124"/>
-                  <a:pt x="1521630" y="0"/>
-                </a:cubicBezTo>
-                <a:cubicBezTo>
-                  <a:pt x="1741578" y="-25124"/>
-                  <a:pt x="1970269" y="-29139"/>
-                  <a:pt x="2212729" y="0"/>
-                </a:cubicBezTo>
-                <a:cubicBezTo>
-                  <a:pt x="2455189" y="29139"/>
-                  <a:pt x="2558847" y="-4796"/>
-                  <a:pt x="2734084" y="0"/>
-                </a:cubicBezTo>
-                <a:cubicBezTo>
-                  <a:pt x="2909321" y="4796"/>
-                  <a:pt x="3097217" y="-13409"/>
-                  <a:pt x="3255439" y="0"/>
-                </a:cubicBezTo>
-                <a:cubicBezTo>
-                  <a:pt x="3413662" y="13409"/>
-                  <a:pt x="3979999" y="-10121"/>
-                  <a:pt x="4243589" y="0"/>
-                </a:cubicBezTo>
-                <a:cubicBezTo>
-                  <a:pt x="4244484" y="8974"/>
-                  <a:pt x="4243043" y="9359"/>
-                  <a:pt x="4243589" y="18288"/>
-                </a:cubicBezTo>
-                <a:cubicBezTo>
-                  <a:pt x="4058777" y="31246"/>
-                  <a:pt x="3910348" y="3158"/>
-                  <a:pt x="3594926" y="18288"/>
-                </a:cubicBezTo>
-                <a:cubicBezTo>
-                  <a:pt x="3279504" y="33418"/>
-                  <a:pt x="3319955" y="-3977"/>
-                  <a:pt x="3073571" y="18288"/>
-                </a:cubicBezTo>
-                <a:cubicBezTo>
-                  <a:pt x="2827187" y="40553"/>
-                  <a:pt x="2767387" y="1863"/>
-                  <a:pt x="2552216" y="18288"/>
-                </a:cubicBezTo>
-                <a:cubicBezTo>
-                  <a:pt x="2337046" y="34713"/>
-                  <a:pt x="2181871" y="19527"/>
-                  <a:pt x="1903553" y="18288"/>
-                </a:cubicBezTo>
-                <a:cubicBezTo>
-                  <a:pt x="1625235" y="17049"/>
-                  <a:pt x="1557672" y="24174"/>
-                  <a:pt x="1212454" y="18288"/>
-                </a:cubicBezTo>
-                <a:cubicBezTo>
-                  <a:pt x="867236" y="12402"/>
-                  <a:pt x="874382" y="15627"/>
-                  <a:pt x="733535" y="18288"/>
-                </a:cubicBezTo>
-                <a:cubicBezTo>
-                  <a:pt x="592688" y="20949"/>
-                  <a:pt x="183477" y="14753"/>
-                  <a:pt x="0" y="18288"/>
-                </a:cubicBezTo>
-                <a:cubicBezTo>
-                  <a:pt x="-229" y="14222"/>
-                  <a:pt x="509" y="5816"/>
-                  <a:pt x="0" y="0"/>
-                </a:cubicBezTo>
-                <a:close/>
-              </a:path>
-              <a:path w="4243589" h="18288" stroke="0" extrusionOk="0">
-                <a:moveTo>
-                  <a:pt x="0" y="0"/>
-                </a:moveTo>
-                <a:cubicBezTo>
-                  <a:pt x="143690" y="16630"/>
-                  <a:pt x="266667" y="14847"/>
-                  <a:pt x="521355" y="0"/>
-                </a:cubicBezTo>
-                <a:cubicBezTo>
-                  <a:pt x="776043" y="-14847"/>
-                  <a:pt x="814491" y="-17363"/>
-                  <a:pt x="1000275" y="0"/>
-                </a:cubicBezTo>
-                <a:cubicBezTo>
-                  <a:pt x="1186059" y="17363"/>
-                  <a:pt x="1352504" y="-23507"/>
-                  <a:pt x="1521630" y="0"/>
-                </a:cubicBezTo>
-                <a:cubicBezTo>
-                  <a:pt x="1690756" y="23507"/>
-                  <a:pt x="1889525" y="5871"/>
-                  <a:pt x="2127857" y="0"/>
-                </a:cubicBezTo>
-                <a:cubicBezTo>
-                  <a:pt x="2366189" y="-5871"/>
-                  <a:pt x="2620628" y="-27997"/>
-                  <a:pt x="2776520" y="0"/>
-                </a:cubicBezTo>
-                <a:cubicBezTo>
-                  <a:pt x="2932412" y="27997"/>
-                  <a:pt x="3131683" y="-25073"/>
-                  <a:pt x="3467618" y="0"/>
-                </a:cubicBezTo>
-                <a:cubicBezTo>
-                  <a:pt x="3803553" y="25073"/>
-                  <a:pt x="4017371" y="3071"/>
-                  <a:pt x="4243589" y="0"/>
-                </a:cubicBezTo>
-                <a:cubicBezTo>
-                  <a:pt x="4243134" y="6162"/>
-                  <a:pt x="4243492" y="11775"/>
-                  <a:pt x="4243589" y="18288"/>
-                </a:cubicBezTo>
-                <a:cubicBezTo>
-                  <a:pt x="4017834" y="-5779"/>
-                  <a:pt x="3834586" y="13376"/>
-                  <a:pt x="3594926" y="18288"/>
-                </a:cubicBezTo>
-                <a:cubicBezTo>
-                  <a:pt x="3355266" y="23200"/>
-                  <a:pt x="3204179" y="2869"/>
-                  <a:pt x="2903827" y="18288"/>
-                </a:cubicBezTo>
-                <a:cubicBezTo>
-                  <a:pt x="2603475" y="33707"/>
-                  <a:pt x="2526187" y="46187"/>
-                  <a:pt x="2212729" y="18288"/>
-                </a:cubicBezTo>
-                <a:cubicBezTo>
-                  <a:pt x="1899271" y="-9611"/>
-                  <a:pt x="1966289" y="29692"/>
-                  <a:pt x="1733809" y="18288"/>
-                </a:cubicBezTo>
-                <a:cubicBezTo>
-                  <a:pt x="1501329" y="6884"/>
-                  <a:pt x="1343612" y="12492"/>
-                  <a:pt x="1085146" y="18288"/>
-                </a:cubicBezTo>
-                <a:cubicBezTo>
-                  <a:pt x="826680" y="24084"/>
-                  <a:pt x="778184" y="35607"/>
-                  <a:pt x="521355" y="18288"/>
-                </a:cubicBezTo>
-                <a:cubicBezTo>
-                  <a:pt x="264526" y="969"/>
-                  <a:pt x="120277" y="4268"/>
-                  <a:pt x="0" y="18288"/>
-                </a:cubicBezTo>
-                <a:cubicBezTo>
-                  <a:pt x="766" y="10800"/>
-                  <a:pt x="-457" y="8180"/>
-                  <a:pt x="0" y="0"/>
-                </a:cubicBezTo>
-                <a:close/>
-              </a:path>
-            </a:pathLst>
-          </a:custGeom>
-          <a:solidFill>
-            <a:schemeClr val="accent2"/>
-          </a:solidFill>
-          <a:ln w="44450" cap="rnd">
-            <a:solidFill>
-              <a:schemeClr val="accent2"/>
-            </a:solidFill>
-            <a:round/>
-            <a:extLst>
-              <a:ext uri="{C807C97D-BFC1-408E-A445-0C87EB9F89A2}">
-                <ask:lineSketchStyleProps xmlns:ask="http://schemas.microsoft.com/office/drawing/2018/sketchyshapes" sd="2727557108">
-                  <a:prstGeom prst="rect">
-                    <a:avLst/>
-                  </a:prstGeom>
-                  <ask:type>
-                    <ask:lineSketchFreehand/>
-                  </ask:type>
-                </ask:lineSketchStyleProps>
-              </a:ext>
-            </a:extLst>
-          </a:ln>
-        </p:spPr>
-        <p:style>
-          <a:lnRef idx="2">
-            <a:schemeClr val="accent1">
-              <a:shade val="50000"/>
-            </a:schemeClr>
-          </a:lnRef>
-          <a:fillRef idx="1">
-            <a:schemeClr val="accent1"/>
-          </a:fillRef>
-          <a:effectRef idx="0">
-            <a:schemeClr val="accent1"/>
-          </a:effectRef>
-          <a:fontRef idx="minor">
-            <a:schemeClr val="lt1"/>
-          </a:fontRef>
-        </p:style>
-        <p:txBody>
-          <a:bodyPr rtlCol="0" anchor="ctr"/>
-          <a:lstStyle/>
-          <a:p>
-            <a:pPr algn="ctr"/>
-            <a:endParaRPr lang="en-US"/>
-          </a:p>
-        </p:txBody>
-      </p:sp>
-      <p:sp>
-        <p:nvSpPr>
-          <p:cNvPr id="3" name="Inhaltsplatzhalter 2">
-            <a:extLst>
-              <a:ext uri="{FF2B5EF4-FFF2-40B4-BE49-F238E27FC236}">
-                <a16:creationId xmlns:a16="http://schemas.microsoft.com/office/drawing/2014/main" id="{E7ED7895-1E5F-2CD6-F19E-2CB6CCE0AF18}"/>
-              </a:ext>
-            </a:extLst>
-          </p:cNvPr>
-          <p:cNvSpPr>
-            <a:spLocks noGrp="1"/>
-          </p:cNvSpPr>
-          <p:nvPr>
-            <p:ph idx="1"/>
-          </p:nvPr>
-        </p:nvSpPr>
-        <p:spPr>
-          <a:xfrm>
-            <a:off x="5297762" y="2706624"/>
-            <a:ext cx="6251110" cy="3483864"/>
-          </a:xfrm>
-        </p:spPr>
-        <p:txBody>
-          <a:bodyPr>
-            <a:normAutofit lnSpcReduction="10000"/>
-          </a:bodyPr>
-          <a:lstStyle/>
-          <a:p>
-            <a:pPr marL="0" indent="0">
-              <a:buNone/>
-            </a:pPr>
-            <a:r>
-              <a:rPr lang="de-DE" sz="1900" b="0" i="0" u="none" strike="noStrike" dirty="0">
-                <a:effectLst/>
-                <a:highlight>
-                  <a:srgbClr val="FFFFFF"/>
-                </a:highlight>
-                <a:latin typeface="Arial" panose="020B0604020202020204" pitchFamily="34" charset="0"/>
-              </a:rPr>
-              <a:t>Das </a:t>
-            </a:r>
-            <a:r>
-              <a:rPr lang="de-DE" sz="1900" b="1" i="0" u="none" strike="noStrike" dirty="0">
-                <a:effectLst/>
-                <a:latin typeface="Arial" panose="020B0604020202020204" pitchFamily="34" charset="0"/>
-              </a:rPr>
-              <a:t>Open Data Protocol</a:t>
-            </a:r>
-            <a:r>
-              <a:rPr lang="de-DE" sz="1900" b="0" i="0" u="none" strike="noStrike" dirty="0">
-                <a:effectLst/>
-                <a:highlight>
-                  <a:srgbClr val="FFFFFF"/>
-                </a:highlight>
-                <a:latin typeface="Arial" panose="020B0604020202020204" pitchFamily="34" charset="0"/>
-              </a:rPr>
-              <a:t> (</a:t>
-            </a:r>
-            <a:r>
-              <a:rPr lang="de-DE" sz="1900" b="1" i="0" u="none" strike="noStrike" dirty="0">
-                <a:effectLst/>
-                <a:latin typeface="Arial" panose="020B0604020202020204" pitchFamily="34" charset="0"/>
-              </a:rPr>
-              <a:t>OData</a:t>
-            </a:r>
-            <a:r>
-              <a:rPr lang="de-DE" sz="1900" b="0" i="0" u="none" strike="noStrike" dirty="0">
-                <a:effectLst/>
-                <a:highlight>
-                  <a:srgbClr val="FFFFFF"/>
-                </a:highlight>
-                <a:latin typeface="Arial" panose="020B0604020202020204" pitchFamily="34" charset="0"/>
-              </a:rPr>
-              <a:t>) ist ein unter dem </a:t>
-            </a:r>
-            <a:r>
-              <a:rPr lang="de-DE" sz="1900" b="0" i="0" u="none" strike="noStrike" dirty="0">
-                <a:effectLst/>
-                <a:latin typeface="Arial" panose="020B0604020202020204" pitchFamily="34" charset="0"/>
-                <a:hlinkClick r:id="rId4" tooltip="Microsoft Open Specification Promise"/>
-              </a:rPr>
-              <a:t>Open Specification Promise</a:t>
-            </a:r>
-            <a:r>
-              <a:rPr lang="de-DE" sz="1900" b="0" i="0" u="none" strike="noStrike" dirty="0">
-                <a:effectLst/>
-                <a:highlight>
-                  <a:srgbClr val="FFFFFF"/>
-                </a:highlight>
-                <a:latin typeface="Arial" panose="020B0604020202020204" pitchFamily="34" charset="0"/>
-              </a:rPr>
-              <a:t> von </a:t>
-            </a:r>
-            <a:r>
-              <a:rPr lang="de-DE" sz="1900" b="0" i="0" u="none" strike="noStrike" dirty="0">
-                <a:effectLst/>
-                <a:latin typeface="Arial" panose="020B0604020202020204" pitchFamily="34" charset="0"/>
-                <a:hlinkClick r:id="rId5" tooltip="Microsoft"/>
-              </a:rPr>
-              <a:t>Microsoft</a:t>
-            </a:r>
-            <a:r>
-              <a:rPr lang="de-DE" sz="1900" b="0" i="0" u="none" strike="noStrike" dirty="0">
-                <a:effectLst/>
-                <a:highlight>
-                  <a:srgbClr val="FFFFFF"/>
-                </a:highlight>
-                <a:latin typeface="Arial" panose="020B0604020202020204" pitchFamily="34" charset="0"/>
-              </a:rPr>
-              <a:t> veröffentlichtes </a:t>
-            </a:r>
-            <a:r>
-              <a:rPr lang="de-DE" sz="1900" b="0" i="0" u="none" strike="noStrike" dirty="0">
-                <a:effectLst/>
-                <a:latin typeface="Arial" panose="020B0604020202020204" pitchFamily="34" charset="0"/>
-                <a:hlinkClick r:id="rId6" tooltip="Hypertext Transfer Protocol"/>
-              </a:rPr>
-              <a:t>HTTP</a:t>
-            </a:r>
-            <a:r>
-              <a:rPr lang="de-DE" sz="1900" b="0" i="0" u="none" strike="noStrike" dirty="0">
-                <a:effectLst/>
-                <a:highlight>
-                  <a:srgbClr val="FFFFFF"/>
-                </a:highlight>
-                <a:latin typeface="Arial" panose="020B0604020202020204" pitchFamily="34" charset="0"/>
-              </a:rPr>
-              <a:t>-basiertes Protokoll für den Datenzugriff zwischen kompatiblen Softwaresystemen, um in diesen </a:t>
-            </a:r>
-            <a:r>
-              <a:rPr lang="de-DE" sz="1900" b="0" i="0" u="none" strike="noStrike" dirty="0">
-                <a:effectLst/>
-                <a:latin typeface="Arial" panose="020B0604020202020204" pitchFamily="34" charset="0"/>
-                <a:hlinkClick r:id="rId7" tooltip="CRUD"/>
-              </a:rPr>
-              <a:t>CRUD</a:t>
-            </a:r>
-            <a:r>
-              <a:rPr lang="de-DE" sz="1900" b="0" i="0" u="none" strike="noStrike" dirty="0">
-                <a:effectLst/>
-                <a:highlight>
-                  <a:srgbClr val="FFFFFF"/>
-                </a:highlight>
-                <a:latin typeface="Arial" panose="020B0604020202020204" pitchFamily="34" charset="0"/>
-              </a:rPr>
-              <a:t>-Operationen zu ermöglichen. Aufbauend auf älteren Protokollen wie </a:t>
-            </a:r>
-            <a:r>
-              <a:rPr lang="de-DE" sz="1900" b="0" i="0" u="none" strike="noStrike" dirty="0">
-                <a:effectLst/>
-                <a:latin typeface="Arial" panose="020B0604020202020204" pitchFamily="34" charset="0"/>
-                <a:hlinkClick r:id="rId8" tooltip="ODBC"/>
-              </a:rPr>
-              <a:t>ODBC</a:t>
-            </a:r>
-            <a:r>
-              <a:rPr lang="de-DE" sz="1900" b="0" i="0" u="none" strike="noStrike" dirty="0">
-                <a:effectLst/>
-                <a:highlight>
-                  <a:srgbClr val="FFFFFF"/>
-                </a:highlight>
-                <a:latin typeface="Arial" panose="020B0604020202020204" pitchFamily="34" charset="0"/>
-              </a:rPr>
-              <a:t> und </a:t>
-            </a:r>
-            <a:r>
-              <a:rPr lang="de-DE" sz="1900" b="0" i="0" u="none" strike="noStrike" dirty="0">
-                <a:effectLst/>
-                <a:latin typeface="Arial" panose="020B0604020202020204" pitchFamily="34" charset="0"/>
-                <a:hlinkClick r:id="rId9" tooltip="JDBC"/>
-              </a:rPr>
-              <a:t>JDBC</a:t>
-            </a:r>
-            <a:r>
-              <a:rPr lang="de-DE" sz="1900" b="0" i="0" u="none" strike="noStrike" dirty="0">
-                <a:effectLst/>
-                <a:highlight>
-                  <a:srgbClr val="FFFFFF"/>
-                </a:highlight>
-                <a:latin typeface="Arial" panose="020B0604020202020204" pitchFamily="34" charset="0"/>
-              </a:rPr>
-              <a:t> kann OData u. a. innerhalb von </a:t>
-            </a:r>
-            <a:r>
-              <a:rPr lang="de-DE" sz="1900" b="0" i="0" u="none" strike="noStrike" dirty="0">
-                <a:effectLst/>
-                <a:latin typeface="Arial" panose="020B0604020202020204" pitchFamily="34" charset="0"/>
-                <a:hlinkClick r:id="rId10" tooltip="Cloud-Computing"/>
-              </a:rPr>
-              <a:t>Cloud</a:t>
-            </a:r>
-            <a:r>
-              <a:rPr lang="de-DE" sz="1900" b="0" i="0" u="none" strike="noStrike" dirty="0">
-                <a:effectLst/>
-                <a:highlight>
-                  <a:srgbClr val="FFFFFF"/>
-                </a:highlight>
-                <a:latin typeface="Arial" panose="020B0604020202020204" pitchFamily="34" charset="0"/>
-              </a:rPr>
-              <a:t>-Diensten </a:t>
-            </a:r>
-            <a:r>
-              <a:rPr lang="de-DE" sz="1900" b="0" i="0" u="none" strike="noStrike" dirty="0">
-                <a:effectLst/>
-                <a:latin typeface="Arial" panose="020B0604020202020204" pitchFamily="34" charset="0"/>
-                <a:hlinkClick r:id="rId11" tooltip="Microsoft Windows Azure"/>
-              </a:rPr>
-              <a:t>(Azure)</a:t>
-            </a:r>
-            <a:r>
-              <a:rPr lang="de-DE" sz="1900" b="0" i="0" u="none" strike="noStrike" dirty="0">
-                <a:effectLst/>
-                <a:highlight>
-                  <a:srgbClr val="FFFFFF"/>
-                </a:highlight>
-                <a:latin typeface="Arial" panose="020B0604020202020204" pitchFamily="34" charset="0"/>
-              </a:rPr>
-              <a:t>, </a:t>
-            </a:r>
-            <a:r>
-              <a:rPr lang="de-DE" sz="1900" b="0" i="0" u="none" strike="noStrike" dirty="0">
-                <a:effectLst/>
-                <a:latin typeface="Arial" panose="020B0604020202020204" pitchFamily="34" charset="0"/>
-                <a:hlinkClick r:id="rId12" tooltip="MySQL"/>
-              </a:rPr>
-              <a:t>MySQL</a:t>
-            </a:r>
-            <a:r>
-              <a:rPr lang="de-DE" sz="1900" b="0" i="0" u="none" strike="noStrike" dirty="0">
-                <a:effectLst/>
-                <a:highlight>
-                  <a:srgbClr val="FFFFFF"/>
-                </a:highlight>
-                <a:latin typeface="Arial" panose="020B0604020202020204" pitchFamily="34" charset="0"/>
-              </a:rPr>
-              <a:t>, </a:t>
-            </a:r>
-            <a:r>
-              <a:rPr lang="de-DE" sz="1900" b="0" i="0" u="none" strike="noStrike" dirty="0">
-                <a:effectLst/>
-                <a:latin typeface="Arial" panose="020B0604020202020204" pitchFamily="34" charset="0"/>
-                <a:hlinkClick r:id="rId13" tooltip="Java (Technik)"/>
-              </a:rPr>
-              <a:t>Java</a:t>
-            </a:r>
-            <a:r>
-              <a:rPr lang="de-DE" sz="1900" b="0" i="0" u="none" strike="noStrike" dirty="0">
-                <a:effectLst/>
-                <a:highlight>
-                  <a:srgbClr val="FFFFFF"/>
-                </a:highlight>
-                <a:latin typeface="Arial" panose="020B0604020202020204" pitchFamily="34" charset="0"/>
-              </a:rPr>
-              <a:t> und </a:t>
-            </a:r>
-            <a:r>
-              <a:rPr lang="de-DE" sz="1900" b="0" i="0" u="none" strike="noStrike" dirty="0">
-                <a:effectLst/>
-                <a:latin typeface="Arial" panose="020B0604020202020204" pitchFamily="34" charset="0"/>
-                <a:hlinkClick r:id="rId14" tooltip="Ruby on Rails"/>
-              </a:rPr>
-              <a:t>Rails</a:t>
-            </a:r>
-            <a:r>
-              <a:rPr lang="de-DE" sz="1900" b="0" i="0" u="none" strike="noStrike" dirty="0">
-                <a:effectLst/>
-                <a:highlight>
-                  <a:srgbClr val="FFFFFF"/>
-                </a:highlight>
-                <a:latin typeface="Arial" panose="020B0604020202020204" pitchFamily="34" charset="0"/>
-              </a:rPr>
-              <a:t> eingebunden werden und ist in der Lage, in der </a:t>
-            </a:r>
-            <a:r>
-              <a:rPr lang="de-DE" sz="1900" b="0" i="0" u="none" strike="noStrike" dirty="0">
-                <a:effectLst/>
-                <a:latin typeface="Arial" panose="020B0604020202020204" pitchFamily="34" charset="0"/>
-                <a:hlinkClick r:id="rId15" tooltip="Client-Server-Modell"/>
-              </a:rPr>
-              <a:t>Client-Server-Kommunikation</a:t>
-            </a:r>
-            <a:r>
-              <a:rPr lang="de-DE" sz="1900" b="0" i="0" u="none" strike="noStrike" dirty="0">
-                <a:effectLst/>
-                <a:highlight>
-                  <a:srgbClr val="FFFFFF"/>
-                </a:highlight>
-                <a:latin typeface="Arial" panose="020B0604020202020204" pitchFamily="34" charset="0"/>
-              </a:rPr>
-              <a:t> eine einheitliche </a:t>
-            </a:r>
-            <a:r>
-              <a:rPr lang="de-DE" sz="1900" b="0" i="0" u="none" strike="noStrike" dirty="0">
-                <a:effectLst/>
-                <a:latin typeface="Arial" panose="020B0604020202020204" pitchFamily="34" charset="0"/>
-                <a:hlinkClick r:id="rId16" tooltip="Semantik"/>
-              </a:rPr>
-              <a:t>Semantik</a:t>
-            </a:r>
-            <a:r>
-              <a:rPr lang="de-DE" sz="1900" b="0" i="0" u="none" strike="noStrike" dirty="0">
-                <a:effectLst/>
-                <a:highlight>
-                  <a:srgbClr val="FFFFFF"/>
-                </a:highlight>
-                <a:latin typeface="Arial" panose="020B0604020202020204" pitchFamily="34" charset="0"/>
-              </a:rPr>
-              <a:t> für den Datenaustausch zur Verfügung zu stellen. </a:t>
-            </a:r>
-            <a:br>
-              <a:rPr lang="de-DE" sz="1900" b="0" i="0" u="none" strike="noStrike" dirty="0">
-                <a:effectLst/>
-                <a:highlight>
-                  <a:srgbClr val="FFFFFF"/>
-                </a:highlight>
-                <a:latin typeface="Arial" panose="020B0604020202020204" pitchFamily="34" charset="0"/>
-              </a:rPr>
-            </a:br>
-            <a:br>
-              <a:rPr lang="de-DE" sz="1900" b="0" i="0" u="none" strike="noStrike" dirty="0">
-                <a:effectLst/>
-                <a:highlight>
-                  <a:srgbClr val="FFFFFF"/>
-                </a:highlight>
-                <a:latin typeface="Arial" panose="020B0604020202020204" pitchFamily="34" charset="0"/>
-              </a:rPr>
-            </a:br>
-            <a:r>
-              <a:rPr lang="de-DE" sz="2000" baseline="30000" dirty="0">
-                <a:highlight>
-                  <a:srgbClr val="FFFFFF"/>
-                </a:highlight>
-                <a:latin typeface="Arial" panose="020B0604020202020204" pitchFamily="34" charset="0"/>
-              </a:rPr>
-              <a:t>Quelle Wikipedia</a:t>
-            </a:r>
-            <a:endParaRPr lang="de-DE" sz="2000" dirty="0"/>
-          </a:p>
-        </p:txBody>
-      </p:sp>
-    </p:spTree>
-    <p:extLst>
-      <p:ext uri="{BB962C8B-B14F-4D97-AF65-F5344CB8AC3E}">
-        <p14:creationId xmlns:p14="http://schemas.microsoft.com/office/powerpoint/2010/main" val="1009846013"/>
-      </p:ext>
-    </p:extLst>
-  </p:cSld>
-  <p:clrMapOvr>
-    <a:masterClrMapping/>
-  </p:clrMapOvr>
-</p:sld>
-</file>
-
-<file path=ppt/slides/slide52.xml><?xml version="1.0" encoding="utf-8"?>
-<p:sld xmlns:a="http://schemas.openxmlformats.org/drawingml/2006/main" xmlns:r="http://schemas.openxmlformats.org/officeDocument/2006/relationships" xmlns:p="http://schemas.openxmlformats.org/presentationml/2006/main">
-  <p:cSld>
-    <p:bg>
-      <p:bgPr>
-        <a:solidFill>
-          <a:schemeClr val="bg1"/>
-        </a:solidFill>
-        <a:effectLst/>
-      </p:bgPr>
-    </p:bg>
-    <p:spTree>
-      <p:nvGrpSpPr>
-        <p:cNvPr id="1" name=""/>
-        <p:cNvGrpSpPr/>
-        <p:nvPr/>
-      </p:nvGrpSpPr>
-      <p:grpSpPr>
-        <a:xfrm>
-          <a:off x="0" y="0"/>
-          <a:ext cx="0" cy="0"/>
-          <a:chOff x="0" y="0"/>
-          <a:chExt cx="0" cy="0"/>
-        </a:xfrm>
-      </p:grpSpPr>
-      <p:sp useBgFill="1">
-        <p:nvSpPr>
-          <p:cNvPr id="22" name="Rectangle 21">
-            <a:extLst>
-              <a:ext uri="{FF2B5EF4-FFF2-40B4-BE49-F238E27FC236}">
-                <a16:creationId xmlns:a16="http://schemas.microsoft.com/office/drawing/2014/main" id="{943CAA20-3569-4189-9E48-239A229A86CA}"/>
-              </a:ext>
-              <a:ext uri="{C183D7F6-B498-43B3-948B-1728B52AA6E4}">
-                <adec:decorative xmlns:adec="http://schemas.microsoft.com/office/drawing/2017/decorative" val="1"/>
-              </a:ext>
-            </a:extLst>
-          </p:cNvPr>
-          <p:cNvSpPr>
-            <a:spLocks noGrp="1" noRot="1" noChangeAspect="1" noMove="1" noResize="1" noEditPoints="1" noAdjustHandles="1" noChangeArrowheads="1" noChangeShapeType="1" noTextEdit="1"/>
-          </p:cNvSpPr>
-          <p:nvPr>
-            <p:extLst>
-              <p:ext uri="{386F3935-93C4-4BCD-93E2-E3B085C9AB24}">
-                <p16:designElem xmlns:p16="http://schemas.microsoft.com/office/powerpoint/2015/main" val="1"/>
-              </p:ext>
-            </p:extLst>
-          </p:nvPr>
-        </p:nvSpPr>
-        <p:spPr>
-          <a:xfrm>
-            <a:off x="0" y="0"/>
-            <a:ext cx="12188952" cy="6858000"/>
-          </a:xfrm>
-          <a:prstGeom prst="rect">
-            <a:avLst/>
-          </a:prstGeom>
-          <a:ln>
-            <a:noFill/>
-          </a:ln>
-        </p:spPr>
-        <p:style>
-          <a:lnRef idx="2">
-            <a:schemeClr val="accent1">
-              <a:shade val="50000"/>
-            </a:schemeClr>
-          </a:lnRef>
-          <a:fillRef idx="1">
-            <a:schemeClr val="accent1"/>
-          </a:fillRef>
-          <a:effectRef idx="0">
-            <a:schemeClr val="accent1"/>
-          </a:effectRef>
-          <a:fontRef idx="minor">
-            <a:schemeClr val="lt1"/>
-          </a:fontRef>
-        </p:style>
-        <p:txBody>
-          <a:bodyPr rtlCol="0" anchor="ctr"/>
-          <a:lstStyle/>
-          <a:p>
-            <a:pPr algn="ctr"/>
-            <a:endParaRPr lang="en-US"/>
-          </a:p>
-        </p:txBody>
-      </p:sp>
-      <p:sp>
-        <p:nvSpPr>
-          <p:cNvPr id="2" name="Titel 1">
-            <a:extLst>
-              <a:ext uri="{FF2B5EF4-FFF2-40B4-BE49-F238E27FC236}">
-                <a16:creationId xmlns:a16="http://schemas.microsoft.com/office/drawing/2014/main" id="{2E673D1B-D5F6-9189-C92A-6B3DF726EF3A}"/>
-              </a:ext>
-            </a:extLst>
-          </p:cNvPr>
-          <p:cNvSpPr>
-            <a:spLocks noGrp="1"/>
-          </p:cNvSpPr>
-          <p:nvPr>
-            <p:ph type="title"/>
-          </p:nvPr>
-        </p:nvSpPr>
-        <p:spPr>
-          <a:xfrm>
-            <a:off x="838200" y="451381"/>
-            <a:ext cx="10512552" cy="4066540"/>
-          </a:xfrm>
-        </p:spPr>
-        <p:txBody>
-          <a:bodyPr vert="horz" lIns="91440" tIns="45720" rIns="91440" bIns="45720" rtlCol="0" anchor="b">
-            <a:normAutofit/>
-          </a:bodyPr>
-          <a:lstStyle/>
-          <a:p>
-            <a:r>
-              <a:rPr lang="en-US" sz="6600" kern="1200">
-                <a:solidFill>
-                  <a:schemeClr val="tx1"/>
-                </a:solidFill>
-                <a:latin typeface="+mj-lt"/>
-                <a:ea typeface="+mj-ea"/>
-                <a:cs typeface="+mj-cs"/>
-              </a:rPr>
-              <a:t>Hands On</a:t>
-            </a:r>
-          </a:p>
-        </p:txBody>
-      </p:sp>
-      <p:sp>
-        <p:nvSpPr>
-          <p:cNvPr id="17" name="Inhaltsplatzhalter 2">
-            <a:extLst>
-              <a:ext uri="{FF2B5EF4-FFF2-40B4-BE49-F238E27FC236}">
-                <a16:creationId xmlns:a16="http://schemas.microsoft.com/office/drawing/2014/main" id="{062A5E19-B639-CF3A-D495-61F20D948D3A}"/>
-              </a:ext>
-            </a:extLst>
-          </p:cNvPr>
-          <p:cNvSpPr>
-            <a:spLocks noGrp="1"/>
-          </p:cNvSpPr>
-          <p:nvPr>
-            <p:ph idx="1"/>
-          </p:nvPr>
-        </p:nvSpPr>
-        <p:spPr>
-          <a:xfrm>
-            <a:off x="838199" y="4983276"/>
-            <a:ext cx="10512552" cy="1126680"/>
-          </a:xfrm>
-        </p:spPr>
-        <p:txBody>
-          <a:bodyPr vert="horz" lIns="91440" tIns="45720" rIns="91440" bIns="45720" rtlCol="0">
-            <a:normAutofit/>
-          </a:bodyPr>
-          <a:lstStyle/>
-          <a:p>
-            <a:pPr marL="0" indent="0">
-              <a:buNone/>
-            </a:pPr>
-            <a:r>
-              <a:rPr lang="en-US" sz="2400" kern="1200" dirty="0">
-                <a:solidFill>
-                  <a:schemeClr val="tx1"/>
-                </a:solidFill>
-                <a:latin typeface="+mn-lt"/>
-                <a:ea typeface="+mn-ea"/>
-                <a:cs typeface="+mn-cs"/>
-              </a:rPr>
-              <a:t>OData</a:t>
-            </a:r>
-          </a:p>
-        </p:txBody>
-      </p:sp>
-      <p:sp>
-        <p:nvSpPr>
-          <p:cNvPr id="24" name="sketch line">
-            <a:extLst>
-              <a:ext uri="{FF2B5EF4-FFF2-40B4-BE49-F238E27FC236}">
-                <a16:creationId xmlns:a16="http://schemas.microsoft.com/office/drawing/2014/main" id="{DA542B6D-E775-4832-91DC-2D20F857813A}"/>
-              </a:ext>
-              <a:ext uri="{C183D7F6-B498-43B3-948B-1728B52AA6E4}">
-                <adec:decorative xmlns:adec="http://schemas.microsoft.com/office/drawing/2017/decorative" val="1"/>
-              </a:ext>
-            </a:extLst>
-          </p:cNvPr>
-          <p:cNvSpPr>
-            <a:spLocks noGrp="1" noRot="1" noChangeAspect="1" noMove="1" noResize="1" noEditPoints="1" noAdjustHandles="1" noChangeArrowheads="1" noChangeShapeType="1" noTextEdit="1"/>
-          </p:cNvSpPr>
-          <p:nvPr>
-            <p:extLst>
-              <p:ext uri="{386F3935-93C4-4BCD-93E2-E3B085C9AB24}">
-                <p16:designElem xmlns:p16="http://schemas.microsoft.com/office/powerpoint/2015/main" val="1"/>
-              </p:ext>
-            </p:extLst>
-          </p:nvPr>
-        </p:nvSpPr>
-        <p:spPr>
-          <a:xfrm>
-            <a:off x="838200" y="4718595"/>
-            <a:ext cx="5410200" cy="18288"/>
-          </a:xfrm>
-          <a:custGeom>
-            <a:avLst/>
-            <a:gdLst>
-              <a:gd name="connsiteX0" fmla="*/ 0 w 5410200"/>
-              <a:gd name="connsiteY0" fmla="*/ 0 h 18288"/>
-              <a:gd name="connsiteX1" fmla="*/ 568071 w 5410200"/>
-              <a:gd name="connsiteY1" fmla="*/ 0 h 18288"/>
-              <a:gd name="connsiteX2" fmla="*/ 1298448 w 5410200"/>
-              <a:gd name="connsiteY2" fmla="*/ 0 h 18288"/>
-              <a:gd name="connsiteX3" fmla="*/ 1920621 w 5410200"/>
-              <a:gd name="connsiteY3" fmla="*/ 0 h 18288"/>
-              <a:gd name="connsiteX4" fmla="*/ 2488692 w 5410200"/>
-              <a:gd name="connsiteY4" fmla="*/ 0 h 18288"/>
-              <a:gd name="connsiteX5" fmla="*/ 3219069 w 5410200"/>
-              <a:gd name="connsiteY5" fmla="*/ 0 h 18288"/>
-              <a:gd name="connsiteX6" fmla="*/ 3895344 w 5410200"/>
-              <a:gd name="connsiteY6" fmla="*/ 0 h 18288"/>
-              <a:gd name="connsiteX7" fmla="*/ 4571619 w 5410200"/>
-              <a:gd name="connsiteY7" fmla="*/ 0 h 18288"/>
-              <a:gd name="connsiteX8" fmla="*/ 5410200 w 5410200"/>
-              <a:gd name="connsiteY8" fmla="*/ 0 h 18288"/>
-              <a:gd name="connsiteX9" fmla="*/ 5410200 w 5410200"/>
-              <a:gd name="connsiteY9" fmla="*/ 18288 h 18288"/>
-              <a:gd name="connsiteX10" fmla="*/ 4842129 w 5410200"/>
-              <a:gd name="connsiteY10" fmla="*/ 18288 h 18288"/>
-              <a:gd name="connsiteX11" fmla="*/ 4328160 w 5410200"/>
-              <a:gd name="connsiteY11" fmla="*/ 18288 h 18288"/>
-              <a:gd name="connsiteX12" fmla="*/ 3597783 w 5410200"/>
-              <a:gd name="connsiteY12" fmla="*/ 18288 h 18288"/>
-              <a:gd name="connsiteX13" fmla="*/ 3029712 w 5410200"/>
-              <a:gd name="connsiteY13" fmla="*/ 18288 h 18288"/>
-              <a:gd name="connsiteX14" fmla="*/ 2299335 w 5410200"/>
-              <a:gd name="connsiteY14" fmla="*/ 18288 h 18288"/>
-              <a:gd name="connsiteX15" fmla="*/ 1514856 w 5410200"/>
-              <a:gd name="connsiteY15" fmla="*/ 18288 h 18288"/>
-              <a:gd name="connsiteX16" fmla="*/ 892683 w 5410200"/>
-              <a:gd name="connsiteY16" fmla="*/ 18288 h 18288"/>
-              <a:gd name="connsiteX17" fmla="*/ 0 w 5410200"/>
-              <a:gd name="connsiteY17" fmla="*/ 18288 h 18288"/>
-              <a:gd name="connsiteX18" fmla="*/ 0 w 5410200"/>
-              <a:gd name="connsiteY18" fmla="*/ 0 h 18288"/>
-            </a:gdLst>
-            <a:ahLst/>
-            <a:cxnLst>
-              <a:cxn ang="0">
-                <a:pos x="connsiteX0" y="connsiteY0"/>
-              </a:cxn>
-              <a:cxn ang="0">
-                <a:pos x="connsiteX1" y="connsiteY1"/>
-              </a:cxn>
-              <a:cxn ang="0">
-                <a:pos x="connsiteX2" y="connsiteY2"/>
-              </a:cxn>
-              <a:cxn ang="0">
-                <a:pos x="connsiteX3" y="connsiteY3"/>
-              </a:cxn>
-              <a:cxn ang="0">
-                <a:pos x="connsiteX4" y="connsiteY4"/>
-              </a:cxn>
-              <a:cxn ang="0">
-                <a:pos x="connsiteX5" y="connsiteY5"/>
-              </a:cxn>
-              <a:cxn ang="0">
-                <a:pos x="connsiteX6" y="connsiteY6"/>
-              </a:cxn>
-              <a:cxn ang="0">
-                <a:pos x="connsiteX7" y="connsiteY7"/>
-              </a:cxn>
-              <a:cxn ang="0">
-                <a:pos x="connsiteX8" y="connsiteY8"/>
-              </a:cxn>
-              <a:cxn ang="0">
-                <a:pos x="connsiteX9" y="connsiteY9"/>
-              </a:cxn>
-              <a:cxn ang="0">
-                <a:pos x="connsiteX10" y="connsiteY10"/>
-              </a:cxn>
-              <a:cxn ang="0">
-                <a:pos x="connsiteX11" y="connsiteY11"/>
-              </a:cxn>
-              <a:cxn ang="0">
-                <a:pos x="connsiteX12" y="connsiteY12"/>
-              </a:cxn>
-              <a:cxn ang="0">
-                <a:pos x="connsiteX13" y="connsiteY13"/>
-              </a:cxn>
-              <a:cxn ang="0">
-                <a:pos x="connsiteX14" y="connsiteY14"/>
-              </a:cxn>
-              <a:cxn ang="0">
-                <a:pos x="connsiteX15" y="connsiteY15"/>
-              </a:cxn>
-              <a:cxn ang="0">
-                <a:pos x="connsiteX16" y="connsiteY16"/>
-              </a:cxn>
-              <a:cxn ang="0">
-                <a:pos x="connsiteX17" y="connsiteY17"/>
-              </a:cxn>
-              <a:cxn ang="0">
-                <a:pos x="connsiteX18" y="connsiteY18"/>
-              </a:cxn>
-            </a:cxnLst>
-            <a:rect l="l" t="t" r="r" b="b"/>
-            <a:pathLst>
-              <a:path w="5410200" h="18288" fill="none" extrusionOk="0">
-                <a:moveTo>
-                  <a:pt x="0" y="0"/>
-                </a:moveTo>
-                <a:cubicBezTo>
-                  <a:pt x="163050" y="-18707"/>
-                  <a:pt x="319321" y="-16364"/>
-                  <a:pt x="568071" y="0"/>
-                </a:cubicBezTo>
-                <a:cubicBezTo>
-                  <a:pt x="816821" y="16364"/>
-                  <a:pt x="1013224" y="-7268"/>
-                  <a:pt x="1298448" y="0"/>
-                </a:cubicBezTo>
-                <a:cubicBezTo>
-                  <a:pt x="1583672" y="7268"/>
-                  <a:pt x="1631711" y="-3367"/>
-                  <a:pt x="1920621" y="0"/>
-                </a:cubicBezTo>
-                <a:cubicBezTo>
-                  <a:pt x="2209531" y="3367"/>
-                  <a:pt x="2364420" y="-19184"/>
-                  <a:pt x="2488692" y="0"/>
-                </a:cubicBezTo>
-                <a:cubicBezTo>
-                  <a:pt x="2612964" y="19184"/>
-                  <a:pt x="3023298" y="-34627"/>
-                  <a:pt x="3219069" y="0"/>
-                </a:cubicBezTo>
-                <a:cubicBezTo>
-                  <a:pt x="3414840" y="34627"/>
-                  <a:pt x="3656810" y="24043"/>
-                  <a:pt x="3895344" y="0"/>
-                </a:cubicBezTo>
-                <a:cubicBezTo>
-                  <a:pt x="4133879" y="-24043"/>
-                  <a:pt x="4393984" y="-19577"/>
-                  <a:pt x="4571619" y="0"/>
-                </a:cubicBezTo>
-                <a:cubicBezTo>
-                  <a:pt x="4749255" y="19577"/>
-                  <a:pt x="5179928" y="-6281"/>
-                  <a:pt x="5410200" y="0"/>
-                </a:cubicBezTo>
-                <a:cubicBezTo>
-                  <a:pt x="5410730" y="6954"/>
-                  <a:pt x="5410934" y="12839"/>
-                  <a:pt x="5410200" y="18288"/>
-                </a:cubicBezTo>
-                <a:cubicBezTo>
-                  <a:pt x="5139060" y="6751"/>
-                  <a:pt x="5121593" y="31035"/>
-                  <a:pt x="4842129" y="18288"/>
-                </a:cubicBezTo>
-                <a:cubicBezTo>
-                  <a:pt x="4562665" y="5541"/>
-                  <a:pt x="4448273" y="9487"/>
-                  <a:pt x="4328160" y="18288"/>
-                </a:cubicBezTo>
-                <a:cubicBezTo>
-                  <a:pt x="4208047" y="27089"/>
-                  <a:pt x="3760936" y="22567"/>
-                  <a:pt x="3597783" y="18288"/>
-                </a:cubicBezTo>
-                <a:cubicBezTo>
-                  <a:pt x="3434630" y="14009"/>
-                  <a:pt x="3299718" y="33213"/>
-                  <a:pt x="3029712" y="18288"/>
-                </a:cubicBezTo>
-                <a:cubicBezTo>
-                  <a:pt x="2759706" y="3363"/>
-                  <a:pt x="2640159" y="27394"/>
-                  <a:pt x="2299335" y="18288"/>
-                </a:cubicBezTo>
-                <a:cubicBezTo>
-                  <a:pt x="1958511" y="9182"/>
-                  <a:pt x="1801186" y="28985"/>
-                  <a:pt x="1514856" y="18288"/>
-                </a:cubicBezTo>
-                <a:cubicBezTo>
-                  <a:pt x="1228526" y="7591"/>
-                  <a:pt x="1063509" y="-5305"/>
-                  <a:pt x="892683" y="18288"/>
-                </a:cubicBezTo>
-                <a:cubicBezTo>
-                  <a:pt x="721857" y="41881"/>
-                  <a:pt x="186945" y="-20897"/>
-                  <a:pt x="0" y="18288"/>
-                </a:cubicBezTo>
-                <a:cubicBezTo>
-                  <a:pt x="-570" y="9279"/>
-                  <a:pt x="132" y="5100"/>
-                  <a:pt x="0" y="0"/>
-                </a:cubicBezTo>
-                <a:close/>
-              </a:path>
-              <a:path w="5410200" h="18288" stroke="0" extrusionOk="0">
-                <a:moveTo>
-                  <a:pt x="0" y="0"/>
-                </a:moveTo>
-                <a:cubicBezTo>
-                  <a:pt x="285096" y="-4925"/>
-                  <a:pt x="376456" y="22268"/>
-                  <a:pt x="622173" y="0"/>
-                </a:cubicBezTo>
-                <a:cubicBezTo>
-                  <a:pt x="867890" y="-22268"/>
-                  <a:pt x="1031392" y="7228"/>
-                  <a:pt x="1136142" y="0"/>
-                </a:cubicBezTo>
-                <a:cubicBezTo>
-                  <a:pt x="1240892" y="-7228"/>
-                  <a:pt x="1561853" y="9877"/>
-                  <a:pt x="1920621" y="0"/>
-                </a:cubicBezTo>
-                <a:cubicBezTo>
-                  <a:pt x="2279389" y="-9877"/>
-                  <a:pt x="2367255" y="19546"/>
-                  <a:pt x="2542794" y="0"/>
-                </a:cubicBezTo>
-                <a:cubicBezTo>
-                  <a:pt x="2718333" y="-19546"/>
-                  <a:pt x="2866732" y="-22226"/>
-                  <a:pt x="3164967" y="0"/>
-                </a:cubicBezTo>
-                <a:cubicBezTo>
-                  <a:pt x="3463202" y="22226"/>
-                  <a:pt x="3568055" y="-2765"/>
-                  <a:pt x="3949446" y="0"/>
-                </a:cubicBezTo>
-                <a:cubicBezTo>
-                  <a:pt x="4330837" y="2765"/>
-                  <a:pt x="4287895" y="10557"/>
-                  <a:pt x="4517517" y="0"/>
-                </a:cubicBezTo>
-                <a:cubicBezTo>
-                  <a:pt x="4747139" y="-10557"/>
-                  <a:pt x="5149588" y="8716"/>
-                  <a:pt x="5410200" y="0"/>
-                </a:cubicBezTo>
-                <a:cubicBezTo>
-                  <a:pt x="5409517" y="5414"/>
-                  <a:pt x="5409480" y="12510"/>
-                  <a:pt x="5410200" y="18288"/>
-                </a:cubicBezTo>
-                <a:cubicBezTo>
-                  <a:pt x="5163327" y="41494"/>
-                  <a:pt x="5008749" y="10693"/>
-                  <a:pt x="4842129" y="18288"/>
-                </a:cubicBezTo>
-                <a:cubicBezTo>
-                  <a:pt x="4675509" y="25883"/>
-                  <a:pt x="4433401" y="-615"/>
-                  <a:pt x="4165854" y="18288"/>
-                </a:cubicBezTo>
-                <a:cubicBezTo>
-                  <a:pt x="3898308" y="37191"/>
-                  <a:pt x="3809032" y="-8710"/>
-                  <a:pt x="3543681" y="18288"/>
-                </a:cubicBezTo>
-                <a:cubicBezTo>
-                  <a:pt x="3278330" y="45286"/>
-                  <a:pt x="3073876" y="-15917"/>
-                  <a:pt x="2759202" y="18288"/>
-                </a:cubicBezTo>
-                <a:cubicBezTo>
-                  <a:pt x="2444528" y="52493"/>
-                  <a:pt x="2204144" y="3372"/>
-                  <a:pt x="1974723" y="18288"/>
-                </a:cubicBezTo>
-                <a:cubicBezTo>
-                  <a:pt x="1745302" y="33204"/>
-                  <a:pt x="1602335" y="31490"/>
-                  <a:pt x="1406652" y="18288"/>
-                </a:cubicBezTo>
-                <a:cubicBezTo>
-                  <a:pt x="1210969" y="5086"/>
-                  <a:pt x="923948" y="3161"/>
-                  <a:pt x="730377" y="18288"/>
-                </a:cubicBezTo>
-                <a:cubicBezTo>
-                  <a:pt x="536806" y="33415"/>
-                  <a:pt x="336496" y="-141"/>
-                  <a:pt x="0" y="18288"/>
-                </a:cubicBezTo>
-                <a:cubicBezTo>
-                  <a:pt x="-306" y="11061"/>
-                  <a:pt x="-655" y="7751"/>
-                  <a:pt x="0" y="0"/>
-                </a:cubicBezTo>
-                <a:close/>
-              </a:path>
-            </a:pathLst>
-          </a:custGeom>
-          <a:solidFill>
-            <a:schemeClr val="accent2"/>
-          </a:solidFill>
-          <a:ln w="41275" cap="rnd">
-            <a:solidFill>
-              <a:schemeClr val="accent2"/>
-            </a:solidFill>
-            <a:round/>
-            <a:extLst>
-              <a:ext uri="{C807C97D-BFC1-408E-A445-0C87EB9F89A2}">
-                <ask:lineSketchStyleProps xmlns:ask="http://schemas.microsoft.com/office/drawing/2018/sketchyshapes" sd="1219033472">
-                  <a:prstGeom prst="rect">
-                    <a:avLst/>
-                  </a:prstGeom>
-                  <ask:type>
-                    <ask:lineSketchFreehand/>
-                  </ask:type>
-                </ask:lineSketchStyleProps>
-              </a:ext>
-            </a:extLst>
-          </a:ln>
-        </p:spPr>
-        <p:style>
-          <a:lnRef idx="2">
-            <a:schemeClr val="accent1">
-              <a:shade val="50000"/>
-            </a:schemeClr>
-          </a:lnRef>
-          <a:fillRef idx="1">
-            <a:schemeClr val="accent1"/>
-          </a:fillRef>
-          <a:effectRef idx="0">
-            <a:schemeClr val="accent1"/>
-          </a:effectRef>
-          <a:fontRef idx="minor">
-            <a:schemeClr val="lt1"/>
-          </a:fontRef>
-        </p:style>
-        <p:txBody>
-          <a:bodyPr rtlCol="0" anchor="ctr"/>
-          <a:lstStyle/>
-          <a:p>
-            <a:pPr algn="ctr"/>
-            <a:endParaRPr lang="en-US"/>
-          </a:p>
-        </p:txBody>
-      </p:sp>
-    </p:spTree>
-    <p:extLst>
-      <p:ext uri="{BB962C8B-B14F-4D97-AF65-F5344CB8AC3E}">
-        <p14:creationId xmlns:p14="http://schemas.microsoft.com/office/powerpoint/2010/main" val="2373585199"/>
-      </p:ext>
-    </p:extLst>
-  </p:cSld>
-  <p:clrMapOvr>
-    <a:masterClrMapping/>
-  </p:clrMapOvr>
-  <p:timing>
-    <p:tnLst>
-      <p:par>
-        <p:cTn id="1" dur="indefinite" restart="never" nodeType="tmRoot">
-          <p:childTnLst>
-            <p:seq concurrent="1" nextAc="seek">
-              <p:cTn id="2" dur="indefinite" nodeType="mainSeq">
-                <p:childTnLst>
-                  <p:par>
-                    <p:cTn id="3" fill="hold">
-                      <p:stCondLst>
-                        <p:cond delay="indefinite"/>
-                        <p:cond evt="onBegin" delay="0">
-                          <p:tn val="2"/>
-                        </p:cond>
-                      </p:stCondLst>
-                      <p:childTnLst>
-                        <p:par>
-                          <p:cTn id="4" fill="hold">
-                            <p:stCondLst>
-                              <p:cond delay="0"/>
-                            </p:stCondLst>
-                            <p:childTnLst>
-                              <p:par>
-                                <p:cTn id="5" presetID="10" presetClass="entr" presetSubtype="0" fill="hold" grpId="0" nodeType="withEffect">
-                                  <p:stCondLst>
-                                    <p:cond delay="500"/>
-                                  </p:stCondLst>
-                                  <p:iterate type="wd">
-                                    <p:tmPct val="15000"/>
-                                  </p:iterate>
-                                  <p:childTnLst>
-                                    <p:set>
-                                      <p:cBhvr>
-                                        <p:cTn id="6" dur="1" fill="hold">
-                                          <p:stCondLst>
-                                            <p:cond delay="0"/>
-                                          </p:stCondLst>
-                                        </p:cTn>
-                                        <p:tgtEl>
-                                          <p:spTgt spid="2"/>
-                                        </p:tgtEl>
-                                        <p:attrNameLst>
-                                          <p:attrName>style.visibility</p:attrName>
-                                        </p:attrNameLst>
-                                      </p:cBhvr>
-                                      <p:to>
-                                        <p:strVal val="visible"/>
-                                      </p:to>
-                                    </p:set>
-                                    <p:animEffect transition="in" filter="fade">
-                                      <p:cBhvr>
-                                        <p:cTn id="7" dur="1000"/>
-                                        <p:tgtEl>
-                                          <p:spTgt spid="2"/>
-                                        </p:tgtEl>
-                                      </p:cBhvr>
-                                    </p:animEffect>
-                                  </p:childTnLst>
-                                </p:cTn>
-                              </p:par>
-                            </p:childTnLst>
-                          </p:cTn>
-                        </p:par>
-                      </p:childTnLst>
-                    </p:cTn>
-                  </p:par>
-                </p:childTnLst>
-              </p:cTn>
-              <p:prevCondLst>
-                <p:cond evt="onPrev" delay="0">
-                  <p:tgtEl>
-                    <p:sldTgt/>
-                  </p:tgtEl>
-                </p:cond>
-              </p:prevCondLst>
-              <p:nextCondLst>
-                <p:cond evt="onNext" delay="0">
-                  <p:tgtEl>
-                    <p:sldTgt/>
-                  </p:tgtEl>
-                </p:cond>
-              </p:nextCondLst>
-            </p:seq>
-          </p:childTnLst>
-        </p:cTn>
-      </p:par>
-    </p:tnLst>
-    <p:bldLst>
-      <p:bldP spid="2" grpId="0"/>
-    </p:bldLst>
-  </p:timing>
 </p:sld>
 </file>
 

--- a/CDS presentation/Tag1_Data Modeling with Core Data Services.pptx
+++ b/CDS presentation/Tag1_Data Modeling with Core Data Services.pptx
@@ -5,7 +5,7 @@
     <p:sldMasterId id="2147483648" r:id="rId1"/>
   </p:sldMasterIdLst>
   <p:notesMasterIdLst>
-    <p:notesMasterId r:id="rId41"/>
+    <p:notesMasterId r:id="rId42"/>
   </p:notesMasterIdLst>
   <p:sldIdLst>
     <p:sldId id="282" r:id="rId2"/>
@@ -46,7 +46,8 @@
     <p:sldId id="337" r:id="rId37"/>
     <p:sldId id="341" r:id="rId38"/>
     <p:sldId id="342" r:id="rId39"/>
-    <p:sldId id="338" r:id="rId40"/>
+    <p:sldId id="343" r:id="rId40"/>
+    <p:sldId id="338" r:id="rId41"/>
   </p:sldIdLst>
   <p:sldSz cx="12192000" cy="6858000"/>
   <p:notesSz cx="6858000" cy="9144000"/>
@@ -3230,6 +3231,90 @@
     </a:lvl9pPr>
   </p:notesStyle>
 </p:notesMaster>
+</file>
+
+<file path=ppt/notesSlides/notesSlide1.xml><?xml version="1.0" encoding="utf-8"?>
+<p:notes xmlns:a="http://schemas.openxmlformats.org/drawingml/2006/main" xmlns:r="http://schemas.openxmlformats.org/officeDocument/2006/relationships" xmlns:p="http://schemas.openxmlformats.org/presentationml/2006/main">
+  <p:cSld>
+    <p:spTree>
+      <p:nvGrpSpPr>
+        <p:cNvPr id="1" name=""/>
+        <p:cNvGrpSpPr/>
+        <p:nvPr/>
+      </p:nvGrpSpPr>
+      <p:grpSpPr>
+        <a:xfrm>
+          <a:off x="0" y="0"/>
+          <a:ext cx="0" cy="0"/>
+          <a:chOff x="0" y="0"/>
+          <a:chExt cx="0" cy="0"/>
+        </a:xfrm>
+      </p:grpSpPr>
+      <p:sp>
+        <p:nvSpPr>
+          <p:cNvPr id="2" name="Folienbildplatzhalter 1"/>
+          <p:cNvSpPr>
+            <a:spLocks noGrp="1" noRot="1" noChangeAspect="1"/>
+          </p:cNvSpPr>
+          <p:nvPr>
+            <p:ph type="sldImg"/>
+          </p:nvPr>
+        </p:nvSpPr>
+        <p:spPr/>
+      </p:sp>
+      <p:sp>
+        <p:nvSpPr>
+          <p:cNvPr id="3" name="Notizenplatzhalter 2"/>
+          <p:cNvSpPr>
+            <a:spLocks noGrp="1"/>
+          </p:cNvSpPr>
+          <p:nvPr>
+            <p:ph type="body" idx="1"/>
+          </p:nvPr>
+        </p:nvSpPr>
+        <p:spPr/>
+        <p:txBody>
+          <a:bodyPr/>
+          <a:lstStyle/>
+          <a:p>
+            <a:endParaRPr lang="de-DE"/>
+          </a:p>
+        </p:txBody>
+      </p:sp>
+      <p:sp>
+        <p:nvSpPr>
+          <p:cNvPr id="4" name="Foliennummernplatzhalter 3"/>
+          <p:cNvSpPr>
+            <a:spLocks noGrp="1"/>
+          </p:cNvSpPr>
+          <p:nvPr>
+            <p:ph type="sldNum" sz="quarter" idx="5"/>
+          </p:nvPr>
+        </p:nvSpPr>
+        <p:spPr/>
+        <p:txBody>
+          <a:bodyPr/>
+          <a:lstStyle/>
+          <a:p>
+            <a:fld id="{DC0C8601-5E09-0E4C-A79E-D4DC8377D91B}" type="slidenum">
+              <a:rPr lang="de-DE" smtClean="0"/>
+              <a:t>39</a:t>
+            </a:fld>
+            <a:endParaRPr lang="de-DE"/>
+          </a:p>
+        </p:txBody>
+      </p:sp>
+    </p:spTree>
+    <p:extLst>
+      <p:ext uri="{BB962C8B-B14F-4D97-AF65-F5344CB8AC3E}">
+        <p14:creationId xmlns:p14="http://schemas.microsoft.com/office/powerpoint/2010/main" val="732061152"/>
+      </p:ext>
+    </p:extLst>
+  </p:cSld>
+  <p:clrMapOvr>
+    <a:masterClrMapping/>
+  </p:clrMapOvr>
+</p:notes>
 </file>
 
 <file path=ppt/slideLayouts/slideLayout1.xml><?xml version="1.0" encoding="utf-8"?>
@@ -17287,6 +17372,14 @@
 <file path=ppt/slides/slide27.xml><?xml version="1.0" encoding="utf-8"?>
 <p:sld xmlns:a="http://schemas.openxmlformats.org/drawingml/2006/main" xmlns:r="http://schemas.openxmlformats.org/officeDocument/2006/relationships" xmlns:p="http://schemas.openxmlformats.org/presentationml/2006/main">
   <p:cSld>
+    <p:bg>
+      <p:bgPr>
+        <a:solidFill>
+          <a:schemeClr val="bg1"/>
+        </a:solidFill>
+        <a:effectLst/>
+      </p:bgPr>
+    </p:bg>
     <p:spTree>
       <p:nvGrpSpPr>
         <p:cNvPr id="1" name=""/>
@@ -17301,6 +17394,66 @@
           <a:chExt cx="0" cy="0"/>
         </a:xfrm>
       </p:grpSpPr>
+      <p:sp useBgFill="1">
+        <p:nvSpPr>
+          <p:cNvPr id="8" name="Rectangle 7">
+            <a:extLst>
+              <a:ext uri="{FF2B5EF4-FFF2-40B4-BE49-F238E27FC236}">
+                <a16:creationId xmlns:a16="http://schemas.microsoft.com/office/drawing/2014/main" id="{777A147A-9ED8-46B4-8660-1B3C2AA880B5}"/>
+              </a:ext>
+              <a:ext uri="{C183D7F6-B498-43B3-948B-1728B52AA6E4}">
+                <adec:decorative xmlns:adec="http://schemas.microsoft.com/office/drawing/2017/decorative" val="1"/>
+              </a:ext>
+            </a:extLst>
+          </p:cNvPr>
+          <p:cNvSpPr>
+            <a:spLocks noGrp="1" noRot="1" noChangeAspect="1" noMove="1" noResize="1" noEditPoints="1" noAdjustHandles="1" noChangeArrowheads="1" noChangeShapeType="1" noTextEdit="1"/>
+          </p:cNvSpPr>
+          <p:nvPr>
+            <p:extLst>
+              <p:ext uri="{386F3935-93C4-4BCD-93E2-E3B085C9AB24}">
+                <p16:designElem xmlns:p16="http://schemas.microsoft.com/office/powerpoint/2015/main" val="1"/>
+              </p:ext>
+            </p:extLst>
+          </p:nvPr>
+        </p:nvSpPr>
+        <p:spPr>
+          <a:xfrm>
+            <a:off x="0" y="0"/>
+            <a:ext cx="12188952" cy="6858000"/>
+          </a:xfrm>
+          <a:prstGeom prst="rect">
+            <a:avLst/>
+          </a:prstGeom>
+          <a:ln>
+            <a:noFill/>
+          </a:ln>
+        </p:spPr>
+        <p:style>
+          <a:lnRef idx="2">
+            <a:schemeClr val="accent1">
+              <a:shade val="50000"/>
+            </a:schemeClr>
+          </a:lnRef>
+          <a:fillRef idx="1">
+            <a:schemeClr val="accent1"/>
+          </a:fillRef>
+          <a:effectRef idx="0">
+            <a:schemeClr val="accent1"/>
+          </a:effectRef>
+          <a:fontRef idx="minor">
+            <a:schemeClr val="lt1"/>
+          </a:fontRef>
+        </p:style>
+        <p:txBody>
+          <a:bodyPr rtlCol="0" anchor="ctr"/>
+          <a:lstStyle/>
+          <a:p>
+            <a:pPr algn="ctr"/>
+            <a:endParaRPr lang="en-US"/>
+          </a:p>
+        </p:txBody>
+      </p:sp>
       <p:sp>
         <p:nvSpPr>
           <p:cNvPr id="2" name="Titel 1">
@@ -17317,15 +17470,365 @@
             <p:ph type="title"/>
           </p:nvPr>
         </p:nvSpPr>
-        <p:spPr/>
+        <p:spPr>
+          <a:xfrm>
+            <a:off x="841248" y="548640"/>
+            <a:ext cx="3600860" cy="5431536"/>
+          </a:xfrm>
+        </p:spPr>
         <p:txBody>
-          <a:bodyPr/>
+          <a:bodyPr>
+            <a:normAutofit/>
+          </a:bodyPr>
           <a:lstStyle/>
           <a:p>
             <a:r>
-              <a:rPr lang="de-DE" dirty="0"/>
+              <a:rPr lang="de-DE" sz="5400"/>
               <a:t>Quiz</a:t>
             </a:r>
+          </a:p>
+        </p:txBody>
+      </p:sp>
+      <p:sp>
+        <p:nvSpPr>
+          <p:cNvPr id="14" name="sketch line">
+            <a:extLst>
+              <a:ext uri="{FF2B5EF4-FFF2-40B4-BE49-F238E27FC236}">
+                <a16:creationId xmlns:a16="http://schemas.microsoft.com/office/drawing/2014/main" id="{5D6C15A0-C087-4593-8414-2B4EC1CDC3DE}"/>
+              </a:ext>
+              <a:ext uri="{C183D7F6-B498-43B3-948B-1728B52AA6E4}">
+                <adec:decorative xmlns:adec="http://schemas.microsoft.com/office/drawing/2017/decorative" val="1"/>
+              </a:ext>
+            </a:extLst>
+          </p:cNvPr>
+          <p:cNvSpPr>
+            <a:spLocks noGrp="1" noRot="1" noChangeAspect="1" noMove="1" noResize="1" noEditPoints="1" noAdjustHandles="1" noChangeArrowheads="1" noChangeShapeType="1" noTextEdit="1"/>
+          </p:cNvSpPr>
+          <p:nvPr>
+            <p:extLst>
+              <p:ext uri="{386F3935-93C4-4BCD-93E2-E3B085C9AB24}">
+                <p16:designElem xmlns:p16="http://schemas.microsoft.com/office/powerpoint/2015/main" val="1"/>
+              </p:ext>
+            </p:extLst>
+          </p:nvPr>
+        </p:nvSpPr>
+        <p:spPr>
+          <a:xfrm rot="5400000">
+            <a:off x="2543983" y="3258715"/>
+            <a:ext cx="4480560" cy="18288"/>
+          </a:xfrm>
+          <a:custGeom>
+            <a:avLst/>
+            <a:gdLst>
+              <a:gd name="connsiteX0" fmla="*/ 0 w 4480560"/>
+              <a:gd name="connsiteY0" fmla="*/ 0 h 18288"/>
+              <a:gd name="connsiteX1" fmla="*/ 595274 w 4480560"/>
+              <a:gd name="connsiteY1" fmla="*/ 0 h 18288"/>
+              <a:gd name="connsiteX2" fmla="*/ 1100938 w 4480560"/>
+              <a:gd name="connsiteY2" fmla="*/ 0 h 18288"/>
+              <a:gd name="connsiteX3" fmla="*/ 1651406 w 4480560"/>
+              <a:gd name="connsiteY3" fmla="*/ 0 h 18288"/>
+              <a:gd name="connsiteX4" fmla="*/ 2336292 w 4480560"/>
+              <a:gd name="connsiteY4" fmla="*/ 0 h 18288"/>
+              <a:gd name="connsiteX5" fmla="*/ 2931566 w 4480560"/>
+              <a:gd name="connsiteY5" fmla="*/ 0 h 18288"/>
+              <a:gd name="connsiteX6" fmla="*/ 3482035 w 4480560"/>
+              <a:gd name="connsiteY6" fmla="*/ 0 h 18288"/>
+              <a:gd name="connsiteX7" fmla="*/ 4480560 w 4480560"/>
+              <a:gd name="connsiteY7" fmla="*/ 0 h 18288"/>
+              <a:gd name="connsiteX8" fmla="*/ 4480560 w 4480560"/>
+              <a:gd name="connsiteY8" fmla="*/ 18288 h 18288"/>
+              <a:gd name="connsiteX9" fmla="*/ 3840480 w 4480560"/>
+              <a:gd name="connsiteY9" fmla="*/ 18288 h 18288"/>
+              <a:gd name="connsiteX10" fmla="*/ 3290011 w 4480560"/>
+              <a:gd name="connsiteY10" fmla="*/ 18288 h 18288"/>
+              <a:gd name="connsiteX11" fmla="*/ 2560320 w 4480560"/>
+              <a:gd name="connsiteY11" fmla="*/ 18288 h 18288"/>
+              <a:gd name="connsiteX12" fmla="*/ 1965046 w 4480560"/>
+              <a:gd name="connsiteY12" fmla="*/ 18288 h 18288"/>
+              <a:gd name="connsiteX13" fmla="*/ 1459382 w 4480560"/>
+              <a:gd name="connsiteY13" fmla="*/ 18288 h 18288"/>
+              <a:gd name="connsiteX14" fmla="*/ 774497 w 4480560"/>
+              <a:gd name="connsiteY14" fmla="*/ 18288 h 18288"/>
+              <a:gd name="connsiteX15" fmla="*/ 0 w 4480560"/>
+              <a:gd name="connsiteY15" fmla="*/ 18288 h 18288"/>
+              <a:gd name="connsiteX16" fmla="*/ 0 w 4480560"/>
+              <a:gd name="connsiteY16" fmla="*/ 0 h 18288"/>
+            </a:gdLst>
+            <a:ahLst/>
+            <a:cxnLst>
+              <a:cxn ang="0">
+                <a:pos x="connsiteX0" y="connsiteY0"/>
+              </a:cxn>
+              <a:cxn ang="0">
+                <a:pos x="connsiteX1" y="connsiteY1"/>
+              </a:cxn>
+              <a:cxn ang="0">
+                <a:pos x="connsiteX2" y="connsiteY2"/>
+              </a:cxn>
+              <a:cxn ang="0">
+                <a:pos x="connsiteX3" y="connsiteY3"/>
+              </a:cxn>
+              <a:cxn ang="0">
+                <a:pos x="connsiteX4" y="connsiteY4"/>
+              </a:cxn>
+              <a:cxn ang="0">
+                <a:pos x="connsiteX5" y="connsiteY5"/>
+              </a:cxn>
+              <a:cxn ang="0">
+                <a:pos x="connsiteX6" y="connsiteY6"/>
+              </a:cxn>
+              <a:cxn ang="0">
+                <a:pos x="connsiteX7" y="connsiteY7"/>
+              </a:cxn>
+              <a:cxn ang="0">
+                <a:pos x="connsiteX8" y="connsiteY8"/>
+              </a:cxn>
+              <a:cxn ang="0">
+                <a:pos x="connsiteX9" y="connsiteY9"/>
+              </a:cxn>
+              <a:cxn ang="0">
+                <a:pos x="connsiteX10" y="connsiteY10"/>
+              </a:cxn>
+              <a:cxn ang="0">
+                <a:pos x="connsiteX11" y="connsiteY11"/>
+              </a:cxn>
+              <a:cxn ang="0">
+                <a:pos x="connsiteX12" y="connsiteY12"/>
+              </a:cxn>
+              <a:cxn ang="0">
+                <a:pos x="connsiteX13" y="connsiteY13"/>
+              </a:cxn>
+              <a:cxn ang="0">
+                <a:pos x="connsiteX14" y="connsiteY14"/>
+              </a:cxn>
+              <a:cxn ang="0">
+                <a:pos x="connsiteX15" y="connsiteY15"/>
+              </a:cxn>
+              <a:cxn ang="0">
+                <a:pos x="connsiteX16" y="connsiteY16"/>
+              </a:cxn>
+            </a:cxnLst>
+            <a:rect l="l" t="t" r="r" b="b"/>
+            <a:pathLst>
+              <a:path w="4480560" h="18288" fill="none" extrusionOk="0">
+                <a:moveTo>
+                  <a:pt x="0" y="0"/>
+                </a:moveTo>
+                <a:cubicBezTo>
+                  <a:pt x="267821" y="8731"/>
+                  <a:pt x="334105" y="2629"/>
+                  <a:pt x="595274" y="0"/>
+                </a:cubicBezTo>
+                <a:cubicBezTo>
+                  <a:pt x="856443" y="-2629"/>
+                  <a:pt x="863808" y="-13353"/>
+                  <a:pt x="1100938" y="0"/>
+                </a:cubicBezTo>
+                <a:cubicBezTo>
+                  <a:pt x="1338068" y="13353"/>
+                  <a:pt x="1431663" y="-25862"/>
+                  <a:pt x="1651406" y="0"/>
+                </a:cubicBezTo>
+                <a:cubicBezTo>
+                  <a:pt x="1871149" y="25862"/>
+                  <a:pt x="2173163" y="23827"/>
+                  <a:pt x="2336292" y="0"/>
+                </a:cubicBezTo>
+                <a:cubicBezTo>
+                  <a:pt x="2499421" y="-23827"/>
+                  <a:pt x="2720589" y="28148"/>
+                  <a:pt x="2931566" y="0"/>
+                </a:cubicBezTo>
+                <a:cubicBezTo>
+                  <a:pt x="3142543" y="-28148"/>
+                  <a:pt x="3323630" y="27022"/>
+                  <a:pt x="3482035" y="0"/>
+                </a:cubicBezTo>
+                <a:cubicBezTo>
+                  <a:pt x="3640440" y="-27022"/>
+                  <a:pt x="4012110" y="-20118"/>
+                  <a:pt x="4480560" y="0"/>
+                </a:cubicBezTo>
+                <a:cubicBezTo>
+                  <a:pt x="4480958" y="7429"/>
+                  <a:pt x="4480540" y="10822"/>
+                  <a:pt x="4480560" y="18288"/>
+                </a:cubicBezTo>
+                <a:cubicBezTo>
+                  <a:pt x="4314132" y="14924"/>
+                  <a:pt x="4028383" y="36632"/>
+                  <a:pt x="3840480" y="18288"/>
+                </a:cubicBezTo>
+                <a:cubicBezTo>
+                  <a:pt x="3652577" y="-56"/>
+                  <a:pt x="3547615" y="2848"/>
+                  <a:pt x="3290011" y="18288"/>
+                </a:cubicBezTo>
+                <a:cubicBezTo>
+                  <a:pt x="3032407" y="33728"/>
+                  <a:pt x="2830268" y="8719"/>
+                  <a:pt x="2560320" y="18288"/>
+                </a:cubicBezTo>
+                <a:cubicBezTo>
+                  <a:pt x="2290372" y="27857"/>
+                  <a:pt x="2147422" y="6728"/>
+                  <a:pt x="1965046" y="18288"/>
+                </a:cubicBezTo>
+                <a:cubicBezTo>
+                  <a:pt x="1782670" y="29848"/>
+                  <a:pt x="1689791" y="40680"/>
+                  <a:pt x="1459382" y="18288"/>
+                </a:cubicBezTo>
+                <a:cubicBezTo>
+                  <a:pt x="1228973" y="-4104"/>
+                  <a:pt x="915486" y="36501"/>
+                  <a:pt x="774497" y="18288"/>
+                </a:cubicBezTo>
+                <a:cubicBezTo>
+                  <a:pt x="633508" y="75"/>
+                  <a:pt x="361442" y="-11107"/>
+                  <a:pt x="0" y="18288"/>
+                </a:cubicBezTo>
+                <a:cubicBezTo>
+                  <a:pt x="-591" y="13205"/>
+                  <a:pt x="-663" y="6329"/>
+                  <a:pt x="0" y="0"/>
+                </a:cubicBezTo>
+                <a:close/>
+              </a:path>
+              <a:path w="4480560" h="18288" stroke="0" extrusionOk="0">
+                <a:moveTo>
+                  <a:pt x="0" y="0"/>
+                </a:moveTo>
+                <a:cubicBezTo>
+                  <a:pt x="285465" y="225"/>
+                  <a:pt x="322691" y="16223"/>
+                  <a:pt x="595274" y="0"/>
+                </a:cubicBezTo>
+                <a:cubicBezTo>
+                  <a:pt x="867857" y="-16223"/>
+                  <a:pt x="989129" y="-11242"/>
+                  <a:pt x="1100938" y="0"/>
+                </a:cubicBezTo>
+                <a:cubicBezTo>
+                  <a:pt x="1212747" y="11242"/>
+                  <a:pt x="1574350" y="-36410"/>
+                  <a:pt x="1830629" y="0"/>
+                </a:cubicBezTo>
+                <a:cubicBezTo>
+                  <a:pt x="2086908" y="36410"/>
+                  <a:pt x="2180922" y="4645"/>
+                  <a:pt x="2425903" y="0"/>
+                </a:cubicBezTo>
+                <a:cubicBezTo>
+                  <a:pt x="2670884" y="-4645"/>
+                  <a:pt x="2782024" y="22929"/>
+                  <a:pt x="3021178" y="0"/>
+                </a:cubicBezTo>
+                <a:cubicBezTo>
+                  <a:pt x="3260332" y="-22929"/>
+                  <a:pt x="3456982" y="-1586"/>
+                  <a:pt x="3750869" y="0"/>
+                </a:cubicBezTo>
+                <a:cubicBezTo>
+                  <a:pt x="4044756" y="1586"/>
+                  <a:pt x="4302726" y="17043"/>
+                  <a:pt x="4480560" y="0"/>
+                </a:cubicBezTo>
+                <a:cubicBezTo>
+                  <a:pt x="4479674" y="5429"/>
+                  <a:pt x="4481381" y="14046"/>
+                  <a:pt x="4480560" y="18288"/>
+                </a:cubicBezTo>
+                <a:cubicBezTo>
+                  <a:pt x="4279652" y="-6850"/>
+                  <a:pt x="4200762" y="41566"/>
+                  <a:pt x="3930091" y="18288"/>
+                </a:cubicBezTo>
+                <a:cubicBezTo>
+                  <a:pt x="3659420" y="-4990"/>
+                  <a:pt x="3456052" y="22294"/>
+                  <a:pt x="3290011" y="18288"/>
+                </a:cubicBezTo>
+                <a:cubicBezTo>
+                  <a:pt x="3123970" y="14282"/>
+                  <a:pt x="2882392" y="32818"/>
+                  <a:pt x="2649931" y="18288"/>
+                </a:cubicBezTo>
+                <a:cubicBezTo>
+                  <a:pt x="2417470" y="3758"/>
+                  <a:pt x="2238426" y="7337"/>
+                  <a:pt x="2054657" y="18288"/>
+                </a:cubicBezTo>
+                <a:cubicBezTo>
+                  <a:pt x="1870888" y="29239"/>
+                  <a:pt x="1566368" y="45040"/>
+                  <a:pt x="1324966" y="18288"/>
+                </a:cubicBezTo>
+                <a:cubicBezTo>
+                  <a:pt x="1083564" y="-8464"/>
+                  <a:pt x="787410" y="10946"/>
+                  <a:pt x="595274" y="18288"/>
+                </a:cubicBezTo>
+                <a:cubicBezTo>
+                  <a:pt x="403138" y="25630"/>
+                  <a:pt x="169622" y="10499"/>
+                  <a:pt x="0" y="18288"/>
+                </a:cubicBezTo>
+                <a:cubicBezTo>
+                  <a:pt x="668" y="13665"/>
+                  <a:pt x="578" y="5675"/>
+                  <a:pt x="0" y="0"/>
+                </a:cubicBezTo>
+                <a:close/>
+              </a:path>
+            </a:pathLst>
+          </a:custGeom>
+          <a:solidFill>
+            <a:schemeClr val="accent2"/>
+          </a:solidFill>
+          <a:ln w="41275" cap="rnd">
+            <a:solidFill>
+              <a:schemeClr val="accent2"/>
+            </a:solidFill>
+            <a:round/>
+            <a:extLst>
+              <a:ext uri="{C807C97D-BFC1-408E-A445-0C87EB9F89A2}">
+                <ask:lineSketchStyleProps xmlns:ask="http://schemas.microsoft.com/office/drawing/2018/sketchyshapes" sd="1219033472">
+                  <a:prstGeom prst="rect">
+                    <a:avLst/>
+                  </a:prstGeom>
+                  <ask:type>
+                    <ask:lineSketchFreehand/>
+                  </ask:type>
+                </ask:lineSketchStyleProps>
+              </a:ext>
+            </a:extLst>
+          </a:ln>
+        </p:spPr>
+        <p:style>
+          <a:lnRef idx="2">
+            <a:schemeClr val="accent1">
+              <a:shade val="50000"/>
+            </a:schemeClr>
+          </a:lnRef>
+          <a:fillRef idx="1">
+            <a:schemeClr val="accent1"/>
+          </a:fillRef>
+          <a:effectRef idx="0">
+            <a:schemeClr val="accent1"/>
+          </a:effectRef>
+          <a:fontRef idx="minor">
+            <a:schemeClr val="lt1"/>
+          </a:fontRef>
+        </p:style>
+        <p:txBody>
+          <a:bodyPr rtlCol="0" anchor="ctr"/>
+          <a:lstStyle/>
+          <a:p>
+            <a:pPr algn="ctr"/>
+            <a:endParaRPr lang="en-US"/>
           </a:p>
         </p:txBody>
       </p:sp>
@@ -17345,97 +17848,56 @@
             <p:ph idx="1"/>
           </p:nvPr>
         </p:nvSpPr>
-        <p:spPr/>
+        <p:spPr>
+          <a:xfrm>
+            <a:off x="5126418" y="552091"/>
+            <a:ext cx="6224335" cy="5431536"/>
+          </a:xfrm>
+        </p:spPr>
         <p:txBody>
-          <a:bodyPr/>
+          <a:bodyPr anchor="ctr">
+            <a:normAutofit/>
+          </a:bodyPr>
           <a:lstStyle/>
           <a:p>
             <a:r>
-              <a:rPr lang="de-DE" dirty="0"/>
+              <a:rPr lang="de-DE" sz="2200"/>
               <a:t>Was ist eine Entität?</a:t>
             </a:r>
           </a:p>
           <a:p>
             <a:r>
-              <a:rPr lang="de-DE" dirty="0"/>
+              <a:rPr lang="de-DE" sz="2200"/>
               <a:t>Was ist ein BO?</a:t>
             </a:r>
           </a:p>
           <a:p>
             <a:r>
-              <a:rPr lang="de-DE" dirty="0"/>
-              <a:t>Was ist der Unterschied zwischen einer CDS-View mit „</a:t>
-            </a:r>
-            <a:r>
-              <a:rPr lang="de-DE" dirty="0" err="1"/>
-              <a:t>define</a:t>
-            </a:r>
-            <a:r>
-              <a:rPr lang="de-DE" dirty="0"/>
-              <a:t> </a:t>
-            </a:r>
-            <a:r>
-              <a:rPr lang="de-DE" dirty="0" err="1"/>
-              <a:t>view</a:t>
-            </a:r>
-            <a:r>
-              <a:rPr lang="de-DE" dirty="0"/>
-              <a:t>...“ und “</a:t>
-            </a:r>
-            <a:r>
-              <a:rPr lang="de-DE" dirty="0" err="1"/>
-              <a:t>define</a:t>
-            </a:r>
-            <a:r>
-              <a:rPr lang="de-DE" dirty="0"/>
-              <a:t> </a:t>
-            </a:r>
-            <a:r>
-              <a:rPr lang="de-DE" dirty="0" err="1"/>
-              <a:t>view</a:t>
-            </a:r>
-            <a:r>
-              <a:rPr lang="de-DE" dirty="0"/>
-              <a:t> </a:t>
-            </a:r>
-            <a:r>
-              <a:rPr lang="de-DE" dirty="0" err="1"/>
-              <a:t>entity</a:t>
-            </a:r>
-            <a:r>
-              <a:rPr lang="de-DE" dirty="0"/>
-              <a:t>...“.</a:t>
-            </a:r>
-          </a:p>
-          <a:p>
-            <a:r>
-              <a:rPr lang="de-DE" dirty="0"/>
-              <a:t>Was sind Assoziationen? Ziehe einen Vergleich zu einem herkömmlichen </a:t>
-            </a:r>
-            <a:r>
-              <a:rPr lang="de-DE" dirty="0" err="1"/>
-              <a:t>Join</a:t>
-            </a:r>
-            <a:r>
-              <a:rPr lang="de-DE" dirty="0"/>
-              <a:t>.</a:t>
-            </a:r>
-          </a:p>
-          <a:p>
-            <a:r>
-              <a:rPr lang="de-DE" dirty="0"/>
+              <a:rPr lang="de-DE" sz="2200"/>
+              <a:t>Was ist der Unterschied zwischen einer CDS-View mit „define view...“ und “define view entity...“.</a:t>
+            </a:r>
+          </a:p>
+          <a:p>
+            <a:r>
+              <a:rPr lang="de-DE" sz="2200"/>
+              <a:t>Was sind Assoziationen? Ziehe einen Vergleich zu einem herkömmlichen Join.</a:t>
+            </a:r>
+          </a:p>
+          <a:p>
+            <a:r>
+              <a:rPr lang="de-DE" sz="2200"/>
               <a:t>Wofür werden Kompositionen verwendet?</a:t>
             </a:r>
           </a:p>
           <a:p>
             <a:r>
-              <a:rPr lang="de-DE" dirty="0"/>
+              <a:rPr lang="de-DE" sz="2200"/>
               <a:t>Beschreibe den Grundaufbau einer CDS.</a:t>
             </a:r>
           </a:p>
           <a:p>
             <a:r>
-              <a:rPr lang="de-DE" dirty="0"/>
+              <a:rPr lang="de-DE" sz="2200"/>
               <a:t>Wozu dienen Annotationen?</a:t>
             </a:r>
           </a:p>
@@ -23692,6 +24154,928 @@
       </p:grpSpPr>
       <p:sp useBgFill="1">
         <p:nvSpPr>
+          <p:cNvPr id="8" name="Rectangle 7">
+            <a:extLst>
+              <a:ext uri="{FF2B5EF4-FFF2-40B4-BE49-F238E27FC236}">
+                <a16:creationId xmlns:a16="http://schemas.microsoft.com/office/drawing/2014/main" id="{777A147A-9ED8-46B4-8660-1B3C2AA880B5}"/>
+              </a:ext>
+              <a:ext uri="{C183D7F6-B498-43B3-948B-1728B52AA6E4}">
+                <adec:decorative xmlns:adec="http://schemas.microsoft.com/office/drawing/2017/decorative" val="1"/>
+              </a:ext>
+            </a:extLst>
+          </p:cNvPr>
+          <p:cNvSpPr>
+            <a:spLocks noGrp="1" noRot="1" noChangeAspect="1" noMove="1" noResize="1" noEditPoints="1" noAdjustHandles="1" noChangeArrowheads="1" noChangeShapeType="1" noTextEdit="1"/>
+          </p:cNvSpPr>
+          <p:nvPr>
+            <p:extLst>
+              <p:ext uri="{386F3935-93C4-4BCD-93E2-E3B085C9AB24}">
+                <p16:designElem xmlns:p16="http://schemas.microsoft.com/office/powerpoint/2015/main" val="1"/>
+              </p:ext>
+            </p:extLst>
+          </p:nvPr>
+        </p:nvSpPr>
+        <p:spPr>
+          <a:xfrm>
+            <a:off x="0" y="0"/>
+            <a:ext cx="12188952" cy="6858000"/>
+          </a:xfrm>
+          <a:prstGeom prst="rect">
+            <a:avLst/>
+          </a:prstGeom>
+          <a:ln>
+            <a:noFill/>
+          </a:ln>
+        </p:spPr>
+        <p:style>
+          <a:lnRef idx="2">
+            <a:schemeClr val="accent1">
+              <a:shade val="50000"/>
+            </a:schemeClr>
+          </a:lnRef>
+          <a:fillRef idx="1">
+            <a:schemeClr val="accent1"/>
+          </a:fillRef>
+          <a:effectRef idx="0">
+            <a:schemeClr val="accent1"/>
+          </a:effectRef>
+          <a:fontRef idx="minor">
+            <a:schemeClr val="lt1"/>
+          </a:fontRef>
+        </p:style>
+        <p:txBody>
+          <a:bodyPr rtlCol="0" anchor="ctr"/>
+          <a:lstStyle/>
+          <a:p>
+            <a:pPr algn="ctr"/>
+            <a:endParaRPr lang="en-US"/>
+          </a:p>
+        </p:txBody>
+      </p:sp>
+      <p:sp>
+        <p:nvSpPr>
+          <p:cNvPr id="2" name="Titel 1">
+            <a:extLst>
+              <a:ext uri="{FF2B5EF4-FFF2-40B4-BE49-F238E27FC236}">
+                <a16:creationId xmlns:a16="http://schemas.microsoft.com/office/drawing/2014/main" id="{C08D6C17-30FC-AEB8-1076-F0D28E8388AC}"/>
+              </a:ext>
+            </a:extLst>
+          </p:cNvPr>
+          <p:cNvSpPr>
+            <a:spLocks noGrp="1"/>
+          </p:cNvSpPr>
+          <p:nvPr>
+            <p:ph type="title"/>
+          </p:nvPr>
+        </p:nvSpPr>
+        <p:spPr>
+          <a:xfrm>
+            <a:off x="841248" y="548640"/>
+            <a:ext cx="3600860" cy="5431536"/>
+          </a:xfrm>
+        </p:spPr>
+        <p:txBody>
+          <a:bodyPr>
+            <a:normAutofit/>
+          </a:bodyPr>
+          <a:lstStyle/>
+          <a:p>
+            <a:r>
+              <a:rPr lang="de-DE" sz="5400"/>
+              <a:t>Hands On +</a:t>
+            </a:r>
+          </a:p>
+        </p:txBody>
+      </p:sp>
+      <p:sp>
+        <p:nvSpPr>
+          <p:cNvPr id="10" name="sketch line">
+            <a:extLst>
+              <a:ext uri="{FF2B5EF4-FFF2-40B4-BE49-F238E27FC236}">
+                <a16:creationId xmlns:a16="http://schemas.microsoft.com/office/drawing/2014/main" id="{5D6C15A0-C087-4593-8414-2B4EC1CDC3DE}"/>
+              </a:ext>
+              <a:ext uri="{C183D7F6-B498-43B3-948B-1728B52AA6E4}">
+                <adec:decorative xmlns:adec="http://schemas.microsoft.com/office/drawing/2017/decorative" val="1"/>
+              </a:ext>
+            </a:extLst>
+          </p:cNvPr>
+          <p:cNvSpPr>
+            <a:spLocks noGrp="1" noRot="1" noChangeAspect="1" noMove="1" noResize="1" noEditPoints="1" noAdjustHandles="1" noChangeArrowheads="1" noChangeShapeType="1" noTextEdit="1"/>
+          </p:cNvSpPr>
+          <p:nvPr>
+            <p:extLst>
+              <p:ext uri="{386F3935-93C4-4BCD-93E2-E3B085C9AB24}">
+                <p16:designElem xmlns:p16="http://schemas.microsoft.com/office/powerpoint/2015/main" val="1"/>
+              </p:ext>
+            </p:extLst>
+          </p:nvPr>
+        </p:nvSpPr>
+        <p:spPr>
+          <a:xfrm rot="5400000">
+            <a:off x="2543983" y="3258715"/>
+            <a:ext cx="4480560" cy="18288"/>
+          </a:xfrm>
+          <a:custGeom>
+            <a:avLst/>
+            <a:gdLst>
+              <a:gd name="connsiteX0" fmla="*/ 0 w 4480560"/>
+              <a:gd name="connsiteY0" fmla="*/ 0 h 18288"/>
+              <a:gd name="connsiteX1" fmla="*/ 595274 w 4480560"/>
+              <a:gd name="connsiteY1" fmla="*/ 0 h 18288"/>
+              <a:gd name="connsiteX2" fmla="*/ 1100938 w 4480560"/>
+              <a:gd name="connsiteY2" fmla="*/ 0 h 18288"/>
+              <a:gd name="connsiteX3" fmla="*/ 1651406 w 4480560"/>
+              <a:gd name="connsiteY3" fmla="*/ 0 h 18288"/>
+              <a:gd name="connsiteX4" fmla="*/ 2336292 w 4480560"/>
+              <a:gd name="connsiteY4" fmla="*/ 0 h 18288"/>
+              <a:gd name="connsiteX5" fmla="*/ 2931566 w 4480560"/>
+              <a:gd name="connsiteY5" fmla="*/ 0 h 18288"/>
+              <a:gd name="connsiteX6" fmla="*/ 3482035 w 4480560"/>
+              <a:gd name="connsiteY6" fmla="*/ 0 h 18288"/>
+              <a:gd name="connsiteX7" fmla="*/ 4480560 w 4480560"/>
+              <a:gd name="connsiteY7" fmla="*/ 0 h 18288"/>
+              <a:gd name="connsiteX8" fmla="*/ 4480560 w 4480560"/>
+              <a:gd name="connsiteY8" fmla="*/ 18288 h 18288"/>
+              <a:gd name="connsiteX9" fmla="*/ 3840480 w 4480560"/>
+              <a:gd name="connsiteY9" fmla="*/ 18288 h 18288"/>
+              <a:gd name="connsiteX10" fmla="*/ 3290011 w 4480560"/>
+              <a:gd name="connsiteY10" fmla="*/ 18288 h 18288"/>
+              <a:gd name="connsiteX11" fmla="*/ 2560320 w 4480560"/>
+              <a:gd name="connsiteY11" fmla="*/ 18288 h 18288"/>
+              <a:gd name="connsiteX12" fmla="*/ 1965046 w 4480560"/>
+              <a:gd name="connsiteY12" fmla="*/ 18288 h 18288"/>
+              <a:gd name="connsiteX13" fmla="*/ 1459382 w 4480560"/>
+              <a:gd name="connsiteY13" fmla="*/ 18288 h 18288"/>
+              <a:gd name="connsiteX14" fmla="*/ 774497 w 4480560"/>
+              <a:gd name="connsiteY14" fmla="*/ 18288 h 18288"/>
+              <a:gd name="connsiteX15" fmla="*/ 0 w 4480560"/>
+              <a:gd name="connsiteY15" fmla="*/ 18288 h 18288"/>
+              <a:gd name="connsiteX16" fmla="*/ 0 w 4480560"/>
+              <a:gd name="connsiteY16" fmla="*/ 0 h 18288"/>
+            </a:gdLst>
+            <a:ahLst/>
+            <a:cxnLst>
+              <a:cxn ang="0">
+                <a:pos x="connsiteX0" y="connsiteY0"/>
+              </a:cxn>
+              <a:cxn ang="0">
+                <a:pos x="connsiteX1" y="connsiteY1"/>
+              </a:cxn>
+              <a:cxn ang="0">
+                <a:pos x="connsiteX2" y="connsiteY2"/>
+              </a:cxn>
+              <a:cxn ang="0">
+                <a:pos x="connsiteX3" y="connsiteY3"/>
+              </a:cxn>
+              <a:cxn ang="0">
+                <a:pos x="connsiteX4" y="connsiteY4"/>
+              </a:cxn>
+              <a:cxn ang="0">
+                <a:pos x="connsiteX5" y="connsiteY5"/>
+              </a:cxn>
+              <a:cxn ang="0">
+                <a:pos x="connsiteX6" y="connsiteY6"/>
+              </a:cxn>
+              <a:cxn ang="0">
+                <a:pos x="connsiteX7" y="connsiteY7"/>
+              </a:cxn>
+              <a:cxn ang="0">
+                <a:pos x="connsiteX8" y="connsiteY8"/>
+              </a:cxn>
+              <a:cxn ang="0">
+                <a:pos x="connsiteX9" y="connsiteY9"/>
+              </a:cxn>
+              <a:cxn ang="0">
+                <a:pos x="connsiteX10" y="connsiteY10"/>
+              </a:cxn>
+              <a:cxn ang="0">
+                <a:pos x="connsiteX11" y="connsiteY11"/>
+              </a:cxn>
+              <a:cxn ang="0">
+                <a:pos x="connsiteX12" y="connsiteY12"/>
+              </a:cxn>
+              <a:cxn ang="0">
+                <a:pos x="connsiteX13" y="connsiteY13"/>
+              </a:cxn>
+              <a:cxn ang="0">
+                <a:pos x="connsiteX14" y="connsiteY14"/>
+              </a:cxn>
+              <a:cxn ang="0">
+                <a:pos x="connsiteX15" y="connsiteY15"/>
+              </a:cxn>
+              <a:cxn ang="0">
+                <a:pos x="connsiteX16" y="connsiteY16"/>
+              </a:cxn>
+            </a:cxnLst>
+            <a:rect l="l" t="t" r="r" b="b"/>
+            <a:pathLst>
+              <a:path w="4480560" h="18288" fill="none" extrusionOk="0">
+                <a:moveTo>
+                  <a:pt x="0" y="0"/>
+                </a:moveTo>
+                <a:cubicBezTo>
+                  <a:pt x="267821" y="8731"/>
+                  <a:pt x="334105" y="2629"/>
+                  <a:pt x="595274" y="0"/>
+                </a:cubicBezTo>
+                <a:cubicBezTo>
+                  <a:pt x="856443" y="-2629"/>
+                  <a:pt x="863808" y="-13353"/>
+                  <a:pt x="1100938" y="0"/>
+                </a:cubicBezTo>
+                <a:cubicBezTo>
+                  <a:pt x="1338068" y="13353"/>
+                  <a:pt x="1431663" y="-25862"/>
+                  <a:pt x="1651406" y="0"/>
+                </a:cubicBezTo>
+                <a:cubicBezTo>
+                  <a:pt x="1871149" y="25862"/>
+                  <a:pt x="2173163" y="23827"/>
+                  <a:pt x="2336292" y="0"/>
+                </a:cubicBezTo>
+                <a:cubicBezTo>
+                  <a:pt x="2499421" y="-23827"/>
+                  <a:pt x="2720589" y="28148"/>
+                  <a:pt x="2931566" y="0"/>
+                </a:cubicBezTo>
+                <a:cubicBezTo>
+                  <a:pt x="3142543" y="-28148"/>
+                  <a:pt x="3323630" y="27022"/>
+                  <a:pt x="3482035" y="0"/>
+                </a:cubicBezTo>
+                <a:cubicBezTo>
+                  <a:pt x="3640440" y="-27022"/>
+                  <a:pt x="4012110" y="-20118"/>
+                  <a:pt x="4480560" y="0"/>
+                </a:cubicBezTo>
+                <a:cubicBezTo>
+                  <a:pt x="4480958" y="7429"/>
+                  <a:pt x="4480540" y="10822"/>
+                  <a:pt x="4480560" y="18288"/>
+                </a:cubicBezTo>
+                <a:cubicBezTo>
+                  <a:pt x="4314132" y="14924"/>
+                  <a:pt x="4028383" y="36632"/>
+                  <a:pt x="3840480" y="18288"/>
+                </a:cubicBezTo>
+                <a:cubicBezTo>
+                  <a:pt x="3652577" y="-56"/>
+                  <a:pt x="3547615" y="2848"/>
+                  <a:pt x="3290011" y="18288"/>
+                </a:cubicBezTo>
+                <a:cubicBezTo>
+                  <a:pt x="3032407" y="33728"/>
+                  <a:pt x="2830268" y="8719"/>
+                  <a:pt x="2560320" y="18288"/>
+                </a:cubicBezTo>
+                <a:cubicBezTo>
+                  <a:pt x="2290372" y="27857"/>
+                  <a:pt x="2147422" y="6728"/>
+                  <a:pt x="1965046" y="18288"/>
+                </a:cubicBezTo>
+                <a:cubicBezTo>
+                  <a:pt x="1782670" y="29848"/>
+                  <a:pt x="1689791" y="40680"/>
+                  <a:pt x="1459382" y="18288"/>
+                </a:cubicBezTo>
+                <a:cubicBezTo>
+                  <a:pt x="1228973" y="-4104"/>
+                  <a:pt x="915486" y="36501"/>
+                  <a:pt x="774497" y="18288"/>
+                </a:cubicBezTo>
+                <a:cubicBezTo>
+                  <a:pt x="633508" y="75"/>
+                  <a:pt x="361442" y="-11107"/>
+                  <a:pt x="0" y="18288"/>
+                </a:cubicBezTo>
+                <a:cubicBezTo>
+                  <a:pt x="-591" y="13205"/>
+                  <a:pt x="-663" y="6329"/>
+                  <a:pt x="0" y="0"/>
+                </a:cubicBezTo>
+                <a:close/>
+              </a:path>
+              <a:path w="4480560" h="18288" stroke="0" extrusionOk="0">
+                <a:moveTo>
+                  <a:pt x="0" y="0"/>
+                </a:moveTo>
+                <a:cubicBezTo>
+                  <a:pt x="285465" y="225"/>
+                  <a:pt x="322691" y="16223"/>
+                  <a:pt x="595274" y="0"/>
+                </a:cubicBezTo>
+                <a:cubicBezTo>
+                  <a:pt x="867857" y="-16223"/>
+                  <a:pt x="989129" y="-11242"/>
+                  <a:pt x="1100938" y="0"/>
+                </a:cubicBezTo>
+                <a:cubicBezTo>
+                  <a:pt x="1212747" y="11242"/>
+                  <a:pt x="1574350" y="-36410"/>
+                  <a:pt x="1830629" y="0"/>
+                </a:cubicBezTo>
+                <a:cubicBezTo>
+                  <a:pt x="2086908" y="36410"/>
+                  <a:pt x="2180922" y="4645"/>
+                  <a:pt x="2425903" y="0"/>
+                </a:cubicBezTo>
+                <a:cubicBezTo>
+                  <a:pt x="2670884" y="-4645"/>
+                  <a:pt x="2782024" y="22929"/>
+                  <a:pt x="3021178" y="0"/>
+                </a:cubicBezTo>
+                <a:cubicBezTo>
+                  <a:pt x="3260332" y="-22929"/>
+                  <a:pt x="3456982" y="-1586"/>
+                  <a:pt x="3750869" y="0"/>
+                </a:cubicBezTo>
+                <a:cubicBezTo>
+                  <a:pt x="4044756" y="1586"/>
+                  <a:pt x="4302726" y="17043"/>
+                  <a:pt x="4480560" y="0"/>
+                </a:cubicBezTo>
+                <a:cubicBezTo>
+                  <a:pt x="4479674" y="5429"/>
+                  <a:pt x="4481381" y="14046"/>
+                  <a:pt x="4480560" y="18288"/>
+                </a:cubicBezTo>
+                <a:cubicBezTo>
+                  <a:pt x="4279652" y="-6850"/>
+                  <a:pt x="4200762" y="41566"/>
+                  <a:pt x="3930091" y="18288"/>
+                </a:cubicBezTo>
+                <a:cubicBezTo>
+                  <a:pt x="3659420" y="-4990"/>
+                  <a:pt x="3456052" y="22294"/>
+                  <a:pt x="3290011" y="18288"/>
+                </a:cubicBezTo>
+                <a:cubicBezTo>
+                  <a:pt x="3123970" y="14282"/>
+                  <a:pt x="2882392" y="32818"/>
+                  <a:pt x="2649931" y="18288"/>
+                </a:cubicBezTo>
+                <a:cubicBezTo>
+                  <a:pt x="2417470" y="3758"/>
+                  <a:pt x="2238426" y="7337"/>
+                  <a:pt x="2054657" y="18288"/>
+                </a:cubicBezTo>
+                <a:cubicBezTo>
+                  <a:pt x="1870888" y="29239"/>
+                  <a:pt x="1566368" y="45040"/>
+                  <a:pt x="1324966" y="18288"/>
+                </a:cubicBezTo>
+                <a:cubicBezTo>
+                  <a:pt x="1083564" y="-8464"/>
+                  <a:pt x="787410" y="10946"/>
+                  <a:pt x="595274" y="18288"/>
+                </a:cubicBezTo>
+                <a:cubicBezTo>
+                  <a:pt x="403138" y="25630"/>
+                  <a:pt x="169622" y="10499"/>
+                  <a:pt x="0" y="18288"/>
+                </a:cubicBezTo>
+                <a:cubicBezTo>
+                  <a:pt x="668" y="13665"/>
+                  <a:pt x="578" y="5675"/>
+                  <a:pt x="0" y="0"/>
+                </a:cubicBezTo>
+                <a:close/>
+              </a:path>
+            </a:pathLst>
+          </a:custGeom>
+          <a:solidFill>
+            <a:schemeClr val="accent2"/>
+          </a:solidFill>
+          <a:ln w="41275" cap="rnd">
+            <a:solidFill>
+              <a:schemeClr val="accent2"/>
+            </a:solidFill>
+            <a:round/>
+            <a:extLst>
+              <a:ext uri="{C807C97D-BFC1-408E-A445-0C87EB9F89A2}">
+                <ask:lineSketchStyleProps xmlns:ask="http://schemas.microsoft.com/office/drawing/2018/sketchyshapes" sd="1219033472">
+                  <a:prstGeom prst="rect">
+                    <a:avLst/>
+                  </a:prstGeom>
+                  <ask:type>
+                    <ask:lineSketchFreehand/>
+                  </ask:type>
+                </ask:lineSketchStyleProps>
+              </a:ext>
+            </a:extLst>
+          </a:ln>
+        </p:spPr>
+        <p:style>
+          <a:lnRef idx="2">
+            <a:schemeClr val="accent1">
+              <a:shade val="50000"/>
+            </a:schemeClr>
+          </a:lnRef>
+          <a:fillRef idx="1">
+            <a:schemeClr val="accent1"/>
+          </a:fillRef>
+          <a:effectRef idx="0">
+            <a:schemeClr val="accent1"/>
+          </a:effectRef>
+          <a:fontRef idx="minor">
+            <a:schemeClr val="lt1"/>
+          </a:fontRef>
+        </p:style>
+        <p:txBody>
+          <a:bodyPr rtlCol="0" anchor="ctr"/>
+          <a:lstStyle/>
+          <a:p>
+            <a:pPr algn="ctr"/>
+            <a:endParaRPr lang="en-US"/>
+          </a:p>
+        </p:txBody>
+      </p:sp>
+      <p:sp>
+        <p:nvSpPr>
+          <p:cNvPr id="3" name="Inhaltsplatzhalter 2">
+            <a:extLst>
+              <a:ext uri="{FF2B5EF4-FFF2-40B4-BE49-F238E27FC236}">
+                <a16:creationId xmlns:a16="http://schemas.microsoft.com/office/drawing/2014/main" id="{4A220151-7E3B-43EC-A37C-7E50B5B051F6}"/>
+              </a:ext>
+            </a:extLst>
+          </p:cNvPr>
+          <p:cNvSpPr>
+            <a:spLocks noGrp="1"/>
+          </p:cNvSpPr>
+          <p:nvPr>
+            <p:ph idx="1"/>
+          </p:nvPr>
+        </p:nvSpPr>
+        <p:spPr>
+          <a:xfrm>
+            <a:off x="5126418" y="552091"/>
+            <a:ext cx="6224335" cy="5431536"/>
+          </a:xfrm>
+        </p:spPr>
+        <p:txBody>
+          <a:bodyPr anchor="ctr">
+            <a:normAutofit/>
+          </a:bodyPr>
+          <a:lstStyle/>
+          <a:p>
+            <a:r>
+              <a:rPr lang="de-DE" sz="2200" dirty="0"/>
+              <a:t>Öffne ZC_SalesOrderWitthUserInput2</a:t>
+            </a:r>
+          </a:p>
+          <a:p>
+            <a:r>
+              <a:rPr lang="de-DE" sz="2200" dirty="0"/>
+              <a:t>Was passiert wenn ich folgenden Select machen würde:</a:t>
+            </a:r>
+            <a:br>
+              <a:rPr lang="de-DE" sz="2200" dirty="0"/>
+            </a:br>
+            <a:r>
+              <a:rPr lang="de-DE" sz="2200" dirty="0">
+                <a:latin typeface="Courier New" panose="02070309020205020404" pitchFamily="49" charset="0"/>
+                <a:cs typeface="Courier New" panose="02070309020205020404" pitchFamily="49" charset="0"/>
+              </a:rPr>
+              <a:t>SELECT * FROM zc_salesorderwithuserinput2( </a:t>
+            </a:r>
+            <a:r>
+              <a:rPr lang="de-DE" sz="2200" dirty="0" err="1">
+                <a:latin typeface="Courier New" panose="02070309020205020404" pitchFamily="49" charset="0"/>
+                <a:cs typeface="Courier New" panose="02070309020205020404" pitchFamily="49" charset="0"/>
+              </a:rPr>
+              <a:t>p_userinput</a:t>
+            </a:r>
+            <a:r>
+              <a:rPr lang="de-DE" sz="2200" dirty="0">
+                <a:latin typeface="Courier New" panose="02070309020205020404" pitchFamily="49" charset="0"/>
+                <a:cs typeface="Courier New" panose="02070309020205020404" pitchFamily="49" charset="0"/>
+              </a:rPr>
+              <a:t> = ‘TAF‘ ) INTO TABLE ... .</a:t>
+            </a:r>
+          </a:p>
+        </p:txBody>
+      </p:sp>
+    </p:spTree>
+    <p:extLst>
+      <p:ext uri="{BB962C8B-B14F-4D97-AF65-F5344CB8AC3E}">
+        <p14:creationId xmlns:p14="http://schemas.microsoft.com/office/powerpoint/2010/main" val="2065162720"/>
+      </p:ext>
+    </p:extLst>
+  </p:cSld>
+  <p:clrMapOvr>
+    <a:masterClrMapping/>
+  </p:clrMapOvr>
+</p:sld>
+</file>
+
+<file path=ppt/slides/slide4.xml><?xml version="1.0" encoding="utf-8"?>
+<p:sld xmlns:a="http://schemas.openxmlformats.org/drawingml/2006/main" xmlns:r="http://schemas.openxmlformats.org/officeDocument/2006/relationships" xmlns:p="http://schemas.openxmlformats.org/presentationml/2006/main">
+  <p:cSld>
+    <p:bg>
+      <p:bgPr>
+        <a:solidFill>
+          <a:schemeClr val="bg1"/>
+        </a:solidFill>
+        <a:effectLst/>
+      </p:bgPr>
+    </p:bg>
+    <p:spTree>
+      <p:nvGrpSpPr>
+        <p:cNvPr id="1" name=""/>
+        <p:cNvGrpSpPr/>
+        <p:nvPr/>
+      </p:nvGrpSpPr>
+      <p:grpSpPr>
+        <a:xfrm>
+          <a:off x="0" y="0"/>
+          <a:ext cx="0" cy="0"/>
+          <a:chOff x="0" y="0"/>
+          <a:chExt cx="0" cy="0"/>
+        </a:xfrm>
+      </p:grpSpPr>
+      <p:sp useBgFill="1">
+        <p:nvSpPr>
+          <p:cNvPr id="19" name="Rectangle 18">
+            <a:extLst>
+              <a:ext uri="{FF2B5EF4-FFF2-40B4-BE49-F238E27FC236}">
+                <a16:creationId xmlns:a16="http://schemas.microsoft.com/office/drawing/2014/main" id="{907EF6B7-1338-4443-8C46-6A318D952DFD}"/>
+              </a:ext>
+              <a:ext uri="{C183D7F6-B498-43B3-948B-1728B52AA6E4}">
+                <adec:decorative xmlns:adec="http://schemas.microsoft.com/office/drawing/2017/decorative" val="1"/>
+              </a:ext>
+            </a:extLst>
+          </p:cNvPr>
+          <p:cNvSpPr>
+            <a:spLocks noGrp="1" noRot="1" noChangeAspect="1" noMove="1" noResize="1" noEditPoints="1" noAdjustHandles="1" noChangeArrowheads="1" noChangeShapeType="1" noTextEdit="1"/>
+          </p:cNvSpPr>
+          <p:nvPr>
+            <p:extLst>
+              <p:ext uri="{386F3935-93C4-4BCD-93E2-E3B085C9AB24}">
+                <p16:designElem xmlns:p16="http://schemas.microsoft.com/office/powerpoint/2015/main" val="1"/>
+              </p:ext>
+            </p:extLst>
+          </p:nvPr>
+        </p:nvSpPr>
+        <p:spPr>
+          <a:xfrm>
+            <a:off x="3048" y="0"/>
+            <a:ext cx="12188952" cy="6858000"/>
+          </a:xfrm>
+          <a:prstGeom prst="rect">
+            <a:avLst/>
+          </a:prstGeom>
+          <a:ln>
+            <a:noFill/>
+          </a:ln>
+        </p:spPr>
+        <p:style>
+          <a:lnRef idx="2">
+            <a:schemeClr val="accent1">
+              <a:shade val="50000"/>
+            </a:schemeClr>
+          </a:lnRef>
+          <a:fillRef idx="1">
+            <a:schemeClr val="accent1"/>
+          </a:fillRef>
+          <a:effectRef idx="0">
+            <a:schemeClr val="accent1"/>
+          </a:effectRef>
+          <a:fontRef idx="minor">
+            <a:schemeClr val="lt1"/>
+          </a:fontRef>
+        </p:style>
+        <p:txBody>
+          <a:bodyPr rtlCol="0" anchor="ctr"/>
+          <a:lstStyle/>
+          <a:p>
+            <a:pPr algn="ctr"/>
+            <a:endParaRPr lang="en-US"/>
+          </a:p>
+        </p:txBody>
+      </p:sp>
+      <p:sp>
+        <p:nvSpPr>
+          <p:cNvPr id="21" name="Freeform: Shape 20">
+            <a:extLst>
+              <a:ext uri="{FF2B5EF4-FFF2-40B4-BE49-F238E27FC236}">
+                <a16:creationId xmlns:a16="http://schemas.microsoft.com/office/drawing/2014/main" id="{DAAE4CDD-124C-4DCF-9584-B6033B545DD5}"/>
+              </a:ext>
+              <a:ext uri="{C183D7F6-B498-43B3-948B-1728B52AA6E4}">
+                <adec:decorative xmlns:adec="http://schemas.microsoft.com/office/drawing/2017/decorative" val="1"/>
+              </a:ext>
+            </a:extLst>
+          </p:cNvPr>
+          <p:cNvSpPr>
+            <a:spLocks noGrp="1" noRot="1" noChangeAspect="1" noMove="1" noResize="1" noEditPoints="1" noAdjustHandles="1" noChangeArrowheads="1" noChangeShapeType="1" noTextEdit="1"/>
+          </p:cNvSpPr>
+          <p:nvPr>
+            <p:extLst>
+              <p:ext uri="{386F3935-93C4-4BCD-93E2-E3B085C9AB24}">
+                <p16:designElem xmlns:p16="http://schemas.microsoft.com/office/powerpoint/2015/main" val="1"/>
+              </p:ext>
+            </p:extLst>
+          </p:nvPr>
+        </p:nvSpPr>
+        <p:spPr>
+          <a:xfrm>
+            <a:off x="1" y="0"/>
+            <a:ext cx="4167271" cy="6858000"/>
+          </a:xfrm>
+          <a:custGeom>
+            <a:avLst/>
+            <a:gdLst>
+              <a:gd name="connsiteX0" fmla="*/ 0 w 4167271"/>
+              <a:gd name="connsiteY0" fmla="*/ 0 h 6858000"/>
+              <a:gd name="connsiteX1" fmla="*/ 2259550 w 4167271"/>
+              <a:gd name="connsiteY1" fmla="*/ 0 h 6858000"/>
+              <a:gd name="connsiteX2" fmla="*/ 2387803 w 4167271"/>
+              <a:gd name="connsiteY2" fmla="*/ 82222 h 6858000"/>
+              <a:gd name="connsiteX3" fmla="*/ 4167271 w 4167271"/>
+              <a:gd name="connsiteY3" fmla="*/ 3429000 h 6858000"/>
+              <a:gd name="connsiteX4" fmla="*/ 2387803 w 4167271"/>
+              <a:gd name="connsiteY4" fmla="*/ 6775779 h 6858000"/>
+              <a:gd name="connsiteX5" fmla="*/ 2259550 w 4167271"/>
+              <a:gd name="connsiteY5" fmla="*/ 6858000 h 6858000"/>
+              <a:gd name="connsiteX6" fmla="*/ 0 w 4167271"/>
+              <a:gd name="connsiteY6" fmla="*/ 6858000 h 6858000"/>
+            </a:gdLst>
+            <a:ahLst/>
+            <a:cxnLst>
+              <a:cxn ang="0">
+                <a:pos x="connsiteX0" y="connsiteY0"/>
+              </a:cxn>
+              <a:cxn ang="0">
+                <a:pos x="connsiteX1" y="connsiteY1"/>
+              </a:cxn>
+              <a:cxn ang="0">
+                <a:pos x="connsiteX2" y="connsiteY2"/>
+              </a:cxn>
+              <a:cxn ang="0">
+                <a:pos x="connsiteX3" y="connsiteY3"/>
+              </a:cxn>
+              <a:cxn ang="0">
+                <a:pos x="connsiteX4" y="connsiteY4"/>
+              </a:cxn>
+              <a:cxn ang="0">
+                <a:pos x="connsiteX5" y="connsiteY5"/>
+              </a:cxn>
+              <a:cxn ang="0">
+                <a:pos x="connsiteX6" y="connsiteY6"/>
+              </a:cxn>
+            </a:cxnLst>
+            <a:rect l="l" t="t" r="r" b="b"/>
+            <a:pathLst>
+              <a:path w="4167271" h="6858000">
+                <a:moveTo>
+                  <a:pt x="0" y="0"/>
+                </a:moveTo>
+                <a:lnTo>
+                  <a:pt x="2259550" y="0"/>
+                </a:lnTo>
+                <a:lnTo>
+                  <a:pt x="2387803" y="82222"/>
+                </a:lnTo>
+                <a:cubicBezTo>
+                  <a:pt x="3461407" y="807534"/>
+                  <a:pt x="4167271" y="2035835"/>
+                  <a:pt x="4167271" y="3429000"/>
+                </a:cubicBezTo>
+                <a:cubicBezTo>
+                  <a:pt x="4167271" y="4822165"/>
+                  <a:pt x="3461407" y="6050467"/>
+                  <a:pt x="2387803" y="6775779"/>
+                </a:cubicBezTo>
+                <a:lnTo>
+                  <a:pt x="2259550" y="6858000"/>
+                </a:lnTo>
+                <a:lnTo>
+                  <a:pt x="0" y="6858000"/>
+                </a:lnTo>
+                <a:close/>
+              </a:path>
+            </a:pathLst>
+          </a:custGeom>
+          <a:solidFill>
+            <a:schemeClr val="accent2"/>
+          </a:solidFill>
+          <a:ln>
+            <a:noFill/>
+          </a:ln>
+        </p:spPr>
+        <p:style>
+          <a:lnRef idx="2">
+            <a:schemeClr val="accent1">
+              <a:shade val="50000"/>
+            </a:schemeClr>
+          </a:lnRef>
+          <a:fillRef idx="1">
+            <a:schemeClr val="accent1"/>
+          </a:fillRef>
+          <a:effectRef idx="0">
+            <a:schemeClr val="accent1"/>
+          </a:effectRef>
+          <a:fontRef idx="minor">
+            <a:schemeClr val="lt1"/>
+          </a:fontRef>
+        </p:style>
+        <p:txBody>
+          <a:bodyPr rtlCol="0" anchor="ctr"/>
+          <a:lstStyle/>
+          <a:p>
+            <a:pPr algn="ctr"/>
+            <a:endParaRPr lang="en-US"/>
+          </a:p>
+        </p:txBody>
+      </p:sp>
+      <p:sp>
+        <p:nvSpPr>
+          <p:cNvPr id="2" name="Titel 1">
+            <a:extLst>
+              <a:ext uri="{FF2B5EF4-FFF2-40B4-BE49-F238E27FC236}">
+                <a16:creationId xmlns:a16="http://schemas.microsoft.com/office/drawing/2014/main" id="{92493E2E-0D32-3F0C-9FF0-3475F04C2619}"/>
+              </a:ext>
+            </a:extLst>
+          </p:cNvPr>
+          <p:cNvSpPr>
+            <a:spLocks noGrp="1"/>
+          </p:cNvSpPr>
+          <p:nvPr>
+            <p:ph type="title"/>
+          </p:nvPr>
+        </p:nvSpPr>
+        <p:spPr>
+          <a:xfrm>
+            <a:off x="686834" y="1153572"/>
+            <a:ext cx="3200400" cy="4461163"/>
+          </a:xfrm>
+        </p:spPr>
+        <p:txBody>
+          <a:bodyPr>
+            <a:normAutofit/>
+          </a:bodyPr>
+          <a:lstStyle/>
+          <a:p>
+            <a:r>
+              <a:rPr lang="de-DE">
+                <a:solidFill>
+                  <a:srgbClr val="FFFFFF"/>
+                </a:solidFill>
+              </a:rPr>
+              <a:t>Entität</a:t>
+            </a:r>
+          </a:p>
+        </p:txBody>
+      </p:sp>
+      <p:sp>
+        <p:nvSpPr>
+          <p:cNvPr id="23" name="Arc 22">
+            <a:extLst>
+              <a:ext uri="{FF2B5EF4-FFF2-40B4-BE49-F238E27FC236}">
+                <a16:creationId xmlns:a16="http://schemas.microsoft.com/office/drawing/2014/main" id="{081E4A58-353D-44AE-B2FC-2A74E2E400F7}"/>
+              </a:ext>
+              <a:ext uri="{C183D7F6-B498-43B3-948B-1728B52AA6E4}">
+                <adec:decorative xmlns:adec="http://schemas.microsoft.com/office/drawing/2017/decorative" val="1"/>
+              </a:ext>
+            </a:extLst>
+          </p:cNvPr>
+          <p:cNvSpPr>
+            <a:spLocks noGrp="1" noRot="1" noChangeAspect="1" noMove="1" noResize="1" noEditPoints="1" noAdjustHandles="1" noChangeArrowheads="1" noChangeShapeType="1" noTextEdit="1"/>
+          </p:cNvSpPr>
+          <p:nvPr>
+            <p:extLst>
+              <p:ext uri="{386F3935-93C4-4BCD-93E2-E3B085C9AB24}">
+                <p16:designElem xmlns:p16="http://schemas.microsoft.com/office/powerpoint/2015/main" val="1"/>
+              </p:ext>
+            </p:extLst>
+          </p:nvPr>
+        </p:nvSpPr>
+        <p:spPr>
+          <a:xfrm flipV="1">
+            <a:off x="7550402" y="2455479"/>
+            <a:ext cx="4083433" cy="4083433"/>
+          </a:xfrm>
+          <a:prstGeom prst="arc">
+            <a:avLst/>
+          </a:prstGeom>
+          <a:ln w="127000" cap="rnd">
+            <a:solidFill>
+              <a:schemeClr val="accent4"/>
+            </a:solidFill>
+            <a:prstDash val="dash"/>
+          </a:ln>
+        </p:spPr>
+        <p:style>
+          <a:lnRef idx="1">
+            <a:schemeClr val="accent1"/>
+          </a:lnRef>
+          <a:fillRef idx="0">
+            <a:schemeClr val="accent1"/>
+          </a:fillRef>
+          <a:effectRef idx="0">
+            <a:schemeClr val="accent1"/>
+          </a:effectRef>
+          <a:fontRef idx="minor">
+            <a:schemeClr val="tx1"/>
+          </a:fontRef>
+        </p:style>
+        <p:txBody>
+          <a:bodyPr rtlCol="0" anchor="ctr"/>
+          <a:lstStyle/>
+          <a:p>
+            <a:pPr algn="ctr"/>
+            <a:endParaRPr lang="en-US" dirty="0"/>
+          </a:p>
+        </p:txBody>
+      </p:sp>
+      <p:sp>
+        <p:nvSpPr>
+          <p:cNvPr id="3" name="Inhaltsplatzhalter 2">
+            <a:extLst>
+              <a:ext uri="{FF2B5EF4-FFF2-40B4-BE49-F238E27FC236}">
+                <a16:creationId xmlns:a16="http://schemas.microsoft.com/office/drawing/2014/main" id="{C11C5233-96BA-B1DB-ACF2-0B9B4483FE94}"/>
+              </a:ext>
+            </a:extLst>
+          </p:cNvPr>
+          <p:cNvSpPr>
+            <a:spLocks noGrp="1"/>
+          </p:cNvSpPr>
+          <p:nvPr>
+            <p:ph idx="1"/>
+          </p:nvPr>
+        </p:nvSpPr>
+        <p:spPr>
+          <a:xfrm>
+            <a:off x="4447308" y="591344"/>
+            <a:ext cx="6906491" cy="5585619"/>
+          </a:xfrm>
+        </p:spPr>
+        <p:txBody>
+          <a:bodyPr anchor="ctr">
+            <a:normAutofit/>
+          </a:bodyPr>
+          <a:lstStyle/>
+          <a:p>
+            <a:r>
+              <a:rPr lang="de-DE" dirty="0"/>
+              <a:t>Als Entität (englisch </a:t>
+            </a:r>
+            <a:r>
+              <a:rPr lang="de-DE" dirty="0" err="1"/>
+              <a:t>entity</a:t>
+            </a:r>
+            <a:r>
+              <a:rPr lang="de-DE" dirty="0"/>
+              <a:t>) wird in der Datenmodellierung ein eindeutig zu bestimmendes Objekt bezeichnet, über das Informationen gespeichert oder verarbeitet werden sollen.</a:t>
+            </a:r>
+          </a:p>
+          <a:p>
+            <a:r>
+              <a:rPr lang="de-DE" dirty="0"/>
+              <a:t>Beispiele: Ein Fahrzeug, ein Konto, eine Person, ein Zustand.</a:t>
+            </a:r>
+          </a:p>
+        </p:txBody>
+      </p:sp>
+    </p:spTree>
+    <p:extLst>
+      <p:ext uri="{BB962C8B-B14F-4D97-AF65-F5344CB8AC3E}">
+        <p14:creationId xmlns:p14="http://schemas.microsoft.com/office/powerpoint/2010/main" val="1553540450"/>
+      </p:ext>
+    </p:extLst>
+  </p:cSld>
+  <p:clrMapOvr>
+    <a:masterClrMapping/>
+  </p:clrMapOvr>
+</p:sld>
+</file>
+
+<file path=ppt/slides/slide40.xml><?xml version="1.0" encoding="utf-8"?>
+<p:sld xmlns:a="http://schemas.openxmlformats.org/drawingml/2006/main" xmlns:r="http://schemas.openxmlformats.org/officeDocument/2006/relationships" xmlns:p="http://schemas.openxmlformats.org/presentationml/2006/main">
+  <p:cSld>
+    <p:bg>
+      <p:bgPr>
+        <a:solidFill>
+          <a:schemeClr val="bg1"/>
+        </a:solidFill>
+        <a:effectLst/>
+      </p:bgPr>
+    </p:bg>
+    <p:spTree>
+      <p:nvGrpSpPr>
+        <p:cNvPr id="1" name=""/>
+        <p:cNvGrpSpPr/>
+        <p:nvPr/>
+      </p:nvGrpSpPr>
+      <p:grpSpPr>
+        <a:xfrm>
+          <a:off x="0" y="0"/>
+          <a:ext cx="0" cy="0"/>
+          <a:chOff x="0" y="0"/>
+          <a:chExt cx="0" cy="0"/>
+        </a:xfrm>
+      </p:grpSpPr>
+      <p:sp useBgFill="1">
+        <p:nvSpPr>
           <p:cNvPr id="11" name="Rectangle 10">
             <a:extLst>
               <a:ext uri="{FF2B5EF4-FFF2-40B4-BE49-F238E27FC236}">
@@ -24211,387 +25595,6 @@
     <p:extLst>
       <p:ext uri="{BB962C8B-B14F-4D97-AF65-F5344CB8AC3E}">
         <p14:creationId xmlns:p14="http://schemas.microsoft.com/office/powerpoint/2010/main" val="3125436281"/>
-      </p:ext>
-    </p:extLst>
-  </p:cSld>
-  <p:clrMapOvr>
-    <a:masterClrMapping/>
-  </p:clrMapOvr>
-</p:sld>
-</file>
-
-<file path=ppt/slides/slide4.xml><?xml version="1.0" encoding="utf-8"?>
-<p:sld xmlns:a="http://schemas.openxmlformats.org/drawingml/2006/main" xmlns:r="http://schemas.openxmlformats.org/officeDocument/2006/relationships" xmlns:p="http://schemas.openxmlformats.org/presentationml/2006/main">
-  <p:cSld>
-    <p:bg>
-      <p:bgPr>
-        <a:solidFill>
-          <a:schemeClr val="bg1"/>
-        </a:solidFill>
-        <a:effectLst/>
-      </p:bgPr>
-    </p:bg>
-    <p:spTree>
-      <p:nvGrpSpPr>
-        <p:cNvPr id="1" name=""/>
-        <p:cNvGrpSpPr/>
-        <p:nvPr/>
-      </p:nvGrpSpPr>
-      <p:grpSpPr>
-        <a:xfrm>
-          <a:off x="0" y="0"/>
-          <a:ext cx="0" cy="0"/>
-          <a:chOff x="0" y="0"/>
-          <a:chExt cx="0" cy="0"/>
-        </a:xfrm>
-      </p:grpSpPr>
-      <p:sp useBgFill="1">
-        <p:nvSpPr>
-          <p:cNvPr id="19" name="Rectangle 18">
-            <a:extLst>
-              <a:ext uri="{FF2B5EF4-FFF2-40B4-BE49-F238E27FC236}">
-                <a16:creationId xmlns:a16="http://schemas.microsoft.com/office/drawing/2014/main" id="{907EF6B7-1338-4443-8C46-6A318D952DFD}"/>
-              </a:ext>
-              <a:ext uri="{C183D7F6-B498-43B3-948B-1728B52AA6E4}">
-                <adec:decorative xmlns:adec="http://schemas.microsoft.com/office/drawing/2017/decorative" val="1"/>
-              </a:ext>
-            </a:extLst>
-          </p:cNvPr>
-          <p:cNvSpPr>
-            <a:spLocks noGrp="1" noRot="1" noChangeAspect="1" noMove="1" noResize="1" noEditPoints="1" noAdjustHandles="1" noChangeArrowheads="1" noChangeShapeType="1" noTextEdit="1"/>
-          </p:cNvSpPr>
-          <p:nvPr>
-            <p:extLst>
-              <p:ext uri="{386F3935-93C4-4BCD-93E2-E3B085C9AB24}">
-                <p16:designElem xmlns:p16="http://schemas.microsoft.com/office/powerpoint/2015/main" val="1"/>
-              </p:ext>
-            </p:extLst>
-          </p:nvPr>
-        </p:nvSpPr>
-        <p:spPr>
-          <a:xfrm>
-            <a:off x="3048" y="0"/>
-            <a:ext cx="12188952" cy="6858000"/>
-          </a:xfrm>
-          <a:prstGeom prst="rect">
-            <a:avLst/>
-          </a:prstGeom>
-          <a:ln>
-            <a:noFill/>
-          </a:ln>
-        </p:spPr>
-        <p:style>
-          <a:lnRef idx="2">
-            <a:schemeClr val="accent1">
-              <a:shade val="50000"/>
-            </a:schemeClr>
-          </a:lnRef>
-          <a:fillRef idx="1">
-            <a:schemeClr val="accent1"/>
-          </a:fillRef>
-          <a:effectRef idx="0">
-            <a:schemeClr val="accent1"/>
-          </a:effectRef>
-          <a:fontRef idx="minor">
-            <a:schemeClr val="lt1"/>
-          </a:fontRef>
-        </p:style>
-        <p:txBody>
-          <a:bodyPr rtlCol="0" anchor="ctr"/>
-          <a:lstStyle/>
-          <a:p>
-            <a:pPr algn="ctr"/>
-            <a:endParaRPr lang="en-US"/>
-          </a:p>
-        </p:txBody>
-      </p:sp>
-      <p:sp>
-        <p:nvSpPr>
-          <p:cNvPr id="21" name="Freeform: Shape 20">
-            <a:extLst>
-              <a:ext uri="{FF2B5EF4-FFF2-40B4-BE49-F238E27FC236}">
-                <a16:creationId xmlns:a16="http://schemas.microsoft.com/office/drawing/2014/main" id="{DAAE4CDD-124C-4DCF-9584-B6033B545DD5}"/>
-              </a:ext>
-              <a:ext uri="{C183D7F6-B498-43B3-948B-1728B52AA6E4}">
-                <adec:decorative xmlns:adec="http://schemas.microsoft.com/office/drawing/2017/decorative" val="1"/>
-              </a:ext>
-            </a:extLst>
-          </p:cNvPr>
-          <p:cNvSpPr>
-            <a:spLocks noGrp="1" noRot="1" noChangeAspect="1" noMove="1" noResize="1" noEditPoints="1" noAdjustHandles="1" noChangeArrowheads="1" noChangeShapeType="1" noTextEdit="1"/>
-          </p:cNvSpPr>
-          <p:nvPr>
-            <p:extLst>
-              <p:ext uri="{386F3935-93C4-4BCD-93E2-E3B085C9AB24}">
-                <p16:designElem xmlns:p16="http://schemas.microsoft.com/office/powerpoint/2015/main" val="1"/>
-              </p:ext>
-            </p:extLst>
-          </p:nvPr>
-        </p:nvSpPr>
-        <p:spPr>
-          <a:xfrm>
-            <a:off x="1" y="0"/>
-            <a:ext cx="4167271" cy="6858000"/>
-          </a:xfrm>
-          <a:custGeom>
-            <a:avLst/>
-            <a:gdLst>
-              <a:gd name="connsiteX0" fmla="*/ 0 w 4167271"/>
-              <a:gd name="connsiteY0" fmla="*/ 0 h 6858000"/>
-              <a:gd name="connsiteX1" fmla="*/ 2259550 w 4167271"/>
-              <a:gd name="connsiteY1" fmla="*/ 0 h 6858000"/>
-              <a:gd name="connsiteX2" fmla="*/ 2387803 w 4167271"/>
-              <a:gd name="connsiteY2" fmla="*/ 82222 h 6858000"/>
-              <a:gd name="connsiteX3" fmla="*/ 4167271 w 4167271"/>
-              <a:gd name="connsiteY3" fmla="*/ 3429000 h 6858000"/>
-              <a:gd name="connsiteX4" fmla="*/ 2387803 w 4167271"/>
-              <a:gd name="connsiteY4" fmla="*/ 6775779 h 6858000"/>
-              <a:gd name="connsiteX5" fmla="*/ 2259550 w 4167271"/>
-              <a:gd name="connsiteY5" fmla="*/ 6858000 h 6858000"/>
-              <a:gd name="connsiteX6" fmla="*/ 0 w 4167271"/>
-              <a:gd name="connsiteY6" fmla="*/ 6858000 h 6858000"/>
-            </a:gdLst>
-            <a:ahLst/>
-            <a:cxnLst>
-              <a:cxn ang="0">
-                <a:pos x="connsiteX0" y="connsiteY0"/>
-              </a:cxn>
-              <a:cxn ang="0">
-                <a:pos x="connsiteX1" y="connsiteY1"/>
-              </a:cxn>
-              <a:cxn ang="0">
-                <a:pos x="connsiteX2" y="connsiteY2"/>
-              </a:cxn>
-              <a:cxn ang="0">
-                <a:pos x="connsiteX3" y="connsiteY3"/>
-              </a:cxn>
-              <a:cxn ang="0">
-                <a:pos x="connsiteX4" y="connsiteY4"/>
-              </a:cxn>
-              <a:cxn ang="0">
-                <a:pos x="connsiteX5" y="connsiteY5"/>
-              </a:cxn>
-              <a:cxn ang="0">
-                <a:pos x="connsiteX6" y="connsiteY6"/>
-              </a:cxn>
-            </a:cxnLst>
-            <a:rect l="l" t="t" r="r" b="b"/>
-            <a:pathLst>
-              <a:path w="4167271" h="6858000">
-                <a:moveTo>
-                  <a:pt x="0" y="0"/>
-                </a:moveTo>
-                <a:lnTo>
-                  <a:pt x="2259550" y="0"/>
-                </a:lnTo>
-                <a:lnTo>
-                  <a:pt x="2387803" y="82222"/>
-                </a:lnTo>
-                <a:cubicBezTo>
-                  <a:pt x="3461407" y="807534"/>
-                  <a:pt x="4167271" y="2035835"/>
-                  <a:pt x="4167271" y="3429000"/>
-                </a:cubicBezTo>
-                <a:cubicBezTo>
-                  <a:pt x="4167271" y="4822165"/>
-                  <a:pt x="3461407" y="6050467"/>
-                  <a:pt x="2387803" y="6775779"/>
-                </a:cubicBezTo>
-                <a:lnTo>
-                  <a:pt x="2259550" y="6858000"/>
-                </a:lnTo>
-                <a:lnTo>
-                  <a:pt x="0" y="6858000"/>
-                </a:lnTo>
-                <a:close/>
-              </a:path>
-            </a:pathLst>
-          </a:custGeom>
-          <a:solidFill>
-            <a:schemeClr val="accent2"/>
-          </a:solidFill>
-          <a:ln>
-            <a:noFill/>
-          </a:ln>
-        </p:spPr>
-        <p:style>
-          <a:lnRef idx="2">
-            <a:schemeClr val="accent1">
-              <a:shade val="50000"/>
-            </a:schemeClr>
-          </a:lnRef>
-          <a:fillRef idx="1">
-            <a:schemeClr val="accent1"/>
-          </a:fillRef>
-          <a:effectRef idx="0">
-            <a:schemeClr val="accent1"/>
-          </a:effectRef>
-          <a:fontRef idx="minor">
-            <a:schemeClr val="lt1"/>
-          </a:fontRef>
-        </p:style>
-        <p:txBody>
-          <a:bodyPr rtlCol="0" anchor="ctr"/>
-          <a:lstStyle/>
-          <a:p>
-            <a:pPr algn="ctr"/>
-            <a:endParaRPr lang="en-US"/>
-          </a:p>
-        </p:txBody>
-      </p:sp>
-      <p:sp>
-        <p:nvSpPr>
-          <p:cNvPr id="2" name="Titel 1">
-            <a:extLst>
-              <a:ext uri="{FF2B5EF4-FFF2-40B4-BE49-F238E27FC236}">
-                <a16:creationId xmlns:a16="http://schemas.microsoft.com/office/drawing/2014/main" id="{92493E2E-0D32-3F0C-9FF0-3475F04C2619}"/>
-              </a:ext>
-            </a:extLst>
-          </p:cNvPr>
-          <p:cNvSpPr>
-            <a:spLocks noGrp="1"/>
-          </p:cNvSpPr>
-          <p:nvPr>
-            <p:ph type="title"/>
-          </p:nvPr>
-        </p:nvSpPr>
-        <p:spPr>
-          <a:xfrm>
-            <a:off x="686834" y="1153572"/>
-            <a:ext cx="3200400" cy="4461163"/>
-          </a:xfrm>
-        </p:spPr>
-        <p:txBody>
-          <a:bodyPr>
-            <a:normAutofit/>
-          </a:bodyPr>
-          <a:lstStyle/>
-          <a:p>
-            <a:r>
-              <a:rPr lang="de-DE">
-                <a:solidFill>
-                  <a:srgbClr val="FFFFFF"/>
-                </a:solidFill>
-              </a:rPr>
-              <a:t>Entität</a:t>
-            </a:r>
-          </a:p>
-        </p:txBody>
-      </p:sp>
-      <p:sp>
-        <p:nvSpPr>
-          <p:cNvPr id="23" name="Arc 22">
-            <a:extLst>
-              <a:ext uri="{FF2B5EF4-FFF2-40B4-BE49-F238E27FC236}">
-                <a16:creationId xmlns:a16="http://schemas.microsoft.com/office/drawing/2014/main" id="{081E4A58-353D-44AE-B2FC-2A74E2E400F7}"/>
-              </a:ext>
-              <a:ext uri="{C183D7F6-B498-43B3-948B-1728B52AA6E4}">
-                <adec:decorative xmlns:adec="http://schemas.microsoft.com/office/drawing/2017/decorative" val="1"/>
-              </a:ext>
-            </a:extLst>
-          </p:cNvPr>
-          <p:cNvSpPr>
-            <a:spLocks noGrp="1" noRot="1" noChangeAspect="1" noMove="1" noResize="1" noEditPoints="1" noAdjustHandles="1" noChangeArrowheads="1" noChangeShapeType="1" noTextEdit="1"/>
-          </p:cNvSpPr>
-          <p:nvPr>
-            <p:extLst>
-              <p:ext uri="{386F3935-93C4-4BCD-93E2-E3B085C9AB24}">
-                <p16:designElem xmlns:p16="http://schemas.microsoft.com/office/powerpoint/2015/main" val="1"/>
-              </p:ext>
-            </p:extLst>
-          </p:nvPr>
-        </p:nvSpPr>
-        <p:spPr>
-          <a:xfrm flipV="1">
-            <a:off x="7550402" y="2455479"/>
-            <a:ext cx="4083433" cy="4083433"/>
-          </a:xfrm>
-          <a:prstGeom prst="arc">
-            <a:avLst/>
-          </a:prstGeom>
-          <a:ln w="127000" cap="rnd">
-            <a:solidFill>
-              <a:schemeClr val="accent4"/>
-            </a:solidFill>
-            <a:prstDash val="dash"/>
-          </a:ln>
-        </p:spPr>
-        <p:style>
-          <a:lnRef idx="1">
-            <a:schemeClr val="accent1"/>
-          </a:lnRef>
-          <a:fillRef idx="0">
-            <a:schemeClr val="accent1"/>
-          </a:fillRef>
-          <a:effectRef idx="0">
-            <a:schemeClr val="accent1"/>
-          </a:effectRef>
-          <a:fontRef idx="minor">
-            <a:schemeClr val="tx1"/>
-          </a:fontRef>
-        </p:style>
-        <p:txBody>
-          <a:bodyPr rtlCol="0" anchor="ctr"/>
-          <a:lstStyle/>
-          <a:p>
-            <a:pPr algn="ctr"/>
-            <a:endParaRPr lang="en-US" dirty="0"/>
-          </a:p>
-        </p:txBody>
-      </p:sp>
-      <p:sp>
-        <p:nvSpPr>
-          <p:cNvPr id="3" name="Inhaltsplatzhalter 2">
-            <a:extLst>
-              <a:ext uri="{FF2B5EF4-FFF2-40B4-BE49-F238E27FC236}">
-                <a16:creationId xmlns:a16="http://schemas.microsoft.com/office/drawing/2014/main" id="{C11C5233-96BA-B1DB-ACF2-0B9B4483FE94}"/>
-              </a:ext>
-            </a:extLst>
-          </p:cNvPr>
-          <p:cNvSpPr>
-            <a:spLocks noGrp="1"/>
-          </p:cNvSpPr>
-          <p:nvPr>
-            <p:ph idx="1"/>
-          </p:nvPr>
-        </p:nvSpPr>
-        <p:spPr>
-          <a:xfrm>
-            <a:off x="4447308" y="591344"/>
-            <a:ext cx="6906491" cy="5585619"/>
-          </a:xfrm>
-        </p:spPr>
-        <p:txBody>
-          <a:bodyPr anchor="ctr">
-            <a:normAutofit/>
-          </a:bodyPr>
-          <a:lstStyle/>
-          <a:p>
-            <a:r>
-              <a:rPr lang="de-DE" dirty="0"/>
-              <a:t>Als Entität (englisch </a:t>
-            </a:r>
-            <a:r>
-              <a:rPr lang="de-DE" dirty="0" err="1"/>
-              <a:t>entity</a:t>
-            </a:r>
-            <a:r>
-              <a:rPr lang="de-DE" dirty="0"/>
-              <a:t>) wird in der Datenmodellierung ein eindeutig zu bestimmendes Objekt bezeichnet, über das Informationen gespeichert oder verarbeitet werden sollen.</a:t>
-            </a:r>
-          </a:p>
-          <a:p>
-            <a:r>
-              <a:rPr lang="de-DE" dirty="0"/>
-              <a:t>Beispiele: Ein Fahrzeug, ein Konto, eine Person, ein Zustand.</a:t>
-            </a:r>
-          </a:p>
-        </p:txBody>
-      </p:sp>
-    </p:spTree>
-    <p:extLst>
-      <p:ext uri="{BB962C8B-B14F-4D97-AF65-F5344CB8AC3E}">
-        <p14:creationId xmlns:p14="http://schemas.microsoft.com/office/powerpoint/2010/main" val="1553540450"/>
       </p:ext>
     </p:extLst>
   </p:cSld>

--- a/CDS presentation/Tag1_Data Modeling with Core Data Services.pptx
+++ b/CDS presentation/Tag1_Data Modeling with Core Data Services.pptx
@@ -42,10 +42,10 @@
     <p:sldId id="333" r:id="rId33"/>
     <p:sldId id="334" r:id="rId34"/>
     <p:sldId id="335" r:id="rId35"/>
-    <p:sldId id="336" r:id="rId36"/>
-    <p:sldId id="337" r:id="rId37"/>
-    <p:sldId id="341" r:id="rId38"/>
-    <p:sldId id="342" r:id="rId39"/>
+    <p:sldId id="337" r:id="rId36"/>
+    <p:sldId id="341" r:id="rId37"/>
+    <p:sldId id="342" r:id="rId38"/>
+    <p:sldId id="336" r:id="rId39"/>
     <p:sldId id="343" r:id="rId40"/>
     <p:sldId id="338" r:id="rId41"/>
   </p:sldIdLst>
@@ -3277,7 +3277,7 @@
           <a:bodyPr/>
           <a:lstStyle/>
           <a:p>
-            <a:endParaRPr lang="de-DE"/>
+            <a:endParaRPr lang="de-DE" dirty="0"/>
           </a:p>
         </p:txBody>
       </p:sp>
@@ -22384,10 +22384,10 @@
       </p:grpSpPr>
       <p:sp useBgFill="1">
         <p:nvSpPr>
-          <p:cNvPr id="12" name="Rectangle 11">
+          <p:cNvPr id="17" name="Rectangle 16">
             <a:extLst>
               <a:ext uri="{FF2B5EF4-FFF2-40B4-BE49-F238E27FC236}">
-                <a16:creationId xmlns:a16="http://schemas.microsoft.com/office/drawing/2014/main" id="{743AA782-23D1-4521-8CAD-47662984AA08}"/>
+                <a16:creationId xmlns:a16="http://schemas.microsoft.com/office/drawing/2014/main" id="{32AEEBC8-9D30-42EF-95F2-386C2653FBF0}"/>
               </a:ext>
               <a:ext uri="{C183D7F6-B498-43B3-948B-1728B52AA6E4}">
                 <adec:decorative xmlns:adec="http://schemas.microsoft.com/office/drawing/2017/decorative" val="1"/>
@@ -22444,504 +22444,6 @@
       </p:sp>
       <p:sp>
         <p:nvSpPr>
-          <p:cNvPr id="4" name="Titel 3">
-            <a:extLst>
-              <a:ext uri="{FF2B5EF4-FFF2-40B4-BE49-F238E27FC236}">
-                <a16:creationId xmlns:a16="http://schemas.microsoft.com/office/drawing/2014/main" id="{C431E611-DE3B-AB67-721A-0F120C81268F}"/>
-              </a:ext>
-            </a:extLst>
-          </p:cNvPr>
-          <p:cNvSpPr>
-            <a:spLocks noGrp="1"/>
-          </p:cNvSpPr>
-          <p:nvPr>
-            <p:ph type="title"/>
-          </p:nvPr>
-        </p:nvSpPr>
-        <p:spPr>
-          <a:xfrm>
-            <a:off x="630936" y="640080"/>
-            <a:ext cx="4818888" cy="1481328"/>
-          </a:xfrm>
-        </p:spPr>
-        <p:txBody>
-          <a:bodyPr vert="horz" lIns="91440" tIns="45720" rIns="91440" bIns="45720" rtlCol="0" anchor="b">
-            <a:normAutofit/>
-          </a:bodyPr>
-          <a:lstStyle/>
-          <a:p>
-            <a:r>
-              <a:rPr lang="en-US" sz="5400" kern="1200">
-                <a:solidFill>
-                  <a:schemeClr val="tx1"/>
-                </a:solidFill>
-                <a:latin typeface="+mj-lt"/>
-                <a:ea typeface="+mj-ea"/>
-                <a:cs typeface="+mj-cs"/>
-              </a:rPr>
-              <a:t>Hands On</a:t>
-            </a:r>
-          </a:p>
-        </p:txBody>
-      </p:sp>
-      <p:sp>
-        <p:nvSpPr>
-          <p:cNvPr id="14" name="sketch line">
-            <a:extLst>
-              <a:ext uri="{FF2B5EF4-FFF2-40B4-BE49-F238E27FC236}">
-                <a16:creationId xmlns:a16="http://schemas.microsoft.com/office/drawing/2014/main" id="{71877DBC-BB60-40F0-AC93-2ACDBAAE60CE}"/>
-              </a:ext>
-              <a:ext uri="{C183D7F6-B498-43B3-948B-1728B52AA6E4}">
-                <adec:decorative xmlns:adec="http://schemas.microsoft.com/office/drawing/2017/decorative" val="1"/>
-              </a:ext>
-            </a:extLst>
-          </p:cNvPr>
-          <p:cNvSpPr>
-            <a:spLocks noGrp="1" noRot="1" noChangeAspect="1" noMove="1" noResize="1" noEditPoints="1" noAdjustHandles="1" noChangeArrowheads="1" noChangeShapeType="1" noTextEdit="1"/>
-          </p:cNvSpPr>
-          <p:nvPr>
-            <p:extLst>
-              <p:ext uri="{386F3935-93C4-4BCD-93E2-E3B085C9AB24}">
-                <p16:designElem xmlns:p16="http://schemas.microsoft.com/office/powerpoint/2015/main" val="1"/>
-              </p:ext>
-            </p:extLst>
-          </p:nvPr>
-        </p:nvSpPr>
-        <p:spPr>
-          <a:xfrm>
-            <a:off x="643278" y="2372868"/>
-            <a:ext cx="3255095" cy="18288"/>
-          </a:xfrm>
-          <a:custGeom>
-            <a:avLst/>
-            <a:gdLst>
-              <a:gd name="connsiteX0" fmla="*/ 0 w 3255095"/>
-              <a:gd name="connsiteY0" fmla="*/ 0 h 18288"/>
-              <a:gd name="connsiteX1" fmla="*/ 618468 w 3255095"/>
-              <a:gd name="connsiteY1" fmla="*/ 0 h 18288"/>
-              <a:gd name="connsiteX2" fmla="*/ 1269487 w 3255095"/>
-              <a:gd name="connsiteY2" fmla="*/ 0 h 18288"/>
-              <a:gd name="connsiteX3" fmla="*/ 1953057 w 3255095"/>
-              <a:gd name="connsiteY3" fmla="*/ 0 h 18288"/>
-              <a:gd name="connsiteX4" fmla="*/ 2636627 w 3255095"/>
-              <a:gd name="connsiteY4" fmla="*/ 0 h 18288"/>
-              <a:gd name="connsiteX5" fmla="*/ 3255095 w 3255095"/>
-              <a:gd name="connsiteY5" fmla="*/ 0 h 18288"/>
-              <a:gd name="connsiteX6" fmla="*/ 3255095 w 3255095"/>
-              <a:gd name="connsiteY6" fmla="*/ 18288 h 18288"/>
-              <a:gd name="connsiteX7" fmla="*/ 2538974 w 3255095"/>
-              <a:gd name="connsiteY7" fmla="*/ 18288 h 18288"/>
-              <a:gd name="connsiteX8" fmla="*/ 1822853 w 3255095"/>
-              <a:gd name="connsiteY8" fmla="*/ 18288 h 18288"/>
-              <a:gd name="connsiteX9" fmla="*/ 1171834 w 3255095"/>
-              <a:gd name="connsiteY9" fmla="*/ 18288 h 18288"/>
-              <a:gd name="connsiteX10" fmla="*/ 0 w 3255095"/>
-              <a:gd name="connsiteY10" fmla="*/ 18288 h 18288"/>
-              <a:gd name="connsiteX11" fmla="*/ 0 w 3255095"/>
-              <a:gd name="connsiteY11" fmla="*/ 0 h 18288"/>
-            </a:gdLst>
-            <a:ahLst/>
-            <a:cxnLst>
-              <a:cxn ang="0">
-                <a:pos x="connsiteX0" y="connsiteY0"/>
-              </a:cxn>
-              <a:cxn ang="0">
-                <a:pos x="connsiteX1" y="connsiteY1"/>
-              </a:cxn>
-              <a:cxn ang="0">
-                <a:pos x="connsiteX2" y="connsiteY2"/>
-              </a:cxn>
-              <a:cxn ang="0">
-                <a:pos x="connsiteX3" y="connsiteY3"/>
-              </a:cxn>
-              <a:cxn ang="0">
-                <a:pos x="connsiteX4" y="connsiteY4"/>
-              </a:cxn>
-              <a:cxn ang="0">
-                <a:pos x="connsiteX5" y="connsiteY5"/>
-              </a:cxn>
-              <a:cxn ang="0">
-                <a:pos x="connsiteX6" y="connsiteY6"/>
-              </a:cxn>
-              <a:cxn ang="0">
-                <a:pos x="connsiteX7" y="connsiteY7"/>
-              </a:cxn>
-              <a:cxn ang="0">
-                <a:pos x="connsiteX8" y="connsiteY8"/>
-              </a:cxn>
-              <a:cxn ang="0">
-                <a:pos x="connsiteX9" y="connsiteY9"/>
-              </a:cxn>
-              <a:cxn ang="0">
-                <a:pos x="connsiteX10" y="connsiteY10"/>
-              </a:cxn>
-              <a:cxn ang="0">
-                <a:pos x="connsiteX11" y="connsiteY11"/>
-              </a:cxn>
-            </a:cxnLst>
-            <a:rect l="l" t="t" r="r" b="b"/>
-            <a:pathLst>
-              <a:path w="3255095" h="18288" fill="none" extrusionOk="0">
-                <a:moveTo>
-                  <a:pt x="0" y="0"/>
-                </a:moveTo>
-                <a:cubicBezTo>
-                  <a:pt x="240201" y="-22123"/>
-                  <a:pt x="462021" y="-19623"/>
-                  <a:pt x="618468" y="0"/>
-                </a:cubicBezTo>
-                <a:cubicBezTo>
-                  <a:pt x="774915" y="19623"/>
-                  <a:pt x="974734" y="2035"/>
-                  <a:pt x="1269487" y="0"/>
-                </a:cubicBezTo>
-                <a:cubicBezTo>
-                  <a:pt x="1564240" y="-2035"/>
-                  <a:pt x="1733579" y="10639"/>
-                  <a:pt x="1953057" y="0"/>
-                </a:cubicBezTo>
-                <a:cubicBezTo>
-                  <a:pt x="2172535" y="-10639"/>
-                  <a:pt x="2453962" y="14018"/>
-                  <a:pt x="2636627" y="0"/>
-                </a:cubicBezTo>
-                <a:cubicBezTo>
-                  <a:pt x="2819292" y="-14018"/>
-                  <a:pt x="3121375" y="5399"/>
-                  <a:pt x="3255095" y="0"/>
-                </a:cubicBezTo>
-                <a:cubicBezTo>
-                  <a:pt x="3254386" y="8157"/>
-                  <a:pt x="3254682" y="12125"/>
-                  <a:pt x="3255095" y="18288"/>
-                </a:cubicBezTo>
-                <a:cubicBezTo>
-                  <a:pt x="3088545" y="23203"/>
-                  <a:pt x="2687475" y="7419"/>
-                  <a:pt x="2538974" y="18288"/>
-                </a:cubicBezTo>
-                <a:cubicBezTo>
-                  <a:pt x="2390473" y="29157"/>
-                  <a:pt x="2137381" y="-8959"/>
-                  <a:pt x="1822853" y="18288"/>
-                </a:cubicBezTo>
-                <a:cubicBezTo>
-                  <a:pt x="1508325" y="45535"/>
-                  <a:pt x="1466437" y="20385"/>
-                  <a:pt x="1171834" y="18288"/>
-                </a:cubicBezTo>
-                <a:cubicBezTo>
-                  <a:pt x="877231" y="16191"/>
-                  <a:pt x="561097" y="37643"/>
-                  <a:pt x="0" y="18288"/>
-                </a:cubicBezTo>
-                <a:cubicBezTo>
-                  <a:pt x="-46" y="12483"/>
-                  <a:pt x="-203" y="6491"/>
-                  <a:pt x="0" y="0"/>
-                </a:cubicBezTo>
-                <a:close/>
-              </a:path>
-              <a:path w="3255095" h="18288" stroke="0" extrusionOk="0">
-                <a:moveTo>
-                  <a:pt x="0" y="0"/>
-                </a:moveTo>
-                <a:cubicBezTo>
-                  <a:pt x="291965" y="19429"/>
-                  <a:pt x="363155" y="8568"/>
-                  <a:pt x="618468" y="0"/>
-                </a:cubicBezTo>
-                <a:cubicBezTo>
-                  <a:pt x="873781" y="-8568"/>
-                  <a:pt x="904459" y="-19505"/>
-                  <a:pt x="1171834" y="0"/>
-                </a:cubicBezTo>
-                <a:cubicBezTo>
-                  <a:pt x="1439209" y="19505"/>
-                  <a:pt x="1744369" y="9790"/>
-                  <a:pt x="1887955" y="0"/>
-                </a:cubicBezTo>
-                <a:cubicBezTo>
-                  <a:pt x="2031541" y="-9790"/>
-                  <a:pt x="2346378" y="21240"/>
-                  <a:pt x="2506423" y="0"/>
-                </a:cubicBezTo>
-                <a:cubicBezTo>
-                  <a:pt x="2666468" y="-21240"/>
-                  <a:pt x="2990257" y="30414"/>
-                  <a:pt x="3255095" y="0"/>
-                </a:cubicBezTo>
-                <a:cubicBezTo>
-                  <a:pt x="3254831" y="4493"/>
-                  <a:pt x="3255479" y="9472"/>
-                  <a:pt x="3255095" y="18288"/>
-                </a:cubicBezTo>
-                <a:cubicBezTo>
-                  <a:pt x="3120743" y="16690"/>
-                  <a:pt x="2759628" y="42462"/>
-                  <a:pt x="2604076" y="18288"/>
-                </a:cubicBezTo>
-                <a:cubicBezTo>
-                  <a:pt x="2448524" y="-5886"/>
-                  <a:pt x="2184336" y="19599"/>
-                  <a:pt x="1887955" y="18288"/>
-                </a:cubicBezTo>
-                <a:cubicBezTo>
-                  <a:pt x="1591574" y="16977"/>
-                  <a:pt x="1548845" y="6870"/>
-                  <a:pt x="1334589" y="18288"/>
-                </a:cubicBezTo>
-                <a:cubicBezTo>
-                  <a:pt x="1120333" y="29706"/>
-                  <a:pt x="996014" y="9662"/>
-                  <a:pt x="683570" y="18288"/>
-                </a:cubicBezTo>
-                <a:cubicBezTo>
-                  <a:pt x="371126" y="26914"/>
-                  <a:pt x="198687" y="16167"/>
-                  <a:pt x="0" y="18288"/>
-                </a:cubicBezTo>
-                <a:cubicBezTo>
-                  <a:pt x="843" y="9577"/>
-                  <a:pt x="371" y="6900"/>
-                  <a:pt x="0" y="0"/>
-                </a:cubicBezTo>
-                <a:close/>
-              </a:path>
-            </a:pathLst>
-          </a:custGeom>
-          <a:solidFill>
-            <a:schemeClr val="accent2"/>
-          </a:solidFill>
-          <a:ln w="38100" cap="rnd">
-            <a:solidFill>
-              <a:schemeClr val="accent2"/>
-            </a:solidFill>
-            <a:round/>
-            <a:extLst>
-              <a:ext uri="{C807C97D-BFC1-408E-A445-0C87EB9F89A2}">
-                <ask:lineSketchStyleProps xmlns:ask="http://schemas.microsoft.com/office/drawing/2018/sketchyshapes" sd="1219033472">
-                  <a:prstGeom prst="rect">
-                    <a:avLst/>
-                  </a:prstGeom>
-                  <ask:type>
-                    <ask:lineSketchFreehand/>
-                  </ask:type>
-                </ask:lineSketchStyleProps>
-              </a:ext>
-            </a:extLst>
-          </a:ln>
-        </p:spPr>
-        <p:style>
-          <a:lnRef idx="2">
-            <a:schemeClr val="accent1">
-              <a:shade val="50000"/>
-            </a:schemeClr>
-          </a:lnRef>
-          <a:fillRef idx="1">
-            <a:schemeClr val="accent1"/>
-          </a:fillRef>
-          <a:effectRef idx="0">
-            <a:schemeClr val="accent1"/>
-          </a:effectRef>
-          <a:fontRef idx="minor">
-            <a:schemeClr val="lt1"/>
-          </a:fontRef>
-        </p:style>
-        <p:txBody>
-          <a:bodyPr rtlCol="0" anchor="ctr"/>
-          <a:lstStyle/>
-          <a:p>
-            <a:pPr algn="ctr"/>
-            <a:endParaRPr lang="en-US"/>
-          </a:p>
-        </p:txBody>
-      </p:sp>
-      <p:sp>
-        <p:nvSpPr>
-          <p:cNvPr id="5" name="Inhaltsplatzhalter 4">
-            <a:extLst>
-              <a:ext uri="{FF2B5EF4-FFF2-40B4-BE49-F238E27FC236}">
-                <a16:creationId xmlns:a16="http://schemas.microsoft.com/office/drawing/2014/main" id="{BCDC4504-6868-6EC8-73B3-C93719517973}"/>
-              </a:ext>
-            </a:extLst>
-          </p:cNvPr>
-          <p:cNvSpPr>
-            <a:spLocks noGrp="1"/>
-          </p:cNvSpPr>
-          <p:nvPr>
-            <p:ph sz="half" idx="1"/>
-          </p:nvPr>
-        </p:nvSpPr>
-        <p:spPr>
-          <a:xfrm>
-            <a:off x="630936" y="2660904"/>
-            <a:ext cx="4818888" cy="3547872"/>
-          </a:xfrm>
-        </p:spPr>
-        <p:txBody>
-          <a:bodyPr vert="horz" lIns="91440" tIns="45720" rIns="91440" bIns="45720" rtlCol="0" anchor="t">
-            <a:normAutofit/>
-          </a:bodyPr>
-          <a:lstStyle/>
-          <a:p>
-            <a:r>
-              <a:rPr lang="en-US" sz="2200"/>
-              <a:t>Setze folgenden Report um.</a:t>
-            </a:r>
-          </a:p>
-          <a:p>
-            <a:r>
-              <a:rPr lang="en-US" sz="2200"/>
-              <a:t>Dokumentiere im Quellcode die Ergebnisse der unterschiedlichen Selektionen.</a:t>
-            </a:r>
-          </a:p>
-          <a:p>
-            <a:r>
-              <a:rPr lang="en-US" sz="2200"/>
-              <a:t>Kannst du sagen, warum die Ergebnisse unterschiedlich ausfallen?</a:t>
-            </a:r>
-          </a:p>
-          <a:p>
-            <a:r>
-              <a:rPr lang="en-US" sz="2200"/>
-              <a:t>Schaue in die CDS, was bedeutet das Schlüsselwort UNION?</a:t>
-            </a:r>
-          </a:p>
-        </p:txBody>
-      </p:sp>
-      <p:pic>
-        <p:nvPicPr>
-          <p:cNvPr id="7" name="Inhaltsplatzhalter 6">
-            <a:extLst>
-              <a:ext uri="{FF2B5EF4-FFF2-40B4-BE49-F238E27FC236}">
-                <a16:creationId xmlns:a16="http://schemas.microsoft.com/office/drawing/2014/main" id="{D24ED170-966F-619C-F0C6-53EF5D449277}"/>
-              </a:ext>
-            </a:extLst>
-          </p:cNvPr>
-          <p:cNvPicPr>
-            <a:picLocks noGrp="1" noChangeAspect="1"/>
-          </p:cNvPicPr>
-          <p:nvPr>
-            <p:ph sz="half" idx="2"/>
-          </p:nvPr>
-        </p:nvPicPr>
-        <p:blipFill>
-          <a:blip r:embed="rId2"/>
-          <a:stretch>
-            <a:fillRect/>
-          </a:stretch>
-        </p:blipFill>
-        <p:spPr>
-          <a:xfrm>
-            <a:off x="6099048" y="938346"/>
-            <a:ext cx="5458968" cy="4981307"/>
-          </a:xfrm>
-          <a:prstGeom prst="rect">
-            <a:avLst/>
-          </a:prstGeom>
-        </p:spPr>
-      </p:pic>
-    </p:spTree>
-    <p:extLst>
-      <p:ext uri="{BB962C8B-B14F-4D97-AF65-F5344CB8AC3E}">
-        <p14:creationId xmlns:p14="http://schemas.microsoft.com/office/powerpoint/2010/main" val="2803094861"/>
-      </p:ext>
-    </p:extLst>
-  </p:cSld>
-  <p:clrMapOvr>
-    <a:masterClrMapping/>
-  </p:clrMapOvr>
-</p:sld>
-</file>
-
-<file path=ppt/slides/slide36.xml><?xml version="1.0" encoding="utf-8"?>
-<p:sld xmlns:a="http://schemas.openxmlformats.org/drawingml/2006/main" xmlns:r="http://schemas.openxmlformats.org/officeDocument/2006/relationships" xmlns:p="http://schemas.openxmlformats.org/presentationml/2006/main">
-  <p:cSld>
-    <p:bg>
-      <p:bgPr>
-        <a:solidFill>
-          <a:schemeClr val="bg1"/>
-        </a:solidFill>
-        <a:effectLst/>
-      </p:bgPr>
-    </p:bg>
-    <p:spTree>
-      <p:nvGrpSpPr>
-        <p:cNvPr id="1" name=""/>
-        <p:cNvGrpSpPr/>
-        <p:nvPr/>
-      </p:nvGrpSpPr>
-      <p:grpSpPr>
-        <a:xfrm>
-          <a:off x="0" y="0"/>
-          <a:ext cx="0" cy="0"/>
-          <a:chOff x="0" y="0"/>
-          <a:chExt cx="0" cy="0"/>
-        </a:xfrm>
-      </p:grpSpPr>
-      <p:sp useBgFill="1">
-        <p:nvSpPr>
-          <p:cNvPr id="17" name="Rectangle 16">
-            <a:extLst>
-              <a:ext uri="{FF2B5EF4-FFF2-40B4-BE49-F238E27FC236}">
-                <a16:creationId xmlns:a16="http://schemas.microsoft.com/office/drawing/2014/main" id="{32AEEBC8-9D30-42EF-95F2-386C2653FBF0}"/>
-              </a:ext>
-              <a:ext uri="{C183D7F6-B498-43B3-948B-1728B52AA6E4}">
-                <adec:decorative xmlns:adec="http://schemas.microsoft.com/office/drawing/2017/decorative" val="1"/>
-              </a:ext>
-            </a:extLst>
-          </p:cNvPr>
-          <p:cNvSpPr>
-            <a:spLocks noGrp="1" noRot="1" noChangeAspect="1" noMove="1" noResize="1" noEditPoints="1" noAdjustHandles="1" noChangeArrowheads="1" noChangeShapeType="1" noTextEdit="1"/>
-          </p:cNvSpPr>
-          <p:nvPr>
-            <p:extLst>
-              <p:ext uri="{386F3935-93C4-4BCD-93E2-E3B085C9AB24}">
-                <p16:designElem xmlns:p16="http://schemas.microsoft.com/office/powerpoint/2015/main" val="1"/>
-              </p:ext>
-            </p:extLst>
-          </p:nvPr>
-        </p:nvSpPr>
-        <p:spPr>
-          <a:xfrm>
-            <a:off x="0" y="0"/>
-            <a:ext cx="12192000" cy="6858000"/>
-          </a:xfrm>
-          <a:prstGeom prst="rect">
-            <a:avLst/>
-          </a:prstGeom>
-          <a:ln>
-            <a:noFill/>
-          </a:ln>
-        </p:spPr>
-        <p:style>
-          <a:lnRef idx="2">
-            <a:schemeClr val="accent1">
-              <a:shade val="50000"/>
-            </a:schemeClr>
-          </a:lnRef>
-          <a:fillRef idx="1">
-            <a:schemeClr val="accent1"/>
-          </a:fillRef>
-          <a:effectRef idx="0">
-            <a:schemeClr val="accent1"/>
-          </a:effectRef>
-          <a:fontRef idx="minor">
-            <a:schemeClr val="lt1"/>
-          </a:fontRef>
-        </p:style>
-        <p:txBody>
-          <a:bodyPr rtlCol="0" anchor="ctr"/>
-          <a:lstStyle/>
-          <a:p>
-            <a:pPr algn="ctr"/>
-            <a:endParaRPr lang="en-US"/>
-          </a:p>
-        </p:txBody>
-      </p:sp>
-      <p:sp>
-        <p:nvSpPr>
           <p:cNvPr id="2" name="Titel 1">
             <a:extLst>
               <a:ext uri="{FF2B5EF4-FFF2-40B4-BE49-F238E27FC236}">
@@ -23448,7 +22950,7 @@
 </p:sld>
 </file>
 
-<file path=ppt/slides/slide37.xml><?xml version="1.0" encoding="utf-8"?>
+<file path=ppt/slides/slide36.xml><?xml version="1.0" encoding="utf-8"?>
 <p:sld xmlns:a="http://schemas.openxmlformats.org/drawingml/2006/main" xmlns:r="http://schemas.openxmlformats.org/officeDocument/2006/relationships" xmlns:p="http://schemas.openxmlformats.org/presentationml/2006/main">
   <p:cSld>
     <p:bg>
@@ -23965,7 +23467,7 @@
 </p:sld>
 </file>
 
-<file path=ppt/slides/slide38.xml><?xml version="1.0" encoding="utf-8"?>
+<file path=ppt/slides/slide37.xml><?xml version="1.0" encoding="utf-8"?>
 <p:sld xmlns:a="http://schemas.openxmlformats.org/drawingml/2006/main" xmlns:r="http://schemas.openxmlformats.org/officeDocument/2006/relationships" xmlns:p="http://schemas.openxmlformats.org/presentationml/2006/main">
   <p:cSld>
     <p:spTree>
@@ -24118,6 +23620,504 @@
     <p:extLst>
       <p:ext uri="{BB962C8B-B14F-4D97-AF65-F5344CB8AC3E}">
         <p14:creationId xmlns:p14="http://schemas.microsoft.com/office/powerpoint/2010/main" val="2604299264"/>
+      </p:ext>
+    </p:extLst>
+  </p:cSld>
+  <p:clrMapOvr>
+    <a:masterClrMapping/>
+  </p:clrMapOvr>
+</p:sld>
+</file>
+
+<file path=ppt/slides/slide38.xml><?xml version="1.0" encoding="utf-8"?>
+<p:sld xmlns:a="http://schemas.openxmlformats.org/drawingml/2006/main" xmlns:r="http://schemas.openxmlformats.org/officeDocument/2006/relationships" xmlns:p="http://schemas.openxmlformats.org/presentationml/2006/main">
+  <p:cSld>
+    <p:bg>
+      <p:bgPr>
+        <a:solidFill>
+          <a:schemeClr val="bg1"/>
+        </a:solidFill>
+        <a:effectLst/>
+      </p:bgPr>
+    </p:bg>
+    <p:spTree>
+      <p:nvGrpSpPr>
+        <p:cNvPr id="1" name=""/>
+        <p:cNvGrpSpPr/>
+        <p:nvPr/>
+      </p:nvGrpSpPr>
+      <p:grpSpPr>
+        <a:xfrm>
+          <a:off x="0" y="0"/>
+          <a:ext cx="0" cy="0"/>
+          <a:chOff x="0" y="0"/>
+          <a:chExt cx="0" cy="0"/>
+        </a:xfrm>
+      </p:grpSpPr>
+      <p:sp useBgFill="1">
+        <p:nvSpPr>
+          <p:cNvPr id="12" name="Rectangle 11">
+            <a:extLst>
+              <a:ext uri="{FF2B5EF4-FFF2-40B4-BE49-F238E27FC236}">
+                <a16:creationId xmlns:a16="http://schemas.microsoft.com/office/drawing/2014/main" id="{743AA782-23D1-4521-8CAD-47662984AA08}"/>
+              </a:ext>
+              <a:ext uri="{C183D7F6-B498-43B3-948B-1728B52AA6E4}">
+                <adec:decorative xmlns:adec="http://schemas.microsoft.com/office/drawing/2017/decorative" val="1"/>
+              </a:ext>
+            </a:extLst>
+          </p:cNvPr>
+          <p:cNvSpPr>
+            <a:spLocks noGrp="1" noRot="1" noChangeAspect="1" noMove="1" noResize="1" noEditPoints="1" noAdjustHandles="1" noChangeArrowheads="1" noChangeShapeType="1" noTextEdit="1"/>
+          </p:cNvSpPr>
+          <p:nvPr>
+            <p:extLst>
+              <p:ext uri="{386F3935-93C4-4BCD-93E2-E3B085C9AB24}">
+                <p16:designElem xmlns:p16="http://schemas.microsoft.com/office/powerpoint/2015/main" val="1"/>
+              </p:ext>
+            </p:extLst>
+          </p:nvPr>
+        </p:nvSpPr>
+        <p:spPr>
+          <a:xfrm>
+            <a:off x="0" y="0"/>
+            <a:ext cx="12192000" cy="6858000"/>
+          </a:xfrm>
+          <a:prstGeom prst="rect">
+            <a:avLst/>
+          </a:prstGeom>
+          <a:ln>
+            <a:noFill/>
+          </a:ln>
+        </p:spPr>
+        <p:style>
+          <a:lnRef idx="2">
+            <a:schemeClr val="accent1">
+              <a:shade val="50000"/>
+            </a:schemeClr>
+          </a:lnRef>
+          <a:fillRef idx="1">
+            <a:schemeClr val="accent1"/>
+          </a:fillRef>
+          <a:effectRef idx="0">
+            <a:schemeClr val="accent1"/>
+          </a:effectRef>
+          <a:fontRef idx="minor">
+            <a:schemeClr val="lt1"/>
+          </a:fontRef>
+        </p:style>
+        <p:txBody>
+          <a:bodyPr rtlCol="0" anchor="ctr"/>
+          <a:lstStyle/>
+          <a:p>
+            <a:pPr algn="ctr"/>
+            <a:endParaRPr lang="en-US"/>
+          </a:p>
+        </p:txBody>
+      </p:sp>
+      <p:sp>
+        <p:nvSpPr>
+          <p:cNvPr id="4" name="Titel 3">
+            <a:extLst>
+              <a:ext uri="{FF2B5EF4-FFF2-40B4-BE49-F238E27FC236}">
+                <a16:creationId xmlns:a16="http://schemas.microsoft.com/office/drawing/2014/main" id="{C431E611-DE3B-AB67-721A-0F120C81268F}"/>
+              </a:ext>
+            </a:extLst>
+          </p:cNvPr>
+          <p:cNvSpPr>
+            <a:spLocks noGrp="1"/>
+          </p:cNvSpPr>
+          <p:nvPr>
+            <p:ph type="title"/>
+          </p:nvPr>
+        </p:nvSpPr>
+        <p:spPr>
+          <a:xfrm>
+            <a:off x="630936" y="640080"/>
+            <a:ext cx="4818888" cy="1481328"/>
+          </a:xfrm>
+        </p:spPr>
+        <p:txBody>
+          <a:bodyPr vert="horz" lIns="91440" tIns="45720" rIns="91440" bIns="45720" rtlCol="0" anchor="b">
+            <a:normAutofit/>
+          </a:bodyPr>
+          <a:lstStyle/>
+          <a:p>
+            <a:r>
+              <a:rPr lang="en-US" sz="5400" kern="1200">
+                <a:solidFill>
+                  <a:schemeClr val="tx1"/>
+                </a:solidFill>
+                <a:latin typeface="+mj-lt"/>
+                <a:ea typeface="+mj-ea"/>
+                <a:cs typeface="+mj-cs"/>
+              </a:rPr>
+              <a:t>Hands On</a:t>
+            </a:r>
+          </a:p>
+        </p:txBody>
+      </p:sp>
+      <p:sp>
+        <p:nvSpPr>
+          <p:cNvPr id="14" name="sketch line">
+            <a:extLst>
+              <a:ext uri="{FF2B5EF4-FFF2-40B4-BE49-F238E27FC236}">
+                <a16:creationId xmlns:a16="http://schemas.microsoft.com/office/drawing/2014/main" id="{71877DBC-BB60-40F0-AC93-2ACDBAAE60CE}"/>
+              </a:ext>
+              <a:ext uri="{C183D7F6-B498-43B3-948B-1728B52AA6E4}">
+                <adec:decorative xmlns:adec="http://schemas.microsoft.com/office/drawing/2017/decorative" val="1"/>
+              </a:ext>
+            </a:extLst>
+          </p:cNvPr>
+          <p:cNvSpPr>
+            <a:spLocks noGrp="1" noRot="1" noChangeAspect="1" noMove="1" noResize="1" noEditPoints="1" noAdjustHandles="1" noChangeArrowheads="1" noChangeShapeType="1" noTextEdit="1"/>
+          </p:cNvSpPr>
+          <p:nvPr>
+            <p:extLst>
+              <p:ext uri="{386F3935-93C4-4BCD-93E2-E3B085C9AB24}">
+                <p16:designElem xmlns:p16="http://schemas.microsoft.com/office/powerpoint/2015/main" val="1"/>
+              </p:ext>
+            </p:extLst>
+          </p:nvPr>
+        </p:nvSpPr>
+        <p:spPr>
+          <a:xfrm>
+            <a:off x="643278" y="2372868"/>
+            <a:ext cx="3255095" cy="18288"/>
+          </a:xfrm>
+          <a:custGeom>
+            <a:avLst/>
+            <a:gdLst>
+              <a:gd name="connsiteX0" fmla="*/ 0 w 3255095"/>
+              <a:gd name="connsiteY0" fmla="*/ 0 h 18288"/>
+              <a:gd name="connsiteX1" fmla="*/ 618468 w 3255095"/>
+              <a:gd name="connsiteY1" fmla="*/ 0 h 18288"/>
+              <a:gd name="connsiteX2" fmla="*/ 1269487 w 3255095"/>
+              <a:gd name="connsiteY2" fmla="*/ 0 h 18288"/>
+              <a:gd name="connsiteX3" fmla="*/ 1953057 w 3255095"/>
+              <a:gd name="connsiteY3" fmla="*/ 0 h 18288"/>
+              <a:gd name="connsiteX4" fmla="*/ 2636627 w 3255095"/>
+              <a:gd name="connsiteY4" fmla="*/ 0 h 18288"/>
+              <a:gd name="connsiteX5" fmla="*/ 3255095 w 3255095"/>
+              <a:gd name="connsiteY5" fmla="*/ 0 h 18288"/>
+              <a:gd name="connsiteX6" fmla="*/ 3255095 w 3255095"/>
+              <a:gd name="connsiteY6" fmla="*/ 18288 h 18288"/>
+              <a:gd name="connsiteX7" fmla="*/ 2538974 w 3255095"/>
+              <a:gd name="connsiteY7" fmla="*/ 18288 h 18288"/>
+              <a:gd name="connsiteX8" fmla="*/ 1822853 w 3255095"/>
+              <a:gd name="connsiteY8" fmla="*/ 18288 h 18288"/>
+              <a:gd name="connsiteX9" fmla="*/ 1171834 w 3255095"/>
+              <a:gd name="connsiteY9" fmla="*/ 18288 h 18288"/>
+              <a:gd name="connsiteX10" fmla="*/ 0 w 3255095"/>
+              <a:gd name="connsiteY10" fmla="*/ 18288 h 18288"/>
+              <a:gd name="connsiteX11" fmla="*/ 0 w 3255095"/>
+              <a:gd name="connsiteY11" fmla="*/ 0 h 18288"/>
+            </a:gdLst>
+            <a:ahLst/>
+            <a:cxnLst>
+              <a:cxn ang="0">
+                <a:pos x="connsiteX0" y="connsiteY0"/>
+              </a:cxn>
+              <a:cxn ang="0">
+                <a:pos x="connsiteX1" y="connsiteY1"/>
+              </a:cxn>
+              <a:cxn ang="0">
+                <a:pos x="connsiteX2" y="connsiteY2"/>
+              </a:cxn>
+              <a:cxn ang="0">
+                <a:pos x="connsiteX3" y="connsiteY3"/>
+              </a:cxn>
+              <a:cxn ang="0">
+                <a:pos x="connsiteX4" y="connsiteY4"/>
+              </a:cxn>
+              <a:cxn ang="0">
+                <a:pos x="connsiteX5" y="connsiteY5"/>
+              </a:cxn>
+              <a:cxn ang="0">
+                <a:pos x="connsiteX6" y="connsiteY6"/>
+              </a:cxn>
+              <a:cxn ang="0">
+                <a:pos x="connsiteX7" y="connsiteY7"/>
+              </a:cxn>
+              <a:cxn ang="0">
+                <a:pos x="connsiteX8" y="connsiteY8"/>
+              </a:cxn>
+              <a:cxn ang="0">
+                <a:pos x="connsiteX9" y="connsiteY9"/>
+              </a:cxn>
+              <a:cxn ang="0">
+                <a:pos x="connsiteX10" y="connsiteY10"/>
+              </a:cxn>
+              <a:cxn ang="0">
+                <a:pos x="connsiteX11" y="connsiteY11"/>
+              </a:cxn>
+            </a:cxnLst>
+            <a:rect l="l" t="t" r="r" b="b"/>
+            <a:pathLst>
+              <a:path w="3255095" h="18288" fill="none" extrusionOk="0">
+                <a:moveTo>
+                  <a:pt x="0" y="0"/>
+                </a:moveTo>
+                <a:cubicBezTo>
+                  <a:pt x="240201" y="-22123"/>
+                  <a:pt x="462021" y="-19623"/>
+                  <a:pt x="618468" y="0"/>
+                </a:cubicBezTo>
+                <a:cubicBezTo>
+                  <a:pt x="774915" y="19623"/>
+                  <a:pt x="974734" y="2035"/>
+                  <a:pt x="1269487" y="0"/>
+                </a:cubicBezTo>
+                <a:cubicBezTo>
+                  <a:pt x="1564240" y="-2035"/>
+                  <a:pt x="1733579" y="10639"/>
+                  <a:pt x="1953057" y="0"/>
+                </a:cubicBezTo>
+                <a:cubicBezTo>
+                  <a:pt x="2172535" y="-10639"/>
+                  <a:pt x="2453962" y="14018"/>
+                  <a:pt x="2636627" y="0"/>
+                </a:cubicBezTo>
+                <a:cubicBezTo>
+                  <a:pt x="2819292" y="-14018"/>
+                  <a:pt x="3121375" y="5399"/>
+                  <a:pt x="3255095" y="0"/>
+                </a:cubicBezTo>
+                <a:cubicBezTo>
+                  <a:pt x="3254386" y="8157"/>
+                  <a:pt x="3254682" y="12125"/>
+                  <a:pt x="3255095" y="18288"/>
+                </a:cubicBezTo>
+                <a:cubicBezTo>
+                  <a:pt x="3088545" y="23203"/>
+                  <a:pt x="2687475" y="7419"/>
+                  <a:pt x="2538974" y="18288"/>
+                </a:cubicBezTo>
+                <a:cubicBezTo>
+                  <a:pt x="2390473" y="29157"/>
+                  <a:pt x="2137381" y="-8959"/>
+                  <a:pt x="1822853" y="18288"/>
+                </a:cubicBezTo>
+                <a:cubicBezTo>
+                  <a:pt x="1508325" y="45535"/>
+                  <a:pt x="1466437" y="20385"/>
+                  <a:pt x="1171834" y="18288"/>
+                </a:cubicBezTo>
+                <a:cubicBezTo>
+                  <a:pt x="877231" y="16191"/>
+                  <a:pt x="561097" y="37643"/>
+                  <a:pt x="0" y="18288"/>
+                </a:cubicBezTo>
+                <a:cubicBezTo>
+                  <a:pt x="-46" y="12483"/>
+                  <a:pt x="-203" y="6491"/>
+                  <a:pt x="0" y="0"/>
+                </a:cubicBezTo>
+                <a:close/>
+              </a:path>
+              <a:path w="3255095" h="18288" stroke="0" extrusionOk="0">
+                <a:moveTo>
+                  <a:pt x="0" y="0"/>
+                </a:moveTo>
+                <a:cubicBezTo>
+                  <a:pt x="291965" y="19429"/>
+                  <a:pt x="363155" y="8568"/>
+                  <a:pt x="618468" y="0"/>
+                </a:cubicBezTo>
+                <a:cubicBezTo>
+                  <a:pt x="873781" y="-8568"/>
+                  <a:pt x="904459" y="-19505"/>
+                  <a:pt x="1171834" y="0"/>
+                </a:cubicBezTo>
+                <a:cubicBezTo>
+                  <a:pt x="1439209" y="19505"/>
+                  <a:pt x="1744369" y="9790"/>
+                  <a:pt x="1887955" y="0"/>
+                </a:cubicBezTo>
+                <a:cubicBezTo>
+                  <a:pt x="2031541" y="-9790"/>
+                  <a:pt x="2346378" y="21240"/>
+                  <a:pt x="2506423" y="0"/>
+                </a:cubicBezTo>
+                <a:cubicBezTo>
+                  <a:pt x="2666468" y="-21240"/>
+                  <a:pt x="2990257" y="30414"/>
+                  <a:pt x="3255095" y="0"/>
+                </a:cubicBezTo>
+                <a:cubicBezTo>
+                  <a:pt x="3254831" y="4493"/>
+                  <a:pt x="3255479" y="9472"/>
+                  <a:pt x="3255095" y="18288"/>
+                </a:cubicBezTo>
+                <a:cubicBezTo>
+                  <a:pt x="3120743" y="16690"/>
+                  <a:pt x="2759628" y="42462"/>
+                  <a:pt x="2604076" y="18288"/>
+                </a:cubicBezTo>
+                <a:cubicBezTo>
+                  <a:pt x="2448524" y="-5886"/>
+                  <a:pt x="2184336" y="19599"/>
+                  <a:pt x="1887955" y="18288"/>
+                </a:cubicBezTo>
+                <a:cubicBezTo>
+                  <a:pt x="1591574" y="16977"/>
+                  <a:pt x="1548845" y="6870"/>
+                  <a:pt x="1334589" y="18288"/>
+                </a:cubicBezTo>
+                <a:cubicBezTo>
+                  <a:pt x="1120333" y="29706"/>
+                  <a:pt x="996014" y="9662"/>
+                  <a:pt x="683570" y="18288"/>
+                </a:cubicBezTo>
+                <a:cubicBezTo>
+                  <a:pt x="371126" y="26914"/>
+                  <a:pt x="198687" y="16167"/>
+                  <a:pt x="0" y="18288"/>
+                </a:cubicBezTo>
+                <a:cubicBezTo>
+                  <a:pt x="843" y="9577"/>
+                  <a:pt x="371" y="6900"/>
+                  <a:pt x="0" y="0"/>
+                </a:cubicBezTo>
+                <a:close/>
+              </a:path>
+            </a:pathLst>
+          </a:custGeom>
+          <a:solidFill>
+            <a:schemeClr val="accent2"/>
+          </a:solidFill>
+          <a:ln w="38100" cap="rnd">
+            <a:solidFill>
+              <a:schemeClr val="accent2"/>
+            </a:solidFill>
+            <a:round/>
+            <a:extLst>
+              <a:ext uri="{C807C97D-BFC1-408E-A445-0C87EB9F89A2}">
+                <ask:lineSketchStyleProps xmlns:ask="http://schemas.microsoft.com/office/drawing/2018/sketchyshapes" sd="1219033472">
+                  <a:prstGeom prst="rect">
+                    <a:avLst/>
+                  </a:prstGeom>
+                  <ask:type>
+                    <ask:lineSketchFreehand/>
+                  </ask:type>
+                </ask:lineSketchStyleProps>
+              </a:ext>
+            </a:extLst>
+          </a:ln>
+        </p:spPr>
+        <p:style>
+          <a:lnRef idx="2">
+            <a:schemeClr val="accent1">
+              <a:shade val="50000"/>
+            </a:schemeClr>
+          </a:lnRef>
+          <a:fillRef idx="1">
+            <a:schemeClr val="accent1"/>
+          </a:fillRef>
+          <a:effectRef idx="0">
+            <a:schemeClr val="accent1"/>
+          </a:effectRef>
+          <a:fontRef idx="minor">
+            <a:schemeClr val="lt1"/>
+          </a:fontRef>
+        </p:style>
+        <p:txBody>
+          <a:bodyPr rtlCol="0" anchor="ctr"/>
+          <a:lstStyle/>
+          <a:p>
+            <a:pPr algn="ctr"/>
+            <a:endParaRPr lang="en-US"/>
+          </a:p>
+        </p:txBody>
+      </p:sp>
+      <p:sp>
+        <p:nvSpPr>
+          <p:cNvPr id="5" name="Inhaltsplatzhalter 4">
+            <a:extLst>
+              <a:ext uri="{FF2B5EF4-FFF2-40B4-BE49-F238E27FC236}">
+                <a16:creationId xmlns:a16="http://schemas.microsoft.com/office/drawing/2014/main" id="{BCDC4504-6868-6EC8-73B3-C93719517973}"/>
+              </a:ext>
+            </a:extLst>
+          </p:cNvPr>
+          <p:cNvSpPr>
+            <a:spLocks noGrp="1"/>
+          </p:cNvSpPr>
+          <p:nvPr>
+            <p:ph sz="half" idx="1"/>
+          </p:nvPr>
+        </p:nvSpPr>
+        <p:spPr>
+          <a:xfrm>
+            <a:off x="630936" y="2660904"/>
+            <a:ext cx="4818888" cy="3547872"/>
+          </a:xfrm>
+        </p:spPr>
+        <p:txBody>
+          <a:bodyPr vert="horz" lIns="91440" tIns="45720" rIns="91440" bIns="45720" rtlCol="0" anchor="t">
+            <a:normAutofit/>
+          </a:bodyPr>
+          <a:lstStyle/>
+          <a:p>
+            <a:r>
+              <a:rPr lang="en-US" sz="2200"/>
+              <a:t>Setze folgenden Report um.</a:t>
+            </a:r>
+          </a:p>
+          <a:p>
+            <a:r>
+              <a:rPr lang="en-US" sz="2200"/>
+              <a:t>Dokumentiere im Quellcode die Ergebnisse der unterschiedlichen Selektionen.</a:t>
+            </a:r>
+          </a:p>
+          <a:p>
+            <a:r>
+              <a:rPr lang="en-US" sz="2200"/>
+              <a:t>Kannst du sagen, warum die Ergebnisse unterschiedlich ausfallen?</a:t>
+            </a:r>
+          </a:p>
+          <a:p>
+            <a:r>
+              <a:rPr lang="en-US" sz="2200"/>
+              <a:t>Schaue in die CDS, was bedeutet das Schlüsselwort UNION?</a:t>
+            </a:r>
+          </a:p>
+        </p:txBody>
+      </p:sp>
+      <p:pic>
+        <p:nvPicPr>
+          <p:cNvPr id="7" name="Inhaltsplatzhalter 6">
+            <a:extLst>
+              <a:ext uri="{FF2B5EF4-FFF2-40B4-BE49-F238E27FC236}">
+                <a16:creationId xmlns:a16="http://schemas.microsoft.com/office/drawing/2014/main" id="{D24ED170-966F-619C-F0C6-53EF5D449277}"/>
+              </a:ext>
+            </a:extLst>
+          </p:cNvPr>
+          <p:cNvPicPr>
+            <a:picLocks noGrp="1" noChangeAspect="1"/>
+          </p:cNvPicPr>
+          <p:nvPr>
+            <p:ph sz="half" idx="2"/>
+          </p:nvPr>
+        </p:nvPicPr>
+        <p:blipFill>
+          <a:blip r:embed="rId2"/>
+          <a:stretch>
+            <a:fillRect/>
+          </a:stretch>
+        </p:blipFill>
+        <p:spPr>
+          <a:xfrm>
+            <a:off x="6099048" y="938346"/>
+            <a:ext cx="5458968" cy="4981307"/>
+          </a:xfrm>
+          <a:prstGeom prst="rect">
+            <a:avLst/>
+          </a:prstGeom>
+        </p:spPr>
+      </p:pic>
+    </p:spTree>
+    <p:extLst>
+      <p:ext uri="{BB962C8B-B14F-4D97-AF65-F5344CB8AC3E}">
+        <p14:creationId xmlns:p14="http://schemas.microsoft.com/office/powerpoint/2010/main" val="2803094861"/>
       </p:ext>
     </p:extLst>
   </p:cSld>
